--- a/the hive bus.pptx
+++ b/the hive bus.pptx
@@ -5,9 +5,14 @@
     <p:sldMasterId id="2147483648" r:id="rId1"/>
   </p:sldMasterIdLst>
   <p:sldIdLst>
-    <p:sldId id="257" r:id="rId2"/>
-    <p:sldId id="256" r:id="rId3"/>
-    <p:sldId id="258" r:id="rId4"/>
+    <p:sldId id="259" r:id="rId2"/>
+    <p:sldId id="261" r:id="rId3"/>
+    <p:sldId id="262" r:id="rId4"/>
+    <p:sldId id="265" r:id="rId5"/>
+    <p:sldId id="257" r:id="rId6"/>
+    <p:sldId id="264" r:id="rId7"/>
+    <p:sldId id="263" r:id="rId8"/>
+    <p:sldId id="258" r:id="rId9"/>
   </p:sldIdLst>
   <p:sldSz cx="12192000" cy="6858000"/>
   <p:notesSz cx="6858000" cy="9144000"/>
@@ -272,7 +277,7 @@
           <a:p>
             <a:fld id="{7A35CFBD-BAEC-481C-B25C-B454F6258635}" type="datetimeFigureOut">
               <a:rPr lang="en-US" smtClean="0"/>
-              <a:t>1/26/2022</a:t>
+              <a:t>1/31/2022</a:t>
             </a:fld>
             <a:endParaRPr lang="en-US"/>
           </a:p>
@@ -470,7 +475,7 @@
           <a:p>
             <a:fld id="{7A35CFBD-BAEC-481C-B25C-B454F6258635}" type="datetimeFigureOut">
               <a:rPr lang="en-US" smtClean="0"/>
-              <a:t>1/26/2022</a:t>
+              <a:t>1/31/2022</a:t>
             </a:fld>
             <a:endParaRPr lang="en-US"/>
           </a:p>
@@ -678,7 +683,7 @@
           <a:p>
             <a:fld id="{7A35CFBD-BAEC-481C-B25C-B454F6258635}" type="datetimeFigureOut">
               <a:rPr lang="en-US" smtClean="0"/>
-              <a:t>1/26/2022</a:t>
+              <a:t>1/31/2022</a:t>
             </a:fld>
             <a:endParaRPr lang="en-US"/>
           </a:p>
@@ -876,7 +881,7 @@
           <a:p>
             <a:fld id="{7A35CFBD-BAEC-481C-B25C-B454F6258635}" type="datetimeFigureOut">
               <a:rPr lang="en-US" smtClean="0"/>
-              <a:t>1/26/2022</a:t>
+              <a:t>1/31/2022</a:t>
             </a:fld>
             <a:endParaRPr lang="en-US"/>
           </a:p>
@@ -1151,7 +1156,7 @@
           <a:p>
             <a:fld id="{7A35CFBD-BAEC-481C-B25C-B454F6258635}" type="datetimeFigureOut">
               <a:rPr lang="en-US" smtClean="0"/>
-              <a:t>1/26/2022</a:t>
+              <a:t>1/31/2022</a:t>
             </a:fld>
             <a:endParaRPr lang="en-US"/>
           </a:p>
@@ -1416,7 +1421,7 @@
           <a:p>
             <a:fld id="{7A35CFBD-BAEC-481C-B25C-B454F6258635}" type="datetimeFigureOut">
               <a:rPr lang="en-US" smtClean="0"/>
-              <a:t>1/26/2022</a:t>
+              <a:t>1/31/2022</a:t>
             </a:fld>
             <a:endParaRPr lang="en-US"/>
           </a:p>
@@ -1828,7 +1833,7 @@
           <a:p>
             <a:fld id="{7A35CFBD-BAEC-481C-B25C-B454F6258635}" type="datetimeFigureOut">
               <a:rPr lang="en-US" smtClean="0"/>
-              <a:t>1/26/2022</a:t>
+              <a:t>1/31/2022</a:t>
             </a:fld>
             <a:endParaRPr lang="en-US"/>
           </a:p>
@@ -1969,7 +1974,7 @@
           <a:p>
             <a:fld id="{7A35CFBD-BAEC-481C-B25C-B454F6258635}" type="datetimeFigureOut">
               <a:rPr lang="en-US" smtClean="0"/>
-              <a:t>1/26/2022</a:t>
+              <a:t>1/31/2022</a:t>
             </a:fld>
             <a:endParaRPr lang="en-US"/>
           </a:p>
@@ -2082,7 +2087,7 @@
           <a:p>
             <a:fld id="{7A35CFBD-BAEC-481C-B25C-B454F6258635}" type="datetimeFigureOut">
               <a:rPr lang="en-US" smtClean="0"/>
-              <a:t>1/26/2022</a:t>
+              <a:t>1/31/2022</a:t>
             </a:fld>
             <a:endParaRPr lang="en-US"/>
           </a:p>
@@ -2393,7 +2398,7 @@
           <a:p>
             <a:fld id="{7A35CFBD-BAEC-481C-B25C-B454F6258635}" type="datetimeFigureOut">
               <a:rPr lang="en-US" smtClean="0"/>
-              <a:t>1/26/2022</a:t>
+              <a:t>1/31/2022</a:t>
             </a:fld>
             <a:endParaRPr lang="en-US"/>
           </a:p>
@@ -2681,7 +2686,7 @@
           <a:p>
             <a:fld id="{7A35CFBD-BAEC-481C-B25C-B454F6258635}" type="datetimeFigureOut">
               <a:rPr lang="en-US" smtClean="0"/>
-              <a:t>1/26/2022</a:t>
+              <a:t>1/31/2022</a:t>
             </a:fld>
             <a:endParaRPr lang="en-US"/>
           </a:p>
@@ -2922,7 +2927,7 @@
           <a:p>
             <a:fld id="{7A35CFBD-BAEC-481C-B25C-B454F6258635}" type="datetimeFigureOut">
               <a:rPr lang="en-US" smtClean="0"/>
-              <a:t>1/26/2022</a:t>
+              <a:t>1/31/2022</a:t>
             </a:fld>
             <a:endParaRPr lang="en-US"/>
           </a:p>
@@ -3339,6 +3344,6425 @@
           <a:chExt cx="0" cy="0"/>
         </a:xfrm>
       </p:grpSpPr>
+      <p:sp>
+        <p:nvSpPr>
+          <p:cNvPr id="47" name="TextBox 46">
+            <a:extLst>
+              <a:ext uri="{FF2B5EF4-FFF2-40B4-BE49-F238E27FC236}">
+                <a16:creationId xmlns:a16="http://schemas.microsoft.com/office/drawing/2014/main" id="{2AB2E027-84F7-4149-A60E-C4B60567C5BC}"/>
+              </a:ext>
+            </a:extLst>
+          </p:cNvPr>
+          <p:cNvSpPr txBox="1"/>
+          <p:nvPr/>
+        </p:nvSpPr>
+        <p:spPr>
+          <a:xfrm>
+            <a:off x="4747096" y="282103"/>
+            <a:ext cx="2548647" cy="461665"/>
+          </a:xfrm>
+          <a:prstGeom prst="rect">
+            <a:avLst/>
+          </a:prstGeom>
+          <a:noFill/>
+        </p:spPr>
+        <p:txBody>
+          <a:bodyPr wrap="square" rtlCol="0">
+            <a:spAutoFit/>
+          </a:bodyPr>
+          <a:lstStyle/>
+          <a:p>
+            <a:pPr algn="ctr"/>
+            <a:r>
+              <a:rPr lang="en-US" sz="2400" dirty="0"/>
+              <a:t>The problem</a:t>
+            </a:r>
+          </a:p>
+        </p:txBody>
+      </p:sp>
+      <p:sp>
+        <p:nvSpPr>
+          <p:cNvPr id="61" name="TextBox 60">
+            <a:extLst>
+              <a:ext uri="{FF2B5EF4-FFF2-40B4-BE49-F238E27FC236}">
+                <a16:creationId xmlns:a16="http://schemas.microsoft.com/office/drawing/2014/main" id="{B341A277-FDC1-4111-82F3-37025D9105D6}"/>
+              </a:ext>
+            </a:extLst>
+          </p:cNvPr>
+          <p:cNvSpPr txBox="1"/>
+          <p:nvPr/>
+        </p:nvSpPr>
+        <p:spPr>
+          <a:xfrm>
+            <a:off x="3579778" y="2300511"/>
+            <a:ext cx="5272392" cy="1754326"/>
+          </a:xfrm>
+          <a:prstGeom prst="rect">
+            <a:avLst/>
+          </a:prstGeom>
+          <a:noFill/>
+        </p:spPr>
+        <p:txBody>
+          <a:bodyPr wrap="square" rtlCol="0">
+            <a:spAutoFit/>
+          </a:bodyPr>
+          <a:lstStyle/>
+          <a:p>
+            <a:r>
+              <a:rPr lang="en-US" dirty="0"/>
+              <a:t>Traffic is a major problem in the world, time wasted on a drive where you can’t do anything. A businessman might be on their way to an important meeting, or a parent rushing home to make their child do homework. The problem still stands, but we may be able to produce a solution. We introduce Hive Bus.</a:t>
+            </a:r>
+          </a:p>
+        </p:txBody>
+      </p:sp>
+    </p:spTree>
+    <p:extLst>
+      <p:ext uri="{BB962C8B-B14F-4D97-AF65-F5344CB8AC3E}">
+        <p14:creationId xmlns:p14="http://schemas.microsoft.com/office/powerpoint/2010/main" val="2768912478"/>
+      </p:ext>
+    </p:extLst>
+  </p:cSld>
+  <p:clrMapOvr>
+    <a:masterClrMapping/>
+  </p:clrMapOvr>
+</p:sld>
+</file>
+
+<file path=ppt/slides/slide2.xml><?xml version="1.0" encoding="utf-8"?>
+<p:sld xmlns:a="http://schemas.openxmlformats.org/drawingml/2006/main" xmlns:r="http://schemas.openxmlformats.org/officeDocument/2006/relationships" xmlns:p="http://schemas.openxmlformats.org/presentationml/2006/main">
+  <p:cSld>
+    <p:spTree>
+      <p:nvGrpSpPr>
+        <p:cNvPr id="1" name=""/>
+        <p:cNvGrpSpPr/>
+        <p:nvPr/>
+      </p:nvGrpSpPr>
+      <p:grpSpPr>
+        <a:xfrm>
+          <a:off x="0" y="0"/>
+          <a:ext cx="0" cy="0"/>
+          <a:chOff x="0" y="0"/>
+          <a:chExt cx="0" cy="0"/>
+        </a:xfrm>
+      </p:grpSpPr>
+      <p:sp>
+        <p:nvSpPr>
+          <p:cNvPr id="2" name="TextBox 1">
+            <a:extLst>
+              <a:ext uri="{FF2B5EF4-FFF2-40B4-BE49-F238E27FC236}">
+                <a16:creationId xmlns:a16="http://schemas.microsoft.com/office/drawing/2014/main" id="{ACB38B76-5C18-4090-A2F1-7C6246A36813}"/>
+              </a:ext>
+            </a:extLst>
+          </p:cNvPr>
+          <p:cNvSpPr txBox="1"/>
+          <p:nvPr/>
+        </p:nvSpPr>
+        <p:spPr>
+          <a:xfrm>
+            <a:off x="4270443" y="642025"/>
+            <a:ext cx="2334638" cy="461665"/>
+          </a:xfrm>
+          <a:prstGeom prst="rect">
+            <a:avLst/>
+          </a:prstGeom>
+          <a:noFill/>
+        </p:spPr>
+        <p:txBody>
+          <a:bodyPr wrap="square" rtlCol="0">
+            <a:spAutoFit/>
+          </a:bodyPr>
+          <a:lstStyle/>
+          <a:p>
+            <a:pPr algn="ctr"/>
+            <a:r>
+              <a:rPr lang="en-US" sz="2400" dirty="0"/>
+              <a:t>Our solution</a:t>
+            </a:r>
+          </a:p>
+        </p:txBody>
+      </p:sp>
+      <p:sp>
+        <p:nvSpPr>
+          <p:cNvPr id="3" name="TextBox 2">
+            <a:extLst>
+              <a:ext uri="{FF2B5EF4-FFF2-40B4-BE49-F238E27FC236}">
+                <a16:creationId xmlns:a16="http://schemas.microsoft.com/office/drawing/2014/main" id="{AB0C6336-B7BF-4E32-A614-7653799249FA}"/>
+              </a:ext>
+            </a:extLst>
+          </p:cNvPr>
+          <p:cNvSpPr txBox="1"/>
+          <p:nvPr/>
+        </p:nvSpPr>
+        <p:spPr>
+          <a:xfrm>
+            <a:off x="2581072" y="1475362"/>
+            <a:ext cx="5713379" cy="1815882"/>
+          </a:xfrm>
+          <a:prstGeom prst="rect">
+            <a:avLst/>
+          </a:prstGeom>
+          <a:noFill/>
+        </p:spPr>
+        <p:txBody>
+          <a:bodyPr wrap="square" rtlCol="0">
+            <a:spAutoFit/>
+          </a:bodyPr>
+          <a:lstStyle/>
+          <a:p>
+            <a:pPr algn="ctr"/>
+            <a:r>
+              <a:rPr lang="en-US" sz="1600" dirty="0"/>
+              <a:t>Bus Efficiency with Car Conveniency.</a:t>
+            </a:r>
+          </a:p>
+          <a:p>
+            <a:pPr algn="ctr"/>
+            <a:r>
+              <a:rPr lang="en-US" sz="1600" dirty="0"/>
+              <a:t>So, the idea is that cars in the form of hexagons and shall combine and create a bus like type of transportation. And instead of each bus moving individually much like cars, the bus will be much like the air control center, the ACC, each bus will know where the other buses are to avoid collision and traffic. And it will also be powered by electricity meaning it will also help the environment.</a:t>
+            </a:r>
+          </a:p>
+        </p:txBody>
+      </p:sp>
+      <p:sp>
+        <p:nvSpPr>
+          <p:cNvPr id="4" name="Hexagon 3">
+            <a:extLst>
+              <a:ext uri="{FF2B5EF4-FFF2-40B4-BE49-F238E27FC236}">
+                <a16:creationId xmlns:a16="http://schemas.microsoft.com/office/drawing/2014/main" id="{7AC78BC0-F565-485C-B531-31C4A4B30F4A}"/>
+              </a:ext>
+            </a:extLst>
+          </p:cNvPr>
+          <p:cNvSpPr/>
+          <p:nvPr/>
+        </p:nvSpPr>
+        <p:spPr>
+          <a:xfrm>
+            <a:off x="1329265" y="4370294"/>
+            <a:ext cx="1007706" cy="909734"/>
+          </a:xfrm>
+          <a:prstGeom prst="hexagon">
+            <a:avLst>
+              <a:gd name="adj" fmla="val 26489"/>
+              <a:gd name="vf" fmla="val 115470"/>
+            </a:avLst>
+          </a:prstGeom>
+        </p:spPr>
+        <p:style>
+          <a:lnRef idx="2">
+            <a:schemeClr val="accent4">
+              <a:shade val="50000"/>
+            </a:schemeClr>
+          </a:lnRef>
+          <a:fillRef idx="1">
+            <a:schemeClr val="accent4"/>
+          </a:fillRef>
+          <a:effectRef idx="0">
+            <a:schemeClr val="accent4"/>
+          </a:effectRef>
+          <a:fontRef idx="minor">
+            <a:schemeClr val="lt1"/>
+          </a:fontRef>
+        </p:style>
+        <p:txBody>
+          <a:bodyPr rtlCol="0" anchor="ctr"/>
+          <a:lstStyle/>
+          <a:p>
+            <a:pPr algn="ctr"/>
+            <a:endParaRPr lang="en-US"/>
+          </a:p>
+        </p:txBody>
+      </p:sp>
+      <p:sp>
+        <p:nvSpPr>
+          <p:cNvPr id="5" name="Hexagon 4">
+            <a:extLst>
+              <a:ext uri="{FF2B5EF4-FFF2-40B4-BE49-F238E27FC236}">
+                <a16:creationId xmlns:a16="http://schemas.microsoft.com/office/drawing/2014/main" id="{A8494F4C-EBFD-4EFD-9865-2125555A46B5}"/>
+              </a:ext>
+            </a:extLst>
+          </p:cNvPr>
+          <p:cNvSpPr/>
+          <p:nvPr/>
+        </p:nvSpPr>
+        <p:spPr>
+          <a:xfrm>
+            <a:off x="2084267" y="5718573"/>
+            <a:ext cx="1007706" cy="909734"/>
+          </a:xfrm>
+          <a:prstGeom prst="hexagon">
+            <a:avLst>
+              <a:gd name="adj" fmla="val 26489"/>
+              <a:gd name="vf" fmla="val 115470"/>
+            </a:avLst>
+          </a:prstGeom>
+        </p:spPr>
+        <p:style>
+          <a:lnRef idx="2">
+            <a:schemeClr val="accent6">
+              <a:shade val="50000"/>
+            </a:schemeClr>
+          </a:lnRef>
+          <a:fillRef idx="1">
+            <a:schemeClr val="accent6"/>
+          </a:fillRef>
+          <a:effectRef idx="0">
+            <a:schemeClr val="accent6"/>
+          </a:effectRef>
+          <a:fontRef idx="minor">
+            <a:schemeClr val="lt1"/>
+          </a:fontRef>
+        </p:style>
+        <p:txBody>
+          <a:bodyPr rtlCol="0" anchor="ctr"/>
+          <a:lstStyle/>
+          <a:p>
+            <a:pPr algn="ctr"/>
+            <a:endParaRPr lang="en-US"/>
+          </a:p>
+        </p:txBody>
+      </p:sp>
+      <p:sp>
+        <p:nvSpPr>
+          <p:cNvPr id="6" name="Hexagon 5">
+            <a:extLst>
+              <a:ext uri="{FF2B5EF4-FFF2-40B4-BE49-F238E27FC236}">
+                <a16:creationId xmlns:a16="http://schemas.microsoft.com/office/drawing/2014/main" id="{A4F88B68-32A4-4DBB-9E12-285D524FE8D0}"/>
+              </a:ext>
+            </a:extLst>
+          </p:cNvPr>
+          <p:cNvSpPr/>
+          <p:nvPr/>
+        </p:nvSpPr>
+        <p:spPr>
+          <a:xfrm>
+            <a:off x="1329265" y="5280028"/>
+            <a:ext cx="1007706" cy="909734"/>
+          </a:xfrm>
+          <a:prstGeom prst="hexagon">
+            <a:avLst>
+              <a:gd name="adj" fmla="val 26489"/>
+              <a:gd name="vf" fmla="val 115470"/>
+            </a:avLst>
+          </a:prstGeom>
+        </p:spPr>
+        <p:style>
+          <a:lnRef idx="2">
+            <a:schemeClr val="accent1">
+              <a:shade val="50000"/>
+            </a:schemeClr>
+          </a:lnRef>
+          <a:fillRef idx="1">
+            <a:schemeClr val="accent1"/>
+          </a:fillRef>
+          <a:effectRef idx="0">
+            <a:schemeClr val="accent1"/>
+          </a:effectRef>
+          <a:fontRef idx="minor">
+            <a:schemeClr val="lt1"/>
+          </a:fontRef>
+        </p:style>
+        <p:txBody>
+          <a:bodyPr rtlCol="0" anchor="ctr"/>
+          <a:lstStyle/>
+          <a:p>
+            <a:pPr algn="ctr"/>
+            <a:endParaRPr lang="en-US"/>
+          </a:p>
+        </p:txBody>
+      </p:sp>
+      <p:sp>
+        <p:nvSpPr>
+          <p:cNvPr id="7" name="Hexagon 6">
+            <a:extLst>
+              <a:ext uri="{FF2B5EF4-FFF2-40B4-BE49-F238E27FC236}">
+                <a16:creationId xmlns:a16="http://schemas.microsoft.com/office/drawing/2014/main" id="{578798F8-5053-44DE-B9E8-755646D38FC7}"/>
+              </a:ext>
+            </a:extLst>
+          </p:cNvPr>
+          <p:cNvSpPr/>
+          <p:nvPr/>
+        </p:nvSpPr>
+        <p:spPr>
+          <a:xfrm>
+            <a:off x="2084461" y="4808836"/>
+            <a:ext cx="1007706" cy="909735"/>
+          </a:xfrm>
+          <a:prstGeom prst="hexagon">
+            <a:avLst>
+              <a:gd name="adj" fmla="val 26489"/>
+              <a:gd name="vf" fmla="val 115470"/>
+            </a:avLst>
+          </a:prstGeom>
+        </p:spPr>
+        <p:style>
+          <a:lnRef idx="1">
+            <a:schemeClr val="accent6"/>
+          </a:lnRef>
+          <a:fillRef idx="2">
+            <a:schemeClr val="accent6"/>
+          </a:fillRef>
+          <a:effectRef idx="1">
+            <a:schemeClr val="accent6"/>
+          </a:effectRef>
+          <a:fontRef idx="minor">
+            <a:schemeClr val="dk1"/>
+          </a:fontRef>
+        </p:style>
+        <p:txBody>
+          <a:bodyPr rtlCol="0" anchor="ctr"/>
+          <a:lstStyle/>
+          <a:p>
+            <a:pPr algn="ctr"/>
+            <a:endParaRPr lang="en-US"/>
+          </a:p>
+        </p:txBody>
+      </p:sp>
+      <p:sp>
+        <p:nvSpPr>
+          <p:cNvPr id="8" name="Hexagon 7">
+            <a:extLst>
+              <a:ext uri="{FF2B5EF4-FFF2-40B4-BE49-F238E27FC236}">
+                <a16:creationId xmlns:a16="http://schemas.microsoft.com/office/drawing/2014/main" id="{AB7F179C-D9C5-4A31-9903-409DF01B98CA}"/>
+              </a:ext>
+            </a:extLst>
+          </p:cNvPr>
+          <p:cNvSpPr/>
+          <p:nvPr/>
+        </p:nvSpPr>
+        <p:spPr>
+          <a:xfrm>
+            <a:off x="2844713" y="5263706"/>
+            <a:ext cx="1007706" cy="909734"/>
+          </a:xfrm>
+          <a:prstGeom prst="hexagon">
+            <a:avLst>
+              <a:gd name="adj" fmla="val 26489"/>
+              <a:gd name="vf" fmla="val 115470"/>
+            </a:avLst>
+          </a:prstGeom>
+        </p:spPr>
+        <p:style>
+          <a:lnRef idx="2">
+            <a:schemeClr val="accent3">
+              <a:shade val="50000"/>
+            </a:schemeClr>
+          </a:lnRef>
+          <a:fillRef idx="1">
+            <a:schemeClr val="accent3"/>
+          </a:fillRef>
+          <a:effectRef idx="0">
+            <a:schemeClr val="accent3"/>
+          </a:effectRef>
+          <a:fontRef idx="minor">
+            <a:schemeClr val="lt1"/>
+          </a:fontRef>
+        </p:style>
+        <p:txBody>
+          <a:bodyPr rtlCol="0" anchor="ctr"/>
+          <a:lstStyle/>
+          <a:p>
+            <a:pPr algn="ctr"/>
+            <a:endParaRPr lang="en-US"/>
+          </a:p>
+        </p:txBody>
+      </p:sp>
+      <p:sp>
+        <p:nvSpPr>
+          <p:cNvPr id="9" name="Hexagon 8">
+            <a:extLst>
+              <a:ext uri="{FF2B5EF4-FFF2-40B4-BE49-F238E27FC236}">
+                <a16:creationId xmlns:a16="http://schemas.microsoft.com/office/drawing/2014/main" id="{B4C519C4-1032-4228-A474-15657B7536EB}"/>
+              </a:ext>
+            </a:extLst>
+          </p:cNvPr>
+          <p:cNvSpPr/>
+          <p:nvPr/>
+        </p:nvSpPr>
+        <p:spPr>
+          <a:xfrm>
+            <a:off x="2084267" y="3899105"/>
+            <a:ext cx="1007706" cy="909734"/>
+          </a:xfrm>
+          <a:prstGeom prst="hexagon">
+            <a:avLst>
+              <a:gd name="adj" fmla="val 26489"/>
+              <a:gd name="vf" fmla="val 115470"/>
+            </a:avLst>
+          </a:prstGeom>
+        </p:spPr>
+        <p:style>
+          <a:lnRef idx="2">
+            <a:schemeClr val="accent2">
+              <a:shade val="50000"/>
+            </a:schemeClr>
+          </a:lnRef>
+          <a:fillRef idx="1">
+            <a:schemeClr val="accent2"/>
+          </a:fillRef>
+          <a:effectRef idx="0">
+            <a:schemeClr val="accent2"/>
+          </a:effectRef>
+          <a:fontRef idx="minor">
+            <a:schemeClr val="lt1"/>
+          </a:fontRef>
+        </p:style>
+        <p:txBody>
+          <a:bodyPr rtlCol="0" anchor="ctr"/>
+          <a:lstStyle/>
+          <a:p>
+            <a:pPr algn="ctr"/>
+            <a:endParaRPr lang="en-US"/>
+          </a:p>
+        </p:txBody>
+      </p:sp>
+      <p:sp>
+        <p:nvSpPr>
+          <p:cNvPr id="10" name="Hexagon 9">
+            <a:extLst>
+              <a:ext uri="{FF2B5EF4-FFF2-40B4-BE49-F238E27FC236}">
+                <a16:creationId xmlns:a16="http://schemas.microsoft.com/office/drawing/2014/main" id="{A4D6E137-860F-4540-9633-E886349131BB}"/>
+              </a:ext>
+            </a:extLst>
+          </p:cNvPr>
+          <p:cNvSpPr/>
+          <p:nvPr/>
+        </p:nvSpPr>
+        <p:spPr>
+          <a:xfrm>
+            <a:off x="2844713" y="4353972"/>
+            <a:ext cx="1007706" cy="909734"/>
+          </a:xfrm>
+          <a:prstGeom prst="hexagon">
+            <a:avLst>
+              <a:gd name="adj" fmla="val 26489"/>
+              <a:gd name="vf" fmla="val 115470"/>
+            </a:avLst>
+          </a:prstGeom>
+        </p:spPr>
+        <p:style>
+          <a:lnRef idx="2">
+            <a:schemeClr val="accent1">
+              <a:shade val="50000"/>
+            </a:schemeClr>
+          </a:lnRef>
+          <a:fillRef idx="1">
+            <a:schemeClr val="accent1"/>
+          </a:fillRef>
+          <a:effectRef idx="0">
+            <a:schemeClr val="accent1"/>
+          </a:effectRef>
+          <a:fontRef idx="minor">
+            <a:schemeClr val="lt1"/>
+          </a:fontRef>
+        </p:style>
+        <p:txBody>
+          <a:bodyPr rtlCol="0" anchor="ctr"/>
+          <a:lstStyle/>
+          <a:p>
+            <a:pPr algn="ctr"/>
+            <a:endParaRPr lang="en-US"/>
+          </a:p>
+        </p:txBody>
+      </p:sp>
+      <p:sp>
+        <p:nvSpPr>
+          <p:cNvPr id="11" name="Hexagon 10">
+            <a:extLst>
+              <a:ext uri="{FF2B5EF4-FFF2-40B4-BE49-F238E27FC236}">
+                <a16:creationId xmlns:a16="http://schemas.microsoft.com/office/drawing/2014/main" id="{156B79AD-9F95-44D7-824E-172C8561A7BA}"/>
+              </a:ext>
+            </a:extLst>
+          </p:cNvPr>
+          <p:cNvSpPr/>
+          <p:nvPr/>
+        </p:nvSpPr>
+        <p:spPr>
+          <a:xfrm>
+            <a:off x="3621486" y="3899104"/>
+            <a:ext cx="1007706" cy="909734"/>
+          </a:xfrm>
+          <a:prstGeom prst="hexagon">
+            <a:avLst>
+              <a:gd name="adj" fmla="val 26489"/>
+              <a:gd name="vf" fmla="val 115470"/>
+            </a:avLst>
+          </a:prstGeom>
+        </p:spPr>
+        <p:style>
+          <a:lnRef idx="2">
+            <a:schemeClr val="accent4">
+              <a:shade val="50000"/>
+            </a:schemeClr>
+          </a:lnRef>
+          <a:fillRef idx="1">
+            <a:schemeClr val="accent4"/>
+          </a:fillRef>
+          <a:effectRef idx="0">
+            <a:schemeClr val="accent4"/>
+          </a:effectRef>
+          <a:fontRef idx="minor">
+            <a:schemeClr val="lt1"/>
+          </a:fontRef>
+        </p:style>
+        <p:txBody>
+          <a:bodyPr rtlCol="0" anchor="ctr"/>
+          <a:lstStyle/>
+          <a:p>
+            <a:pPr algn="ctr"/>
+            <a:endParaRPr lang="en-US"/>
+          </a:p>
+        </p:txBody>
+      </p:sp>
+      <p:sp>
+        <p:nvSpPr>
+          <p:cNvPr id="12" name="Hexagon 11">
+            <a:extLst>
+              <a:ext uri="{FF2B5EF4-FFF2-40B4-BE49-F238E27FC236}">
+                <a16:creationId xmlns:a16="http://schemas.microsoft.com/office/drawing/2014/main" id="{E797F544-9ACD-4496-9AE5-34B4EE0BD6FA}"/>
+              </a:ext>
+            </a:extLst>
+          </p:cNvPr>
+          <p:cNvSpPr/>
+          <p:nvPr/>
+        </p:nvSpPr>
+        <p:spPr>
+          <a:xfrm>
+            <a:off x="4368713" y="5287031"/>
+            <a:ext cx="1007706" cy="909734"/>
+          </a:xfrm>
+          <a:prstGeom prst="hexagon">
+            <a:avLst>
+              <a:gd name="adj" fmla="val 26489"/>
+              <a:gd name="vf" fmla="val 115470"/>
+            </a:avLst>
+          </a:prstGeom>
+        </p:spPr>
+        <p:style>
+          <a:lnRef idx="2">
+            <a:schemeClr val="accent6">
+              <a:shade val="50000"/>
+            </a:schemeClr>
+          </a:lnRef>
+          <a:fillRef idx="1">
+            <a:schemeClr val="accent6"/>
+          </a:fillRef>
+          <a:effectRef idx="0">
+            <a:schemeClr val="accent6"/>
+          </a:effectRef>
+          <a:fontRef idx="minor">
+            <a:schemeClr val="lt1"/>
+          </a:fontRef>
+        </p:style>
+        <p:txBody>
+          <a:bodyPr rtlCol="0" anchor="ctr"/>
+          <a:lstStyle/>
+          <a:p>
+            <a:pPr algn="ctr"/>
+            <a:endParaRPr lang="en-US"/>
+          </a:p>
+        </p:txBody>
+      </p:sp>
+      <p:sp>
+        <p:nvSpPr>
+          <p:cNvPr id="13" name="Hexagon 12">
+            <a:extLst>
+              <a:ext uri="{FF2B5EF4-FFF2-40B4-BE49-F238E27FC236}">
+                <a16:creationId xmlns:a16="http://schemas.microsoft.com/office/drawing/2014/main" id="{7D6E0451-FD47-4D82-BD7E-16CE980F3038}"/>
+              </a:ext>
+            </a:extLst>
+          </p:cNvPr>
+          <p:cNvSpPr/>
+          <p:nvPr/>
+        </p:nvSpPr>
+        <p:spPr>
+          <a:xfrm>
+            <a:off x="3621486" y="4808838"/>
+            <a:ext cx="1007706" cy="909734"/>
+          </a:xfrm>
+          <a:prstGeom prst="hexagon">
+            <a:avLst>
+              <a:gd name="adj" fmla="val 26489"/>
+              <a:gd name="vf" fmla="val 115470"/>
+            </a:avLst>
+          </a:prstGeom>
+        </p:spPr>
+        <p:style>
+          <a:lnRef idx="2">
+            <a:schemeClr val="accent1">
+              <a:shade val="50000"/>
+            </a:schemeClr>
+          </a:lnRef>
+          <a:fillRef idx="1">
+            <a:schemeClr val="accent1"/>
+          </a:fillRef>
+          <a:effectRef idx="0">
+            <a:schemeClr val="accent1"/>
+          </a:effectRef>
+          <a:fontRef idx="minor">
+            <a:schemeClr val="lt1"/>
+          </a:fontRef>
+        </p:style>
+        <p:txBody>
+          <a:bodyPr rtlCol="0" anchor="ctr"/>
+          <a:lstStyle/>
+          <a:p>
+            <a:pPr algn="ctr"/>
+            <a:endParaRPr lang="en-US"/>
+          </a:p>
+        </p:txBody>
+      </p:sp>
+      <p:sp>
+        <p:nvSpPr>
+          <p:cNvPr id="14" name="Hexagon 13">
+            <a:extLst>
+              <a:ext uri="{FF2B5EF4-FFF2-40B4-BE49-F238E27FC236}">
+                <a16:creationId xmlns:a16="http://schemas.microsoft.com/office/drawing/2014/main" id="{B5D5CBF1-94A1-4747-9306-40FF1BAB45E4}"/>
+              </a:ext>
+            </a:extLst>
+          </p:cNvPr>
+          <p:cNvSpPr/>
+          <p:nvPr/>
+        </p:nvSpPr>
+        <p:spPr>
+          <a:xfrm>
+            <a:off x="4395926" y="4353970"/>
+            <a:ext cx="971939" cy="933061"/>
+          </a:xfrm>
+          <a:prstGeom prst="hexagon">
+            <a:avLst>
+              <a:gd name="adj" fmla="val 26489"/>
+              <a:gd name="vf" fmla="val 115470"/>
+            </a:avLst>
+          </a:prstGeom>
+        </p:spPr>
+        <p:style>
+          <a:lnRef idx="1">
+            <a:schemeClr val="accent6"/>
+          </a:lnRef>
+          <a:fillRef idx="2">
+            <a:schemeClr val="accent6"/>
+          </a:fillRef>
+          <a:effectRef idx="1">
+            <a:schemeClr val="accent6"/>
+          </a:effectRef>
+          <a:fontRef idx="minor">
+            <a:schemeClr val="dk1"/>
+          </a:fontRef>
+        </p:style>
+        <p:txBody>
+          <a:bodyPr rtlCol="0" anchor="ctr"/>
+          <a:lstStyle/>
+          <a:p>
+            <a:pPr algn="ctr"/>
+            <a:endParaRPr lang="en-US"/>
+          </a:p>
+        </p:txBody>
+      </p:sp>
+      <p:sp>
+        <p:nvSpPr>
+          <p:cNvPr id="15" name="Hexagon 14">
+            <a:extLst>
+              <a:ext uri="{FF2B5EF4-FFF2-40B4-BE49-F238E27FC236}">
+                <a16:creationId xmlns:a16="http://schemas.microsoft.com/office/drawing/2014/main" id="{42AC43C5-DC1B-401E-B95A-5D8911ADCD81}"/>
+              </a:ext>
+            </a:extLst>
+          </p:cNvPr>
+          <p:cNvSpPr/>
+          <p:nvPr/>
+        </p:nvSpPr>
+        <p:spPr>
+          <a:xfrm>
+            <a:off x="5136932" y="4808838"/>
+            <a:ext cx="1007706" cy="909734"/>
+          </a:xfrm>
+          <a:prstGeom prst="hexagon">
+            <a:avLst>
+              <a:gd name="adj" fmla="val 26489"/>
+              <a:gd name="vf" fmla="val 115470"/>
+            </a:avLst>
+          </a:prstGeom>
+        </p:spPr>
+        <p:style>
+          <a:lnRef idx="2">
+            <a:schemeClr val="accent3">
+              <a:shade val="50000"/>
+            </a:schemeClr>
+          </a:lnRef>
+          <a:fillRef idx="1">
+            <a:schemeClr val="accent3"/>
+          </a:fillRef>
+          <a:effectRef idx="0">
+            <a:schemeClr val="accent3"/>
+          </a:effectRef>
+          <a:fontRef idx="minor">
+            <a:schemeClr val="lt1"/>
+          </a:fontRef>
+        </p:style>
+        <p:txBody>
+          <a:bodyPr rtlCol="0" anchor="ctr"/>
+          <a:lstStyle/>
+          <a:p>
+            <a:pPr algn="ctr"/>
+            <a:endParaRPr lang="en-US"/>
+          </a:p>
+        </p:txBody>
+      </p:sp>
+      <p:sp>
+        <p:nvSpPr>
+          <p:cNvPr id="16" name="Hexagon 15">
+            <a:extLst>
+              <a:ext uri="{FF2B5EF4-FFF2-40B4-BE49-F238E27FC236}">
+                <a16:creationId xmlns:a16="http://schemas.microsoft.com/office/drawing/2014/main" id="{AC659627-962B-41D3-8C3B-908153D61CE9}"/>
+              </a:ext>
+            </a:extLst>
+          </p:cNvPr>
+          <p:cNvSpPr/>
+          <p:nvPr/>
+        </p:nvSpPr>
+        <p:spPr>
+          <a:xfrm>
+            <a:off x="3621486" y="5718571"/>
+            <a:ext cx="1007706" cy="909734"/>
+          </a:xfrm>
+          <a:prstGeom prst="hexagon">
+            <a:avLst>
+              <a:gd name="adj" fmla="val 26489"/>
+              <a:gd name="vf" fmla="val 115470"/>
+            </a:avLst>
+          </a:prstGeom>
+        </p:spPr>
+        <p:style>
+          <a:lnRef idx="2">
+            <a:schemeClr val="accent2">
+              <a:shade val="50000"/>
+            </a:schemeClr>
+          </a:lnRef>
+          <a:fillRef idx="1">
+            <a:schemeClr val="accent2"/>
+          </a:fillRef>
+          <a:effectRef idx="0">
+            <a:schemeClr val="accent2"/>
+          </a:effectRef>
+          <a:fontRef idx="minor">
+            <a:schemeClr val="lt1"/>
+          </a:fontRef>
+        </p:style>
+        <p:txBody>
+          <a:bodyPr rtlCol="0" anchor="ctr"/>
+          <a:lstStyle/>
+          <a:p>
+            <a:pPr algn="ctr"/>
+            <a:endParaRPr lang="en-US"/>
+          </a:p>
+        </p:txBody>
+      </p:sp>
+      <p:sp>
+        <p:nvSpPr>
+          <p:cNvPr id="17" name="Hexagon 16">
+            <a:extLst>
+              <a:ext uri="{FF2B5EF4-FFF2-40B4-BE49-F238E27FC236}">
+                <a16:creationId xmlns:a16="http://schemas.microsoft.com/office/drawing/2014/main" id="{9665E9E1-006F-494E-8978-EEB028491A4C}"/>
+              </a:ext>
+            </a:extLst>
+          </p:cNvPr>
+          <p:cNvSpPr/>
+          <p:nvPr/>
+        </p:nvSpPr>
+        <p:spPr>
+          <a:xfrm>
+            <a:off x="5136932" y="3899104"/>
+            <a:ext cx="1007706" cy="909734"/>
+          </a:xfrm>
+          <a:prstGeom prst="hexagon">
+            <a:avLst>
+              <a:gd name="adj" fmla="val 26489"/>
+              <a:gd name="vf" fmla="val 115470"/>
+            </a:avLst>
+          </a:prstGeom>
+        </p:spPr>
+        <p:style>
+          <a:lnRef idx="2">
+            <a:schemeClr val="accent1">
+              <a:shade val="50000"/>
+            </a:schemeClr>
+          </a:lnRef>
+          <a:fillRef idx="1">
+            <a:schemeClr val="accent1"/>
+          </a:fillRef>
+          <a:effectRef idx="0">
+            <a:schemeClr val="accent1"/>
+          </a:effectRef>
+          <a:fontRef idx="minor">
+            <a:schemeClr val="lt1"/>
+          </a:fontRef>
+        </p:style>
+        <p:txBody>
+          <a:bodyPr rtlCol="0" anchor="ctr"/>
+          <a:lstStyle/>
+          <a:p>
+            <a:pPr algn="ctr"/>
+            <a:endParaRPr lang="en-US"/>
+          </a:p>
+        </p:txBody>
+      </p:sp>
+      <p:sp>
+        <p:nvSpPr>
+          <p:cNvPr id="18" name="Hexagon 17">
+            <a:extLst>
+              <a:ext uri="{FF2B5EF4-FFF2-40B4-BE49-F238E27FC236}">
+                <a16:creationId xmlns:a16="http://schemas.microsoft.com/office/drawing/2014/main" id="{C332B3FF-CC38-4B4C-9678-81C527F36829}"/>
+              </a:ext>
+            </a:extLst>
+          </p:cNvPr>
+          <p:cNvSpPr/>
+          <p:nvPr/>
+        </p:nvSpPr>
+        <p:spPr>
+          <a:xfrm>
+            <a:off x="5913706" y="4353970"/>
+            <a:ext cx="1007706" cy="909734"/>
+          </a:xfrm>
+          <a:prstGeom prst="hexagon">
+            <a:avLst>
+              <a:gd name="adj" fmla="val 26489"/>
+              <a:gd name="vf" fmla="val 115470"/>
+            </a:avLst>
+          </a:prstGeom>
+        </p:spPr>
+        <p:style>
+          <a:lnRef idx="2">
+            <a:schemeClr val="accent4">
+              <a:shade val="50000"/>
+            </a:schemeClr>
+          </a:lnRef>
+          <a:fillRef idx="1">
+            <a:schemeClr val="accent4"/>
+          </a:fillRef>
+          <a:effectRef idx="0">
+            <a:schemeClr val="accent4"/>
+          </a:effectRef>
+          <a:fontRef idx="minor">
+            <a:schemeClr val="lt1"/>
+          </a:fontRef>
+        </p:style>
+        <p:txBody>
+          <a:bodyPr rtlCol="0" anchor="ctr"/>
+          <a:lstStyle/>
+          <a:p>
+            <a:pPr algn="ctr"/>
+            <a:endParaRPr lang="en-US"/>
+          </a:p>
+        </p:txBody>
+      </p:sp>
+      <p:sp>
+        <p:nvSpPr>
+          <p:cNvPr id="19" name="Hexagon 18">
+            <a:extLst>
+              <a:ext uri="{FF2B5EF4-FFF2-40B4-BE49-F238E27FC236}">
+                <a16:creationId xmlns:a16="http://schemas.microsoft.com/office/drawing/2014/main" id="{18604D0B-796F-4996-A6D1-4B4F63736FF8}"/>
+              </a:ext>
+            </a:extLst>
+          </p:cNvPr>
+          <p:cNvSpPr/>
+          <p:nvPr/>
+        </p:nvSpPr>
+        <p:spPr>
+          <a:xfrm>
+            <a:off x="6652380" y="5718571"/>
+            <a:ext cx="1007706" cy="909734"/>
+          </a:xfrm>
+          <a:prstGeom prst="hexagon">
+            <a:avLst>
+              <a:gd name="adj" fmla="val 26489"/>
+              <a:gd name="vf" fmla="val 115470"/>
+            </a:avLst>
+          </a:prstGeom>
+        </p:spPr>
+        <p:style>
+          <a:lnRef idx="2">
+            <a:schemeClr val="accent6">
+              <a:shade val="50000"/>
+            </a:schemeClr>
+          </a:lnRef>
+          <a:fillRef idx="1">
+            <a:schemeClr val="accent6"/>
+          </a:fillRef>
+          <a:effectRef idx="0">
+            <a:schemeClr val="accent6"/>
+          </a:effectRef>
+          <a:fontRef idx="minor">
+            <a:schemeClr val="lt1"/>
+          </a:fontRef>
+        </p:style>
+        <p:txBody>
+          <a:bodyPr rtlCol="0" anchor="ctr"/>
+          <a:lstStyle/>
+          <a:p>
+            <a:pPr algn="ctr"/>
+            <a:endParaRPr lang="en-US"/>
+          </a:p>
+        </p:txBody>
+      </p:sp>
+      <p:sp>
+        <p:nvSpPr>
+          <p:cNvPr id="20" name="Hexagon 19">
+            <a:extLst>
+              <a:ext uri="{FF2B5EF4-FFF2-40B4-BE49-F238E27FC236}">
+                <a16:creationId xmlns:a16="http://schemas.microsoft.com/office/drawing/2014/main" id="{D057A431-DACE-4886-B9A5-1BC7ADA6CD34}"/>
+              </a:ext>
+            </a:extLst>
+          </p:cNvPr>
+          <p:cNvSpPr/>
+          <p:nvPr/>
+        </p:nvSpPr>
+        <p:spPr>
+          <a:xfrm>
+            <a:off x="5913706" y="5263704"/>
+            <a:ext cx="1007706" cy="909734"/>
+          </a:xfrm>
+          <a:prstGeom prst="hexagon">
+            <a:avLst>
+              <a:gd name="adj" fmla="val 26489"/>
+              <a:gd name="vf" fmla="val 115470"/>
+            </a:avLst>
+          </a:prstGeom>
+        </p:spPr>
+        <p:style>
+          <a:lnRef idx="2">
+            <a:schemeClr val="accent1">
+              <a:shade val="50000"/>
+            </a:schemeClr>
+          </a:lnRef>
+          <a:fillRef idx="1">
+            <a:schemeClr val="accent1"/>
+          </a:fillRef>
+          <a:effectRef idx="0">
+            <a:schemeClr val="accent1"/>
+          </a:effectRef>
+          <a:fontRef idx="minor">
+            <a:schemeClr val="lt1"/>
+          </a:fontRef>
+        </p:style>
+        <p:txBody>
+          <a:bodyPr rtlCol="0" anchor="ctr"/>
+          <a:lstStyle/>
+          <a:p>
+            <a:pPr algn="ctr"/>
+            <a:endParaRPr lang="en-US"/>
+          </a:p>
+        </p:txBody>
+      </p:sp>
+      <p:sp>
+        <p:nvSpPr>
+          <p:cNvPr id="21" name="Hexagon 20">
+            <a:extLst>
+              <a:ext uri="{FF2B5EF4-FFF2-40B4-BE49-F238E27FC236}">
+                <a16:creationId xmlns:a16="http://schemas.microsoft.com/office/drawing/2014/main" id="{5E87CC36-CCC9-41DD-80D6-7740F81A0827}"/>
+              </a:ext>
+            </a:extLst>
+          </p:cNvPr>
+          <p:cNvSpPr/>
+          <p:nvPr/>
+        </p:nvSpPr>
+        <p:spPr>
+          <a:xfrm>
+            <a:off x="6688146" y="4808836"/>
+            <a:ext cx="971939" cy="933061"/>
+          </a:xfrm>
+          <a:prstGeom prst="hexagon">
+            <a:avLst>
+              <a:gd name="adj" fmla="val 26489"/>
+              <a:gd name="vf" fmla="val 115470"/>
+            </a:avLst>
+          </a:prstGeom>
+        </p:spPr>
+        <p:style>
+          <a:lnRef idx="1">
+            <a:schemeClr val="accent6"/>
+          </a:lnRef>
+          <a:fillRef idx="2">
+            <a:schemeClr val="accent6"/>
+          </a:fillRef>
+          <a:effectRef idx="1">
+            <a:schemeClr val="accent6"/>
+          </a:effectRef>
+          <a:fontRef idx="minor">
+            <a:schemeClr val="dk1"/>
+          </a:fontRef>
+        </p:style>
+        <p:txBody>
+          <a:bodyPr rtlCol="0" anchor="ctr"/>
+          <a:lstStyle/>
+          <a:p>
+            <a:pPr algn="ctr"/>
+            <a:endParaRPr lang="en-US"/>
+          </a:p>
+        </p:txBody>
+      </p:sp>
+      <p:sp>
+        <p:nvSpPr>
+          <p:cNvPr id="22" name="Hexagon 21">
+            <a:extLst>
+              <a:ext uri="{FF2B5EF4-FFF2-40B4-BE49-F238E27FC236}">
+                <a16:creationId xmlns:a16="http://schemas.microsoft.com/office/drawing/2014/main" id="{FD59C7B5-F087-4840-9B71-7A6565DCF404}"/>
+              </a:ext>
+            </a:extLst>
+          </p:cNvPr>
+          <p:cNvSpPr/>
+          <p:nvPr/>
+        </p:nvSpPr>
+        <p:spPr>
+          <a:xfrm>
+            <a:off x="6652380" y="3899103"/>
+            <a:ext cx="1007706" cy="909734"/>
+          </a:xfrm>
+          <a:prstGeom prst="hexagon">
+            <a:avLst>
+              <a:gd name="adj" fmla="val 26489"/>
+              <a:gd name="vf" fmla="val 115470"/>
+            </a:avLst>
+          </a:prstGeom>
+        </p:spPr>
+        <p:style>
+          <a:lnRef idx="2">
+            <a:schemeClr val="accent2">
+              <a:shade val="50000"/>
+            </a:schemeClr>
+          </a:lnRef>
+          <a:fillRef idx="1">
+            <a:schemeClr val="accent2"/>
+          </a:fillRef>
+          <a:effectRef idx="0">
+            <a:schemeClr val="accent2"/>
+          </a:effectRef>
+          <a:fontRef idx="minor">
+            <a:schemeClr val="lt1"/>
+          </a:fontRef>
+        </p:style>
+        <p:txBody>
+          <a:bodyPr rtlCol="0" anchor="ctr"/>
+          <a:lstStyle/>
+          <a:p>
+            <a:pPr algn="ctr"/>
+            <a:endParaRPr lang="en-US"/>
+          </a:p>
+        </p:txBody>
+      </p:sp>
+      <p:sp>
+        <p:nvSpPr>
+          <p:cNvPr id="23" name="Hexagon 22">
+            <a:extLst>
+              <a:ext uri="{FF2B5EF4-FFF2-40B4-BE49-F238E27FC236}">
+                <a16:creationId xmlns:a16="http://schemas.microsoft.com/office/drawing/2014/main" id="{F3A650D7-0380-4C17-A5A8-B2CB5CB6F4FD}"/>
+              </a:ext>
+            </a:extLst>
+          </p:cNvPr>
+          <p:cNvSpPr/>
+          <p:nvPr/>
+        </p:nvSpPr>
+        <p:spPr>
+          <a:xfrm>
+            <a:off x="7391053" y="4353969"/>
+            <a:ext cx="1007706" cy="909734"/>
+          </a:xfrm>
+          <a:prstGeom prst="hexagon">
+            <a:avLst>
+              <a:gd name="adj" fmla="val 26489"/>
+              <a:gd name="vf" fmla="val 115470"/>
+            </a:avLst>
+          </a:prstGeom>
+        </p:spPr>
+        <p:style>
+          <a:lnRef idx="2">
+            <a:schemeClr val="accent4">
+              <a:shade val="50000"/>
+            </a:schemeClr>
+          </a:lnRef>
+          <a:fillRef idx="1">
+            <a:schemeClr val="accent4"/>
+          </a:fillRef>
+          <a:effectRef idx="0">
+            <a:schemeClr val="accent4"/>
+          </a:effectRef>
+          <a:fontRef idx="minor">
+            <a:schemeClr val="lt1"/>
+          </a:fontRef>
+        </p:style>
+        <p:txBody>
+          <a:bodyPr rtlCol="0" anchor="ctr"/>
+          <a:lstStyle/>
+          <a:p>
+            <a:pPr algn="ctr"/>
+            <a:endParaRPr lang="en-US"/>
+          </a:p>
+        </p:txBody>
+      </p:sp>
+      <p:sp>
+        <p:nvSpPr>
+          <p:cNvPr id="24" name="Hexagon 23">
+            <a:extLst>
+              <a:ext uri="{FF2B5EF4-FFF2-40B4-BE49-F238E27FC236}">
+                <a16:creationId xmlns:a16="http://schemas.microsoft.com/office/drawing/2014/main" id="{CEE24829-1D9C-41BF-B316-C161070CA7C5}"/>
+              </a:ext>
+            </a:extLst>
+          </p:cNvPr>
+          <p:cNvSpPr/>
+          <p:nvPr/>
+        </p:nvSpPr>
+        <p:spPr>
+          <a:xfrm>
+            <a:off x="7391053" y="5263703"/>
+            <a:ext cx="1007706" cy="909734"/>
+          </a:xfrm>
+          <a:prstGeom prst="hexagon">
+            <a:avLst>
+              <a:gd name="adj" fmla="val 26489"/>
+              <a:gd name="vf" fmla="val 115470"/>
+            </a:avLst>
+          </a:prstGeom>
+        </p:spPr>
+        <p:style>
+          <a:lnRef idx="2">
+            <a:schemeClr val="accent1">
+              <a:shade val="50000"/>
+            </a:schemeClr>
+          </a:lnRef>
+          <a:fillRef idx="1">
+            <a:schemeClr val="accent1"/>
+          </a:fillRef>
+          <a:effectRef idx="0">
+            <a:schemeClr val="accent1"/>
+          </a:effectRef>
+          <a:fontRef idx="minor">
+            <a:schemeClr val="lt1"/>
+          </a:fontRef>
+        </p:style>
+        <p:txBody>
+          <a:bodyPr rtlCol="0" anchor="ctr"/>
+          <a:lstStyle/>
+          <a:p>
+            <a:pPr algn="ctr"/>
+            <a:endParaRPr lang="en-US"/>
+          </a:p>
+        </p:txBody>
+      </p:sp>
+      <p:sp>
+        <p:nvSpPr>
+          <p:cNvPr id="25" name="Hexagon 24">
+            <a:extLst>
+              <a:ext uri="{FF2B5EF4-FFF2-40B4-BE49-F238E27FC236}">
+                <a16:creationId xmlns:a16="http://schemas.microsoft.com/office/drawing/2014/main" id="{8306B168-3401-4236-997B-B3010019648F}"/>
+              </a:ext>
+            </a:extLst>
+          </p:cNvPr>
+          <p:cNvSpPr/>
+          <p:nvPr/>
+        </p:nvSpPr>
+        <p:spPr>
+          <a:xfrm>
+            <a:off x="5135767" y="5718570"/>
+            <a:ext cx="1007706" cy="909734"/>
+          </a:xfrm>
+          <a:prstGeom prst="hexagon">
+            <a:avLst>
+              <a:gd name="adj" fmla="val 26489"/>
+              <a:gd name="vf" fmla="val 115470"/>
+            </a:avLst>
+          </a:prstGeom>
+        </p:spPr>
+        <p:style>
+          <a:lnRef idx="2">
+            <a:schemeClr val="accent4">
+              <a:shade val="50000"/>
+            </a:schemeClr>
+          </a:lnRef>
+          <a:fillRef idx="1">
+            <a:schemeClr val="accent4"/>
+          </a:fillRef>
+          <a:effectRef idx="0">
+            <a:schemeClr val="accent4"/>
+          </a:effectRef>
+          <a:fontRef idx="minor">
+            <a:schemeClr val="lt1"/>
+          </a:fontRef>
+        </p:style>
+        <p:txBody>
+          <a:bodyPr rtlCol="0" anchor="ctr"/>
+          <a:lstStyle/>
+          <a:p>
+            <a:pPr algn="ctr"/>
+            <a:endParaRPr lang="en-US"/>
+          </a:p>
+        </p:txBody>
+      </p:sp>
+      <p:grpSp>
+        <p:nvGrpSpPr>
+          <p:cNvPr id="26" name="Group 25">
+            <a:extLst>
+              <a:ext uri="{FF2B5EF4-FFF2-40B4-BE49-F238E27FC236}">
+                <a16:creationId xmlns:a16="http://schemas.microsoft.com/office/drawing/2014/main" id="{C7802BAB-A229-46CC-A03A-0F0E8740378E}"/>
+              </a:ext>
+            </a:extLst>
+          </p:cNvPr>
+          <p:cNvGrpSpPr/>
+          <p:nvPr/>
+        </p:nvGrpSpPr>
+        <p:grpSpPr>
+          <a:xfrm>
+            <a:off x="7695851" y="3899103"/>
+            <a:ext cx="2509545" cy="2729200"/>
+            <a:chOff x="8625373" y="1304731"/>
+            <a:chExt cx="2509545" cy="2729200"/>
+          </a:xfrm>
+        </p:grpSpPr>
+        <p:grpSp>
+          <p:nvGrpSpPr>
+            <p:cNvPr id="27" name="Group 26">
+              <a:extLst>
+                <a:ext uri="{FF2B5EF4-FFF2-40B4-BE49-F238E27FC236}">
+                  <a16:creationId xmlns:a16="http://schemas.microsoft.com/office/drawing/2014/main" id="{495B955F-7F42-4B96-B99F-5A443ED8F93D}"/>
+                </a:ext>
+              </a:extLst>
+            </p:cNvPr>
+            <p:cNvGrpSpPr/>
+            <p:nvPr/>
+          </p:nvGrpSpPr>
+          <p:grpSpPr>
+            <a:xfrm>
+              <a:off x="9086855" y="1304731"/>
+              <a:ext cx="1008480" cy="2729200"/>
+              <a:chOff x="9086855" y="1304731"/>
+              <a:chExt cx="1008480" cy="2729200"/>
+            </a:xfrm>
+          </p:grpSpPr>
+          <p:sp>
+            <p:nvSpPr>
+              <p:cNvPr id="29" name="Hexagon 28">
+                <a:extLst>
+                  <a:ext uri="{FF2B5EF4-FFF2-40B4-BE49-F238E27FC236}">
+                    <a16:creationId xmlns:a16="http://schemas.microsoft.com/office/drawing/2014/main" id="{D3E488B3-5332-4385-AE91-C7FA17B8C072}"/>
+                  </a:ext>
+                </a:extLst>
+              </p:cNvPr>
+              <p:cNvSpPr/>
+              <p:nvPr/>
+            </p:nvSpPr>
+            <p:spPr>
+              <a:xfrm>
+                <a:off x="9087242" y="2214465"/>
+                <a:ext cx="1007706" cy="909734"/>
+              </a:xfrm>
+              <a:prstGeom prst="hexagon">
+                <a:avLst>
+                  <a:gd name="adj" fmla="val 26489"/>
+                  <a:gd name="vf" fmla="val 115470"/>
+                </a:avLst>
+              </a:prstGeom>
+              <a:solidFill>
+                <a:srgbClr val="FF0000"/>
+              </a:solidFill>
+              <a:ln>
+                <a:noFill/>
+              </a:ln>
+            </p:spPr>
+            <p:style>
+              <a:lnRef idx="2">
+                <a:schemeClr val="accent3">
+                  <a:shade val="50000"/>
+                </a:schemeClr>
+              </a:lnRef>
+              <a:fillRef idx="1">
+                <a:schemeClr val="accent3"/>
+              </a:fillRef>
+              <a:effectRef idx="0">
+                <a:schemeClr val="accent3"/>
+              </a:effectRef>
+              <a:fontRef idx="minor">
+                <a:schemeClr val="lt1"/>
+              </a:fontRef>
+            </p:style>
+            <p:txBody>
+              <a:bodyPr rtlCol="0" anchor="ctr"/>
+              <a:lstStyle/>
+              <a:p>
+                <a:pPr algn="ctr"/>
+                <a:endParaRPr lang="en-US"/>
+              </a:p>
+            </p:txBody>
+          </p:sp>
+          <p:sp>
+            <p:nvSpPr>
+              <p:cNvPr id="30" name="Hexagon 29">
+                <a:extLst>
+                  <a:ext uri="{FF2B5EF4-FFF2-40B4-BE49-F238E27FC236}">
+                    <a16:creationId xmlns:a16="http://schemas.microsoft.com/office/drawing/2014/main" id="{B8B45FA1-24CD-461E-8CB2-C440600DB603}"/>
+                  </a:ext>
+                </a:extLst>
+              </p:cNvPr>
+              <p:cNvSpPr/>
+              <p:nvPr/>
+            </p:nvSpPr>
+            <p:spPr>
+              <a:xfrm>
+                <a:off x="9086855" y="1304731"/>
+                <a:ext cx="1007706" cy="909734"/>
+              </a:xfrm>
+              <a:prstGeom prst="hexagon">
+                <a:avLst>
+                  <a:gd name="adj" fmla="val 26489"/>
+                  <a:gd name="vf" fmla="val 115470"/>
+                </a:avLst>
+              </a:prstGeom>
+              <a:solidFill>
+                <a:srgbClr val="FF0000"/>
+              </a:solidFill>
+              <a:ln>
+                <a:noFill/>
+              </a:ln>
+            </p:spPr>
+            <p:style>
+              <a:lnRef idx="2">
+                <a:schemeClr val="accent1">
+                  <a:shade val="50000"/>
+                </a:schemeClr>
+              </a:lnRef>
+              <a:fillRef idx="1">
+                <a:schemeClr val="accent1"/>
+              </a:fillRef>
+              <a:effectRef idx="0">
+                <a:schemeClr val="accent1"/>
+              </a:effectRef>
+              <a:fontRef idx="minor">
+                <a:schemeClr val="lt1"/>
+              </a:fontRef>
+            </p:style>
+            <p:txBody>
+              <a:bodyPr rtlCol="0" anchor="ctr"/>
+              <a:lstStyle/>
+              <a:p>
+                <a:pPr algn="ctr"/>
+                <a:endParaRPr lang="en-US"/>
+              </a:p>
+            </p:txBody>
+          </p:sp>
+          <p:sp>
+            <p:nvSpPr>
+              <p:cNvPr id="31" name="Hexagon 30">
+                <a:extLst>
+                  <a:ext uri="{FF2B5EF4-FFF2-40B4-BE49-F238E27FC236}">
+                    <a16:creationId xmlns:a16="http://schemas.microsoft.com/office/drawing/2014/main" id="{1D26BA3A-41A4-4D60-9588-729EBB75562C}"/>
+                  </a:ext>
+                </a:extLst>
+              </p:cNvPr>
+              <p:cNvSpPr/>
+              <p:nvPr/>
+            </p:nvSpPr>
+            <p:spPr>
+              <a:xfrm>
+                <a:off x="9087629" y="3124197"/>
+                <a:ext cx="1007706" cy="909734"/>
+              </a:xfrm>
+              <a:prstGeom prst="hexagon">
+                <a:avLst>
+                  <a:gd name="adj" fmla="val 26489"/>
+                  <a:gd name="vf" fmla="val 115470"/>
+                </a:avLst>
+              </a:prstGeom>
+              <a:solidFill>
+                <a:srgbClr val="FF0000"/>
+              </a:solidFill>
+              <a:ln>
+                <a:noFill/>
+              </a:ln>
+            </p:spPr>
+            <p:style>
+              <a:lnRef idx="2">
+                <a:schemeClr val="accent4">
+                  <a:shade val="50000"/>
+                </a:schemeClr>
+              </a:lnRef>
+              <a:fillRef idx="1">
+                <a:schemeClr val="accent4"/>
+              </a:fillRef>
+              <a:effectRef idx="0">
+                <a:schemeClr val="accent4"/>
+              </a:effectRef>
+              <a:fontRef idx="minor">
+                <a:schemeClr val="lt1"/>
+              </a:fontRef>
+            </p:style>
+            <p:txBody>
+              <a:bodyPr rtlCol="0" anchor="ctr"/>
+              <a:lstStyle/>
+              <a:p>
+                <a:pPr algn="ctr"/>
+                <a:endParaRPr lang="en-US"/>
+              </a:p>
+            </p:txBody>
+          </p:sp>
+        </p:grpSp>
+        <p:sp>
+          <p:nvSpPr>
+            <p:cNvPr id="28" name="Arc 27">
+              <a:extLst>
+                <a:ext uri="{FF2B5EF4-FFF2-40B4-BE49-F238E27FC236}">
+                  <a16:creationId xmlns:a16="http://schemas.microsoft.com/office/drawing/2014/main" id="{B6689C35-692E-4C53-AD35-647662E7C1C5}"/>
+                </a:ext>
+              </a:extLst>
+            </p:cNvPr>
+            <p:cNvSpPr/>
+            <p:nvPr/>
+          </p:nvSpPr>
+          <p:spPr>
+            <a:xfrm>
+              <a:off x="8625373" y="1304731"/>
+              <a:ext cx="2509545" cy="2729200"/>
+            </a:xfrm>
+            <a:prstGeom prst="arc">
+              <a:avLst>
+                <a:gd name="adj1" fmla="val 16056241"/>
+                <a:gd name="adj2" fmla="val 5457289"/>
+              </a:avLst>
+            </a:prstGeom>
+            <a:solidFill>
+              <a:srgbClr val="FF0000"/>
+            </a:solidFill>
+          </p:spPr>
+          <p:style>
+            <a:lnRef idx="1">
+              <a:schemeClr val="accent1"/>
+            </a:lnRef>
+            <a:fillRef idx="0">
+              <a:schemeClr val="accent1"/>
+            </a:fillRef>
+            <a:effectRef idx="0">
+              <a:schemeClr val="accent1"/>
+            </a:effectRef>
+            <a:fontRef idx="minor">
+              <a:schemeClr val="tx1"/>
+            </a:fontRef>
+          </p:style>
+          <p:txBody>
+            <a:bodyPr rtlCol="0" anchor="ctr"/>
+            <a:lstStyle/>
+            <a:p>
+              <a:pPr algn="ctr"/>
+              <a:endParaRPr lang="en-US"/>
+            </a:p>
+          </p:txBody>
+        </p:sp>
+      </p:grpSp>
+      <p:sp>
+        <p:nvSpPr>
+          <p:cNvPr id="32" name="Trapezoid 31">
+            <a:extLst>
+              <a:ext uri="{FF2B5EF4-FFF2-40B4-BE49-F238E27FC236}">
+                <a16:creationId xmlns:a16="http://schemas.microsoft.com/office/drawing/2014/main" id="{45864B80-69E5-4D60-B3E6-B373CF467797}"/>
+              </a:ext>
+            </a:extLst>
+          </p:cNvPr>
+          <p:cNvSpPr/>
+          <p:nvPr/>
+        </p:nvSpPr>
+        <p:spPr>
+          <a:xfrm rot="5400000">
+            <a:off x="8186912" y="5012179"/>
+            <a:ext cx="2516936" cy="454065"/>
+          </a:xfrm>
+          <a:prstGeom prst="trapezoid">
+            <a:avLst>
+              <a:gd name="adj" fmla="val 43245"/>
+            </a:avLst>
+          </a:prstGeom>
+        </p:spPr>
+        <p:style>
+          <a:lnRef idx="2">
+            <a:schemeClr val="accent1">
+              <a:shade val="50000"/>
+            </a:schemeClr>
+          </a:lnRef>
+          <a:fillRef idx="1">
+            <a:schemeClr val="accent1"/>
+          </a:fillRef>
+          <a:effectRef idx="0">
+            <a:schemeClr val="accent1"/>
+          </a:effectRef>
+          <a:fontRef idx="minor">
+            <a:schemeClr val="lt1"/>
+          </a:fontRef>
+        </p:style>
+        <p:txBody>
+          <a:bodyPr rtlCol="0" anchor="ctr"/>
+          <a:lstStyle/>
+          <a:p>
+            <a:pPr algn="ctr"/>
+            <a:endParaRPr lang="en-US"/>
+          </a:p>
+        </p:txBody>
+      </p:sp>
+    </p:spTree>
+    <p:extLst>
+      <p:ext uri="{BB962C8B-B14F-4D97-AF65-F5344CB8AC3E}">
+        <p14:creationId xmlns:p14="http://schemas.microsoft.com/office/powerpoint/2010/main" val="2423418392"/>
+      </p:ext>
+    </p:extLst>
+  </p:cSld>
+  <p:clrMapOvr>
+    <a:masterClrMapping/>
+  </p:clrMapOvr>
+</p:sld>
+</file>
+
+<file path=ppt/slides/slide3.xml><?xml version="1.0" encoding="utf-8"?>
+<p:sld xmlns:a="http://schemas.openxmlformats.org/drawingml/2006/main" xmlns:r="http://schemas.openxmlformats.org/officeDocument/2006/relationships" xmlns:p="http://schemas.openxmlformats.org/presentationml/2006/main">
+  <p:cSld>
+    <p:spTree>
+      <p:nvGrpSpPr>
+        <p:cNvPr id="1" name=""/>
+        <p:cNvGrpSpPr/>
+        <p:nvPr/>
+      </p:nvGrpSpPr>
+      <p:grpSpPr>
+        <a:xfrm>
+          <a:off x="0" y="0"/>
+          <a:ext cx="0" cy="0"/>
+          <a:chOff x="0" y="0"/>
+          <a:chExt cx="0" cy="0"/>
+        </a:xfrm>
+      </p:grpSpPr>
+      <p:sp>
+        <p:nvSpPr>
+          <p:cNvPr id="2" name="Hexagon 1">
+            <a:extLst>
+              <a:ext uri="{FF2B5EF4-FFF2-40B4-BE49-F238E27FC236}">
+                <a16:creationId xmlns:a16="http://schemas.microsoft.com/office/drawing/2014/main" id="{CD054906-68F2-4059-8DBA-846E597D259A}"/>
+              </a:ext>
+            </a:extLst>
+          </p:cNvPr>
+          <p:cNvSpPr/>
+          <p:nvPr/>
+        </p:nvSpPr>
+        <p:spPr>
+          <a:xfrm>
+            <a:off x="1280627" y="1539545"/>
+            <a:ext cx="1007706" cy="909734"/>
+          </a:xfrm>
+          <a:prstGeom prst="hexagon">
+            <a:avLst>
+              <a:gd name="adj" fmla="val 26489"/>
+              <a:gd name="vf" fmla="val 115470"/>
+            </a:avLst>
+          </a:prstGeom>
+        </p:spPr>
+        <p:style>
+          <a:lnRef idx="2">
+            <a:schemeClr val="accent4">
+              <a:shade val="50000"/>
+            </a:schemeClr>
+          </a:lnRef>
+          <a:fillRef idx="1">
+            <a:schemeClr val="accent4"/>
+          </a:fillRef>
+          <a:effectRef idx="0">
+            <a:schemeClr val="accent4"/>
+          </a:effectRef>
+          <a:fontRef idx="minor">
+            <a:schemeClr val="lt1"/>
+          </a:fontRef>
+        </p:style>
+        <p:txBody>
+          <a:bodyPr rtlCol="0" anchor="ctr"/>
+          <a:lstStyle/>
+          <a:p>
+            <a:pPr algn="ctr"/>
+            <a:endParaRPr lang="en-US"/>
+          </a:p>
+        </p:txBody>
+      </p:sp>
+      <p:sp>
+        <p:nvSpPr>
+          <p:cNvPr id="3" name="Hexagon 2">
+            <a:extLst>
+              <a:ext uri="{FF2B5EF4-FFF2-40B4-BE49-F238E27FC236}">
+                <a16:creationId xmlns:a16="http://schemas.microsoft.com/office/drawing/2014/main" id="{449D20A9-A837-4264-BC0E-88867FDBC2FA}"/>
+              </a:ext>
+            </a:extLst>
+          </p:cNvPr>
+          <p:cNvSpPr/>
+          <p:nvPr/>
+        </p:nvSpPr>
+        <p:spPr>
+          <a:xfrm>
+            <a:off x="2035629" y="2887824"/>
+            <a:ext cx="1007706" cy="909734"/>
+          </a:xfrm>
+          <a:prstGeom prst="hexagon">
+            <a:avLst>
+              <a:gd name="adj" fmla="val 26489"/>
+              <a:gd name="vf" fmla="val 115470"/>
+            </a:avLst>
+          </a:prstGeom>
+        </p:spPr>
+        <p:style>
+          <a:lnRef idx="2">
+            <a:schemeClr val="accent6">
+              <a:shade val="50000"/>
+            </a:schemeClr>
+          </a:lnRef>
+          <a:fillRef idx="1">
+            <a:schemeClr val="accent6"/>
+          </a:fillRef>
+          <a:effectRef idx="0">
+            <a:schemeClr val="accent6"/>
+          </a:effectRef>
+          <a:fontRef idx="minor">
+            <a:schemeClr val="lt1"/>
+          </a:fontRef>
+        </p:style>
+        <p:txBody>
+          <a:bodyPr rtlCol="0" anchor="ctr"/>
+          <a:lstStyle/>
+          <a:p>
+            <a:pPr algn="ctr"/>
+            <a:endParaRPr lang="en-US"/>
+          </a:p>
+        </p:txBody>
+      </p:sp>
+      <p:sp>
+        <p:nvSpPr>
+          <p:cNvPr id="4" name="Hexagon 3">
+            <a:extLst>
+              <a:ext uri="{FF2B5EF4-FFF2-40B4-BE49-F238E27FC236}">
+                <a16:creationId xmlns:a16="http://schemas.microsoft.com/office/drawing/2014/main" id="{D71A4F93-25D8-4E09-8CDD-219C79E33D99}"/>
+              </a:ext>
+            </a:extLst>
+          </p:cNvPr>
+          <p:cNvSpPr/>
+          <p:nvPr/>
+        </p:nvSpPr>
+        <p:spPr>
+          <a:xfrm>
+            <a:off x="1280627" y="2449279"/>
+            <a:ext cx="1007706" cy="909734"/>
+          </a:xfrm>
+          <a:prstGeom prst="hexagon">
+            <a:avLst>
+              <a:gd name="adj" fmla="val 26489"/>
+              <a:gd name="vf" fmla="val 115470"/>
+            </a:avLst>
+          </a:prstGeom>
+        </p:spPr>
+        <p:style>
+          <a:lnRef idx="2">
+            <a:schemeClr val="accent1">
+              <a:shade val="50000"/>
+            </a:schemeClr>
+          </a:lnRef>
+          <a:fillRef idx="1">
+            <a:schemeClr val="accent1"/>
+          </a:fillRef>
+          <a:effectRef idx="0">
+            <a:schemeClr val="accent1"/>
+          </a:effectRef>
+          <a:fontRef idx="minor">
+            <a:schemeClr val="lt1"/>
+          </a:fontRef>
+        </p:style>
+        <p:txBody>
+          <a:bodyPr rtlCol="0" anchor="ctr"/>
+          <a:lstStyle/>
+          <a:p>
+            <a:pPr algn="ctr"/>
+            <a:endParaRPr lang="en-US"/>
+          </a:p>
+        </p:txBody>
+      </p:sp>
+      <p:sp>
+        <p:nvSpPr>
+          <p:cNvPr id="5" name="Hexagon 4">
+            <a:extLst>
+              <a:ext uri="{FF2B5EF4-FFF2-40B4-BE49-F238E27FC236}">
+                <a16:creationId xmlns:a16="http://schemas.microsoft.com/office/drawing/2014/main" id="{3EB707AF-9673-4E9B-A668-45F58C12AB35}"/>
+              </a:ext>
+            </a:extLst>
+          </p:cNvPr>
+          <p:cNvSpPr/>
+          <p:nvPr/>
+        </p:nvSpPr>
+        <p:spPr>
+          <a:xfrm>
+            <a:off x="2035629" y="1978087"/>
+            <a:ext cx="1007706" cy="909735"/>
+          </a:xfrm>
+          <a:prstGeom prst="hexagon">
+            <a:avLst>
+              <a:gd name="adj" fmla="val 26489"/>
+              <a:gd name="vf" fmla="val 115470"/>
+            </a:avLst>
+          </a:prstGeom>
+        </p:spPr>
+        <p:style>
+          <a:lnRef idx="1">
+            <a:schemeClr val="accent6"/>
+          </a:lnRef>
+          <a:fillRef idx="2">
+            <a:schemeClr val="accent6"/>
+          </a:fillRef>
+          <a:effectRef idx="1">
+            <a:schemeClr val="accent6"/>
+          </a:effectRef>
+          <a:fontRef idx="minor">
+            <a:schemeClr val="dk1"/>
+          </a:fontRef>
+        </p:style>
+        <p:txBody>
+          <a:bodyPr rtlCol="0" anchor="ctr"/>
+          <a:lstStyle/>
+          <a:p>
+            <a:pPr algn="ctr"/>
+            <a:endParaRPr lang="en-US"/>
+          </a:p>
+        </p:txBody>
+      </p:sp>
+      <p:sp>
+        <p:nvSpPr>
+          <p:cNvPr id="6" name="Hexagon 5">
+            <a:extLst>
+              <a:ext uri="{FF2B5EF4-FFF2-40B4-BE49-F238E27FC236}">
+                <a16:creationId xmlns:a16="http://schemas.microsoft.com/office/drawing/2014/main" id="{4B18A355-2FB0-4233-AFF4-C79A4ED0EEC0}"/>
+              </a:ext>
+            </a:extLst>
+          </p:cNvPr>
+          <p:cNvSpPr/>
+          <p:nvPr/>
+        </p:nvSpPr>
+        <p:spPr>
+          <a:xfrm>
+            <a:off x="2796075" y="2432957"/>
+            <a:ext cx="1007706" cy="909734"/>
+          </a:xfrm>
+          <a:prstGeom prst="hexagon">
+            <a:avLst>
+              <a:gd name="adj" fmla="val 26489"/>
+              <a:gd name="vf" fmla="val 115470"/>
+            </a:avLst>
+          </a:prstGeom>
+        </p:spPr>
+        <p:style>
+          <a:lnRef idx="2">
+            <a:schemeClr val="accent3">
+              <a:shade val="50000"/>
+            </a:schemeClr>
+          </a:lnRef>
+          <a:fillRef idx="1">
+            <a:schemeClr val="accent3"/>
+          </a:fillRef>
+          <a:effectRef idx="0">
+            <a:schemeClr val="accent3"/>
+          </a:effectRef>
+          <a:fontRef idx="minor">
+            <a:schemeClr val="lt1"/>
+          </a:fontRef>
+        </p:style>
+        <p:txBody>
+          <a:bodyPr rtlCol="0" anchor="ctr"/>
+          <a:lstStyle/>
+          <a:p>
+            <a:pPr algn="ctr"/>
+            <a:endParaRPr lang="en-US"/>
+          </a:p>
+        </p:txBody>
+      </p:sp>
+      <p:sp>
+        <p:nvSpPr>
+          <p:cNvPr id="7" name="Hexagon 6">
+            <a:extLst>
+              <a:ext uri="{FF2B5EF4-FFF2-40B4-BE49-F238E27FC236}">
+                <a16:creationId xmlns:a16="http://schemas.microsoft.com/office/drawing/2014/main" id="{35714C3F-1079-414F-A996-57C69C87ABF3}"/>
+              </a:ext>
+            </a:extLst>
+          </p:cNvPr>
+          <p:cNvSpPr/>
+          <p:nvPr/>
+        </p:nvSpPr>
+        <p:spPr>
+          <a:xfrm>
+            <a:off x="2035629" y="1068356"/>
+            <a:ext cx="1007706" cy="909734"/>
+          </a:xfrm>
+          <a:prstGeom prst="hexagon">
+            <a:avLst>
+              <a:gd name="adj" fmla="val 26489"/>
+              <a:gd name="vf" fmla="val 115470"/>
+            </a:avLst>
+          </a:prstGeom>
+        </p:spPr>
+        <p:style>
+          <a:lnRef idx="2">
+            <a:schemeClr val="accent2">
+              <a:shade val="50000"/>
+            </a:schemeClr>
+          </a:lnRef>
+          <a:fillRef idx="1">
+            <a:schemeClr val="accent2"/>
+          </a:fillRef>
+          <a:effectRef idx="0">
+            <a:schemeClr val="accent2"/>
+          </a:effectRef>
+          <a:fontRef idx="minor">
+            <a:schemeClr val="lt1"/>
+          </a:fontRef>
+        </p:style>
+        <p:txBody>
+          <a:bodyPr rtlCol="0" anchor="ctr"/>
+          <a:lstStyle/>
+          <a:p>
+            <a:pPr algn="ctr"/>
+            <a:endParaRPr lang="en-US"/>
+          </a:p>
+        </p:txBody>
+      </p:sp>
+      <p:sp>
+        <p:nvSpPr>
+          <p:cNvPr id="8" name="Hexagon 7">
+            <a:extLst>
+              <a:ext uri="{FF2B5EF4-FFF2-40B4-BE49-F238E27FC236}">
+                <a16:creationId xmlns:a16="http://schemas.microsoft.com/office/drawing/2014/main" id="{51C2FBCB-37E6-4BF2-9396-99964844BF00}"/>
+              </a:ext>
+            </a:extLst>
+          </p:cNvPr>
+          <p:cNvSpPr/>
+          <p:nvPr/>
+        </p:nvSpPr>
+        <p:spPr>
+          <a:xfrm>
+            <a:off x="2796075" y="1523223"/>
+            <a:ext cx="1007706" cy="909734"/>
+          </a:xfrm>
+          <a:prstGeom prst="hexagon">
+            <a:avLst>
+              <a:gd name="adj" fmla="val 26489"/>
+              <a:gd name="vf" fmla="val 115470"/>
+            </a:avLst>
+          </a:prstGeom>
+        </p:spPr>
+        <p:style>
+          <a:lnRef idx="2">
+            <a:schemeClr val="accent1">
+              <a:shade val="50000"/>
+            </a:schemeClr>
+          </a:lnRef>
+          <a:fillRef idx="1">
+            <a:schemeClr val="accent1"/>
+          </a:fillRef>
+          <a:effectRef idx="0">
+            <a:schemeClr val="accent1"/>
+          </a:effectRef>
+          <a:fontRef idx="minor">
+            <a:schemeClr val="lt1"/>
+          </a:fontRef>
+        </p:style>
+        <p:txBody>
+          <a:bodyPr rtlCol="0" anchor="ctr"/>
+          <a:lstStyle/>
+          <a:p>
+            <a:pPr algn="ctr"/>
+            <a:endParaRPr lang="en-US"/>
+          </a:p>
+        </p:txBody>
+      </p:sp>
+      <p:sp>
+        <p:nvSpPr>
+          <p:cNvPr id="9" name="Hexagon 8">
+            <a:extLst>
+              <a:ext uri="{FF2B5EF4-FFF2-40B4-BE49-F238E27FC236}">
+                <a16:creationId xmlns:a16="http://schemas.microsoft.com/office/drawing/2014/main" id="{F5A0D904-3F7F-4799-BE75-D68D8767B193}"/>
+              </a:ext>
+            </a:extLst>
+          </p:cNvPr>
+          <p:cNvSpPr/>
+          <p:nvPr/>
+        </p:nvSpPr>
+        <p:spPr>
+          <a:xfrm>
+            <a:off x="3572848" y="1068355"/>
+            <a:ext cx="1007706" cy="909734"/>
+          </a:xfrm>
+          <a:prstGeom prst="hexagon">
+            <a:avLst>
+              <a:gd name="adj" fmla="val 26489"/>
+              <a:gd name="vf" fmla="val 115470"/>
+            </a:avLst>
+          </a:prstGeom>
+        </p:spPr>
+        <p:style>
+          <a:lnRef idx="2">
+            <a:schemeClr val="accent4">
+              <a:shade val="50000"/>
+            </a:schemeClr>
+          </a:lnRef>
+          <a:fillRef idx="1">
+            <a:schemeClr val="accent4"/>
+          </a:fillRef>
+          <a:effectRef idx="0">
+            <a:schemeClr val="accent4"/>
+          </a:effectRef>
+          <a:fontRef idx="minor">
+            <a:schemeClr val="lt1"/>
+          </a:fontRef>
+        </p:style>
+        <p:txBody>
+          <a:bodyPr rtlCol="0" anchor="ctr"/>
+          <a:lstStyle/>
+          <a:p>
+            <a:pPr algn="ctr"/>
+            <a:endParaRPr lang="en-US"/>
+          </a:p>
+        </p:txBody>
+      </p:sp>
+      <p:sp>
+        <p:nvSpPr>
+          <p:cNvPr id="10" name="Hexagon 9">
+            <a:extLst>
+              <a:ext uri="{FF2B5EF4-FFF2-40B4-BE49-F238E27FC236}">
+                <a16:creationId xmlns:a16="http://schemas.microsoft.com/office/drawing/2014/main" id="{4D1DBD2F-064B-474C-8879-7D5C3C74AC6D}"/>
+              </a:ext>
+            </a:extLst>
+          </p:cNvPr>
+          <p:cNvSpPr/>
+          <p:nvPr/>
+        </p:nvSpPr>
+        <p:spPr>
+          <a:xfrm>
+            <a:off x="4311522" y="2432956"/>
+            <a:ext cx="1007706" cy="909734"/>
+          </a:xfrm>
+          <a:prstGeom prst="hexagon">
+            <a:avLst>
+              <a:gd name="adj" fmla="val 26489"/>
+              <a:gd name="vf" fmla="val 115470"/>
+            </a:avLst>
+          </a:prstGeom>
+        </p:spPr>
+        <p:style>
+          <a:lnRef idx="2">
+            <a:schemeClr val="accent6">
+              <a:shade val="50000"/>
+            </a:schemeClr>
+          </a:lnRef>
+          <a:fillRef idx="1">
+            <a:schemeClr val="accent6"/>
+          </a:fillRef>
+          <a:effectRef idx="0">
+            <a:schemeClr val="accent6"/>
+          </a:effectRef>
+          <a:fontRef idx="minor">
+            <a:schemeClr val="lt1"/>
+          </a:fontRef>
+        </p:style>
+        <p:txBody>
+          <a:bodyPr rtlCol="0" anchor="ctr"/>
+          <a:lstStyle/>
+          <a:p>
+            <a:pPr algn="ctr"/>
+            <a:endParaRPr lang="en-US"/>
+          </a:p>
+        </p:txBody>
+      </p:sp>
+      <p:sp>
+        <p:nvSpPr>
+          <p:cNvPr id="11" name="Hexagon 10">
+            <a:extLst>
+              <a:ext uri="{FF2B5EF4-FFF2-40B4-BE49-F238E27FC236}">
+                <a16:creationId xmlns:a16="http://schemas.microsoft.com/office/drawing/2014/main" id="{9D1947EE-DB3A-4253-A1B3-FD881B9AC96D}"/>
+              </a:ext>
+            </a:extLst>
+          </p:cNvPr>
+          <p:cNvSpPr/>
+          <p:nvPr/>
+        </p:nvSpPr>
+        <p:spPr>
+          <a:xfrm>
+            <a:off x="3572848" y="1978089"/>
+            <a:ext cx="1007706" cy="909734"/>
+          </a:xfrm>
+          <a:prstGeom prst="hexagon">
+            <a:avLst>
+              <a:gd name="adj" fmla="val 26489"/>
+              <a:gd name="vf" fmla="val 115470"/>
+            </a:avLst>
+          </a:prstGeom>
+        </p:spPr>
+        <p:style>
+          <a:lnRef idx="2">
+            <a:schemeClr val="accent1">
+              <a:shade val="50000"/>
+            </a:schemeClr>
+          </a:lnRef>
+          <a:fillRef idx="1">
+            <a:schemeClr val="accent1"/>
+          </a:fillRef>
+          <a:effectRef idx="0">
+            <a:schemeClr val="accent1"/>
+          </a:effectRef>
+          <a:fontRef idx="minor">
+            <a:schemeClr val="lt1"/>
+          </a:fontRef>
+        </p:style>
+        <p:txBody>
+          <a:bodyPr rtlCol="0" anchor="ctr"/>
+          <a:lstStyle/>
+          <a:p>
+            <a:pPr algn="ctr"/>
+            <a:endParaRPr lang="en-US"/>
+          </a:p>
+        </p:txBody>
+      </p:sp>
+      <p:sp>
+        <p:nvSpPr>
+          <p:cNvPr id="12" name="Hexagon 11">
+            <a:extLst>
+              <a:ext uri="{FF2B5EF4-FFF2-40B4-BE49-F238E27FC236}">
+                <a16:creationId xmlns:a16="http://schemas.microsoft.com/office/drawing/2014/main" id="{B6342648-AE7E-4C01-800A-FB3CD12F74D5}"/>
+              </a:ext>
+            </a:extLst>
+          </p:cNvPr>
+          <p:cNvSpPr/>
+          <p:nvPr/>
+        </p:nvSpPr>
+        <p:spPr>
+          <a:xfrm>
+            <a:off x="4347288" y="1523221"/>
+            <a:ext cx="971939" cy="933061"/>
+          </a:xfrm>
+          <a:prstGeom prst="hexagon">
+            <a:avLst>
+              <a:gd name="adj" fmla="val 26489"/>
+              <a:gd name="vf" fmla="val 115470"/>
+            </a:avLst>
+          </a:prstGeom>
+        </p:spPr>
+        <p:style>
+          <a:lnRef idx="1">
+            <a:schemeClr val="accent6"/>
+          </a:lnRef>
+          <a:fillRef idx="2">
+            <a:schemeClr val="accent6"/>
+          </a:fillRef>
+          <a:effectRef idx="1">
+            <a:schemeClr val="accent6"/>
+          </a:effectRef>
+          <a:fontRef idx="minor">
+            <a:schemeClr val="dk1"/>
+          </a:fontRef>
+        </p:style>
+        <p:txBody>
+          <a:bodyPr rtlCol="0" anchor="ctr"/>
+          <a:lstStyle/>
+          <a:p>
+            <a:pPr algn="ctr"/>
+            <a:endParaRPr lang="en-US"/>
+          </a:p>
+        </p:txBody>
+      </p:sp>
+      <p:sp>
+        <p:nvSpPr>
+          <p:cNvPr id="13" name="Hexagon 12">
+            <a:extLst>
+              <a:ext uri="{FF2B5EF4-FFF2-40B4-BE49-F238E27FC236}">
+                <a16:creationId xmlns:a16="http://schemas.microsoft.com/office/drawing/2014/main" id="{017474B8-35FA-41D5-998B-00C302CAFBD8}"/>
+              </a:ext>
+            </a:extLst>
+          </p:cNvPr>
+          <p:cNvSpPr/>
+          <p:nvPr/>
+        </p:nvSpPr>
+        <p:spPr>
+          <a:xfrm>
+            <a:off x="5088294" y="1978089"/>
+            <a:ext cx="1007706" cy="909734"/>
+          </a:xfrm>
+          <a:prstGeom prst="hexagon">
+            <a:avLst>
+              <a:gd name="adj" fmla="val 26489"/>
+              <a:gd name="vf" fmla="val 115470"/>
+            </a:avLst>
+          </a:prstGeom>
+        </p:spPr>
+        <p:style>
+          <a:lnRef idx="2">
+            <a:schemeClr val="accent3">
+              <a:shade val="50000"/>
+            </a:schemeClr>
+          </a:lnRef>
+          <a:fillRef idx="1">
+            <a:schemeClr val="accent3"/>
+          </a:fillRef>
+          <a:effectRef idx="0">
+            <a:schemeClr val="accent3"/>
+          </a:effectRef>
+          <a:fontRef idx="minor">
+            <a:schemeClr val="lt1"/>
+          </a:fontRef>
+        </p:style>
+        <p:txBody>
+          <a:bodyPr rtlCol="0" anchor="ctr"/>
+          <a:lstStyle/>
+          <a:p>
+            <a:pPr algn="ctr"/>
+            <a:endParaRPr lang="en-US"/>
+          </a:p>
+        </p:txBody>
+      </p:sp>
+      <p:sp>
+        <p:nvSpPr>
+          <p:cNvPr id="14" name="Hexagon 13">
+            <a:extLst>
+              <a:ext uri="{FF2B5EF4-FFF2-40B4-BE49-F238E27FC236}">
+                <a16:creationId xmlns:a16="http://schemas.microsoft.com/office/drawing/2014/main" id="{F7765DBD-26ED-4FDD-89D0-0FAC67FB941B}"/>
+              </a:ext>
+            </a:extLst>
+          </p:cNvPr>
+          <p:cNvSpPr/>
+          <p:nvPr/>
+        </p:nvSpPr>
+        <p:spPr>
+          <a:xfrm>
+            <a:off x="3572848" y="2887822"/>
+            <a:ext cx="1007706" cy="909734"/>
+          </a:xfrm>
+          <a:prstGeom prst="hexagon">
+            <a:avLst>
+              <a:gd name="adj" fmla="val 26489"/>
+              <a:gd name="vf" fmla="val 115470"/>
+            </a:avLst>
+          </a:prstGeom>
+        </p:spPr>
+        <p:style>
+          <a:lnRef idx="2">
+            <a:schemeClr val="accent2">
+              <a:shade val="50000"/>
+            </a:schemeClr>
+          </a:lnRef>
+          <a:fillRef idx="1">
+            <a:schemeClr val="accent2"/>
+          </a:fillRef>
+          <a:effectRef idx="0">
+            <a:schemeClr val="accent2"/>
+          </a:effectRef>
+          <a:fontRef idx="minor">
+            <a:schemeClr val="lt1"/>
+          </a:fontRef>
+        </p:style>
+        <p:txBody>
+          <a:bodyPr rtlCol="0" anchor="ctr"/>
+          <a:lstStyle/>
+          <a:p>
+            <a:pPr algn="ctr"/>
+            <a:endParaRPr lang="en-US"/>
+          </a:p>
+        </p:txBody>
+      </p:sp>
+      <p:sp>
+        <p:nvSpPr>
+          <p:cNvPr id="15" name="Hexagon 14">
+            <a:extLst>
+              <a:ext uri="{FF2B5EF4-FFF2-40B4-BE49-F238E27FC236}">
+                <a16:creationId xmlns:a16="http://schemas.microsoft.com/office/drawing/2014/main" id="{6D5632A8-4C12-4BAE-9B10-D4951FA0EE97}"/>
+              </a:ext>
+            </a:extLst>
+          </p:cNvPr>
+          <p:cNvSpPr/>
+          <p:nvPr/>
+        </p:nvSpPr>
+        <p:spPr>
+          <a:xfrm>
+            <a:off x="5088294" y="1068355"/>
+            <a:ext cx="1007706" cy="909734"/>
+          </a:xfrm>
+          <a:prstGeom prst="hexagon">
+            <a:avLst>
+              <a:gd name="adj" fmla="val 26489"/>
+              <a:gd name="vf" fmla="val 115470"/>
+            </a:avLst>
+          </a:prstGeom>
+        </p:spPr>
+        <p:style>
+          <a:lnRef idx="2">
+            <a:schemeClr val="accent1">
+              <a:shade val="50000"/>
+            </a:schemeClr>
+          </a:lnRef>
+          <a:fillRef idx="1">
+            <a:schemeClr val="accent1"/>
+          </a:fillRef>
+          <a:effectRef idx="0">
+            <a:schemeClr val="accent1"/>
+          </a:effectRef>
+          <a:fontRef idx="minor">
+            <a:schemeClr val="lt1"/>
+          </a:fontRef>
+        </p:style>
+        <p:txBody>
+          <a:bodyPr rtlCol="0" anchor="ctr"/>
+          <a:lstStyle/>
+          <a:p>
+            <a:pPr algn="ctr"/>
+            <a:endParaRPr lang="en-US"/>
+          </a:p>
+        </p:txBody>
+      </p:sp>
+      <p:sp>
+        <p:nvSpPr>
+          <p:cNvPr id="16" name="Hexagon 15">
+            <a:extLst>
+              <a:ext uri="{FF2B5EF4-FFF2-40B4-BE49-F238E27FC236}">
+                <a16:creationId xmlns:a16="http://schemas.microsoft.com/office/drawing/2014/main" id="{8B299930-9929-42A8-80FC-840A95F7B185}"/>
+              </a:ext>
+            </a:extLst>
+          </p:cNvPr>
+          <p:cNvSpPr/>
+          <p:nvPr/>
+        </p:nvSpPr>
+        <p:spPr>
+          <a:xfrm>
+            <a:off x="5865068" y="1523221"/>
+            <a:ext cx="1007706" cy="909734"/>
+          </a:xfrm>
+          <a:prstGeom prst="hexagon">
+            <a:avLst>
+              <a:gd name="adj" fmla="val 26489"/>
+              <a:gd name="vf" fmla="val 115470"/>
+            </a:avLst>
+          </a:prstGeom>
+        </p:spPr>
+        <p:style>
+          <a:lnRef idx="2">
+            <a:schemeClr val="accent4">
+              <a:shade val="50000"/>
+            </a:schemeClr>
+          </a:lnRef>
+          <a:fillRef idx="1">
+            <a:schemeClr val="accent4"/>
+          </a:fillRef>
+          <a:effectRef idx="0">
+            <a:schemeClr val="accent4"/>
+          </a:effectRef>
+          <a:fontRef idx="minor">
+            <a:schemeClr val="lt1"/>
+          </a:fontRef>
+        </p:style>
+        <p:txBody>
+          <a:bodyPr rtlCol="0" anchor="ctr"/>
+          <a:lstStyle/>
+          <a:p>
+            <a:pPr algn="ctr"/>
+            <a:endParaRPr lang="en-US"/>
+          </a:p>
+        </p:txBody>
+      </p:sp>
+      <p:sp>
+        <p:nvSpPr>
+          <p:cNvPr id="17" name="Hexagon 16">
+            <a:extLst>
+              <a:ext uri="{FF2B5EF4-FFF2-40B4-BE49-F238E27FC236}">
+                <a16:creationId xmlns:a16="http://schemas.microsoft.com/office/drawing/2014/main" id="{4A046B90-0297-4F93-B044-7B182E545B9D}"/>
+              </a:ext>
+            </a:extLst>
+          </p:cNvPr>
+          <p:cNvSpPr/>
+          <p:nvPr/>
+        </p:nvSpPr>
+        <p:spPr>
+          <a:xfrm>
+            <a:off x="6603742" y="2887822"/>
+            <a:ext cx="1007706" cy="909734"/>
+          </a:xfrm>
+          <a:prstGeom prst="hexagon">
+            <a:avLst>
+              <a:gd name="adj" fmla="val 26489"/>
+              <a:gd name="vf" fmla="val 115470"/>
+            </a:avLst>
+          </a:prstGeom>
+        </p:spPr>
+        <p:style>
+          <a:lnRef idx="2">
+            <a:schemeClr val="accent6">
+              <a:shade val="50000"/>
+            </a:schemeClr>
+          </a:lnRef>
+          <a:fillRef idx="1">
+            <a:schemeClr val="accent6"/>
+          </a:fillRef>
+          <a:effectRef idx="0">
+            <a:schemeClr val="accent6"/>
+          </a:effectRef>
+          <a:fontRef idx="minor">
+            <a:schemeClr val="lt1"/>
+          </a:fontRef>
+        </p:style>
+        <p:txBody>
+          <a:bodyPr rtlCol="0" anchor="ctr"/>
+          <a:lstStyle/>
+          <a:p>
+            <a:pPr algn="ctr"/>
+            <a:endParaRPr lang="en-US"/>
+          </a:p>
+        </p:txBody>
+      </p:sp>
+      <p:sp>
+        <p:nvSpPr>
+          <p:cNvPr id="18" name="Hexagon 17">
+            <a:extLst>
+              <a:ext uri="{FF2B5EF4-FFF2-40B4-BE49-F238E27FC236}">
+                <a16:creationId xmlns:a16="http://schemas.microsoft.com/office/drawing/2014/main" id="{E4A86978-A806-4C84-80A4-533407F348DF}"/>
+              </a:ext>
+            </a:extLst>
+          </p:cNvPr>
+          <p:cNvSpPr/>
+          <p:nvPr/>
+        </p:nvSpPr>
+        <p:spPr>
+          <a:xfrm>
+            <a:off x="5865068" y="2432955"/>
+            <a:ext cx="1007706" cy="909734"/>
+          </a:xfrm>
+          <a:prstGeom prst="hexagon">
+            <a:avLst>
+              <a:gd name="adj" fmla="val 26489"/>
+              <a:gd name="vf" fmla="val 115470"/>
+            </a:avLst>
+          </a:prstGeom>
+        </p:spPr>
+        <p:style>
+          <a:lnRef idx="2">
+            <a:schemeClr val="accent1">
+              <a:shade val="50000"/>
+            </a:schemeClr>
+          </a:lnRef>
+          <a:fillRef idx="1">
+            <a:schemeClr val="accent1"/>
+          </a:fillRef>
+          <a:effectRef idx="0">
+            <a:schemeClr val="accent1"/>
+          </a:effectRef>
+          <a:fontRef idx="minor">
+            <a:schemeClr val="lt1"/>
+          </a:fontRef>
+        </p:style>
+        <p:txBody>
+          <a:bodyPr rtlCol="0" anchor="ctr"/>
+          <a:lstStyle/>
+          <a:p>
+            <a:pPr algn="ctr"/>
+            <a:endParaRPr lang="en-US"/>
+          </a:p>
+        </p:txBody>
+      </p:sp>
+      <p:sp>
+        <p:nvSpPr>
+          <p:cNvPr id="19" name="Hexagon 18">
+            <a:extLst>
+              <a:ext uri="{FF2B5EF4-FFF2-40B4-BE49-F238E27FC236}">
+                <a16:creationId xmlns:a16="http://schemas.microsoft.com/office/drawing/2014/main" id="{3451CEA7-B54B-4492-ADA9-2D92BD4DA63A}"/>
+              </a:ext>
+            </a:extLst>
+          </p:cNvPr>
+          <p:cNvSpPr/>
+          <p:nvPr/>
+        </p:nvSpPr>
+        <p:spPr>
+          <a:xfrm>
+            <a:off x="6639508" y="1978087"/>
+            <a:ext cx="971939" cy="933061"/>
+          </a:xfrm>
+          <a:prstGeom prst="hexagon">
+            <a:avLst>
+              <a:gd name="adj" fmla="val 26489"/>
+              <a:gd name="vf" fmla="val 115470"/>
+            </a:avLst>
+          </a:prstGeom>
+        </p:spPr>
+        <p:style>
+          <a:lnRef idx="1">
+            <a:schemeClr val="accent6"/>
+          </a:lnRef>
+          <a:fillRef idx="2">
+            <a:schemeClr val="accent6"/>
+          </a:fillRef>
+          <a:effectRef idx="1">
+            <a:schemeClr val="accent6"/>
+          </a:effectRef>
+          <a:fontRef idx="minor">
+            <a:schemeClr val="dk1"/>
+          </a:fontRef>
+        </p:style>
+        <p:txBody>
+          <a:bodyPr rtlCol="0" anchor="ctr"/>
+          <a:lstStyle/>
+          <a:p>
+            <a:pPr algn="ctr"/>
+            <a:endParaRPr lang="en-US"/>
+          </a:p>
+        </p:txBody>
+      </p:sp>
+      <p:sp>
+        <p:nvSpPr>
+          <p:cNvPr id="20" name="Hexagon 19">
+            <a:extLst>
+              <a:ext uri="{FF2B5EF4-FFF2-40B4-BE49-F238E27FC236}">
+                <a16:creationId xmlns:a16="http://schemas.microsoft.com/office/drawing/2014/main" id="{5462F244-5C86-4366-93C4-897DE849A2FB}"/>
+              </a:ext>
+            </a:extLst>
+          </p:cNvPr>
+          <p:cNvSpPr/>
+          <p:nvPr/>
+        </p:nvSpPr>
+        <p:spPr>
+          <a:xfrm>
+            <a:off x="6603742" y="1068354"/>
+            <a:ext cx="1007706" cy="909734"/>
+          </a:xfrm>
+          <a:prstGeom prst="hexagon">
+            <a:avLst>
+              <a:gd name="adj" fmla="val 26489"/>
+              <a:gd name="vf" fmla="val 115470"/>
+            </a:avLst>
+          </a:prstGeom>
+        </p:spPr>
+        <p:style>
+          <a:lnRef idx="2">
+            <a:schemeClr val="accent2">
+              <a:shade val="50000"/>
+            </a:schemeClr>
+          </a:lnRef>
+          <a:fillRef idx="1">
+            <a:schemeClr val="accent2"/>
+          </a:fillRef>
+          <a:effectRef idx="0">
+            <a:schemeClr val="accent2"/>
+          </a:effectRef>
+          <a:fontRef idx="minor">
+            <a:schemeClr val="lt1"/>
+          </a:fontRef>
+        </p:style>
+        <p:txBody>
+          <a:bodyPr rtlCol="0" anchor="ctr"/>
+          <a:lstStyle/>
+          <a:p>
+            <a:pPr algn="ctr"/>
+            <a:endParaRPr lang="en-US"/>
+          </a:p>
+        </p:txBody>
+      </p:sp>
+      <p:sp>
+        <p:nvSpPr>
+          <p:cNvPr id="21" name="Hexagon 20">
+            <a:extLst>
+              <a:ext uri="{FF2B5EF4-FFF2-40B4-BE49-F238E27FC236}">
+                <a16:creationId xmlns:a16="http://schemas.microsoft.com/office/drawing/2014/main" id="{D3C87576-2783-4F05-ADD6-AB5AA05009FC}"/>
+              </a:ext>
+            </a:extLst>
+          </p:cNvPr>
+          <p:cNvSpPr/>
+          <p:nvPr/>
+        </p:nvSpPr>
+        <p:spPr>
+          <a:xfrm>
+            <a:off x="7342415" y="1523220"/>
+            <a:ext cx="1007706" cy="909734"/>
+          </a:xfrm>
+          <a:prstGeom prst="hexagon">
+            <a:avLst>
+              <a:gd name="adj" fmla="val 26489"/>
+              <a:gd name="vf" fmla="val 115470"/>
+            </a:avLst>
+          </a:prstGeom>
+        </p:spPr>
+        <p:style>
+          <a:lnRef idx="2">
+            <a:schemeClr val="accent4">
+              <a:shade val="50000"/>
+            </a:schemeClr>
+          </a:lnRef>
+          <a:fillRef idx="1">
+            <a:schemeClr val="accent4"/>
+          </a:fillRef>
+          <a:effectRef idx="0">
+            <a:schemeClr val="accent4"/>
+          </a:effectRef>
+          <a:fontRef idx="minor">
+            <a:schemeClr val="lt1"/>
+          </a:fontRef>
+        </p:style>
+        <p:txBody>
+          <a:bodyPr rtlCol="0" anchor="ctr"/>
+          <a:lstStyle/>
+          <a:p>
+            <a:pPr algn="ctr"/>
+            <a:endParaRPr lang="en-US"/>
+          </a:p>
+        </p:txBody>
+      </p:sp>
+      <p:sp>
+        <p:nvSpPr>
+          <p:cNvPr id="22" name="Hexagon 21">
+            <a:extLst>
+              <a:ext uri="{FF2B5EF4-FFF2-40B4-BE49-F238E27FC236}">
+                <a16:creationId xmlns:a16="http://schemas.microsoft.com/office/drawing/2014/main" id="{A1D5E856-AF9E-448F-8D47-4FBE5ED76FDF}"/>
+              </a:ext>
+            </a:extLst>
+          </p:cNvPr>
+          <p:cNvSpPr/>
+          <p:nvPr/>
+        </p:nvSpPr>
+        <p:spPr>
+          <a:xfrm>
+            <a:off x="7342415" y="2432954"/>
+            <a:ext cx="1007706" cy="909734"/>
+          </a:xfrm>
+          <a:prstGeom prst="hexagon">
+            <a:avLst>
+              <a:gd name="adj" fmla="val 26489"/>
+              <a:gd name="vf" fmla="val 115470"/>
+            </a:avLst>
+          </a:prstGeom>
+        </p:spPr>
+        <p:style>
+          <a:lnRef idx="2">
+            <a:schemeClr val="accent1">
+              <a:shade val="50000"/>
+            </a:schemeClr>
+          </a:lnRef>
+          <a:fillRef idx="1">
+            <a:schemeClr val="accent1"/>
+          </a:fillRef>
+          <a:effectRef idx="0">
+            <a:schemeClr val="accent1"/>
+          </a:effectRef>
+          <a:fontRef idx="minor">
+            <a:schemeClr val="lt1"/>
+          </a:fontRef>
+        </p:style>
+        <p:txBody>
+          <a:bodyPr rtlCol="0" anchor="ctr"/>
+          <a:lstStyle/>
+          <a:p>
+            <a:pPr algn="ctr"/>
+            <a:endParaRPr lang="en-US"/>
+          </a:p>
+        </p:txBody>
+      </p:sp>
+      <p:sp>
+        <p:nvSpPr>
+          <p:cNvPr id="23" name="Hexagon 22">
+            <a:extLst>
+              <a:ext uri="{FF2B5EF4-FFF2-40B4-BE49-F238E27FC236}">
+                <a16:creationId xmlns:a16="http://schemas.microsoft.com/office/drawing/2014/main" id="{94E16D78-0F66-4FB5-B90E-E1F1DDC94B6D}"/>
+              </a:ext>
+            </a:extLst>
+          </p:cNvPr>
+          <p:cNvSpPr/>
+          <p:nvPr/>
+        </p:nvSpPr>
+        <p:spPr>
+          <a:xfrm>
+            <a:off x="5087129" y="2887821"/>
+            <a:ext cx="1007706" cy="909734"/>
+          </a:xfrm>
+          <a:prstGeom prst="hexagon">
+            <a:avLst>
+              <a:gd name="adj" fmla="val 26489"/>
+              <a:gd name="vf" fmla="val 115470"/>
+            </a:avLst>
+          </a:prstGeom>
+        </p:spPr>
+        <p:style>
+          <a:lnRef idx="2">
+            <a:schemeClr val="accent4">
+              <a:shade val="50000"/>
+            </a:schemeClr>
+          </a:lnRef>
+          <a:fillRef idx="1">
+            <a:schemeClr val="accent4"/>
+          </a:fillRef>
+          <a:effectRef idx="0">
+            <a:schemeClr val="accent4"/>
+          </a:effectRef>
+          <a:fontRef idx="minor">
+            <a:schemeClr val="lt1"/>
+          </a:fontRef>
+        </p:style>
+        <p:txBody>
+          <a:bodyPr rtlCol="0" anchor="ctr"/>
+          <a:lstStyle/>
+          <a:p>
+            <a:pPr algn="ctr"/>
+            <a:endParaRPr lang="en-US"/>
+          </a:p>
+        </p:txBody>
+      </p:sp>
+      <p:grpSp>
+        <p:nvGrpSpPr>
+          <p:cNvPr id="24" name="Group 23">
+            <a:extLst>
+              <a:ext uri="{FF2B5EF4-FFF2-40B4-BE49-F238E27FC236}">
+                <a16:creationId xmlns:a16="http://schemas.microsoft.com/office/drawing/2014/main" id="{9DB6837B-0D46-4D7D-9E3A-F4D1DFB23F8B}"/>
+              </a:ext>
+            </a:extLst>
+          </p:cNvPr>
+          <p:cNvGrpSpPr/>
+          <p:nvPr/>
+        </p:nvGrpSpPr>
+        <p:grpSpPr>
+          <a:xfrm>
+            <a:off x="7647213" y="1068354"/>
+            <a:ext cx="2509545" cy="2729200"/>
+            <a:chOff x="8625373" y="1304731"/>
+            <a:chExt cx="2509545" cy="2729200"/>
+          </a:xfrm>
+        </p:grpSpPr>
+        <p:grpSp>
+          <p:nvGrpSpPr>
+            <p:cNvPr id="25" name="Group 24">
+              <a:extLst>
+                <a:ext uri="{FF2B5EF4-FFF2-40B4-BE49-F238E27FC236}">
+                  <a16:creationId xmlns:a16="http://schemas.microsoft.com/office/drawing/2014/main" id="{34C21ED3-AA19-46E8-A882-A933159B3B06}"/>
+                </a:ext>
+              </a:extLst>
+            </p:cNvPr>
+            <p:cNvGrpSpPr/>
+            <p:nvPr/>
+          </p:nvGrpSpPr>
+          <p:grpSpPr>
+            <a:xfrm>
+              <a:off x="9086855" y="1304731"/>
+              <a:ext cx="1008480" cy="2729200"/>
+              <a:chOff x="9086855" y="1304731"/>
+              <a:chExt cx="1008480" cy="2729200"/>
+            </a:xfrm>
+          </p:grpSpPr>
+          <p:sp>
+            <p:nvSpPr>
+              <p:cNvPr id="27" name="Hexagon 26">
+                <a:extLst>
+                  <a:ext uri="{FF2B5EF4-FFF2-40B4-BE49-F238E27FC236}">
+                    <a16:creationId xmlns:a16="http://schemas.microsoft.com/office/drawing/2014/main" id="{5F9BA553-CA5B-4786-AC72-98CD996228E2}"/>
+                  </a:ext>
+                </a:extLst>
+              </p:cNvPr>
+              <p:cNvSpPr/>
+              <p:nvPr/>
+            </p:nvSpPr>
+            <p:spPr>
+              <a:xfrm>
+                <a:off x="9087242" y="2214465"/>
+                <a:ext cx="1007706" cy="909734"/>
+              </a:xfrm>
+              <a:prstGeom prst="hexagon">
+                <a:avLst>
+                  <a:gd name="adj" fmla="val 26489"/>
+                  <a:gd name="vf" fmla="val 115470"/>
+                </a:avLst>
+              </a:prstGeom>
+              <a:solidFill>
+                <a:srgbClr val="FF0000"/>
+              </a:solidFill>
+              <a:ln>
+                <a:noFill/>
+              </a:ln>
+            </p:spPr>
+            <p:style>
+              <a:lnRef idx="2">
+                <a:schemeClr val="accent3">
+                  <a:shade val="50000"/>
+                </a:schemeClr>
+              </a:lnRef>
+              <a:fillRef idx="1">
+                <a:schemeClr val="accent3"/>
+              </a:fillRef>
+              <a:effectRef idx="0">
+                <a:schemeClr val="accent3"/>
+              </a:effectRef>
+              <a:fontRef idx="minor">
+                <a:schemeClr val="lt1"/>
+              </a:fontRef>
+            </p:style>
+            <p:txBody>
+              <a:bodyPr rtlCol="0" anchor="ctr"/>
+              <a:lstStyle/>
+              <a:p>
+                <a:pPr algn="ctr"/>
+                <a:endParaRPr lang="en-US"/>
+              </a:p>
+            </p:txBody>
+          </p:sp>
+          <p:sp>
+            <p:nvSpPr>
+              <p:cNvPr id="28" name="Hexagon 27">
+                <a:extLst>
+                  <a:ext uri="{FF2B5EF4-FFF2-40B4-BE49-F238E27FC236}">
+                    <a16:creationId xmlns:a16="http://schemas.microsoft.com/office/drawing/2014/main" id="{662D678D-D051-4DF2-AE7E-0B0115DF748E}"/>
+                  </a:ext>
+                </a:extLst>
+              </p:cNvPr>
+              <p:cNvSpPr/>
+              <p:nvPr/>
+            </p:nvSpPr>
+            <p:spPr>
+              <a:xfrm>
+                <a:off x="9086855" y="1304731"/>
+                <a:ext cx="1007706" cy="909734"/>
+              </a:xfrm>
+              <a:prstGeom prst="hexagon">
+                <a:avLst>
+                  <a:gd name="adj" fmla="val 26489"/>
+                  <a:gd name="vf" fmla="val 115470"/>
+                </a:avLst>
+              </a:prstGeom>
+              <a:solidFill>
+                <a:srgbClr val="FF0000"/>
+              </a:solidFill>
+              <a:ln>
+                <a:noFill/>
+              </a:ln>
+            </p:spPr>
+            <p:style>
+              <a:lnRef idx="2">
+                <a:schemeClr val="accent1">
+                  <a:shade val="50000"/>
+                </a:schemeClr>
+              </a:lnRef>
+              <a:fillRef idx="1">
+                <a:schemeClr val="accent1"/>
+              </a:fillRef>
+              <a:effectRef idx="0">
+                <a:schemeClr val="accent1"/>
+              </a:effectRef>
+              <a:fontRef idx="minor">
+                <a:schemeClr val="lt1"/>
+              </a:fontRef>
+            </p:style>
+            <p:txBody>
+              <a:bodyPr rtlCol="0" anchor="ctr"/>
+              <a:lstStyle/>
+              <a:p>
+                <a:pPr algn="ctr"/>
+                <a:endParaRPr lang="en-US"/>
+              </a:p>
+            </p:txBody>
+          </p:sp>
+          <p:sp>
+            <p:nvSpPr>
+              <p:cNvPr id="29" name="Hexagon 28">
+                <a:extLst>
+                  <a:ext uri="{FF2B5EF4-FFF2-40B4-BE49-F238E27FC236}">
+                    <a16:creationId xmlns:a16="http://schemas.microsoft.com/office/drawing/2014/main" id="{5348AF7F-90BE-4AD2-A57E-3AC927A3C9EB}"/>
+                  </a:ext>
+                </a:extLst>
+              </p:cNvPr>
+              <p:cNvSpPr/>
+              <p:nvPr/>
+            </p:nvSpPr>
+            <p:spPr>
+              <a:xfrm>
+                <a:off x="9087629" y="3124197"/>
+                <a:ext cx="1007706" cy="909734"/>
+              </a:xfrm>
+              <a:prstGeom prst="hexagon">
+                <a:avLst>
+                  <a:gd name="adj" fmla="val 26489"/>
+                  <a:gd name="vf" fmla="val 115470"/>
+                </a:avLst>
+              </a:prstGeom>
+              <a:solidFill>
+                <a:srgbClr val="FF0000"/>
+              </a:solidFill>
+              <a:ln>
+                <a:noFill/>
+              </a:ln>
+            </p:spPr>
+            <p:style>
+              <a:lnRef idx="2">
+                <a:schemeClr val="accent4">
+                  <a:shade val="50000"/>
+                </a:schemeClr>
+              </a:lnRef>
+              <a:fillRef idx="1">
+                <a:schemeClr val="accent4"/>
+              </a:fillRef>
+              <a:effectRef idx="0">
+                <a:schemeClr val="accent4"/>
+              </a:effectRef>
+              <a:fontRef idx="minor">
+                <a:schemeClr val="lt1"/>
+              </a:fontRef>
+            </p:style>
+            <p:txBody>
+              <a:bodyPr rtlCol="0" anchor="ctr"/>
+              <a:lstStyle/>
+              <a:p>
+                <a:pPr algn="ctr"/>
+                <a:endParaRPr lang="en-US"/>
+              </a:p>
+            </p:txBody>
+          </p:sp>
+        </p:grpSp>
+        <p:sp>
+          <p:nvSpPr>
+            <p:cNvPr id="26" name="Arc 25">
+              <a:extLst>
+                <a:ext uri="{FF2B5EF4-FFF2-40B4-BE49-F238E27FC236}">
+                  <a16:creationId xmlns:a16="http://schemas.microsoft.com/office/drawing/2014/main" id="{BFB02708-875A-4870-A761-EE819F4C2C6B}"/>
+                </a:ext>
+              </a:extLst>
+            </p:cNvPr>
+            <p:cNvSpPr/>
+            <p:nvPr/>
+          </p:nvSpPr>
+          <p:spPr>
+            <a:xfrm>
+              <a:off x="8625373" y="1304731"/>
+              <a:ext cx="2509545" cy="2729200"/>
+            </a:xfrm>
+            <a:prstGeom prst="arc">
+              <a:avLst>
+                <a:gd name="adj1" fmla="val 16056241"/>
+                <a:gd name="adj2" fmla="val 5457289"/>
+              </a:avLst>
+            </a:prstGeom>
+            <a:solidFill>
+              <a:srgbClr val="FF0000"/>
+            </a:solidFill>
+          </p:spPr>
+          <p:style>
+            <a:lnRef idx="1">
+              <a:schemeClr val="accent1"/>
+            </a:lnRef>
+            <a:fillRef idx="0">
+              <a:schemeClr val="accent1"/>
+            </a:fillRef>
+            <a:effectRef idx="0">
+              <a:schemeClr val="accent1"/>
+            </a:effectRef>
+            <a:fontRef idx="minor">
+              <a:schemeClr val="tx1"/>
+            </a:fontRef>
+          </p:style>
+          <p:txBody>
+            <a:bodyPr rtlCol="0" anchor="ctr"/>
+            <a:lstStyle/>
+            <a:p>
+              <a:pPr algn="ctr"/>
+              <a:endParaRPr lang="en-US"/>
+            </a:p>
+          </p:txBody>
+        </p:sp>
+      </p:grpSp>
+      <p:sp>
+        <p:nvSpPr>
+          <p:cNvPr id="30" name="Trapezoid 29">
+            <a:extLst>
+              <a:ext uri="{FF2B5EF4-FFF2-40B4-BE49-F238E27FC236}">
+                <a16:creationId xmlns:a16="http://schemas.microsoft.com/office/drawing/2014/main" id="{42BA0ECB-312B-46AC-AF4E-4B656E89532F}"/>
+              </a:ext>
+            </a:extLst>
+          </p:cNvPr>
+          <p:cNvSpPr/>
+          <p:nvPr/>
+        </p:nvSpPr>
+        <p:spPr>
+          <a:xfrm rot="5400000">
+            <a:off x="8138274" y="2181430"/>
+            <a:ext cx="2516936" cy="454065"/>
+          </a:xfrm>
+          <a:prstGeom prst="trapezoid">
+            <a:avLst>
+              <a:gd name="adj" fmla="val 43245"/>
+            </a:avLst>
+          </a:prstGeom>
+        </p:spPr>
+        <p:style>
+          <a:lnRef idx="2">
+            <a:schemeClr val="accent1">
+              <a:shade val="50000"/>
+            </a:schemeClr>
+          </a:lnRef>
+          <a:fillRef idx="1">
+            <a:schemeClr val="accent1"/>
+          </a:fillRef>
+          <a:effectRef idx="0">
+            <a:schemeClr val="accent1"/>
+          </a:effectRef>
+          <a:fontRef idx="minor">
+            <a:schemeClr val="lt1"/>
+          </a:fontRef>
+        </p:style>
+        <p:txBody>
+          <a:bodyPr rtlCol="0" anchor="ctr"/>
+          <a:lstStyle/>
+          <a:p>
+            <a:pPr algn="ctr"/>
+            <a:endParaRPr lang="en-US"/>
+          </a:p>
+        </p:txBody>
+      </p:sp>
+      <p:sp>
+        <p:nvSpPr>
+          <p:cNvPr id="31" name="Hexagon 30">
+            <a:extLst>
+              <a:ext uri="{FF2B5EF4-FFF2-40B4-BE49-F238E27FC236}">
+                <a16:creationId xmlns:a16="http://schemas.microsoft.com/office/drawing/2014/main" id="{74C5768E-7BB7-4588-AAE8-F4C7A6F1D889}"/>
+              </a:ext>
+            </a:extLst>
+          </p:cNvPr>
+          <p:cNvSpPr/>
+          <p:nvPr/>
+        </p:nvSpPr>
+        <p:spPr>
+          <a:xfrm>
+            <a:off x="2035630" y="1084680"/>
+            <a:ext cx="1007706" cy="909734"/>
+          </a:xfrm>
+          <a:prstGeom prst="hexagon">
+            <a:avLst>
+              <a:gd name="adj" fmla="val 26489"/>
+              <a:gd name="vf" fmla="val 115470"/>
+            </a:avLst>
+          </a:prstGeom>
+        </p:spPr>
+        <p:style>
+          <a:lnRef idx="2">
+            <a:schemeClr val="accent2">
+              <a:shade val="50000"/>
+            </a:schemeClr>
+          </a:lnRef>
+          <a:fillRef idx="1">
+            <a:schemeClr val="accent2"/>
+          </a:fillRef>
+          <a:effectRef idx="0">
+            <a:schemeClr val="accent2"/>
+          </a:effectRef>
+          <a:fontRef idx="minor">
+            <a:schemeClr val="lt1"/>
+          </a:fontRef>
+        </p:style>
+        <p:txBody>
+          <a:bodyPr rtlCol="0" anchor="ctr"/>
+          <a:lstStyle/>
+          <a:p>
+            <a:pPr algn="ctr"/>
+            <a:endParaRPr lang="en-US"/>
+          </a:p>
+        </p:txBody>
+      </p:sp>
+      <p:sp>
+        <p:nvSpPr>
+          <p:cNvPr id="32" name="Hexagon 31">
+            <a:extLst>
+              <a:ext uri="{FF2B5EF4-FFF2-40B4-BE49-F238E27FC236}">
+                <a16:creationId xmlns:a16="http://schemas.microsoft.com/office/drawing/2014/main" id="{23AFFCC9-28B0-487C-B70F-80FB279FADD6}"/>
+              </a:ext>
+            </a:extLst>
+          </p:cNvPr>
+          <p:cNvSpPr/>
+          <p:nvPr/>
+        </p:nvSpPr>
+        <p:spPr>
+          <a:xfrm>
+            <a:off x="4347289" y="1539545"/>
+            <a:ext cx="971939" cy="933061"/>
+          </a:xfrm>
+          <a:prstGeom prst="hexagon">
+            <a:avLst>
+              <a:gd name="adj" fmla="val 26489"/>
+              <a:gd name="vf" fmla="val 115470"/>
+            </a:avLst>
+          </a:prstGeom>
+        </p:spPr>
+        <p:style>
+          <a:lnRef idx="1">
+            <a:schemeClr val="accent6"/>
+          </a:lnRef>
+          <a:fillRef idx="2">
+            <a:schemeClr val="accent6"/>
+          </a:fillRef>
+          <a:effectRef idx="1">
+            <a:schemeClr val="accent6"/>
+          </a:effectRef>
+          <a:fontRef idx="minor">
+            <a:schemeClr val="dk1"/>
+          </a:fontRef>
+        </p:style>
+        <p:txBody>
+          <a:bodyPr rtlCol="0" anchor="ctr"/>
+          <a:lstStyle/>
+          <a:p>
+            <a:pPr algn="ctr"/>
+            <a:endParaRPr lang="en-US"/>
+          </a:p>
+        </p:txBody>
+      </p:sp>
+    </p:spTree>
+    <p:extLst>
+      <p:ext uri="{BB962C8B-B14F-4D97-AF65-F5344CB8AC3E}">
+        <p14:creationId xmlns:p14="http://schemas.microsoft.com/office/powerpoint/2010/main" val="2310402317"/>
+      </p:ext>
+    </p:extLst>
+  </p:cSld>
+  <p:clrMapOvr>
+    <a:masterClrMapping/>
+  </p:clrMapOvr>
+</p:sld>
+</file>
+
+<file path=ppt/slides/slide4.xml><?xml version="1.0" encoding="utf-8"?>
+<p:sld xmlns:a="http://schemas.openxmlformats.org/drawingml/2006/main" xmlns:r="http://schemas.openxmlformats.org/officeDocument/2006/relationships" xmlns:p="http://schemas.openxmlformats.org/presentationml/2006/main">
+  <p:cSld>
+    <p:spTree>
+      <p:nvGrpSpPr>
+        <p:cNvPr id="1" name=""/>
+        <p:cNvGrpSpPr/>
+        <p:nvPr/>
+      </p:nvGrpSpPr>
+      <p:grpSpPr>
+        <a:xfrm>
+          <a:off x="0" y="0"/>
+          <a:ext cx="0" cy="0"/>
+          <a:chOff x="0" y="0"/>
+          <a:chExt cx="0" cy="0"/>
+        </a:xfrm>
+      </p:grpSpPr>
+      <p:sp>
+        <p:nvSpPr>
+          <p:cNvPr id="2" name="Hexagon 1">
+            <a:extLst>
+              <a:ext uri="{FF2B5EF4-FFF2-40B4-BE49-F238E27FC236}">
+                <a16:creationId xmlns:a16="http://schemas.microsoft.com/office/drawing/2014/main" id="{CD054906-68F2-4059-8DBA-846E597D259A}"/>
+              </a:ext>
+            </a:extLst>
+          </p:cNvPr>
+          <p:cNvSpPr/>
+          <p:nvPr/>
+        </p:nvSpPr>
+        <p:spPr>
+          <a:xfrm>
+            <a:off x="1280627" y="1539545"/>
+            <a:ext cx="1007706" cy="909734"/>
+          </a:xfrm>
+          <a:prstGeom prst="hexagon">
+            <a:avLst>
+              <a:gd name="adj" fmla="val 26489"/>
+              <a:gd name="vf" fmla="val 115470"/>
+            </a:avLst>
+          </a:prstGeom>
+        </p:spPr>
+        <p:style>
+          <a:lnRef idx="2">
+            <a:schemeClr val="accent4">
+              <a:shade val="50000"/>
+            </a:schemeClr>
+          </a:lnRef>
+          <a:fillRef idx="1">
+            <a:schemeClr val="accent4"/>
+          </a:fillRef>
+          <a:effectRef idx="0">
+            <a:schemeClr val="accent4"/>
+          </a:effectRef>
+          <a:fontRef idx="minor">
+            <a:schemeClr val="lt1"/>
+          </a:fontRef>
+        </p:style>
+        <p:txBody>
+          <a:bodyPr rtlCol="0" anchor="ctr"/>
+          <a:lstStyle/>
+          <a:p>
+            <a:pPr algn="ctr"/>
+            <a:endParaRPr lang="en-US"/>
+          </a:p>
+        </p:txBody>
+      </p:sp>
+      <p:sp>
+        <p:nvSpPr>
+          <p:cNvPr id="3" name="Hexagon 2">
+            <a:extLst>
+              <a:ext uri="{FF2B5EF4-FFF2-40B4-BE49-F238E27FC236}">
+                <a16:creationId xmlns:a16="http://schemas.microsoft.com/office/drawing/2014/main" id="{449D20A9-A837-4264-BC0E-88867FDBC2FA}"/>
+              </a:ext>
+            </a:extLst>
+          </p:cNvPr>
+          <p:cNvSpPr/>
+          <p:nvPr/>
+        </p:nvSpPr>
+        <p:spPr>
+          <a:xfrm>
+            <a:off x="2035629" y="2887824"/>
+            <a:ext cx="1007706" cy="909734"/>
+          </a:xfrm>
+          <a:prstGeom prst="hexagon">
+            <a:avLst>
+              <a:gd name="adj" fmla="val 26489"/>
+              <a:gd name="vf" fmla="val 115470"/>
+            </a:avLst>
+          </a:prstGeom>
+        </p:spPr>
+        <p:style>
+          <a:lnRef idx="2">
+            <a:schemeClr val="accent6">
+              <a:shade val="50000"/>
+            </a:schemeClr>
+          </a:lnRef>
+          <a:fillRef idx="1">
+            <a:schemeClr val="accent6"/>
+          </a:fillRef>
+          <a:effectRef idx="0">
+            <a:schemeClr val="accent6"/>
+          </a:effectRef>
+          <a:fontRef idx="minor">
+            <a:schemeClr val="lt1"/>
+          </a:fontRef>
+        </p:style>
+        <p:txBody>
+          <a:bodyPr rtlCol="0" anchor="ctr"/>
+          <a:lstStyle/>
+          <a:p>
+            <a:pPr algn="ctr"/>
+            <a:endParaRPr lang="en-US"/>
+          </a:p>
+        </p:txBody>
+      </p:sp>
+      <p:sp>
+        <p:nvSpPr>
+          <p:cNvPr id="4" name="Hexagon 3">
+            <a:extLst>
+              <a:ext uri="{FF2B5EF4-FFF2-40B4-BE49-F238E27FC236}">
+                <a16:creationId xmlns:a16="http://schemas.microsoft.com/office/drawing/2014/main" id="{D71A4F93-25D8-4E09-8CDD-219C79E33D99}"/>
+              </a:ext>
+            </a:extLst>
+          </p:cNvPr>
+          <p:cNvSpPr/>
+          <p:nvPr/>
+        </p:nvSpPr>
+        <p:spPr>
+          <a:xfrm>
+            <a:off x="1280627" y="2449279"/>
+            <a:ext cx="1007706" cy="909734"/>
+          </a:xfrm>
+          <a:prstGeom prst="hexagon">
+            <a:avLst>
+              <a:gd name="adj" fmla="val 26489"/>
+              <a:gd name="vf" fmla="val 115470"/>
+            </a:avLst>
+          </a:prstGeom>
+        </p:spPr>
+        <p:style>
+          <a:lnRef idx="2">
+            <a:schemeClr val="accent1">
+              <a:shade val="50000"/>
+            </a:schemeClr>
+          </a:lnRef>
+          <a:fillRef idx="1">
+            <a:schemeClr val="accent1"/>
+          </a:fillRef>
+          <a:effectRef idx="0">
+            <a:schemeClr val="accent1"/>
+          </a:effectRef>
+          <a:fontRef idx="minor">
+            <a:schemeClr val="lt1"/>
+          </a:fontRef>
+        </p:style>
+        <p:txBody>
+          <a:bodyPr rtlCol="0" anchor="ctr"/>
+          <a:lstStyle/>
+          <a:p>
+            <a:pPr algn="ctr"/>
+            <a:endParaRPr lang="en-US"/>
+          </a:p>
+        </p:txBody>
+      </p:sp>
+      <p:sp>
+        <p:nvSpPr>
+          <p:cNvPr id="5" name="Hexagon 4">
+            <a:extLst>
+              <a:ext uri="{FF2B5EF4-FFF2-40B4-BE49-F238E27FC236}">
+                <a16:creationId xmlns:a16="http://schemas.microsoft.com/office/drawing/2014/main" id="{3EB707AF-9673-4E9B-A668-45F58C12AB35}"/>
+              </a:ext>
+            </a:extLst>
+          </p:cNvPr>
+          <p:cNvSpPr/>
+          <p:nvPr/>
+        </p:nvSpPr>
+        <p:spPr>
+          <a:xfrm>
+            <a:off x="2035629" y="1978087"/>
+            <a:ext cx="1007706" cy="909735"/>
+          </a:xfrm>
+          <a:prstGeom prst="hexagon">
+            <a:avLst>
+              <a:gd name="adj" fmla="val 26489"/>
+              <a:gd name="vf" fmla="val 115470"/>
+            </a:avLst>
+          </a:prstGeom>
+        </p:spPr>
+        <p:style>
+          <a:lnRef idx="1">
+            <a:schemeClr val="accent6"/>
+          </a:lnRef>
+          <a:fillRef idx="2">
+            <a:schemeClr val="accent6"/>
+          </a:fillRef>
+          <a:effectRef idx="1">
+            <a:schemeClr val="accent6"/>
+          </a:effectRef>
+          <a:fontRef idx="minor">
+            <a:schemeClr val="dk1"/>
+          </a:fontRef>
+        </p:style>
+        <p:txBody>
+          <a:bodyPr rtlCol="0" anchor="ctr"/>
+          <a:lstStyle/>
+          <a:p>
+            <a:pPr algn="ctr"/>
+            <a:endParaRPr lang="en-US"/>
+          </a:p>
+        </p:txBody>
+      </p:sp>
+      <p:sp>
+        <p:nvSpPr>
+          <p:cNvPr id="6" name="Hexagon 5">
+            <a:extLst>
+              <a:ext uri="{FF2B5EF4-FFF2-40B4-BE49-F238E27FC236}">
+                <a16:creationId xmlns:a16="http://schemas.microsoft.com/office/drawing/2014/main" id="{4B18A355-2FB0-4233-AFF4-C79A4ED0EEC0}"/>
+              </a:ext>
+            </a:extLst>
+          </p:cNvPr>
+          <p:cNvSpPr/>
+          <p:nvPr/>
+        </p:nvSpPr>
+        <p:spPr>
+          <a:xfrm>
+            <a:off x="2796075" y="2432957"/>
+            <a:ext cx="1007706" cy="909734"/>
+          </a:xfrm>
+          <a:prstGeom prst="hexagon">
+            <a:avLst>
+              <a:gd name="adj" fmla="val 26489"/>
+              <a:gd name="vf" fmla="val 115470"/>
+            </a:avLst>
+          </a:prstGeom>
+        </p:spPr>
+        <p:style>
+          <a:lnRef idx="2">
+            <a:schemeClr val="accent3">
+              <a:shade val="50000"/>
+            </a:schemeClr>
+          </a:lnRef>
+          <a:fillRef idx="1">
+            <a:schemeClr val="accent3"/>
+          </a:fillRef>
+          <a:effectRef idx="0">
+            <a:schemeClr val="accent3"/>
+          </a:effectRef>
+          <a:fontRef idx="minor">
+            <a:schemeClr val="lt1"/>
+          </a:fontRef>
+        </p:style>
+        <p:txBody>
+          <a:bodyPr rtlCol="0" anchor="ctr"/>
+          <a:lstStyle/>
+          <a:p>
+            <a:pPr algn="ctr"/>
+            <a:endParaRPr lang="en-US"/>
+          </a:p>
+        </p:txBody>
+      </p:sp>
+      <p:sp>
+        <p:nvSpPr>
+          <p:cNvPr id="7" name="Hexagon 6">
+            <a:extLst>
+              <a:ext uri="{FF2B5EF4-FFF2-40B4-BE49-F238E27FC236}">
+                <a16:creationId xmlns:a16="http://schemas.microsoft.com/office/drawing/2014/main" id="{35714C3F-1079-414F-A996-57C69C87ABF3}"/>
+              </a:ext>
+            </a:extLst>
+          </p:cNvPr>
+          <p:cNvSpPr/>
+          <p:nvPr/>
+        </p:nvSpPr>
+        <p:spPr>
+          <a:xfrm>
+            <a:off x="2035629" y="1068356"/>
+            <a:ext cx="1007706" cy="909734"/>
+          </a:xfrm>
+          <a:prstGeom prst="hexagon">
+            <a:avLst>
+              <a:gd name="adj" fmla="val 26489"/>
+              <a:gd name="vf" fmla="val 115470"/>
+            </a:avLst>
+          </a:prstGeom>
+        </p:spPr>
+        <p:style>
+          <a:lnRef idx="2">
+            <a:schemeClr val="accent2">
+              <a:shade val="50000"/>
+            </a:schemeClr>
+          </a:lnRef>
+          <a:fillRef idx="1">
+            <a:schemeClr val="accent2"/>
+          </a:fillRef>
+          <a:effectRef idx="0">
+            <a:schemeClr val="accent2"/>
+          </a:effectRef>
+          <a:fontRef idx="minor">
+            <a:schemeClr val="lt1"/>
+          </a:fontRef>
+        </p:style>
+        <p:txBody>
+          <a:bodyPr rtlCol="0" anchor="ctr"/>
+          <a:lstStyle/>
+          <a:p>
+            <a:pPr algn="ctr"/>
+            <a:endParaRPr lang="en-US"/>
+          </a:p>
+        </p:txBody>
+      </p:sp>
+      <p:sp>
+        <p:nvSpPr>
+          <p:cNvPr id="8" name="Hexagon 7">
+            <a:extLst>
+              <a:ext uri="{FF2B5EF4-FFF2-40B4-BE49-F238E27FC236}">
+                <a16:creationId xmlns:a16="http://schemas.microsoft.com/office/drawing/2014/main" id="{51C2FBCB-37E6-4BF2-9396-99964844BF00}"/>
+              </a:ext>
+            </a:extLst>
+          </p:cNvPr>
+          <p:cNvSpPr/>
+          <p:nvPr/>
+        </p:nvSpPr>
+        <p:spPr>
+          <a:xfrm>
+            <a:off x="2796075" y="1523223"/>
+            <a:ext cx="1007706" cy="909734"/>
+          </a:xfrm>
+          <a:prstGeom prst="hexagon">
+            <a:avLst>
+              <a:gd name="adj" fmla="val 26489"/>
+              <a:gd name="vf" fmla="val 115470"/>
+            </a:avLst>
+          </a:prstGeom>
+        </p:spPr>
+        <p:style>
+          <a:lnRef idx="2">
+            <a:schemeClr val="accent1">
+              <a:shade val="50000"/>
+            </a:schemeClr>
+          </a:lnRef>
+          <a:fillRef idx="1">
+            <a:schemeClr val="accent1"/>
+          </a:fillRef>
+          <a:effectRef idx="0">
+            <a:schemeClr val="accent1"/>
+          </a:effectRef>
+          <a:fontRef idx="minor">
+            <a:schemeClr val="lt1"/>
+          </a:fontRef>
+        </p:style>
+        <p:txBody>
+          <a:bodyPr rtlCol="0" anchor="ctr"/>
+          <a:lstStyle/>
+          <a:p>
+            <a:pPr algn="ctr"/>
+            <a:endParaRPr lang="en-US"/>
+          </a:p>
+        </p:txBody>
+      </p:sp>
+      <p:sp>
+        <p:nvSpPr>
+          <p:cNvPr id="9" name="Hexagon 8">
+            <a:extLst>
+              <a:ext uri="{FF2B5EF4-FFF2-40B4-BE49-F238E27FC236}">
+                <a16:creationId xmlns:a16="http://schemas.microsoft.com/office/drawing/2014/main" id="{F5A0D904-3F7F-4799-BE75-D68D8767B193}"/>
+              </a:ext>
+            </a:extLst>
+          </p:cNvPr>
+          <p:cNvSpPr/>
+          <p:nvPr/>
+        </p:nvSpPr>
+        <p:spPr>
+          <a:xfrm>
+            <a:off x="3572848" y="1068355"/>
+            <a:ext cx="1007706" cy="909734"/>
+          </a:xfrm>
+          <a:prstGeom prst="hexagon">
+            <a:avLst>
+              <a:gd name="adj" fmla="val 26489"/>
+              <a:gd name="vf" fmla="val 115470"/>
+            </a:avLst>
+          </a:prstGeom>
+        </p:spPr>
+        <p:style>
+          <a:lnRef idx="2">
+            <a:schemeClr val="accent4">
+              <a:shade val="50000"/>
+            </a:schemeClr>
+          </a:lnRef>
+          <a:fillRef idx="1">
+            <a:schemeClr val="accent4"/>
+          </a:fillRef>
+          <a:effectRef idx="0">
+            <a:schemeClr val="accent4"/>
+          </a:effectRef>
+          <a:fontRef idx="minor">
+            <a:schemeClr val="lt1"/>
+          </a:fontRef>
+        </p:style>
+        <p:txBody>
+          <a:bodyPr rtlCol="0" anchor="ctr"/>
+          <a:lstStyle/>
+          <a:p>
+            <a:pPr algn="ctr"/>
+            <a:endParaRPr lang="en-US"/>
+          </a:p>
+        </p:txBody>
+      </p:sp>
+      <p:sp>
+        <p:nvSpPr>
+          <p:cNvPr id="10" name="Hexagon 9">
+            <a:extLst>
+              <a:ext uri="{FF2B5EF4-FFF2-40B4-BE49-F238E27FC236}">
+                <a16:creationId xmlns:a16="http://schemas.microsoft.com/office/drawing/2014/main" id="{4D1DBD2F-064B-474C-8879-7D5C3C74AC6D}"/>
+              </a:ext>
+            </a:extLst>
+          </p:cNvPr>
+          <p:cNvSpPr/>
+          <p:nvPr/>
+        </p:nvSpPr>
+        <p:spPr>
+          <a:xfrm>
+            <a:off x="4311522" y="2432956"/>
+            <a:ext cx="1007706" cy="909734"/>
+          </a:xfrm>
+          <a:prstGeom prst="hexagon">
+            <a:avLst>
+              <a:gd name="adj" fmla="val 26489"/>
+              <a:gd name="vf" fmla="val 115470"/>
+            </a:avLst>
+          </a:prstGeom>
+        </p:spPr>
+        <p:style>
+          <a:lnRef idx="2">
+            <a:schemeClr val="accent6">
+              <a:shade val="50000"/>
+            </a:schemeClr>
+          </a:lnRef>
+          <a:fillRef idx="1">
+            <a:schemeClr val="accent6"/>
+          </a:fillRef>
+          <a:effectRef idx="0">
+            <a:schemeClr val="accent6"/>
+          </a:effectRef>
+          <a:fontRef idx="minor">
+            <a:schemeClr val="lt1"/>
+          </a:fontRef>
+        </p:style>
+        <p:txBody>
+          <a:bodyPr rtlCol="0" anchor="ctr"/>
+          <a:lstStyle/>
+          <a:p>
+            <a:pPr algn="ctr"/>
+            <a:endParaRPr lang="en-US"/>
+          </a:p>
+        </p:txBody>
+      </p:sp>
+      <p:sp>
+        <p:nvSpPr>
+          <p:cNvPr id="11" name="Hexagon 10">
+            <a:extLst>
+              <a:ext uri="{FF2B5EF4-FFF2-40B4-BE49-F238E27FC236}">
+                <a16:creationId xmlns:a16="http://schemas.microsoft.com/office/drawing/2014/main" id="{9D1947EE-DB3A-4253-A1B3-FD881B9AC96D}"/>
+              </a:ext>
+            </a:extLst>
+          </p:cNvPr>
+          <p:cNvSpPr/>
+          <p:nvPr/>
+        </p:nvSpPr>
+        <p:spPr>
+          <a:xfrm>
+            <a:off x="3572848" y="1978089"/>
+            <a:ext cx="1007706" cy="909734"/>
+          </a:xfrm>
+          <a:prstGeom prst="hexagon">
+            <a:avLst>
+              <a:gd name="adj" fmla="val 26489"/>
+              <a:gd name="vf" fmla="val 115470"/>
+            </a:avLst>
+          </a:prstGeom>
+        </p:spPr>
+        <p:style>
+          <a:lnRef idx="2">
+            <a:schemeClr val="accent1">
+              <a:shade val="50000"/>
+            </a:schemeClr>
+          </a:lnRef>
+          <a:fillRef idx="1">
+            <a:schemeClr val="accent1"/>
+          </a:fillRef>
+          <a:effectRef idx="0">
+            <a:schemeClr val="accent1"/>
+          </a:effectRef>
+          <a:fontRef idx="minor">
+            <a:schemeClr val="lt1"/>
+          </a:fontRef>
+        </p:style>
+        <p:txBody>
+          <a:bodyPr rtlCol="0" anchor="ctr"/>
+          <a:lstStyle/>
+          <a:p>
+            <a:pPr algn="ctr"/>
+            <a:endParaRPr lang="en-US"/>
+          </a:p>
+        </p:txBody>
+      </p:sp>
+      <p:sp>
+        <p:nvSpPr>
+          <p:cNvPr id="12" name="Hexagon 11">
+            <a:extLst>
+              <a:ext uri="{FF2B5EF4-FFF2-40B4-BE49-F238E27FC236}">
+                <a16:creationId xmlns:a16="http://schemas.microsoft.com/office/drawing/2014/main" id="{B6342648-AE7E-4C01-800A-FB3CD12F74D5}"/>
+              </a:ext>
+            </a:extLst>
+          </p:cNvPr>
+          <p:cNvSpPr/>
+          <p:nvPr/>
+        </p:nvSpPr>
+        <p:spPr>
+          <a:xfrm>
+            <a:off x="4347288" y="1523221"/>
+            <a:ext cx="971939" cy="933061"/>
+          </a:xfrm>
+          <a:prstGeom prst="hexagon">
+            <a:avLst>
+              <a:gd name="adj" fmla="val 26489"/>
+              <a:gd name="vf" fmla="val 115470"/>
+            </a:avLst>
+          </a:prstGeom>
+        </p:spPr>
+        <p:style>
+          <a:lnRef idx="1">
+            <a:schemeClr val="accent6"/>
+          </a:lnRef>
+          <a:fillRef idx="2">
+            <a:schemeClr val="accent6"/>
+          </a:fillRef>
+          <a:effectRef idx="1">
+            <a:schemeClr val="accent6"/>
+          </a:effectRef>
+          <a:fontRef idx="minor">
+            <a:schemeClr val="dk1"/>
+          </a:fontRef>
+        </p:style>
+        <p:txBody>
+          <a:bodyPr rtlCol="0" anchor="ctr"/>
+          <a:lstStyle/>
+          <a:p>
+            <a:pPr algn="ctr"/>
+            <a:endParaRPr lang="en-US"/>
+          </a:p>
+        </p:txBody>
+      </p:sp>
+      <p:sp>
+        <p:nvSpPr>
+          <p:cNvPr id="13" name="Hexagon 12">
+            <a:extLst>
+              <a:ext uri="{FF2B5EF4-FFF2-40B4-BE49-F238E27FC236}">
+                <a16:creationId xmlns:a16="http://schemas.microsoft.com/office/drawing/2014/main" id="{017474B8-35FA-41D5-998B-00C302CAFBD8}"/>
+              </a:ext>
+            </a:extLst>
+          </p:cNvPr>
+          <p:cNvSpPr/>
+          <p:nvPr/>
+        </p:nvSpPr>
+        <p:spPr>
+          <a:xfrm>
+            <a:off x="5088294" y="1978089"/>
+            <a:ext cx="1007706" cy="909734"/>
+          </a:xfrm>
+          <a:prstGeom prst="hexagon">
+            <a:avLst>
+              <a:gd name="adj" fmla="val 26489"/>
+              <a:gd name="vf" fmla="val 115470"/>
+            </a:avLst>
+          </a:prstGeom>
+        </p:spPr>
+        <p:style>
+          <a:lnRef idx="2">
+            <a:schemeClr val="accent3">
+              <a:shade val="50000"/>
+            </a:schemeClr>
+          </a:lnRef>
+          <a:fillRef idx="1">
+            <a:schemeClr val="accent3"/>
+          </a:fillRef>
+          <a:effectRef idx="0">
+            <a:schemeClr val="accent3"/>
+          </a:effectRef>
+          <a:fontRef idx="minor">
+            <a:schemeClr val="lt1"/>
+          </a:fontRef>
+        </p:style>
+        <p:txBody>
+          <a:bodyPr rtlCol="0" anchor="ctr"/>
+          <a:lstStyle/>
+          <a:p>
+            <a:pPr algn="ctr"/>
+            <a:endParaRPr lang="en-US"/>
+          </a:p>
+        </p:txBody>
+      </p:sp>
+      <p:sp>
+        <p:nvSpPr>
+          <p:cNvPr id="14" name="Hexagon 13">
+            <a:extLst>
+              <a:ext uri="{FF2B5EF4-FFF2-40B4-BE49-F238E27FC236}">
+                <a16:creationId xmlns:a16="http://schemas.microsoft.com/office/drawing/2014/main" id="{F7765DBD-26ED-4FDD-89D0-0FAC67FB941B}"/>
+              </a:ext>
+            </a:extLst>
+          </p:cNvPr>
+          <p:cNvSpPr/>
+          <p:nvPr/>
+        </p:nvSpPr>
+        <p:spPr>
+          <a:xfrm>
+            <a:off x="3572848" y="2887822"/>
+            <a:ext cx="1007706" cy="909734"/>
+          </a:xfrm>
+          <a:prstGeom prst="hexagon">
+            <a:avLst>
+              <a:gd name="adj" fmla="val 26489"/>
+              <a:gd name="vf" fmla="val 115470"/>
+            </a:avLst>
+          </a:prstGeom>
+        </p:spPr>
+        <p:style>
+          <a:lnRef idx="2">
+            <a:schemeClr val="accent2">
+              <a:shade val="50000"/>
+            </a:schemeClr>
+          </a:lnRef>
+          <a:fillRef idx="1">
+            <a:schemeClr val="accent2"/>
+          </a:fillRef>
+          <a:effectRef idx="0">
+            <a:schemeClr val="accent2"/>
+          </a:effectRef>
+          <a:fontRef idx="minor">
+            <a:schemeClr val="lt1"/>
+          </a:fontRef>
+        </p:style>
+        <p:txBody>
+          <a:bodyPr rtlCol="0" anchor="ctr"/>
+          <a:lstStyle/>
+          <a:p>
+            <a:pPr algn="ctr"/>
+            <a:endParaRPr lang="en-US"/>
+          </a:p>
+        </p:txBody>
+      </p:sp>
+      <p:sp>
+        <p:nvSpPr>
+          <p:cNvPr id="15" name="Hexagon 14">
+            <a:extLst>
+              <a:ext uri="{FF2B5EF4-FFF2-40B4-BE49-F238E27FC236}">
+                <a16:creationId xmlns:a16="http://schemas.microsoft.com/office/drawing/2014/main" id="{6D5632A8-4C12-4BAE-9B10-D4951FA0EE97}"/>
+              </a:ext>
+            </a:extLst>
+          </p:cNvPr>
+          <p:cNvSpPr/>
+          <p:nvPr/>
+        </p:nvSpPr>
+        <p:spPr>
+          <a:xfrm>
+            <a:off x="5088294" y="1068355"/>
+            <a:ext cx="1007706" cy="909734"/>
+          </a:xfrm>
+          <a:prstGeom prst="hexagon">
+            <a:avLst>
+              <a:gd name="adj" fmla="val 26489"/>
+              <a:gd name="vf" fmla="val 115470"/>
+            </a:avLst>
+          </a:prstGeom>
+        </p:spPr>
+        <p:style>
+          <a:lnRef idx="2">
+            <a:schemeClr val="accent1">
+              <a:shade val="50000"/>
+            </a:schemeClr>
+          </a:lnRef>
+          <a:fillRef idx="1">
+            <a:schemeClr val="accent1"/>
+          </a:fillRef>
+          <a:effectRef idx="0">
+            <a:schemeClr val="accent1"/>
+          </a:effectRef>
+          <a:fontRef idx="minor">
+            <a:schemeClr val="lt1"/>
+          </a:fontRef>
+        </p:style>
+        <p:txBody>
+          <a:bodyPr rtlCol="0" anchor="ctr"/>
+          <a:lstStyle/>
+          <a:p>
+            <a:pPr algn="ctr"/>
+            <a:endParaRPr lang="en-US"/>
+          </a:p>
+        </p:txBody>
+      </p:sp>
+      <p:sp>
+        <p:nvSpPr>
+          <p:cNvPr id="16" name="Hexagon 15">
+            <a:extLst>
+              <a:ext uri="{FF2B5EF4-FFF2-40B4-BE49-F238E27FC236}">
+                <a16:creationId xmlns:a16="http://schemas.microsoft.com/office/drawing/2014/main" id="{8B299930-9929-42A8-80FC-840A95F7B185}"/>
+              </a:ext>
+            </a:extLst>
+          </p:cNvPr>
+          <p:cNvSpPr/>
+          <p:nvPr/>
+        </p:nvSpPr>
+        <p:spPr>
+          <a:xfrm>
+            <a:off x="5865068" y="1523221"/>
+            <a:ext cx="1007706" cy="909734"/>
+          </a:xfrm>
+          <a:prstGeom prst="hexagon">
+            <a:avLst>
+              <a:gd name="adj" fmla="val 26489"/>
+              <a:gd name="vf" fmla="val 115470"/>
+            </a:avLst>
+          </a:prstGeom>
+        </p:spPr>
+        <p:style>
+          <a:lnRef idx="2">
+            <a:schemeClr val="accent4">
+              <a:shade val="50000"/>
+            </a:schemeClr>
+          </a:lnRef>
+          <a:fillRef idx="1">
+            <a:schemeClr val="accent4"/>
+          </a:fillRef>
+          <a:effectRef idx="0">
+            <a:schemeClr val="accent4"/>
+          </a:effectRef>
+          <a:fontRef idx="minor">
+            <a:schemeClr val="lt1"/>
+          </a:fontRef>
+        </p:style>
+        <p:txBody>
+          <a:bodyPr rtlCol="0" anchor="ctr"/>
+          <a:lstStyle/>
+          <a:p>
+            <a:pPr algn="ctr"/>
+            <a:endParaRPr lang="en-US"/>
+          </a:p>
+        </p:txBody>
+      </p:sp>
+      <p:sp>
+        <p:nvSpPr>
+          <p:cNvPr id="17" name="Hexagon 16">
+            <a:extLst>
+              <a:ext uri="{FF2B5EF4-FFF2-40B4-BE49-F238E27FC236}">
+                <a16:creationId xmlns:a16="http://schemas.microsoft.com/office/drawing/2014/main" id="{4A046B90-0297-4F93-B044-7B182E545B9D}"/>
+              </a:ext>
+            </a:extLst>
+          </p:cNvPr>
+          <p:cNvSpPr/>
+          <p:nvPr/>
+        </p:nvSpPr>
+        <p:spPr>
+          <a:xfrm>
+            <a:off x="6603742" y="2887822"/>
+            <a:ext cx="1007706" cy="909734"/>
+          </a:xfrm>
+          <a:prstGeom prst="hexagon">
+            <a:avLst>
+              <a:gd name="adj" fmla="val 26489"/>
+              <a:gd name="vf" fmla="val 115470"/>
+            </a:avLst>
+          </a:prstGeom>
+        </p:spPr>
+        <p:style>
+          <a:lnRef idx="2">
+            <a:schemeClr val="accent6">
+              <a:shade val="50000"/>
+            </a:schemeClr>
+          </a:lnRef>
+          <a:fillRef idx="1">
+            <a:schemeClr val="accent6"/>
+          </a:fillRef>
+          <a:effectRef idx="0">
+            <a:schemeClr val="accent6"/>
+          </a:effectRef>
+          <a:fontRef idx="minor">
+            <a:schemeClr val="lt1"/>
+          </a:fontRef>
+        </p:style>
+        <p:txBody>
+          <a:bodyPr rtlCol="0" anchor="ctr"/>
+          <a:lstStyle/>
+          <a:p>
+            <a:pPr algn="ctr"/>
+            <a:endParaRPr lang="en-US"/>
+          </a:p>
+        </p:txBody>
+      </p:sp>
+      <p:sp>
+        <p:nvSpPr>
+          <p:cNvPr id="18" name="Hexagon 17">
+            <a:extLst>
+              <a:ext uri="{FF2B5EF4-FFF2-40B4-BE49-F238E27FC236}">
+                <a16:creationId xmlns:a16="http://schemas.microsoft.com/office/drawing/2014/main" id="{E4A86978-A806-4C84-80A4-533407F348DF}"/>
+              </a:ext>
+            </a:extLst>
+          </p:cNvPr>
+          <p:cNvSpPr/>
+          <p:nvPr/>
+        </p:nvSpPr>
+        <p:spPr>
+          <a:xfrm>
+            <a:off x="5865068" y="2432955"/>
+            <a:ext cx="1007706" cy="909734"/>
+          </a:xfrm>
+          <a:prstGeom prst="hexagon">
+            <a:avLst>
+              <a:gd name="adj" fmla="val 26489"/>
+              <a:gd name="vf" fmla="val 115470"/>
+            </a:avLst>
+          </a:prstGeom>
+        </p:spPr>
+        <p:style>
+          <a:lnRef idx="2">
+            <a:schemeClr val="accent1">
+              <a:shade val="50000"/>
+            </a:schemeClr>
+          </a:lnRef>
+          <a:fillRef idx="1">
+            <a:schemeClr val="accent1"/>
+          </a:fillRef>
+          <a:effectRef idx="0">
+            <a:schemeClr val="accent1"/>
+          </a:effectRef>
+          <a:fontRef idx="minor">
+            <a:schemeClr val="lt1"/>
+          </a:fontRef>
+        </p:style>
+        <p:txBody>
+          <a:bodyPr rtlCol="0" anchor="ctr"/>
+          <a:lstStyle/>
+          <a:p>
+            <a:pPr algn="ctr"/>
+            <a:endParaRPr lang="en-US"/>
+          </a:p>
+        </p:txBody>
+      </p:sp>
+      <p:sp>
+        <p:nvSpPr>
+          <p:cNvPr id="19" name="Hexagon 18">
+            <a:extLst>
+              <a:ext uri="{FF2B5EF4-FFF2-40B4-BE49-F238E27FC236}">
+                <a16:creationId xmlns:a16="http://schemas.microsoft.com/office/drawing/2014/main" id="{3451CEA7-B54B-4492-ADA9-2D92BD4DA63A}"/>
+              </a:ext>
+            </a:extLst>
+          </p:cNvPr>
+          <p:cNvSpPr/>
+          <p:nvPr/>
+        </p:nvSpPr>
+        <p:spPr>
+          <a:xfrm>
+            <a:off x="6639508" y="1978087"/>
+            <a:ext cx="971939" cy="933061"/>
+          </a:xfrm>
+          <a:prstGeom prst="hexagon">
+            <a:avLst>
+              <a:gd name="adj" fmla="val 26489"/>
+              <a:gd name="vf" fmla="val 115470"/>
+            </a:avLst>
+          </a:prstGeom>
+        </p:spPr>
+        <p:style>
+          <a:lnRef idx="1">
+            <a:schemeClr val="accent6"/>
+          </a:lnRef>
+          <a:fillRef idx="2">
+            <a:schemeClr val="accent6"/>
+          </a:fillRef>
+          <a:effectRef idx="1">
+            <a:schemeClr val="accent6"/>
+          </a:effectRef>
+          <a:fontRef idx="minor">
+            <a:schemeClr val="dk1"/>
+          </a:fontRef>
+        </p:style>
+        <p:txBody>
+          <a:bodyPr rtlCol="0" anchor="ctr"/>
+          <a:lstStyle/>
+          <a:p>
+            <a:pPr algn="ctr"/>
+            <a:endParaRPr lang="en-US"/>
+          </a:p>
+        </p:txBody>
+      </p:sp>
+      <p:sp>
+        <p:nvSpPr>
+          <p:cNvPr id="20" name="Hexagon 19">
+            <a:extLst>
+              <a:ext uri="{FF2B5EF4-FFF2-40B4-BE49-F238E27FC236}">
+                <a16:creationId xmlns:a16="http://schemas.microsoft.com/office/drawing/2014/main" id="{5462F244-5C86-4366-93C4-897DE849A2FB}"/>
+              </a:ext>
+            </a:extLst>
+          </p:cNvPr>
+          <p:cNvSpPr/>
+          <p:nvPr/>
+        </p:nvSpPr>
+        <p:spPr>
+          <a:xfrm>
+            <a:off x="6603742" y="1068354"/>
+            <a:ext cx="1007706" cy="909734"/>
+          </a:xfrm>
+          <a:prstGeom prst="hexagon">
+            <a:avLst>
+              <a:gd name="adj" fmla="val 26489"/>
+              <a:gd name="vf" fmla="val 115470"/>
+            </a:avLst>
+          </a:prstGeom>
+        </p:spPr>
+        <p:style>
+          <a:lnRef idx="2">
+            <a:schemeClr val="accent2">
+              <a:shade val="50000"/>
+            </a:schemeClr>
+          </a:lnRef>
+          <a:fillRef idx="1">
+            <a:schemeClr val="accent2"/>
+          </a:fillRef>
+          <a:effectRef idx="0">
+            <a:schemeClr val="accent2"/>
+          </a:effectRef>
+          <a:fontRef idx="minor">
+            <a:schemeClr val="lt1"/>
+          </a:fontRef>
+        </p:style>
+        <p:txBody>
+          <a:bodyPr rtlCol="0" anchor="ctr"/>
+          <a:lstStyle/>
+          <a:p>
+            <a:pPr algn="ctr"/>
+            <a:endParaRPr lang="en-US"/>
+          </a:p>
+        </p:txBody>
+      </p:sp>
+      <p:sp>
+        <p:nvSpPr>
+          <p:cNvPr id="21" name="Hexagon 20">
+            <a:extLst>
+              <a:ext uri="{FF2B5EF4-FFF2-40B4-BE49-F238E27FC236}">
+                <a16:creationId xmlns:a16="http://schemas.microsoft.com/office/drawing/2014/main" id="{D3C87576-2783-4F05-ADD6-AB5AA05009FC}"/>
+              </a:ext>
+            </a:extLst>
+          </p:cNvPr>
+          <p:cNvSpPr/>
+          <p:nvPr/>
+        </p:nvSpPr>
+        <p:spPr>
+          <a:xfrm>
+            <a:off x="7342415" y="1523220"/>
+            <a:ext cx="1007706" cy="909734"/>
+          </a:xfrm>
+          <a:prstGeom prst="hexagon">
+            <a:avLst>
+              <a:gd name="adj" fmla="val 26489"/>
+              <a:gd name="vf" fmla="val 115470"/>
+            </a:avLst>
+          </a:prstGeom>
+        </p:spPr>
+        <p:style>
+          <a:lnRef idx="2">
+            <a:schemeClr val="accent4">
+              <a:shade val="50000"/>
+            </a:schemeClr>
+          </a:lnRef>
+          <a:fillRef idx="1">
+            <a:schemeClr val="accent4"/>
+          </a:fillRef>
+          <a:effectRef idx="0">
+            <a:schemeClr val="accent4"/>
+          </a:effectRef>
+          <a:fontRef idx="minor">
+            <a:schemeClr val="lt1"/>
+          </a:fontRef>
+        </p:style>
+        <p:txBody>
+          <a:bodyPr rtlCol="0" anchor="ctr"/>
+          <a:lstStyle/>
+          <a:p>
+            <a:pPr algn="ctr"/>
+            <a:endParaRPr lang="en-US"/>
+          </a:p>
+        </p:txBody>
+      </p:sp>
+      <p:sp>
+        <p:nvSpPr>
+          <p:cNvPr id="22" name="Hexagon 21">
+            <a:extLst>
+              <a:ext uri="{FF2B5EF4-FFF2-40B4-BE49-F238E27FC236}">
+                <a16:creationId xmlns:a16="http://schemas.microsoft.com/office/drawing/2014/main" id="{A1D5E856-AF9E-448F-8D47-4FBE5ED76FDF}"/>
+              </a:ext>
+            </a:extLst>
+          </p:cNvPr>
+          <p:cNvSpPr/>
+          <p:nvPr/>
+        </p:nvSpPr>
+        <p:spPr>
+          <a:xfrm>
+            <a:off x="7342415" y="2432954"/>
+            <a:ext cx="1007706" cy="909734"/>
+          </a:xfrm>
+          <a:prstGeom prst="hexagon">
+            <a:avLst>
+              <a:gd name="adj" fmla="val 26489"/>
+              <a:gd name="vf" fmla="val 115470"/>
+            </a:avLst>
+          </a:prstGeom>
+        </p:spPr>
+        <p:style>
+          <a:lnRef idx="2">
+            <a:schemeClr val="accent1">
+              <a:shade val="50000"/>
+            </a:schemeClr>
+          </a:lnRef>
+          <a:fillRef idx="1">
+            <a:schemeClr val="accent1"/>
+          </a:fillRef>
+          <a:effectRef idx="0">
+            <a:schemeClr val="accent1"/>
+          </a:effectRef>
+          <a:fontRef idx="minor">
+            <a:schemeClr val="lt1"/>
+          </a:fontRef>
+        </p:style>
+        <p:txBody>
+          <a:bodyPr rtlCol="0" anchor="ctr"/>
+          <a:lstStyle/>
+          <a:p>
+            <a:pPr algn="ctr"/>
+            <a:endParaRPr lang="en-US"/>
+          </a:p>
+        </p:txBody>
+      </p:sp>
+      <p:sp>
+        <p:nvSpPr>
+          <p:cNvPr id="23" name="Hexagon 22">
+            <a:extLst>
+              <a:ext uri="{FF2B5EF4-FFF2-40B4-BE49-F238E27FC236}">
+                <a16:creationId xmlns:a16="http://schemas.microsoft.com/office/drawing/2014/main" id="{94E16D78-0F66-4FB5-B90E-E1F1DDC94B6D}"/>
+              </a:ext>
+            </a:extLst>
+          </p:cNvPr>
+          <p:cNvSpPr/>
+          <p:nvPr/>
+        </p:nvSpPr>
+        <p:spPr>
+          <a:xfrm>
+            <a:off x="5087129" y="2887821"/>
+            <a:ext cx="1007706" cy="909734"/>
+          </a:xfrm>
+          <a:prstGeom prst="hexagon">
+            <a:avLst>
+              <a:gd name="adj" fmla="val 26489"/>
+              <a:gd name="vf" fmla="val 115470"/>
+            </a:avLst>
+          </a:prstGeom>
+        </p:spPr>
+        <p:style>
+          <a:lnRef idx="2">
+            <a:schemeClr val="accent4">
+              <a:shade val="50000"/>
+            </a:schemeClr>
+          </a:lnRef>
+          <a:fillRef idx="1">
+            <a:schemeClr val="accent4"/>
+          </a:fillRef>
+          <a:effectRef idx="0">
+            <a:schemeClr val="accent4"/>
+          </a:effectRef>
+          <a:fontRef idx="minor">
+            <a:schemeClr val="lt1"/>
+          </a:fontRef>
+        </p:style>
+        <p:txBody>
+          <a:bodyPr rtlCol="0" anchor="ctr"/>
+          <a:lstStyle/>
+          <a:p>
+            <a:pPr algn="ctr"/>
+            <a:endParaRPr lang="en-US"/>
+          </a:p>
+        </p:txBody>
+      </p:sp>
+      <p:grpSp>
+        <p:nvGrpSpPr>
+          <p:cNvPr id="24" name="Group 23">
+            <a:extLst>
+              <a:ext uri="{FF2B5EF4-FFF2-40B4-BE49-F238E27FC236}">
+                <a16:creationId xmlns:a16="http://schemas.microsoft.com/office/drawing/2014/main" id="{9DB6837B-0D46-4D7D-9E3A-F4D1DFB23F8B}"/>
+              </a:ext>
+            </a:extLst>
+          </p:cNvPr>
+          <p:cNvGrpSpPr/>
+          <p:nvPr/>
+        </p:nvGrpSpPr>
+        <p:grpSpPr>
+          <a:xfrm>
+            <a:off x="7647213" y="1068354"/>
+            <a:ext cx="2509545" cy="2729200"/>
+            <a:chOff x="8625373" y="1304731"/>
+            <a:chExt cx="2509545" cy="2729200"/>
+          </a:xfrm>
+        </p:grpSpPr>
+        <p:grpSp>
+          <p:nvGrpSpPr>
+            <p:cNvPr id="25" name="Group 24">
+              <a:extLst>
+                <a:ext uri="{FF2B5EF4-FFF2-40B4-BE49-F238E27FC236}">
+                  <a16:creationId xmlns:a16="http://schemas.microsoft.com/office/drawing/2014/main" id="{34C21ED3-AA19-46E8-A882-A933159B3B06}"/>
+                </a:ext>
+              </a:extLst>
+            </p:cNvPr>
+            <p:cNvGrpSpPr/>
+            <p:nvPr/>
+          </p:nvGrpSpPr>
+          <p:grpSpPr>
+            <a:xfrm>
+              <a:off x="9086855" y="1304731"/>
+              <a:ext cx="1008480" cy="2729200"/>
+              <a:chOff x="9086855" y="1304731"/>
+              <a:chExt cx="1008480" cy="2729200"/>
+            </a:xfrm>
+          </p:grpSpPr>
+          <p:sp>
+            <p:nvSpPr>
+              <p:cNvPr id="27" name="Hexagon 26">
+                <a:extLst>
+                  <a:ext uri="{FF2B5EF4-FFF2-40B4-BE49-F238E27FC236}">
+                    <a16:creationId xmlns:a16="http://schemas.microsoft.com/office/drawing/2014/main" id="{5F9BA553-CA5B-4786-AC72-98CD996228E2}"/>
+                  </a:ext>
+                </a:extLst>
+              </p:cNvPr>
+              <p:cNvSpPr/>
+              <p:nvPr/>
+            </p:nvSpPr>
+            <p:spPr>
+              <a:xfrm>
+                <a:off x="9087242" y="2214465"/>
+                <a:ext cx="1007706" cy="909734"/>
+              </a:xfrm>
+              <a:prstGeom prst="hexagon">
+                <a:avLst>
+                  <a:gd name="adj" fmla="val 26489"/>
+                  <a:gd name="vf" fmla="val 115470"/>
+                </a:avLst>
+              </a:prstGeom>
+              <a:solidFill>
+                <a:srgbClr val="FF0000"/>
+              </a:solidFill>
+              <a:ln>
+                <a:noFill/>
+              </a:ln>
+            </p:spPr>
+            <p:style>
+              <a:lnRef idx="2">
+                <a:schemeClr val="accent3">
+                  <a:shade val="50000"/>
+                </a:schemeClr>
+              </a:lnRef>
+              <a:fillRef idx="1">
+                <a:schemeClr val="accent3"/>
+              </a:fillRef>
+              <a:effectRef idx="0">
+                <a:schemeClr val="accent3"/>
+              </a:effectRef>
+              <a:fontRef idx="minor">
+                <a:schemeClr val="lt1"/>
+              </a:fontRef>
+            </p:style>
+            <p:txBody>
+              <a:bodyPr rtlCol="0" anchor="ctr"/>
+              <a:lstStyle/>
+              <a:p>
+                <a:pPr algn="ctr"/>
+                <a:endParaRPr lang="en-US"/>
+              </a:p>
+            </p:txBody>
+          </p:sp>
+          <p:sp>
+            <p:nvSpPr>
+              <p:cNvPr id="28" name="Hexagon 27">
+                <a:extLst>
+                  <a:ext uri="{FF2B5EF4-FFF2-40B4-BE49-F238E27FC236}">
+                    <a16:creationId xmlns:a16="http://schemas.microsoft.com/office/drawing/2014/main" id="{662D678D-D051-4DF2-AE7E-0B0115DF748E}"/>
+                  </a:ext>
+                </a:extLst>
+              </p:cNvPr>
+              <p:cNvSpPr/>
+              <p:nvPr/>
+            </p:nvSpPr>
+            <p:spPr>
+              <a:xfrm>
+                <a:off x="9086855" y="1304731"/>
+                <a:ext cx="1007706" cy="909734"/>
+              </a:xfrm>
+              <a:prstGeom prst="hexagon">
+                <a:avLst>
+                  <a:gd name="adj" fmla="val 26489"/>
+                  <a:gd name="vf" fmla="val 115470"/>
+                </a:avLst>
+              </a:prstGeom>
+              <a:solidFill>
+                <a:srgbClr val="FF0000"/>
+              </a:solidFill>
+              <a:ln>
+                <a:noFill/>
+              </a:ln>
+            </p:spPr>
+            <p:style>
+              <a:lnRef idx="2">
+                <a:schemeClr val="accent1">
+                  <a:shade val="50000"/>
+                </a:schemeClr>
+              </a:lnRef>
+              <a:fillRef idx="1">
+                <a:schemeClr val="accent1"/>
+              </a:fillRef>
+              <a:effectRef idx="0">
+                <a:schemeClr val="accent1"/>
+              </a:effectRef>
+              <a:fontRef idx="minor">
+                <a:schemeClr val="lt1"/>
+              </a:fontRef>
+            </p:style>
+            <p:txBody>
+              <a:bodyPr rtlCol="0" anchor="ctr"/>
+              <a:lstStyle/>
+              <a:p>
+                <a:pPr algn="ctr"/>
+                <a:endParaRPr lang="en-US"/>
+              </a:p>
+            </p:txBody>
+          </p:sp>
+          <p:sp>
+            <p:nvSpPr>
+              <p:cNvPr id="29" name="Hexagon 28">
+                <a:extLst>
+                  <a:ext uri="{FF2B5EF4-FFF2-40B4-BE49-F238E27FC236}">
+                    <a16:creationId xmlns:a16="http://schemas.microsoft.com/office/drawing/2014/main" id="{5348AF7F-90BE-4AD2-A57E-3AC927A3C9EB}"/>
+                  </a:ext>
+                </a:extLst>
+              </p:cNvPr>
+              <p:cNvSpPr/>
+              <p:nvPr/>
+            </p:nvSpPr>
+            <p:spPr>
+              <a:xfrm>
+                <a:off x="9087629" y="3124197"/>
+                <a:ext cx="1007706" cy="909734"/>
+              </a:xfrm>
+              <a:prstGeom prst="hexagon">
+                <a:avLst>
+                  <a:gd name="adj" fmla="val 26489"/>
+                  <a:gd name="vf" fmla="val 115470"/>
+                </a:avLst>
+              </a:prstGeom>
+              <a:solidFill>
+                <a:srgbClr val="FF0000"/>
+              </a:solidFill>
+              <a:ln>
+                <a:noFill/>
+              </a:ln>
+            </p:spPr>
+            <p:style>
+              <a:lnRef idx="2">
+                <a:schemeClr val="accent4">
+                  <a:shade val="50000"/>
+                </a:schemeClr>
+              </a:lnRef>
+              <a:fillRef idx="1">
+                <a:schemeClr val="accent4"/>
+              </a:fillRef>
+              <a:effectRef idx="0">
+                <a:schemeClr val="accent4"/>
+              </a:effectRef>
+              <a:fontRef idx="minor">
+                <a:schemeClr val="lt1"/>
+              </a:fontRef>
+            </p:style>
+            <p:txBody>
+              <a:bodyPr rtlCol="0" anchor="ctr"/>
+              <a:lstStyle/>
+              <a:p>
+                <a:pPr algn="ctr"/>
+                <a:endParaRPr lang="en-US"/>
+              </a:p>
+            </p:txBody>
+          </p:sp>
+        </p:grpSp>
+        <p:sp>
+          <p:nvSpPr>
+            <p:cNvPr id="26" name="Arc 25">
+              <a:extLst>
+                <a:ext uri="{FF2B5EF4-FFF2-40B4-BE49-F238E27FC236}">
+                  <a16:creationId xmlns:a16="http://schemas.microsoft.com/office/drawing/2014/main" id="{BFB02708-875A-4870-A761-EE819F4C2C6B}"/>
+                </a:ext>
+              </a:extLst>
+            </p:cNvPr>
+            <p:cNvSpPr/>
+            <p:nvPr/>
+          </p:nvSpPr>
+          <p:spPr>
+            <a:xfrm>
+              <a:off x="8625373" y="1304731"/>
+              <a:ext cx="2509545" cy="2729200"/>
+            </a:xfrm>
+            <a:prstGeom prst="arc">
+              <a:avLst>
+                <a:gd name="adj1" fmla="val 16056241"/>
+                <a:gd name="adj2" fmla="val 5457289"/>
+              </a:avLst>
+            </a:prstGeom>
+            <a:solidFill>
+              <a:srgbClr val="FF0000"/>
+            </a:solidFill>
+          </p:spPr>
+          <p:style>
+            <a:lnRef idx="1">
+              <a:schemeClr val="accent1"/>
+            </a:lnRef>
+            <a:fillRef idx="0">
+              <a:schemeClr val="accent1"/>
+            </a:fillRef>
+            <a:effectRef idx="0">
+              <a:schemeClr val="accent1"/>
+            </a:effectRef>
+            <a:fontRef idx="minor">
+              <a:schemeClr val="tx1"/>
+            </a:fontRef>
+          </p:style>
+          <p:txBody>
+            <a:bodyPr rtlCol="0" anchor="ctr"/>
+            <a:lstStyle/>
+            <a:p>
+              <a:pPr algn="ctr"/>
+              <a:endParaRPr lang="en-US"/>
+            </a:p>
+          </p:txBody>
+        </p:sp>
+      </p:grpSp>
+      <p:sp>
+        <p:nvSpPr>
+          <p:cNvPr id="30" name="Trapezoid 29">
+            <a:extLst>
+              <a:ext uri="{FF2B5EF4-FFF2-40B4-BE49-F238E27FC236}">
+                <a16:creationId xmlns:a16="http://schemas.microsoft.com/office/drawing/2014/main" id="{42BA0ECB-312B-46AC-AF4E-4B656E89532F}"/>
+              </a:ext>
+            </a:extLst>
+          </p:cNvPr>
+          <p:cNvSpPr/>
+          <p:nvPr/>
+        </p:nvSpPr>
+        <p:spPr>
+          <a:xfrm rot="5400000">
+            <a:off x="8138274" y="2181430"/>
+            <a:ext cx="2516936" cy="454065"/>
+          </a:xfrm>
+          <a:prstGeom prst="trapezoid">
+            <a:avLst>
+              <a:gd name="adj" fmla="val 43245"/>
+            </a:avLst>
+          </a:prstGeom>
+        </p:spPr>
+        <p:style>
+          <a:lnRef idx="2">
+            <a:schemeClr val="accent1">
+              <a:shade val="50000"/>
+            </a:schemeClr>
+          </a:lnRef>
+          <a:fillRef idx="1">
+            <a:schemeClr val="accent1"/>
+          </a:fillRef>
+          <a:effectRef idx="0">
+            <a:schemeClr val="accent1"/>
+          </a:effectRef>
+          <a:fontRef idx="minor">
+            <a:schemeClr val="lt1"/>
+          </a:fontRef>
+        </p:style>
+        <p:txBody>
+          <a:bodyPr rtlCol="0" anchor="ctr"/>
+          <a:lstStyle/>
+          <a:p>
+            <a:pPr algn="ctr"/>
+            <a:endParaRPr lang="en-US"/>
+          </a:p>
+        </p:txBody>
+      </p:sp>
+      <p:sp>
+        <p:nvSpPr>
+          <p:cNvPr id="31" name="Hexagon 30">
+            <a:extLst>
+              <a:ext uri="{FF2B5EF4-FFF2-40B4-BE49-F238E27FC236}">
+                <a16:creationId xmlns:a16="http://schemas.microsoft.com/office/drawing/2014/main" id="{74C5768E-7BB7-4588-AAE8-F4C7A6F1D889}"/>
+              </a:ext>
+            </a:extLst>
+          </p:cNvPr>
+          <p:cNvSpPr/>
+          <p:nvPr/>
+        </p:nvSpPr>
+        <p:spPr>
+          <a:xfrm>
+            <a:off x="2035630" y="1084680"/>
+            <a:ext cx="1007706" cy="909734"/>
+          </a:xfrm>
+          <a:prstGeom prst="hexagon">
+            <a:avLst>
+              <a:gd name="adj" fmla="val 26489"/>
+              <a:gd name="vf" fmla="val 115470"/>
+            </a:avLst>
+          </a:prstGeom>
+        </p:spPr>
+        <p:style>
+          <a:lnRef idx="2">
+            <a:schemeClr val="accent2">
+              <a:shade val="50000"/>
+            </a:schemeClr>
+          </a:lnRef>
+          <a:fillRef idx="1">
+            <a:schemeClr val="accent2"/>
+          </a:fillRef>
+          <a:effectRef idx="0">
+            <a:schemeClr val="accent2"/>
+          </a:effectRef>
+          <a:fontRef idx="minor">
+            <a:schemeClr val="lt1"/>
+          </a:fontRef>
+        </p:style>
+        <p:txBody>
+          <a:bodyPr rtlCol="0" anchor="ctr"/>
+          <a:lstStyle/>
+          <a:p>
+            <a:pPr algn="ctr"/>
+            <a:endParaRPr lang="en-US"/>
+          </a:p>
+        </p:txBody>
+      </p:sp>
+      <p:sp>
+        <p:nvSpPr>
+          <p:cNvPr id="32" name="Hexagon 31">
+            <a:extLst>
+              <a:ext uri="{FF2B5EF4-FFF2-40B4-BE49-F238E27FC236}">
+                <a16:creationId xmlns:a16="http://schemas.microsoft.com/office/drawing/2014/main" id="{23AFFCC9-28B0-487C-B70F-80FB279FADD6}"/>
+              </a:ext>
+            </a:extLst>
+          </p:cNvPr>
+          <p:cNvSpPr/>
+          <p:nvPr/>
+        </p:nvSpPr>
+        <p:spPr>
+          <a:xfrm>
+            <a:off x="4347289" y="1539545"/>
+            <a:ext cx="971939" cy="933061"/>
+          </a:xfrm>
+          <a:prstGeom prst="hexagon">
+            <a:avLst>
+              <a:gd name="adj" fmla="val 26489"/>
+              <a:gd name="vf" fmla="val 115470"/>
+            </a:avLst>
+          </a:prstGeom>
+        </p:spPr>
+        <p:style>
+          <a:lnRef idx="1">
+            <a:schemeClr val="accent6"/>
+          </a:lnRef>
+          <a:fillRef idx="2">
+            <a:schemeClr val="accent6"/>
+          </a:fillRef>
+          <a:effectRef idx="1">
+            <a:schemeClr val="accent6"/>
+          </a:effectRef>
+          <a:fontRef idx="minor">
+            <a:schemeClr val="dk1"/>
+          </a:fontRef>
+        </p:style>
+        <p:txBody>
+          <a:bodyPr rtlCol="0" anchor="ctr"/>
+          <a:lstStyle/>
+          <a:p>
+            <a:pPr algn="ctr"/>
+            <a:endParaRPr lang="en-US"/>
+          </a:p>
+        </p:txBody>
+      </p:sp>
+    </p:spTree>
+    <p:extLst>
+      <p:ext uri="{BB962C8B-B14F-4D97-AF65-F5344CB8AC3E}">
+        <p14:creationId xmlns:p14="http://schemas.microsoft.com/office/powerpoint/2010/main" val="3437308312"/>
+      </p:ext>
+    </p:extLst>
+  </p:cSld>
+  <p:clrMapOvr>
+    <a:masterClrMapping/>
+  </p:clrMapOvr>
+  <p:timing>
+    <p:tnLst>
+      <p:par>
+        <p:cTn id="1" dur="indefinite" restart="never" nodeType="tmRoot">
+          <p:childTnLst>
+            <p:seq concurrent="1" nextAc="seek">
+              <p:cTn id="2" dur="indefinite" nodeType="mainSeq">
+                <p:childTnLst>
+                  <p:par>
+                    <p:cTn id="3" fill="hold">
+                      <p:stCondLst>
+                        <p:cond delay="indefinite"/>
+                      </p:stCondLst>
+                      <p:childTnLst>
+                        <p:par>
+                          <p:cTn id="4" fill="hold">
+                            <p:stCondLst>
+                              <p:cond delay="0"/>
+                            </p:stCondLst>
+                            <p:childTnLst>
+                              <p:par>
+                                <p:cTn id="5" presetID="2" presetClass="entr" presetSubtype="4" fill="hold" grpId="0" nodeType="clickEffect">
+                                  <p:stCondLst>
+                                    <p:cond delay="0"/>
+                                  </p:stCondLst>
+                                  <p:childTnLst>
+                                    <p:set>
+                                      <p:cBhvr>
+                                        <p:cTn id="6" dur="1" fill="hold">
+                                          <p:stCondLst>
+                                            <p:cond delay="0"/>
+                                          </p:stCondLst>
+                                        </p:cTn>
+                                        <p:tgtEl>
+                                          <p:spTgt spid="2"/>
+                                        </p:tgtEl>
+                                        <p:attrNameLst>
+                                          <p:attrName>style.visibility</p:attrName>
+                                        </p:attrNameLst>
+                                      </p:cBhvr>
+                                      <p:to>
+                                        <p:strVal val="visible"/>
+                                      </p:to>
+                                    </p:set>
+                                    <p:anim calcmode="lin" valueType="num">
+                                      <p:cBhvr additive="base">
+                                        <p:cTn id="7" dur="500" fill="hold"/>
+                                        <p:tgtEl>
+                                          <p:spTgt spid="2"/>
+                                        </p:tgtEl>
+                                        <p:attrNameLst>
+                                          <p:attrName>ppt_x</p:attrName>
+                                        </p:attrNameLst>
+                                      </p:cBhvr>
+                                      <p:tavLst>
+                                        <p:tav tm="0">
+                                          <p:val>
+                                            <p:strVal val="#ppt_x"/>
+                                          </p:val>
+                                        </p:tav>
+                                        <p:tav tm="100000">
+                                          <p:val>
+                                            <p:strVal val="#ppt_x"/>
+                                          </p:val>
+                                        </p:tav>
+                                      </p:tavLst>
+                                    </p:anim>
+                                    <p:anim calcmode="lin" valueType="num">
+                                      <p:cBhvr additive="base">
+                                        <p:cTn id="8" dur="500" fill="hold"/>
+                                        <p:tgtEl>
+                                          <p:spTgt spid="2"/>
+                                        </p:tgtEl>
+                                        <p:attrNameLst>
+                                          <p:attrName>ppt_y</p:attrName>
+                                        </p:attrNameLst>
+                                      </p:cBhvr>
+                                      <p:tavLst>
+                                        <p:tav tm="0">
+                                          <p:val>
+                                            <p:strVal val="1+#ppt_h/2"/>
+                                          </p:val>
+                                        </p:tav>
+                                        <p:tav tm="100000">
+                                          <p:val>
+                                            <p:strVal val="#ppt_y"/>
+                                          </p:val>
+                                        </p:tav>
+                                      </p:tavLst>
+                                    </p:anim>
+                                  </p:childTnLst>
+                                </p:cTn>
+                              </p:par>
+                              <p:par>
+                                <p:cTn id="9" presetID="2" presetClass="entr" presetSubtype="4" fill="hold" grpId="0" nodeType="withEffect">
+                                  <p:stCondLst>
+                                    <p:cond delay="0"/>
+                                  </p:stCondLst>
+                                  <p:childTnLst>
+                                    <p:set>
+                                      <p:cBhvr>
+                                        <p:cTn id="10" dur="1" fill="hold">
+                                          <p:stCondLst>
+                                            <p:cond delay="0"/>
+                                          </p:stCondLst>
+                                        </p:cTn>
+                                        <p:tgtEl>
+                                          <p:spTgt spid="3"/>
+                                        </p:tgtEl>
+                                        <p:attrNameLst>
+                                          <p:attrName>style.visibility</p:attrName>
+                                        </p:attrNameLst>
+                                      </p:cBhvr>
+                                      <p:to>
+                                        <p:strVal val="visible"/>
+                                      </p:to>
+                                    </p:set>
+                                    <p:anim calcmode="lin" valueType="num">
+                                      <p:cBhvr additive="base">
+                                        <p:cTn id="11" dur="500" fill="hold"/>
+                                        <p:tgtEl>
+                                          <p:spTgt spid="3"/>
+                                        </p:tgtEl>
+                                        <p:attrNameLst>
+                                          <p:attrName>ppt_x</p:attrName>
+                                        </p:attrNameLst>
+                                      </p:cBhvr>
+                                      <p:tavLst>
+                                        <p:tav tm="0">
+                                          <p:val>
+                                            <p:strVal val="#ppt_x"/>
+                                          </p:val>
+                                        </p:tav>
+                                        <p:tav tm="100000">
+                                          <p:val>
+                                            <p:strVal val="#ppt_x"/>
+                                          </p:val>
+                                        </p:tav>
+                                      </p:tavLst>
+                                    </p:anim>
+                                    <p:anim calcmode="lin" valueType="num">
+                                      <p:cBhvr additive="base">
+                                        <p:cTn id="12" dur="500" fill="hold"/>
+                                        <p:tgtEl>
+                                          <p:spTgt spid="3"/>
+                                        </p:tgtEl>
+                                        <p:attrNameLst>
+                                          <p:attrName>ppt_y</p:attrName>
+                                        </p:attrNameLst>
+                                      </p:cBhvr>
+                                      <p:tavLst>
+                                        <p:tav tm="0">
+                                          <p:val>
+                                            <p:strVal val="1+#ppt_h/2"/>
+                                          </p:val>
+                                        </p:tav>
+                                        <p:tav tm="100000">
+                                          <p:val>
+                                            <p:strVal val="#ppt_y"/>
+                                          </p:val>
+                                        </p:tav>
+                                      </p:tavLst>
+                                    </p:anim>
+                                  </p:childTnLst>
+                                </p:cTn>
+                              </p:par>
+                              <p:par>
+                                <p:cTn id="13" presetID="2" presetClass="entr" presetSubtype="4" fill="hold" grpId="0" nodeType="withEffect">
+                                  <p:stCondLst>
+                                    <p:cond delay="0"/>
+                                  </p:stCondLst>
+                                  <p:childTnLst>
+                                    <p:set>
+                                      <p:cBhvr>
+                                        <p:cTn id="14" dur="1" fill="hold">
+                                          <p:stCondLst>
+                                            <p:cond delay="0"/>
+                                          </p:stCondLst>
+                                        </p:cTn>
+                                        <p:tgtEl>
+                                          <p:spTgt spid="4"/>
+                                        </p:tgtEl>
+                                        <p:attrNameLst>
+                                          <p:attrName>style.visibility</p:attrName>
+                                        </p:attrNameLst>
+                                      </p:cBhvr>
+                                      <p:to>
+                                        <p:strVal val="visible"/>
+                                      </p:to>
+                                    </p:set>
+                                    <p:anim calcmode="lin" valueType="num">
+                                      <p:cBhvr additive="base">
+                                        <p:cTn id="15" dur="500" fill="hold"/>
+                                        <p:tgtEl>
+                                          <p:spTgt spid="4"/>
+                                        </p:tgtEl>
+                                        <p:attrNameLst>
+                                          <p:attrName>ppt_x</p:attrName>
+                                        </p:attrNameLst>
+                                      </p:cBhvr>
+                                      <p:tavLst>
+                                        <p:tav tm="0">
+                                          <p:val>
+                                            <p:strVal val="#ppt_x"/>
+                                          </p:val>
+                                        </p:tav>
+                                        <p:tav tm="100000">
+                                          <p:val>
+                                            <p:strVal val="#ppt_x"/>
+                                          </p:val>
+                                        </p:tav>
+                                      </p:tavLst>
+                                    </p:anim>
+                                    <p:anim calcmode="lin" valueType="num">
+                                      <p:cBhvr additive="base">
+                                        <p:cTn id="16" dur="500" fill="hold"/>
+                                        <p:tgtEl>
+                                          <p:spTgt spid="4"/>
+                                        </p:tgtEl>
+                                        <p:attrNameLst>
+                                          <p:attrName>ppt_y</p:attrName>
+                                        </p:attrNameLst>
+                                      </p:cBhvr>
+                                      <p:tavLst>
+                                        <p:tav tm="0">
+                                          <p:val>
+                                            <p:strVal val="1+#ppt_h/2"/>
+                                          </p:val>
+                                        </p:tav>
+                                        <p:tav tm="100000">
+                                          <p:val>
+                                            <p:strVal val="#ppt_y"/>
+                                          </p:val>
+                                        </p:tav>
+                                      </p:tavLst>
+                                    </p:anim>
+                                  </p:childTnLst>
+                                </p:cTn>
+                              </p:par>
+                              <p:par>
+                                <p:cTn id="17" presetID="2" presetClass="entr" presetSubtype="4" fill="hold" grpId="0" nodeType="withEffect">
+                                  <p:stCondLst>
+                                    <p:cond delay="0"/>
+                                  </p:stCondLst>
+                                  <p:childTnLst>
+                                    <p:set>
+                                      <p:cBhvr>
+                                        <p:cTn id="18" dur="1" fill="hold">
+                                          <p:stCondLst>
+                                            <p:cond delay="0"/>
+                                          </p:stCondLst>
+                                        </p:cTn>
+                                        <p:tgtEl>
+                                          <p:spTgt spid="5"/>
+                                        </p:tgtEl>
+                                        <p:attrNameLst>
+                                          <p:attrName>style.visibility</p:attrName>
+                                        </p:attrNameLst>
+                                      </p:cBhvr>
+                                      <p:to>
+                                        <p:strVal val="visible"/>
+                                      </p:to>
+                                    </p:set>
+                                    <p:anim calcmode="lin" valueType="num">
+                                      <p:cBhvr additive="base">
+                                        <p:cTn id="19" dur="500" fill="hold"/>
+                                        <p:tgtEl>
+                                          <p:spTgt spid="5"/>
+                                        </p:tgtEl>
+                                        <p:attrNameLst>
+                                          <p:attrName>ppt_x</p:attrName>
+                                        </p:attrNameLst>
+                                      </p:cBhvr>
+                                      <p:tavLst>
+                                        <p:tav tm="0">
+                                          <p:val>
+                                            <p:strVal val="#ppt_x"/>
+                                          </p:val>
+                                        </p:tav>
+                                        <p:tav tm="100000">
+                                          <p:val>
+                                            <p:strVal val="#ppt_x"/>
+                                          </p:val>
+                                        </p:tav>
+                                      </p:tavLst>
+                                    </p:anim>
+                                    <p:anim calcmode="lin" valueType="num">
+                                      <p:cBhvr additive="base">
+                                        <p:cTn id="20" dur="500" fill="hold"/>
+                                        <p:tgtEl>
+                                          <p:spTgt spid="5"/>
+                                        </p:tgtEl>
+                                        <p:attrNameLst>
+                                          <p:attrName>ppt_y</p:attrName>
+                                        </p:attrNameLst>
+                                      </p:cBhvr>
+                                      <p:tavLst>
+                                        <p:tav tm="0">
+                                          <p:val>
+                                            <p:strVal val="1+#ppt_h/2"/>
+                                          </p:val>
+                                        </p:tav>
+                                        <p:tav tm="100000">
+                                          <p:val>
+                                            <p:strVal val="#ppt_y"/>
+                                          </p:val>
+                                        </p:tav>
+                                      </p:tavLst>
+                                    </p:anim>
+                                  </p:childTnLst>
+                                </p:cTn>
+                              </p:par>
+                              <p:par>
+                                <p:cTn id="21" presetID="2" presetClass="entr" presetSubtype="4" fill="hold" grpId="0" nodeType="withEffect">
+                                  <p:stCondLst>
+                                    <p:cond delay="0"/>
+                                  </p:stCondLst>
+                                  <p:childTnLst>
+                                    <p:set>
+                                      <p:cBhvr>
+                                        <p:cTn id="22" dur="1" fill="hold">
+                                          <p:stCondLst>
+                                            <p:cond delay="0"/>
+                                          </p:stCondLst>
+                                        </p:cTn>
+                                        <p:tgtEl>
+                                          <p:spTgt spid="6"/>
+                                        </p:tgtEl>
+                                        <p:attrNameLst>
+                                          <p:attrName>style.visibility</p:attrName>
+                                        </p:attrNameLst>
+                                      </p:cBhvr>
+                                      <p:to>
+                                        <p:strVal val="visible"/>
+                                      </p:to>
+                                    </p:set>
+                                    <p:anim calcmode="lin" valueType="num">
+                                      <p:cBhvr additive="base">
+                                        <p:cTn id="23" dur="500" fill="hold"/>
+                                        <p:tgtEl>
+                                          <p:spTgt spid="6"/>
+                                        </p:tgtEl>
+                                        <p:attrNameLst>
+                                          <p:attrName>ppt_x</p:attrName>
+                                        </p:attrNameLst>
+                                      </p:cBhvr>
+                                      <p:tavLst>
+                                        <p:tav tm="0">
+                                          <p:val>
+                                            <p:strVal val="#ppt_x"/>
+                                          </p:val>
+                                        </p:tav>
+                                        <p:tav tm="100000">
+                                          <p:val>
+                                            <p:strVal val="#ppt_x"/>
+                                          </p:val>
+                                        </p:tav>
+                                      </p:tavLst>
+                                    </p:anim>
+                                    <p:anim calcmode="lin" valueType="num">
+                                      <p:cBhvr additive="base">
+                                        <p:cTn id="24" dur="500" fill="hold"/>
+                                        <p:tgtEl>
+                                          <p:spTgt spid="6"/>
+                                        </p:tgtEl>
+                                        <p:attrNameLst>
+                                          <p:attrName>ppt_y</p:attrName>
+                                        </p:attrNameLst>
+                                      </p:cBhvr>
+                                      <p:tavLst>
+                                        <p:tav tm="0">
+                                          <p:val>
+                                            <p:strVal val="1+#ppt_h/2"/>
+                                          </p:val>
+                                        </p:tav>
+                                        <p:tav tm="100000">
+                                          <p:val>
+                                            <p:strVal val="#ppt_y"/>
+                                          </p:val>
+                                        </p:tav>
+                                      </p:tavLst>
+                                    </p:anim>
+                                  </p:childTnLst>
+                                </p:cTn>
+                              </p:par>
+                              <p:par>
+                                <p:cTn id="25" presetID="2" presetClass="entr" presetSubtype="4" fill="hold" grpId="0" nodeType="withEffect">
+                                  <p:stCondLst>
+                                    <p:cond delay="0"/>
+                                  </p:stCondLst>
+                                  <p:childTnLst>
+                                    <p:set>
+                                      <p:cBhvr>
+                                        <p:cTn id="26" dur="1" fill="hold">
+                                          <p:stCondLst>
+                                            <p:cond delay="0"/>
+                                          </p:stCondLst>
+                                        </p:cTn>
+                                        <p:tgtEl>
+                                          <p:spTgt spid="7"/>
+                                        </p:tgtEl>
+                                        <p:attrNameLst>
+                                          <p:attrName>style.visibility</p:attrName>
+                                        </p:attrNameLst>
+                                      </p:cBhvr>
+                                      <p:to>
+                                        <p:strVal val="visible"/>
+                                      </p:to>
+                                    </p:set>
+                                    <p:anim calcmode="lin" valueType="num">
+                                      <p:cBhvr additive="base">
+                                        <p:cTn id="27" dur="500" fill="hold"/>
+                                        <p:tgtEl>
+                                          <p:spTgt spid="7"/>
+                                        </p:tgtEl>
+                                        <p:attrNameLst>
+                                          <p:attrName>ppt_x</p:attrName>
+                                        </p:attrNameLst>
+                                      </p:cBhvr>
+                                      <p:tavLst>
+                                        <p:tav tm="0">
+                                          <p:val>
+                                            <p:strVal val="#ppt_x"/>
+                                          </p:val>
+                                        </p:tav>
+                                        <p:tav tm="100000">
+                                          <p:val>
+                                            <p:strVal val="#ppt_x"/>
+                                          </p:val>
+                                        </p:tav>
+                                      </p:tavLst>
+                                    </p:anim>
+                                    <p:anim calcmode="lin" valueType="num">
+                                      <p:cBhvr additive="base">
+                                        <p:cTn id="28" dur="500" fill="hold"/>
+                                        <p:tgtEl>
+                                          <p:spTgt spid="7"/>
+                                        </p:tgtEl>
+                                        <p:attrNameLst>
+                                          <p:attrName>ppt_y</p:attrName>
+                                        </p:attrNameLst>
+                                      </p:cBhvr>
+                                      <p:tavLst>
+                                        <p:tav tm="0">
+                                          <p:val>
+                                            <p:strVal val="1+#ppt_h/2"/>
+                                          </p:val>
+                                        </p:tav>
+                                        <p:tav tm="100000">
+                                          <p:val>
+                                            <p:strVal val="#ppt_y"/>
+                                          </p:val>
+                                        </p:tav>
+                                      </p:tavLst>
+                                    </p:anim>
+                                  </p:childTnLst>
+                                </p:cTn>
+                              </p:par>
+                              <p:par>
+                                <p:cTn id="29" presetID="2" presetClass="entr" presetSubtype="4" fill="hold" grpId="0" nodeType="withEffect">
+                                  <p:stCondLst>
+                                    <p:cond delay="0"/>
+                                  </p:stCondLst>
+                                  <p:childTnLst>
+                                    <p:set>
+                                      <p:cBhvr>
+                                        <p:cTn id="30" dur="1" fill="hold">
+                                          <p:stCondLst>
+                                            <p:cond delay="0"/>
+                                          </p:stCondLst>
+                                        </p:cTn>
+                                        <p:tgtEl>
+                                          <p:spTgt spid="8"/>
+                                        </p:tgtEl>
+                                        <p:attrNameLst>
+                                          <p:attrName>style.visibility</p:attrName>
+                                        </p:attrNameLst>
+                                      </p:cBhvr>
+                                      <p:to>
+                                        <p:strVal val="visible"/>
+                                      </p:to>
+                                    </p:set>
+                                    <p:anim calcmode="lin" valueType="num">
+                                      <p:cBhvr additive="base">
+                                        <p:cTn id="31" dur="500" fill="hold"/>
+                                        <p:tgtEl>
+                                          <p:spTgt spid="8"/>
+                                        </p:tgtEl>
+                                        <p:attrNameLst>
+                                          <p:attrName>ppt_x</p:attrName>
+                                        </p:attrNameLst>
+                                      </p:cBhvr>
+                                      <p:tavLst>
+                                        <p:tav tm="0">
+                                          <p:val>
+                                            <p:strVal val="#ppt_x"/>
+                                          </p:val>
+                                        </p:tav>
+                                        <p:tav tm="100000">
+                                          <p:val>
+                                            <p:strVal val="#ppt_x"/>
+                                          </p:val>
+                                        </p:tav>
+                                      </p:tavLst>
+                                    </p:anim>
+                                    <p:anim calcmode="lin" valueType="num">
+                                      <p:cBhvr additive="base">
+                                        <p:cTn id="32" dur="500" fill="hold"/>
+                                        <p:tgtEl>
+                                          <p:spTgt spid="8"/>
+                                        </p:tgtEl>
+                                        <p:attrNameLst>
+                                          <p:attrName>ppt_y</p:attrName>
+                                        </p:attrNameLst>
+                                      </p:cBhvr>
+                                      <p:tavLst>
+                                        <p:tav tm="0">
+                                          <p:val>
+                                            <p:strVal val="1+#ppt_h/2"/>
+                                          </p:val>
+                                        </p:tav>
+                                        <p:tav tm="100000">
+                                          <p:val>
+                                            <p:strVal val="#ppt_y"/>
+                                          </p:val>
+                                        </p:tav>
+                                      </p:tavLst>
+                                    </p:anim>
+                                  </p:childTnLst>
+                                </p:cTn>
+                              </p:par>
+                              <p:par>
+                                <p:cTn id="33" presetID="2" presetClass="entr" presetSubtype="4" fill="hold" grpId="0" nodeType="withEffect">
+                                  <p:stCondLst>
+                                    <p:cond delay="0"/>
+                                  </p:stCondLst>
+                                  <p:childTnLst>
+                                    <p:set>
+                                      <p:cBhvr>
+                                        <p:cTn id="34" dur="1" fill="hold">
+                                          <p:stCondLst>
+                                            <p:cond delay="0"/>
+                                          </p:stCondLst>
+                                        </p:cTn>
+                                        <p:tgtEl>
+                                          <p:spTgt spid="9"/>
+                                        </p:tgtEl>
+                                        <p:attrNameLst>
+                                          <p:attrName>style.visibility</p:attrName>
+                                        </p:attrNameLst>
+                                      </p:cBhvr>
+                                      <p:to>
+                                        <p:strVal val="visible"/>
+                                      </p:to>
+                                    </p:set>
+                                    <p:anim calcmode="lin" valueType="num">
+                                      <p:cBhvr additive="base">
+                                        <p:cTn id="35" dur="500" fill="hold"/>
+                                        <p:tgtEl>
+                                          <p:spTgt spid="9"/>
+                                        </p:tgtEl>
+                                        <p:attrNameLst>
+                                          <p:attrName>ppt_x</p:attrName>
+                                        </p:attrNameLst>
+                                      </p:cBhvr>
+                                      <p:tavLst>
+                                        <p:tav tm="0">
+                                          <p:val>
+                                            <p:strVal val="#ppt_x"/>
+                                          </p:val>
+                                        </p:tav>
+                                        <p:tav tm="100000">
+                                          <p:val>
+                                            <p:strVal val="#ppt_x"/>
+                                          </p:val>
+                                        </p:tav>
+                                      </p:tavLst>
+                                    </p:anim>
+                                    <p:anim calcmode="lin" valueType="num">
+                                      <p:cBhvr additive="base">
+                                        <p:cTn id="36" dur="500" fill="hold"/>
+                                        <p:tgtEl>
+                                          <p:spTgt spid="9"/>
+                                        </p:tgtEl>
+                                        <p:attrNameLst>
+                                          <p:attrName>ppt_y</p:attrName>
+                                        </p:attrNameLst>
+                                      </p:cBhvr>
+                                      <p:tavLst>
+                                        <p:tav tm="0">
+                                          <p:val>
+                                            <p:strVal val="1+#ppt_h/2"/>
+                                          </p:val>
+                                        </p:tav>
+                                        <p:tav tm="100000">
+                                          <p:val>
+                                            <p:strVal val="#ppt_y"/>
+                                          </p:val>
+                                        </p:tav>
+                                      </p:tavLst>
+                                    </p:anim>
+                                  </p:childTnLst>
+                                </p:cTn>
+                              </p:par>
+                              <p:par>
+                                <p:cTn id="37" presetID="2" presetClass="entr" presetSubtype="4" fill="hold" grpId="0" nodeType="withEffect">
+                                  <p:stCondLst>
+                                    <p:cond delay="0"/>
+                                  </p:stCondLst>
+                                  <p:childTnLst>
+                                    <p:set>
+                                      <p:cBhvr>
+                                        <p:cTn id="38" dur="1" fill="hold">
+                                          <p:stCondLst>
+                                            <p:cond delay="0"/>
+                                          </p:stCondLst>
+                                        </p:cTn>
+                                        <p:tgtEl>
+                                          <p:spTgt spid="10"/>
+                                        </p:tgtEl>
+                                        <p:attrNameLst>
+                                          <p:attrName>style.visibility</p:attrName>
+                                        </p:attrNameLst>
+                                      </p:cBhvr>
+                                      <p:to>
+                                        <p:strVal val="visible"/>
+                                      </p:to>
+                                    </p:set>
+                                    <p:anim calcmode="lin" valueType="num">
+                                      <p:cBhvr additive="base">
+                                        <p:cTn id="39" dur="500" fill="hold"/>
+                                        <p:tgtEl>
+                                          <p:spTgt spid="10"/>
+                                        </p:tgtEl>
+                                        <p:attrNameLst>
+                                          <p:attrName>ppt_x</p:attrName>
+                                        </p:attrNameLst>
+                                      </p:cBhvr>
+                                      <p:tavLst>
+                                        <p:tav tm="0">
+                                          <p:val>
+                                            <p:strVal val="#ppt_x"/>
+                                          </p:val>
+                                        </p:tav>
+                                        <p:tav tm="100000">
+                                          <p:val>
+                                            <p:strVal val="#ppt_x"/>
+                                          </p:val>
+                                        </p:tav>
+                                      </p:tavLst>
+                                    </p:anim>
+                                    <p:anim calcmode="lin" valueType="num">
+                                      <p:cBhvr additive="base">
+                                        <p:cTn id="40" dur="500" fill="hold"/>
+                                        <p:tgtEl>
+                                          <p:spTgt spid="10"/>
+                                        </p:tgtEl>
+                                        <p:attrNameLst>
+                                          <p:attrName>ppt_y</p:attrName>
+                                        </p:attrNameLst>
+                                      </p:cBhvr>
+                                      <p:tavLst>
+                                        <p:tav tm="0">
+                                          <p:val>
+                                            <p:strVal val="1+#ppt_h/2"/>
+                                          </p:val>
+                                        </p:tav>
+                                        <p:tav tm="100000">
+                                          <p:val>
+                                            <p:strVal val="#ppt_y"/>
+                                          </p:val>
+                                        </p:tav>
+                                      </p:tavLst>
+                                    </p:anim>
+                                  </p:childTnLst>
+                                </p:cTn>
+                              </p:par>
+                              <p:par>
+                                <p:cTn id="41" presetID="2" presetClass="entr" presetSubtype="4" fill="hold" grpId="0" nodeType="withEffect">
+                                  <p:stCondLst>
+                                    <p:cond delay="0"/>
+                                  </p:stCondLst>
+                                  <p:childTnLst>
+                                    <p:set>
+                                      <p:cBhvr>
+                                        <p:cTn id="42" dur="1" fill="hold">
+                                          <p:stCondLst>
+                                            <p:cond delay="0"/>
+                                          </p:stCondLst>
+                                        </p:cTn>
+                                        <p:tgtEl>
+                                          <p:spTgt spid="11"/>
+                                        </p:tgtEl>
+                                        <p:attrNameLst>
+                                          <p:attrName>style.visibility</p:attrName>
+                                        </p:attrNameLst>
+                                      </p:cBhvr>
+                                      <p:to>
+                                        <p:strVal val="visible"/>
+                                      </p:to>
+                                    </p:set>
+                                    <p:anim calcmode="lin" valueType="num">
+                                      <p:cBhvr additive="base">
+                                        <p:cTn id="43" dur="500" fill="hold"/>
+                                        <p:tgtEl>
+                                          <p:spTgt spid="11"/>
+                                        </p:tgtEl>
+                                        <p:attrNameLst>
+                                          <p:attrName>ppt_x</p:attrName>
+                                        </p:attrNameLst>
+                                      </p:cBhvr>
+                                      <p:tavLst>
+                                        <p:tav tm="0">
+                                          <p:val>
+                                            <p:strVal val="#ppt_x"/>
+                                          </p:val>
+                                        </p:tav>
+                                        <p:tav tm="100000">
+                                          <p:val>
+                                            <p:strVal val="#ppt_x"/>
+                                          </p:val>
+                                        </p:tav>
+                                      </p:tavLst>
+                                    </p:anim>
+                                    <p:anim calcmode="lin" valueType="num">
+                                      <p:cBhvr additive="base">
+                                        <p:cTn id="44" dur="500" fill="hold"/>
+                                        <p:tgtEl>
+                                          <p:spTgt spid="11"/>
+                                        </p:tgtEl>
+                                        <p:attrNameLst>
+                                          <p:attrName>ppt_y</p:attrName>
+                                        </p:attrNameLst>
+                                      </p:cBhvr>
+                                      <p:tavLst>
+                                        <p:tav tm="0">
+                                          <p:val>
+                                            <p:strVal val="1+#ppt_h/2"/>
+                                          </p:val>
+                                        </p:tav>
+                                        <p:tav tm="100000">
+                                          <p:val>
+                                            <p:strVal val="#ppt_y"/>
+                                          </p:val>
+                                        </p:tav>
+                                      </p:tavLst>
+                                    </p:anim>
+                                  </p:childTnLst>
+                                </p:cTn>
+                              </p:par>
+                              <p:par>
+                                <p:cTn id="45" presetID="2" presetClass="entr" presetSubtype="4" fill="hold" grpId="0" nodeType="withEffect">
+                                  <p:stCondLst>
+                                    <p:cond delay="0"/>
+                                  </p:stCondLst>
+                                  <p:childTnLst>
+                                    <p:set>
+                                      <p:cBhvr>
+                                        <p:cTn id="46" dur="1" fill="hold">
+                                          <p:stCondLst>
+                                            <p:cond delay="0"/>
+                                          </p:stCondLst>
+                                        </p:cTn>
+                                        <p:tgtEl>
+                                          <p:spTgt spid="12"/>
+                                        </p:tgtEl>
+                                        <p:attrNameLst>
+                                          <p:attrName>style.visibility</p:attrName>
+                                        </p:attrNameLst>
+                                      </p:cBhvr>
+                                      <p:to>
+                                        <p:strVal val="visible"/>
+                                      </p:to>
+                                    </p:set>
+                                    <p:anim calcmode="lin" valueType="num">
+                                      <p:cBhvr additive="base">
+                                        <p:cTn id="47" dur="500" fill="hold"/>
+                                        <p:tgtEl>
+                                          <p:spTgt spid="12"/>
+                                        </p:tgtEl>
+                                        <p:attrNameLst>
+                                          <p:attrName>ppt_x</p:attrName>
+                                        </p:attrNameLst>
+                                      </p:cBhvr>
+                                      <p:tavLst>
+                                        <p:tav tm="0">
+                                          <p:val>
+                                            <p:strVal val="#ppt_x"/>
+                                          </p:val>
+                                        </p:tav>
+                                        <p:tav tm="100000">
+                                          <p:val>
+                                            <p:strVal val="#ppt_x"/>
+                                          </p:val>
+                                        </p:tav>
+                                      </p:tavLst>
+                                    </p:anim>
+                                    <p:anim calcmode="lin" valueType="num">
+                                      <p:cBhvr additive="base">
+                                        <p:cTn id="48" dur="500" fill="hold"/>
+                                        <p:tgtEl>
+                                          <p:spTgt spid="12"/>
+                                        </p:tgtEl>
+                                        <p:attrNameLst>
+                                          <p:attrName>ppt_y</p:attrName>
+                                        </p:attrNameLst>
+                                      </p:cBhvr>
+                                      <p:tavLst>
+                                        <p:tav tm="0">
+                                          <p:val>
+                                            <p:strVal val="1+#ppt_h/2"/>
+                                          </p:val>
+                                        </p:tav>
+                                        <p:tav tm="100000">
+                                          <p:val>
+                                            <p:strVal val="#ppt_y"/>
+                                          </p:val>
+                                        </p:tav>
+                                      </p:tavLst>
+                                    </p:anim>
+                                  </p:childTnLst>
+                                </p:cTn>
+                              </p:par>
+                              <p:par>
+                                <p:cTn id="49" presetID="2" presetClass="entr" presetSubtype="4" fill="hold" grpId="0" nodeType="withEffect">
+                                  <p:stCondLst>
+                                    <p:cond delay="0"/>
+                                  </p:stCondLst>
+                                  <p:childTnLst>
+                                    <p:set>
+                                      <p:cBhvr>
+                                        <p:cTn id="50" dur="1" fill="hold">
+                                          <p:stCondLst>
+                                            <p:cond delay="0"/>
+                                          </p:stCondLst>
+                                        </p:cTn>
+                                        <p:tgtEl>
+                                          <p:spTgt spid="13"/>
+                                        </p:tgtEl>
+                                        <p:attrNameLst>
+                                          <p:attrName>style.visibility</p:attrName>
+                                        </p:attrNameLst>
+                                      </p:cBhvr>
+                                      <p:to>
+                                        <p:strVal val="visible"/>
+                                      </p:to>
+                                    </p:set>
+                                    <p:anim calcmode="lin" valueType="num">
+                                      <p:cBhvr additive="base">
+                                        <p:cTn id="51" dur="500" fill="hold"/>
+                                        <p:tgtEl>
+                                          <p:spTgt spid="13"/>
+                                        </p:tgtEl>
+                                        <p:attrNameLst>
+                                          <p:attrName>ppt_x</p:attrName>
+                                        </p:attrNameLst>
+                                      </p:cBhvr>
+                                      <p:tavLst>
+                                        <p:tav tm="0">
+                                          <p:val>
+                                            <p:strVal val="#ppt_x"/>
+                                          </p:val>
+                                        </p:tav>
+                                        <p:tav tm="100000">
+                                          <p:val>
+                                            <p:strVal val="#ppt_x"/>
+                                          </p:val>
+                                        </p:tav>
+                                      </p:tavLst>
+                                    </p:anim>
+                                    <p:anim calcmode="lin" valueType="num">
+                                      <p:cBhvr additive="base">
+                                        <p:cTn id="52" dur="500" fill="hold"/>
+                                        <p:tgtEl>
+                                          <p:spTgt spid="13"/>
+                                        </p:tgtEl>
+                                        <p:attrNameLst>
+                                          <p:attrName>ppt_y</p:attrName>
+                                        </p:attrNameLst>
+                                      </p:cBhvr>
+                                      <p:tavLst>
+                                        <p:tav tm="0">
+                                          <p:val>
+                                            <p:strVal val="1+#ppt_h/2"/>
+                                          </p:val>
+                                        </p:tav>
+                                        <p:tav tm="100000">
+                                          <p:val>
+                                            <p:strVal val="#ppt_y"/>
+                                          </p:val>
+                                        </p:tav>
+                                      </p:tavLst>
+                                    </p:anim>
+                                  </p:childTnLst>
+                                </p:cTn>
+                              </p:par>
+                              <p:par>
+                                <p:cTn id="53" presetID="2" presetClass="entr" presetSubtype="4" fill="hold" grpId="0" nodeType="withEffect">
+                                  <p:stCondLst>
+                                    <p:cond delay="0"/>
+                                  </p:stCondLst>
+                                  <p:childTnLst>
+                                    <p:set>
+                                      <p:cBhvr>
+                                        <p:cTn id="54" dur="1" fill="hold">
+                                          <p:stCondLst>
+                                            <p:cond delay="0"/>
+                                          </p:stCondLst>
+                                        </p:cTn>
+                                        <p:tgtEl>
+                                          <p:spTgt spid="14"/>
+                                        </p:tgtEl>
+                                        <p:attrNameLst>
+                                          <p:attrName>style.visibility</p:attrName>
+                                        </p:attrNameLst>
+                                      </p:cBhvr>
+                                      <p:to>
+                                        <p:strVal val="visible"/>
+                                      </p:to>
+                                    </p:set>
+                                    <p:anim calcmode="lin" valueType="num">
+                                      <p:cBhvr additive="base">
+                                        <p:cTn id="55" dur="500" fill="hold"/>
+                                        <p:tgtEl>
+                                          <p:spTgt spid="14"/>
+                                        </p:tgtEl>
+                                        <p:attrNameLst>
+                                          <p:attrName>ppt_x</p:attrName>
+                                        </p:attrNameLst>
+                                      </p:cBhvr>
+                                      <p:tavLst>
+                                        <p:tav tm="0">
+                                          <p:val>
+                                            <p:strVal val="#ppt_x"/>
+                                          </p:val>
+                                        </p:tav>
+                                        <p:tav tm="100000">
+                                          <p:val>
+                                            <p:strVal val="#ppt_x"/>
+                                          </p:val>
+                                        </p:tav>
+                                      </p:tavLst>
+                                    </p:anim>
+                                    <p:anim calcmode="lin" valueType="num">
+                                      <p:cBhvr additive="base">
+                                        <p:cTn id="56" dur="500" fill="hold"/>
+                                        <p:tgtEl>
+                                          <p:spTgt spid="14"/>
+                                        </p:tgtEl>
+                                        <p:attrNameLst>
+                                          <p:attrName>ppt_y</p:attrName>
+                                        </p:attrNameLst>
+                                      </p:cBhvr>
+                                      <p:tavLst>
+                                        <p:tav tm="0">
+                                          <p:val>
+                                            <p:strVal val="1+#ppt_h/2"/>
+                                          </p:val>
+                                        </p:tav>
+                                        <p:tav tm="100000">
+                                          <p:val>
+                                            <p:strVal val="#ppt_y"/>
+                                          </p:val>
+                                        </p:tav>
+                                      </p:tavLst>
+                                    </p:anim>
+                                  </p:childTnLst>
+                                </p:cTn>
+                              </p:par>
+                              <p:par>
+                                <p:cTn id="57" presetID="2" presetClass="entr" presetSubtype="4" fill="hold" grpId="0" nodeType="withEffect">
+                                  <p:stCondLst>
+                                    <p:cond delay="0"/>
+                                  </p:stCondLst>
+                                  <p:childTnLst>
+                                    <p:set>
+                                      <p:cBhvr>
+                                        <p:cTn id="58" dur="1" fill="hold">
+                                          <p:stCondLst>
+                                            <p:cond delay="0"/>
+                                          </p:stCondLst>
+                                        </p:cTn>
+                                        <p:tgtEl>
+                                          <p:spTgt spid="15"/>
+                                        </p:tgtEl>
+                                        <p:attrNameLst>
+                                          <p:attrName>style.visibility</p:attrName>
+                                        </p:attrNameLst>
+                                      </p:cBhvr>
+                                      <p:to>
+                                        <p:strVal val="visible"/>
+                                      </p:to>
+                                    </p:set>
+                                    <p:anim calcmode="lin" valueType="num">
+                                      <p:cBhvr additive="base">
+                                        <p:cTn id="59" dur="500" fill="hold"/>
+                                        <p:tgtEl>
+                                          <p:spTgt spid="15"/>
+                                        </p:tgtEl>
+                                        <p:attrNameLst>
+                                          <p:attrName>ppt_x</p:attrName>
+                                        </p:attrNameLst>
+                                      </p:cBhvr>
+                                      <p:tavLst>
+                                        <p:tav tm="0">
+                                          <p:val>
+                                            <p:strVal val="#ppt_x"/>
+                                          </p:val>
+                                        </p:tav>
+                                        <p:tav tm="100000">
+                                          <p:val>
+                                            <p:strVal val="#ppt_x"/>
+                                          </p:val>
+                                        </p:tav>
+                                      </p:tavLst>
+                                    </p:anim>
+                                    <p:anim calcmode="lin" valueType="num">
+                                      <p:cBhvr additive="base">
+                                        <p:cTn id="60" dur="500" fill="hold"/>
+                                        <p:tgtEl>
+                                          <p:spTgt spid="15"/>
+                                        </p:tgtEl>
+                                        <p:attrNameLst>
+                                          <p:attrName>ppt_y</p:attrName>
+                                        </p:attrNameLst>
+                                      </p:cBhvr>
+                                      <p:tavLst>
+                                        <p:tav tm="0">
+                                          <p:val>
+                                            <p:strVal val="1+#ppt_h/2"/>
+                                          </p:val>
+                                        </p:tav>
+                                        <p:tav tm="100000">
+                                          <p:val>
+                                            <p:strVal val="#ppt_y"/>
+                                          </p:val>
+                                        </p:tav>
+                                      </p:tavLst>
+                                    </p:anim>
+                                  </p:childTnLst>
+                                </p:cTn>
+                              </p:par>
+                              <p:par>
+                                <p:cTn id="61" presetID="2" presetClass="entr" presetSubtype="4" fill="hold" grpId="0" nodeType="withEffect">
+                                  <p:stCondLst>
+                                    <p:cond delay="0"/>
+                                  </p:stCondLst>
+                                  <p:childTnLst>
+                                    <p:set>
+                                      <p:cBhvr>
+                                        <p:cTn id="62" dur="1" fill="hold">
+                                          <p:stCondLst>
+                                            <p:cond delay="0"/>
+                                          </p:stCondLst>
+                                        </p:cTn>
+                                        <p:tgtEl>
+                                          <p:spTgt spid="16"/>
+                                        </p:tgtEl>
+                                        <p:attrNameLst>
+                                          <p:attrName>style.visibility</p:attrName>
+                                        </p:attrNameLst>
+                                      </p:cBhvr>
+                                      <p:to>
+                                        <p:strVal val="visible"/>
+                                      </p:to>
+                                    </p:set>
+                                    <p:anim calcmode="lin" valueType="num">
+                                      <p:cBhvr additive="base">
+                                        <p:cTn id="63" dur="500" fill="hold"/>
+                                        <p:tgtEl>
+                                          <p:spTgt spid="16"/>
+                                        </p:tgtEl>
+                                        <p:attrNameLst>
+                                          <p:attrName>ppt_x</p:attrName>
+                                        </p:attrNameLst>
+                                      </p:cBhvr>
+                                      <p:tavLst>
+                                        <p:tav tm="0">
+                                          <p:val>
+                                            <p:strVal val="#ppt_x"/>
+                                          </p:val>
+                                        </p:tav>
+                                        <p:tav tm="100000">
+                                          <p:val>
+                                            <p:strVal val="#ppt_x"/>
+                                          </p:val>
+                                        </p:tav>
+                                      </p:tavLst>
+                                    </p:anim>
+                                    <p:anim calcmode="lin" valueType="num">
+                                      <p:cBhvr additive="base">
+                                        <p:cTn id="64" dur="500" fill="hold"/>
+                                        <p:tgtEl>
+                                          <p:spTgt spid="16"/>
+                                        </p:tgtEl>
+                                        <p:attrNameLst>
+                                          <p:attrName>ppt_y</p:attrName>
+                                        </p:attrNameLst>
+                                      </p:cBhvr>
+                                      <p:tavLst>
+                                        <p:tav tm="0">
+                                          <p:val>
+                                            <p:strVal val="1+#ppt_h/2"/>
+                                          </p:val>
+                                        </p:tav>
+                                        <p:tav tm="100000">
+                                          <p:val>
+                                            <p:strVal val="#ppt_y"/>
+                                          </p:val>
+                                        </p:tav>
+                                      </p:tavLst>
+                                    </p:anim>
+                                  </p:childTnLst>
+                                </p:cTn>
+                              </p:par>
+                              <p:par>
+                                <p:cTn id="65" presetID="2" presetClass="entr" presetSubtype="4" fill="hold" grpId="0" nodeType="withEffect">
+                                  <p:stCondLst>
+                                    <p:cond delay="0"/>
+                                  </p:stCondLst>
+                                  <p:childTnLst>
+                                    <p:set>
+                                      <p:cBhvr>
+                                        <p:cTn id="66" dur="1" fill="hold">
+                                          <p:stCondLst>
+                                            <p:cond delay="0"/>
+                                          </p:stCondLst>
+                                        </p:cTn>
+                                        <p:tgtEl>
+                                          <p:spTgt spid="17"/>
+                                        </p:tgtEl>
+                                        <p:attrNameLst>
+                                          <p:attrName>style.visibility</p:attrName>
+                                        </p:attrNameLst>
+                                      </p:cBhvr>
+                                      <p:to>
+                                        <p:strVal val="visible"/>
+                                      </p:to>
+                                    </p:set>
+                                    <p:anim calcmode="lin" valueType="num">
+                                      <p:cBhvr additive="base">
+                                        <p:cTn id="67" dur="500" fill="hold"/>
+                                        <p:tgtEl>
+                                          <p:spTgt spid="17"/>
+                                        </p:tgtEl>
+                                        <p:attrNameLst>
+                                          <p:attrName>ppt_x</p:attrName>
+                                        </p:attrNameLst>
+                                      </p:cBhvr>
+                                      <p:tavLst>
+                                        <p:tav tm="0">
+                                          <p:val>
+                                            <p:strVal val="#ppt_x"/>
+                                          </p:val>
+                                        </p:tav>
+                                        <p:tav tm="100000">
+                                          <p:val>
+                                            <p:strVal val="#ppt_x"/>
+                                          </p:val>
+                                        </p:tav>
+                                      </p:tavLst>
+                                    </p:anim>
+                                    <p:anim calcmode="lin" valueType="num">
+                                      <p:cBhvr additive="base">
+                                        <p:cTn id="68" dur="500" fill="hold"/>
+                                        <p:tgtEl>
+                                          <p:spTgt spid="17"/>
+                                        </p:tgtEl>
+                                        <p:attrNameLst>
+                                          <p:attrName>ppt_y</p:attrName>
+                                        </p:attrNameLst>
+                                      </p:cBhvr>
+                                      <p:tavLst>
+                                        <p:tav tm="0">
+                                          <p:val>
+                                            <p:strVal val="1+#ppt_h/2"/>
+                                          </p:val>
+                                        </p:tav>
+                                        <p:tav tm="100000">
+                                          <p:val>
+                                            <p:strVal val="#ppt_y"/>
+                                          </p:val>
+                                        </p:tav>
+                                      </p:tavLst>
+                                    </p:anim>
+                                  </p:childTnLst>
+                                </p:cTn>
+                              </p:par>
+                              <p:par>
+                                <p:cTn id="69" presetID="2" presetClass="entr" presetSubtype="4" fill="hold" grpId="0" nodeType="withEffect">
+                                  <p:stCondLst>
+                                    <p:cond delay="0"/>
+                                  </p:stCondLst>
+                                  <p:childTnLst>
+                                    <p:set>
+                                      <p:cBhvr>
+                                        <p:cTn id="70" dur="1" fill="hold">
+                                          <p:stCondLst>
+                                            <p:cond delay="0"/>
+                                          </p:stCondLst>
+                                        </p:cTn>
+                                        <p:tgtEl>
+                                          <p:spTgt spid="18"/>
+                                        </p:tgtEl>
+                                        <p:attrNameLst>
+                                          <p:attrName>style.visibility</p:attrName>
+                                        </p:attrNameLst>
+                                      </p:cBhvr>
+                                      <p:to>
+                                        <p:strVal val="visible"/>
+                                      </p:to>
+                                    </p:set>
+                                    <p:anim calcmode="lin" valueType="num">
+                                      <p:cBhvr additive="base">
+                                        <p:cTn id="71" dur="500" fill="hold"/>
+                                        <p:tgtEl>
+                                          <p:spTgt spid="18"/>
+                                        </p:tgtEl>
+                                        <p:attrNameLst>
+                                          <p:attrName>ppt_x</p:attrName>
+                                        </p:attrNameLst>
+                                      </p:cBhvr>
+                                      <p:tavLst>
+                                        <p:tav tm="0">
+                                          <p:val>
+                                            <p:strVal val="#ppt_x"/>
+                                          </p:val>
+                                        </p:tav>
+                                        <p:tav tm="100000">
+                                          <p:val>
+                                            <p:strVal val="#ppt_x"/>
+                                          </p:val>
+                                        </p:tav>
+                                      </p:tavLst>
+                                    </p:anim>
+                                    <p:anim calcmode="lin" valueType="num">
+                                      <p:cBhvr additive="base">
+                                        <p:cTn id="72" dur="500" fill="hold"/>
+                                        <p:tgtEl>
+                                          <p:spTgt spid="18"/>
+                                        </p:tgtEl>
+                                        <p:attrNameLst>
+                                          <p:attrName>ppt_y</p:attrName>
+                                        </p:attrNameLst>
+                                      </p:cBhvr>
+                                      <p:tavLst>
+                                        <p:tav tm="0">
+                                          <p:val>
+                                            <p:strVal val="1+#ppt_h/2"/>
+                                          </p:val>
+                                        </p:tav>
+                                        <p:tav tm="100000">
+                                          <p:val>
+                                            <p:strVal val="#ppt_y"/>
+                                          </p:val>
+                                        </p:tav>
+                                      </p:tavLst>
+                                    </p:anim>
+                                  </p:childTnLst>
+                                </p:cTn>
+                              </p:par>
+                              <p:par>
+                                <p:cTn id="73" presetID="2" presetClass="entr" presetSubtype="4" fill="hold" grpId="0" nodeType="withEffect">
+                                  <p:stCondLst>
+                                    <p:cond delay="0"/>
+                                  </p:stCondLst>
+                                  <p:childTnLst>
+                                    <p:set>
+                                      <p:cBhvr>
+                                        <p:cTn id="74" dur="1" fill="hold">
+                                          <p:stCondLst>
+                                            <p:cond delay="0"/>
+                                          </p:stCondLst>
+                                        </p:cTn>
+                                        <p:tgtEl>
+                                          <p:spTgt spid="19"/>
+                                        </p:tgtEl>
+                                        <p:attrNameLst>
+                                          <p:attrName>style.visibility</p:attrName>
+                                        </p:attrNameLst>
+                                      </p:cBhvr>
+                                      <p:to>
+                                        <p:strVal val="visible"/>
+                                      </p:to>
+                                    </p:set>
+                                    <p:anim calcmode="lin" valueType="num">
+                                      <p:cBhvr additive="base">
+                                        <p:cTn id="75" dur="500" fill="hold"/>
+                                        <p:tgtEl>
+                                          <p:spTgt spid="19"/>
+                                        </p:tgtEl>
+                                        <p:attrNameLst>
+                                          <p:attrName>ppt_x</p:attrName>
+                                        </p:attrNameLst>
+                                      </p:cBhvr>
+                                      <p:tavLst>
+                                        <p:tav tm="0">
+                                          <p:val>
+                                            <p:strVal val="#ppt_x"/>
+                                          </p:val>
+                                        </p:tav>
+                                        <p:tav tm="100000">
+                                          <p:val>
+                                            <p:strVal val="#ppt_x"/>
+                                          </p:val>
+                                        </p:tav>
+                                      </p:tavLst>
+                                    </p:anim>
+                                    <p:anim calcmode="lin" valueType="num">
+                                      <p:cBhvr additive="base">
+                                        <p:cTn id="76" dur="500" fill="hold"/>
+                                        <p:tgtEl>
+                                          <p:spTgt spid="19"/>
+                                        </p:tgtEl>
+                                        <p:attrNameLst>
+                                          <p:attrName>ppt_y</p:attrName>
+                                        </p:attrNameLst>
+                                      </p:cBhvr>
+                                      <p:tavLst>
+                                        <p:tav tm="0">
+                                          <p:val>
+                                            <p:strVal val="1+#ppt_h/2"/>
+                                          </p:val>
+                                        </p:tav>
+                                        <p:tav tm="100000">
+                                          <p:val>
+                                            <p:strVal val="#ppt_y"/>
+                                          </p:val>
+                                        </p:tav>
+                                      </p:tavLst>
+                                    </p:anim>
+                                  </p:childTnLst>
+                                </p:cTn>
+                              </p:par>
+                              <p:par>
+                                <p:cTn id="77" presetID="2" presetClass="entr" presetSubtype="4" fill="hold" grpId="0" nodeType="withEffect">
+                                  <p:stCondLst>
+                                    <p:cond delay="0"/>
+                                  </p:stCondLst>
+                                  <p:childTnLst>
+                                    <p:set>
+                                      <p:cBhvr>
+                                        <p:cTn id="78" dur="1" fill="hold">
+                                          <p:stCondLst>
+                                            <p:cond delay="0"/>
+                                          </p:stCondLst>
+                                        </p:cTn>
+                                        <p:tgtEl>
+                                          <p:spTgt spid="20"/>
+                                        </p:tgtEl>
+                                        <p:attrNameLst>
+                                          <p:attrName>style.visibility</p:attrName>
+                                        </p:attrNameLst>
+                                      </p:cBhvr>
+                                      <p:to>
+                                        <p:strVal val="visible"/>
+                                      </p:to>
+                                    </p:set>
+                                    <p:anim calcmode="lin" valueType="num">
+                                      <p:cBhvr additive="base">
+                                        <p:cTn id="79" dur="500" fill="hold"/>
+                                        <p:tgtEl>
+                                          <p:spTgt spid="20"/>
+                                        </p:tgtEl>
+                                        <p:attrNameLst>
+                                          <p:attrName>ppt_x</p:attrName>
+                                        </p:attrNameLst>
+                                      </p:cBhvr>
+                                      <p:tavLst>
+                                        <p:tav tm="0">
+                                          <p:val>
+                                            <p:strVal val="#ppt_x"/>
+                                          </p:val>
+                                        </p:tav>
+                                        <p:tav tm="100000">
+                                          <p:val>
+                                            <p:strVal val="#ppt_x"/>
+                                          </p:val>
+                                        </p:tav>
+                                      </p:tavLst>
+                                    </p:anim>
+                                    <p:anim calcmode="lin" valueType="num">
+                                      <p:cBhvr additive="base">
+                                        <p:cTn id="80" dur="500" fill="hold"/>
+                                        <p:tgtEl>
+                                          <p:spTgt spid="20"/>
+                                        </p:tgtEl>
+                                        <p:attrNameLst>
+                                          <p:attrName>ppt_y</p:attrName>
+                                        </p:attrNameLst>
+                                      </p:cBhvr>
+                                      <p:tavLst>
+                                        <p:tav tm="0">
+                                          <p:val>
+                                            <p:strVal val="1+#ppt_h/2"/>
+                                          </p:val>
+                                        </p:tav>
+                                        <p:tav tm="100000">
+                                          <p:val>
+                                            <p:strVal val="#ppt_y"/>
+                                          </p:val>
+                                        </p:tav>
+                                      </p:tavLst>
+                                    </p:anim>
+                                  </p:childTnLst>
+                                </p:cTn>
+                              </p:par>
+                              <p:par>
+                                <p:cTn id="81" presetID="2" presetClass="entr" presetSubtype="4" fill="hold" grpId="0" nodeType="withEffect">
+                                  <p:stCondLst>
+                                    <p:cond delay="0"/>
+                                  </p:stCondLst>
+                                  <p:childTnLst>
+                                    <p:set>
+                                      <p:cBhvr>
+                                        <p:cTn id="82" dur="1" fill="hold">
+                                          <p:stCondLst>
+                                            <p:cond delay="0"/>
+                                          </p:stCondLst>
+                                        </p:cTn>
+                                        <p:tgtEl>
+                                          <p:spTgt spid="21"/>
+                                        </p:tgtEl>
+                                        <p:attrNameLst>
+                                          <p:attrName>style.visibility</p:attrName>
+                                        </p:attrNameLst>
+                                      </p:cBhvr>
+                                      <p:to>
+                                        <p:strVal val="visible"/>
+                                      </p:to>
+                                    </p:set>
+                                    <p:anim calcmode="lin" valueType="num">
+                                      <p:cBhvr additive="base">
+                                        <p:cTn id="83" dur="500" fill="hold"/>
+                                        <p:tgtEl>
+                                          <p:spTgt spid="21"/>
+                                        </p:tgtEl>
+                                        <p:attrNameLst>
+                                          <p:attrName>ppt_x</p:attrName>
+                                        </p:attrNameLst>
+                                      </p:cBhvr>
+                                      <p:tavLst>
+                                        <p:tav tm="0">
+                                          <p:val>
+                                            <p:strVal val="#ppt_x"/>
+                                          </p:val>
+                                        </p:tav>
+                                        <p:tav tm="100000">
+                                          <p:val>
+                                            <p:strVal val="#ppt_x"/>
+                                          </p:val>
+                                        </p:tav>
+                                      </p:tavLst>
+                                    </p:anim>
+                                    <p:anim calcmode="lin" valueType="num">
+                                      <p:cBhvr additive="base">
+                                        <p:cTn id="84" dur="500" fill="hold"/>
+                                        <p:tgtEl>
+                                          <p:spTgt spid="21"/>
+                                        </p:tgtEl>
+                                        <p:attrNameLst>
+                                          <p:attrName>ppt_y</p:attrName>
+                                        </p:attrNameLst>
+                                      </p:cBhvr>
+                                      <p:tavLst>
+                                        <p:tav tm="0">
+                                          <p:val>
+                                            <p:strVal val="1+#ppt_h/2"/>
+                                          </p:val>
+                                        </p:tav>
+                                        <p:tav tm="100000">
+                                          <p:val>
+                                            <p:strVal val="#ppt_y"/>
+                                          </p:val>
+                                        </p:tav>
+                                      </p:tavLst>
+                                    </p:anim>
+                                  </p:childTnLst>
+                                </p:cTn>
+                              </p:par>
+                              <p:par>
+                                <p:cTn id="85" presetID="2" presetClass="entr" presetSubtype="4" fill="hold" grpId="0" nodeType="withEffect">
+                                  <p:stCondLst>
+                                    <p:cond delay="0"/>
+                                  </p:stCondLst>
+                                  <p:childTnLst>
+                                    <p:set>
+                                      <p:cBhvr>
+                                        <p:cTn id="86" dur="1" fill="hold">
+                                          <p:stCondLst>
+                                            <p:cond delay="0"/>
+                                          </p:stCondLst>
+                                        </p:cTn>
+                                        <p:tgtEl>
+                                          <p:spTgt spid="22"/>
+                                        </p:tgtEl>
+                                        <p:attrNameLst>
+                                          <p:attrName>style.visibility</p:attrName>
+                                        </p:attrNameLst>
+                                      </p:cBhvr>
+                                      <p:to>
+                                        <p:strVal val="visible"/>
+                                      </p:to>
+                                    </p:set>
+                                    <p:anim calcmode="lin" valueType="num">
+                                      <p:cBhvr additive="base">
+                                        <p:cTn id="87" dur="500" fill="hold"/>
+                                        <p:tgtEl>
+                                          <p:spTgt spid="22"/>
+                                        </p:tgtEl>
+                                        <p:attrNameLst>
+                                          <p:attrName>ppt_x</p:attrName>
+                                        </p:attrNameLst>
+                                      </p:cBhvr>
+                                      <p:tavLst>
+                                        <p:tav tm="0">
+                                          <p:val>
+                                            <p:strVal val="#ppt_x"/>
+                                          </p:val>
+                                        </p:tav>
+                                        <p:tav tm="100000">
+                                          <p:val>
+                                            <p:strVal val="#ppt_x"/>
+                                          </p:val>
+                                        </p:tav>
+                                      </p:tavLst>
+                                    </p:anim>
+                                    <p:anim calcmode="lin" valueType="num">
+                                      <p:cBhvr additive="base">
+                                        <p:cTn id="88" dur="500" fill="hold"/>
+                                        <p:tgtEl>
+                                          <p:spTgt spid="22"/>
+                                        </p:tgtEl>
+                                        <p:attrNameLst>
+                                          <p:attrName>ppt_y</p:attrName>
+                                        </p:attrNameLst>
+                                      </p:cBhvr>
+                                      <p:tavLst>
+                                        <p:tav tm="0">
+                                          <p:val>
+                                            <p:strVal val="1+#ppt_h/2"/>
+                                          </p:val>
+                                        </p:tav>
+                                        <p:tav tm="100000">
+                                          <p:val>
+                                            <p:strVal val="#ppt_y"/>
+                                          </p:val>
+                                        </p:tav>
+                                      </p:tavLst>
+                                    </p:anim>
+                                  </p:childTnLst>
+                                </p:cTn>
+                              </p:par>
+                              <p:par>
+                                <p:cTn id="89" presetID="2" presetClass="entr" presetSubtype="4" fill="hold" grpId="0" nodeType="withEffect">
+                                  <p:stCondLst>
+                                    <p:cond delay="0"/>
+                                  </p:stCondLst>
+                                  <p:childTnLst>
+                                    <p:set>
+                                      <p:cBhvr>
+                                        <p:cTn id="90" dur="1" fill="hold">
+                                          <p:stCondLst>
+                                            <p:cond delay="0"/>
+                                          </p:stCondLst>
+                                        </p:cTn>
+                                        <p:tgtEl>
+                                          <p:spTgt spid="23"/>
+                                        </p:tgtEl>
+                                        <p:attrNameLst>
+                                          <p:attrName>style.visibility</p:attrName>
+                                        </p:attrNameLst>
+                                      </p:cBhvr>
+                                      <p:to>
+                                        <p:strVal val="visible"/>
+                                      </p:to>
+                                    </p:set>
+                                    <p:anim calcmode="lin" valueType="num">
+                                      <p:cBhvr additive="base">
+                                        <p:cTn id="91" dur="500" fill="hold"/>
+                                        <p:tgtEl>
+                                          <p:spTgt spid="23"/>
+                                        </p:tgtEl>
+                                        <p:attrNameLst>
+                                          <p:attrName>ppt_x</p:attrName>
+                                        </p:attrNameLst>
+                                      </p:cBhvr>
+                                      <p:tavLst>
+                                        <p:tav tm="0">
+                                          <p:val>
+                                            <p:strVal val="#ppt_x"/>
+                                          </p:val>
+                                        </p:tav>
+                                        <p:tav tm="100000">
+                                          <p:val>
+                                            <p:strVal val="#ppt_x"/>
+                                          </p:val>
+                                        </p:tav>
+                                      </p:tavLst>
+                                    </p:anim>
+                                    <p:anim calcmode="lin" valueType="num">
+                                      <p:cBhvr additive="base">
+                                        <p:cTn id="92" dur="500" fill="hold"/>
+                                        <p:tgtEl>
+                                          <p:spTgt spid="23"/>
+                                        </p:tgtEl>
+                                        <p:attrNameLst>
+                                          <p:attrName>ppt_y</p:attrName>
+                                        </p:attrNameLst>
+                                      </p:cBhvr>
+                                      <p:tavLst>
+                                        <p:tav tm="0">
+                                          <p:val>
+                                            <p:strVal val="1+#ppt_h/2"/>
+                                          </p:val>
+                                        </p:tav>
+                                        <p:tav tm="100000">
+                                          <p:val>
+                                            <p:strVal val="#ppt_y"/>
+                                          </p:val>
+                                        </p:tav>
+                                      </p:tavLst>
+                                    </p:anim>
+                                  </p:childTnLst>
+                                </p:cTn>
+                              </p:par>
+                              <p:par>
+                                <p:cTn id="93" presetID="2" presetClass="entr" presetSubtype="4" fill="hold" grpId="0" nodeType="withEffect">
+                                  <p:stCondLst>
+                                    <p:cond delay="0"/>
+                                  </p:stCondLst>
+                                  <p:childTnLst>
+                                    <p:set>
+                                      <p:cBhvr>
+                                        <p:cTn id="94" dur="1" fill="hold">
+                                          <p:stCondLst>
+                                            <p:cond delay="0"/>
+                                          </p:stCondLst>
+                                        </p:cTn>
+                                        <p:tgtEl>
+                                          <p:spTgt spid="31"/>
+                                        </p:tgtEl>
+                                        <p:attrNameLst>
+                                          <p:attrName>style.visibility</p:attrName>
+                                        </p:attrNameLst>
+                                      </p:cBhvr>
+                                      <p:to>
+                                        <p:strVal val="visible"/>
+                                      </p:to>
+                                    </p:set>
+                                    <p:anim calcmode="lin" valueType="num">
+                                      <p:cBhvr additive="base">
+                                        <p:cTn id="95" dur="500" fill="hold"/>
+                                        <p:tgtEl>
+                                          <p:spTgt spid="31"/>
+                                        </p:tgtEl>
+                                        <p:attrNameLst>
+                                          <p:attrName>ppt_x</p:attrName>
+                                        </p:attrNameLst>
+                                      </p:cBhvr>
+                                      <p:tavLst>
+                                        <p:tav tm="0">
+                                          <p:val>
+                                            <p:strVal val="#ppt_x"/>
+                                          </p:val>
+                                        </p:tav>
+                                        <p:tav tm="100000">
+                                          <p:val>
+                                            <p:strVal val="#ppt_x"/>
+                                          </p:val>
+                                        </p:tav>
+                                      </p:tavLst>
+                                    </p:anim>
+                                    <p:anim calcmode="lin" valueType="num">
+                                      <p:cBhvr additive="base">
+                                        <p:cTn id="96" dur="500" fill="hold"/>
+                                        <p:tgtEl>
+                                          <p:spTgt spid="31"/>
+                                        </p:tgtEl>
+                                        <p:attrNameLst>
+                                          <p:attrName>ppt_y</p:attrName>
+                                        </p:attrNameLst>
+                                      </p:cBhvr>
+                                      <p:tavLst>
+                                        <p:tav tm="0">
+                                          <p:val>
+                                            <p:strVal val="1+#ppt_h/2"/>
+                                          </p:val>
+                                        </p:tav>
+                                        <p:tav tm="100000">
+                                          <p:val>
+                                            <p:strVal val="#ppt_y"/>
+                                          </p:val>
+                                        </p:tav>
+                                      </p:tavLst>
+                                    </p:anim>
+                                  </p:childTnLst>
+                                </p:cTn>
+                              </p:par>
+                              <p:par>
+                                <p:cTn id="97" presetID="2" presetClass="entr" presetSubtype="4" fill="hold" grpId="0" nodeType="withEffect">
+                                  <p:stCondLst>
+                                    <p:cond delay="0"/>
+                                  </p:stCondLst>
+                                  <p:childTnLst>
+                                    <p:set>
+                                      <p:cBhvr>
+                                        <p:cTn id="98" dur="1" fill="hold">
+                                          <p:stCondLst>
+                                            <p:cond delay="0"/>
+                                          </p:stCondLst>
+                                        </p:cTn>
+                                        <p:tgtEl>
+                                          <p:spTgt spid="32"/>
+                                        </p:tgtEl>
+                                        <p:attrNameLst>
+                                          <p:attrName>style.visibility</p:attrName>
+                                        </p:attrNameLst>
+                                      </p:cBhvr>
+                                      <p:to>
+                                        <p:strVal val="visible"/>
+                                      </p:to>
+                                    </p:set>
+                                    <p:anim calcmode="lin" valueType="num">
+                                      <p:cBhvr additive="base">
+                                        <p:cTn id="99" dur="500" fill="hold"/>
+                                        <p:tgtEl>
+                                          <p:spTgt spid="32"/>
+                                        </p:tgtEl>
+                                        <p:attrNameLst>
+                                          <p:attrName>ppt_x</p:attrName>
+                                        </p:attrNameLst>
+                                      </p:cBhvr>
+                                      <p:tavLst>
+                                        <p:tav tm="0">
+                                          <p:val>
+                                            <p:strVal val="#ppt_x"/>
+                                          </p:val>
+                                        </p:tav>
+                                        <p:tav tm="100000">
+                                          <p:val>
+                                            <p:strVal val="#ppt_x"/>
+                                          </p:val>
+                                        </p:tav>
+                                      </p:tavLst>
+                                    </p:anim>
+                                    <p:anim calcmode="lin" valueType="num">
+                                      <p:cBhvr additive="base">
+                                        <p:cTn id="100" dur="500" fill="hold"/>
+                                        <p:tgtEl>
+                                          <p:spTgt spid="32"/>
+                                        </p:tgtEl>
+                                        <p:attrNameLst>
+                                          <p:attrName>ppt_y</p:attrName>
+                                        </p:attrNameLst>
+                                      </p:cBhvr>
+                                      <p:tavLst>
+                                        <p:tav tm="0">
+                                          <p:val>
+                                            <p:strVal val="1+#ppt_h/2"/>
+                                          </p:val>
+                                        </p:tav>
+                                        <p:tav tm="100000">
+                                          <p:val>
+                                            <p:strVal val="#ppt_y"/>
+                                          </p:val>
+                                        </p:tav>
+                                      </p:tavLst>
+                                    </p:anim>
+                                  </p:childTnLst>
+                                </p:cTn>
+                              </p:par>
+                            </p:childTnLst>
+                          </p:cTn>
+                        </p:par>
+                      </p:childTnLst>
+                    </p:cTn>
+                  </p:par>
+                </p:childTnLst>
+              </p:cTn>
+              <p:prevCondLst>
+                <p:cond evt="onPrev" delay="0">
+                  <p:tgtEl>
+                    <p:sldTgt/>
+                  </p:tgtEl>
+                </p:cond>
+              </p:prevCondLst>
+              <p:nextCondLst>
+                <p:cond evt="onNext" delay="0">
+                  <p:tgtEl>
+                    <p:sldTgt/>
+                  </p:tgtEl>
+                </p:cond>
+              </p:nextCondLst>
+            </p:seq>
+          </p:childTnLst>
+        </p:cTn>
+      </p:par>
+    </p:tnLst>
+    <p:bldLst>
+      <p:bldP spid="2" grpId="0" animBg="1"/>
+      <p:bldP spid="3" grpId="0" animBg="1"/>
+      <p:bldP spid="4" grpId="0" animBg="1"/>
+      <p:bldP spid="5" grpId="0" animBg="1"/>
+      <p:bldP spid="6" grpId="0" animBg="1"/>
+      <p:bldP spid="7" grpId="0" animBg="1"/>
+      <p:bldP spid="8" grpId="0" animBg="1"/>
+      <p:bldP spid="9" grpId="0" animBg="1"/>
+      <p:bldP spid="10" grpId="0" animBg="1"/>
+      <p:bldP spid="11" grpId="0" animBg="1"/>
+      <p:bldP spid="12" grpId="0" animBg="1"/>
+      <p:bldP spid="13" grpId="0" animBg="1"/>
+      <p:bldP spid="14" grpId="0" animBg="1"/>
+      <p:bldP spid="15" grpId="0" animBg="1"/>
+      <p:bldP spid="16" grpId="0" animBg="1"/>
+      <p:bldP spid="17" grpId="0" animBg="1"/>
+      <p:bldP spid="18" grpId="0" animBg="1"/>
+      <p:bldP spid="19" grpId="0" animBg="1"/>
+      <p:bldP spid="20" grpId="0" animBg="1"/>
+      <p:bldP spid="21" grpId="0" animBg="1"/>
+      <p:bldP spid="22" grpId="0" animBg="1"/>
+      <p:bldP spid="23" grpId="0" animBg="1"/>
+      <p:bldP spid="31" grpId="0" animBg="1"/>
+      <p:bldP spid="32" grpId="0" animBg="1"/>
+    </p:bldLst>
+  </p:timing>
+</p:sld>
+</file>
+
+<file path=ppt/slides/slide5.xml><?xml version="1.0" encoding="utf-8"?>
+<p:sld xmlns:a="http://schemas.openxmlformats.org/drawingml/2006/main" xmlns:r="http://schemas.openxmlformats.org/officeDocument/2006/relationships" xmlns:p="http://schemas.openxmlformats.org/presentationml/2006/main">
+  <p:cSld>
+    <p:spTree>
+      <p:nvGrpSpPr>
+        <p:cNvPr id="1" name=""/>
+        <p:cNvGrpSpPr/>
+        <p:nvPr/>
+      </p:nvGrpSpPr>
+      <p:grpSpPr>
+        <a:xfrm>
+          <a:off x="0" y="0"/>
+          <a:ext cx="0" cy="0"/>
+          <a:chOff x="0" y="0"/>
+          <a:chExt cx="0" cy="0"/>
+        </a:xfrm>
+      </p:grpSpPr>
       <p:pic>
         <p:nvPicPr>
           <p:cNvPr id="69" name="Picture 68">
@@ -3361,7 +9785,7 @@
         </p:blipFill>
         <p:spPr>
           <a:xfrm>
-            <a:off x="761603" y="174374"/>
+            <a:off x="615284" y="816399"/>
             <a:ext cx="10961432" cy="5903350"/>
           </a:xfrm>
           <a:prstGeom prst="rect">
@@ -3383,7 +9807,7 @@
         </p:nvGrpSpPr>
         <p:grpSpPr>
           <a:xfrm rot="12371716">
-            <a:off x="5237265" y="1557954"/>
+            <a:off x="5090946" y="2199979"/>
             <a:ext cx="1079877" cy="285666"/>
             <a:chOff x="1280627" y="1068354"/>
             <a:chExt cx="8876131" cy="2729204"/>
@@ -4781,7 +11205,7 @@
         </p:nvGrpSpPr>
         <p:grpSpPr>
           <a:xfrm rot="1563991">
-            <a:off x="10078502" y="3836192"/>
+            <a:off x="9932183" y="4478217"/>
             <a:ext cx="1079877" cy="285666"/>
             <a:chOff x="1280627" y="1068354"/>
             <a:chExt cx="8876131" cy="2729204"/>
@@ -6179,7 +12603,7 @@
         </p:nvSpPr>
         <p:spPr>
           <a:xfrm rot="17417403">
-            <a:off x="6003250" y="3707261"/>
+            <a:off x="5856931" y="4349286"/>
             <a:ext cx="122598" cy="95222"/>
           </a:xfrm>
           <a:prstGeom prst="hexagon">
@@ -6228,7 +12652,7 @@
         </p:nvSpPr>
         <p:spPr>
           <a:xfrm rot="17417403">
-            <a:off x="6177264" y="3126836"/>
+            <a:off x="6030945" y="3768861"/>
             <a:ext cx="122598" cy="95222"/>
           </a:xfrm>
           <a:prstGeom prst="hexagon">
@@ -6277,7 +12701,7 @@
         </p:nvSpPr>
         <p:spPr>
           <a:xfrm rot="17417403">
-            <a:off x="5637477" y="4764688"/>
+            <a:off x="5491158" y="5406713"/>
             <a:ext cx="122598" cy="95222"/>
           </a:xfrm>
           <a:prstGeom prst="hexagon">
@@ -6326,7 +12750,7 @@
         </p:nvSpPr>
         <p:spPr>
           <a:xfrm rot="17417403">
-            <a:off x="9493316" y="5800381"/>
+            <a:off x="9346997" y="6442406"/>
             <a:ext cx="122598" cy="95222"/>
           </a:xfrm>
           <a:prstGeom prst="hexagon">
@@ -6373,7 +12797,7 @@
         </p:nvSpPr>
         <p:spPr>
           <a:xfrm rot="17417403">
-            <a:off x="2180902" y="1531952"/>
+            <a:off x="2034583" y="2173977"/>
             <a:ext cx="122598" cy="95222"/>
           </a:xfrm>
           <a:prstGeom prst="hexagon">
@@ -6422,7 +12846,7 @@
         </p:nvSpPr>
         <p:spPr>
           <a:xfrm rot="17417403">
-            <a:off x="5810913" y="4106080"/>
+            <a:off x="5664594" y="4748105"/>
             <a:ext cx="122598" cy="95222"/>
           </a:xfrm>
           <a:prstGeom prst="hexagon">
@@ -6471,7 +12895,7 @@
         </p:nvSpPr>
         <p:spPr>
           <a:xfrm rot="17417403">
-            <a:off x="8986220" y="732665"/>
+            <a:off x="8839901" y="1374690"/>
             <a:ext cx="122598" cy="95222"/>
           </a:xfrm>
           <a:prstGeom prst="hexagon">
@@ -6520,7 +12944,7 @@
         </p:nvSpPr>
         <p:spPr>
           <a:xfrm rot="17417403">
-            <a:off x="6045398" y="647741"/>
+            <a:off x="5899079" y="1289766"/>
             <a:ext cx="122598" cy="95222"/>
           </a:xfrm>
           <a:prstGeom prst="hexagon">
@@ -6569,7 +12993,7 @@
         </p:nvSpPr>
         <p:spPr>
           <a:xfrm rot="17417403">
-            <a:off x="6424259" y="3952321"/>
+            <a:off x="6277940" y="4594346"/>
             <a:ext cx="122598" cy="95222"/>
           </a:xfrm>
           <a:prstGeom prst="hexagon">
@@ -6618,7 +13042,7 @@
         </p:nvSpPr>
         <p:spPr>
           <a:xfrm rot="17417403">
-            <a:off x="6348439" y="4020102"/>
+            <a:off x="6202120" y="4662127"/>
             <a:ext cx="122598" cy="95222"/>
           </a:xfrm>
           <a:prstGeom prst="hexagon">
@@ -6667,7 +13091,7 @@
         </p:nvSpPr>
         <p:spPr>
           <a:xfrm rot="17417403">
-            <a:off x="6339021" y="3916463"/>
+            <a:off x="6192702" y="4558488"/>
             <a:ext cx="118247" cy="97664"/>
           </a:xfrm>
           <a:prstGeom prst="hexagon">
@@ -6714,7 +13138,7 @@
         </p:nvSpPr>
         <p:spPr>
           <a:xfrm rot="17417403">
-            <a:off x="6412374" y="3847172"/>
+            <a:off x="6266055" y="4489197"/>
             <a:ext cx="122598" cy="95222"/>
           </a:xfrm>
           <a:prstGeom prst="hexagon">
@@ -6763,7 +13187,7 @@
         </p:nvSpPr>
         <p:spPr>
           <a:xfrm rot="17417403">
-            <a:off x="10863369" y="5574013"/>
+            <a:off x="10717050" y="6216038"/>
             <a:ext cx="122598" cy="95222"/>
           </a:xfrm>
           <a:prstGeom prst="hexagon">
@@ -6812,7 +13236,7 @@
         </p:nvSpPr>
         <p:spPr>
           <a:xfrm rot="17417403">
-            <a:off x="6323060" y="3814152"/>
+            <a:off x="6176741" y="4456177"/>
             <a:ext cx="122598" cy="95222"/>
           </a:xfrm>
           <a:prstGeom prst="hexagon">
@@ -6861,7 +13285,7 @@
         </p:nvSpPr>
         <p:spPr>
           <a:xfrm rot="17417403">
-            <a:off x="6400488" y="3742023"/>
+            <a:off x="6254169" y="4384048"/>
             <a:ext cx="122598" cy="95222"/>
           </a:xfrm>
           <a:prstGeom prst="hexagon">
@@ -6910,7 +13334,7 @@
         </p:nvSpPr>
         <p:spPr>
           <a:xfrm rot="17417403">
-            <a:off x="6565621" y="3707262"/>
+            <a:off x="6419302" y="4349287"/>
             <a:ext cx="122598" cy="95222"/>
           </a:xfrm>
           <a:prstGeom prst="hexagon">
@@ -6959,7 +13383,7 @@
         </p:nvSpPr>
         <p:spPr>
           <a:xfrm rot="17417403">
-            <a:off x="6489801" y="3775044"/>
+            <a:off x="6343482" y="4417069"/>
             <a:ext cx="122598" cy="95222"/>
           </a:xfrm>
           <a:prstGeom prst="hexagon">
@@ -7008,7 +13432,7 @@
         </p:nvSpPr>
         <p:spPr>
           <a:xfrm rot="17417403">
-            <a:off x="6480383" y="3671404"/>
+            <a:off x="6334064" y="4313429"/>
             <a:ext cx="118247" cy="97664"/>
           </a:xfrm>
           <a:prstGeom prst="hexagon">
@@ -7055,7 +13479,7 @@
         </p:nvSpPr>
         <p:spPr>
           <a:xfrm rot="17417403">
-            <a:off x="6386995" y="3641222"/>
+            <a:off x="6240676" y="4283247"/>
             <a:ext cx="122598" cy="95222"/>
           </a:xfrm>
           <a:prstGeom prst="hexagon">
@@ -7104,7 +13528,7 @@
         </p:nvSpPr>
         <p:spPr>
           <a:xfrm rot="17417403">
-            <a:off x="6462815" y="3573441"/>
+            <a:off x="6316496" y="4215466"/>
             <a:ext cx="122598" cy="95222"/>
           </a:xfrm>
           <a:prstGeom prst="hexagon">
@@ -7153,7 +13577,7 @@
         </p:nvSpPr>
         <p:spPr>
           <a:xfrm rot="17417403">
-            <a:off x="6552128" y="3606461"/>
+            <a:off x="6405809" y="4248486"/>
             <a:ext cx="122598" cy="95222"/>
           </a:xfrm>
           <a:prstGeom prst="hexagon">
@@ -7202,7 +13626,7 @@
         </p:nvSpPr>
         <p:spPr>
           <a:xfrm rot="17417403">
-            <a:off x="6501638" y="3880326"/>
+            <a:off x="6355319" y="4522351"/>
             <a:ext cx="122598" cy="95222"/>
           </a:xfrm>
           <a:prstGeom prst="hexagon">
@@ -7251,7 +13675,7 @@
         </p:nvGrpSpPr>
         <p:grpSpPr>
           <a:xfrm rot="17417403">
-            <a:off x="6460654" y="3374259"/>
+            <a:off x="6314335" y="4016284"/>
             <a:ext cx="305313" cy="285666"/>
             <a:chOff x="8625373" y="1304731"/>
             <a:chExt cx="2509545" cy="2729200"/>
@@ -7508,7 +13932,7 @@
         </p:nvSpPr>
         <p:spPr>
           <a:xfrm rot="1217403">
-            <a:off x="6500055" y="3432125"/>
+            <a:off x="6353736" y="4074150"/>
             <a:ext cx="263448" cy="55242"/>
           </a:xfrm>
           <a:prstGeom prst="trapezoid">
@@ -7556,7 +13980,7 @@
         </p:nvSpPr>
         <p:spPr>
           <a:xfrm rot="17417403">
-            <a:off x="2842880" y="5873355"/>
+            <a:off x="2696561" y="6515380"/>
             <a:ext cx="122598" cy="95222"/>
           </a:xfrm>
           <a:prstGeom prst="hexagon">
@@ -7605,7 +14029,7 @@
         </p:nvSpPr>
         <p:spPr>
           <a:xfrm rot="17417403">
-            <a:off x="4527991" y="499730"/>
+            <a:off x="4381672" y="1141755"/>
             <a:ext cx="122598" cy="95222"/>
           </a:xfrm>
           <a:prstGeom prst="hexagon">
@@ -7654,7 +14078,7 @@
         </p:nvSpPr>
         <p:spPr>
           <a:xfrm rot="17417403">
-            <a:off x="7816894" y="662048"/>
+            <a:off x="7670575" y="1304073"/>
             <a:ext cx="122598" cy="95222"/>
           </a:xfrm>
           <a:prstGeom prst="hexagon">
@@ -7703,7 +14127,7 @@
         </p:nvSpPr>
         <p:spPr>
           <a:xfrm rot="17417403">
-            <a:off x="1275998" y="5812451"/>
+            <a:off x="1129679" y="6454476"/>
             <a:ext cx="122598" cy="95222"/>
           </a:xfrm>
           <a:prstGeom prst="hexagon">
@@ -7750,7 +14174,7 @@
         </p:nvSpPr>
         <p:spPr>
           <a:xfrm rot="17417403">
-            <a:off x="6904053" y="4317540"/>
+            <a:off x="6757734" y="4959565"/>
             <a:ext cx="122598" cy="95222"/>
           </a:xfrm>
           <a:prstGeom prst="hexagon">
@@ -7799,7 +14223,7 @@
         </p:nvSpPr>
         <p:spPr>
           <a:xfrm rot="17417403">
-            <a:off x="11369098" y="794100"/>
+            <a:off x="11222779" y="1436125"/>
             <a:ext cx="122598" cy="95222"/>
           </a:xfrm>
           <a:prstGeom prst="hexagon">
@@ -7848,7 +14272,7 @@
         </p:nvSpPr>
         <p:spPr>
           <a:xfrm rot="17417403">
-            <a:off x="6814739" y="4284520"/>
+            <a:off x="6668420" y="4926545"/>
             <a:ext cx="122598" cy="95222"/>
           </a:xfrm>
           <a:prstGeom prst="hexagon">
@@ -7897,7 +14321,7 @@
         </p:nvSpPr>
         <p:spPr>
           <a:xfrm rot="17417403">
-            <a:off x="6802854" y="4179371"/>
+            <a:off x="6656535" y="4821396"/>
             <a:ext cx="122598" cy="95222"/>
           </a:xfrm>
           <a:prstGeom prst="hexagon">
@@ -7946,7 +14370,7 @@
         </p:nvSpPr>
         <p:spPr>
           <a:xfrm rot="17417403">
-            <a:off x="6967987" y="4144610"/>
+            <a:off x="6821668" y="4786635"/>
             <a:ext cx="122598" cy="95222"/>
           </a:xfrm>
           <a:prstGeom prst="hexagon">
@@ -7995,7 +14419,7 @@
         </p:nvSpPr>
         <p:spPr>
           <a:xfrm rot="17417403">
-            <a:off x="6892167" y="4212391"/>
+            <a:off x="6745848" y="4854416"/>
             <a:ext cx="122598" cy="95222"/>
           </a:xfrm>
           <a:prstGeom prst="hexagon">
@@ -8044,7 +14468,7 @@
         </p:nvSpPr>
         <p:spPr>
           <a:xfrm rot="17417403">
-            <a:off x="6882749" y="4108752"/>
+            <a:off x="6736430" y="4750777"/>
             <a:ext cx="118247" cy="97664"/>
           </a:xfrm>
           <a:prstGeom prst="hexagon">
@@ -8091,7 +14515,7 @@
         </p:nvSpPr>
         <p:spPr>
           <a:xfrm rot="17417403">
-            <a:off x="6956102" y="4039461"/>
+            <a:off x="6809783" y="4681486"/>
             <a:ext cx="122598" cy="95222"/>
           </a:xfrm>
           <a:prstGeom prst="hexagon">
@@ -8140,7 +14564,7 @@
         </p:nvSpPr>
         <p:spPr>
           <a:xfrm rot="17417403">
-            <a:off x="6981480" y="4245412"/>
+            <a:off x="6835161" y="4887437"/>
             <a:ext cx="122598" cy="95222"/>
           </a:xfrm>
           <a:prstGeom prst="hexagon">
@@ -8189,7 +14613,7 @@
         </p:nvSpPr>
         <p:spPr>
           <a:xfrm rot="17417403">
-            <a:off x="6866788" y="4006441"/>
+            <a:off x="6720469" y="4648466"/>
             <a:ext cx="122598" cy="95222"/>
           </a:xfrm>
           <a:prstGeom prst="hexagon">
@@ -8238,7 +14662,7 @@
         </p:nvSpPr>
         <p:spPr>
           <a:xfrm rot="17417403">
-            <a:off x="6944216" y="3934312"/>
+            <a:off x="6797897" y="4576337"/>
             <a:ext cx="122598" cy="95222"/>
           </a:xfrm>
           <a:prstGeom prst="hexagon">
@@ -8287,7 +14711,7 @@
         </p:nvSpPr>
         <p:spPr>
           <a:xfrm rot="17417403">
-            <a:off x="7109349" y="3899551"/>
+            <a:off x="6963030" y="4541576"/>
             <a:ext cx="122598" cy="95222"/>
           </a:xfrm>
           <a:prstGeom prst="hexagon">
@@ -8336,7 +14760,7 @@
         </p:nvSpPr>
         <p:spPr>
           <a:xfrm rot="17417403">
-            <a:off x="7033529" y="3967333"/>
+            <a:off x="6887210" y="4609358"/>
             <a:ext cx="122598" cy="95222"/>
           </a:xfrm>
           <a:prstGeom prst="hexagon">
@@ -8385,7 +14809,7 @@
         </p:nvSpPr>
         <p:spPr>
           <a:xfrm rot="17417403">
-            <a:off x="7024111" y="3863693"/>
+            <a:off x="6877792" y="4505718"/>
             <a:ext cx="118247" cy="97664"/>
           </a:xfrm>
           <a:prstGeom prst="hexagon">
@@ -8432,7 +14856,7 @@
         </p:nvSpPr>
         <p:spPr>
           <a:xfrm rot="17417403">
-            <a:off x="6930723" y="3833511"/>
+            <a:off x="6784404" y="4475536"/>
             <a:ext cx="122598" cy="95222"/>
           </a:xfrm>
           <a:prstGeom prst="hexagon">
@@ -8481,7 +14905,7 @@
         </p:nvSpPr>
         <p:spPr>
           <a:xfrm rot="17417403">
-            <a:off x="7006543" y="3765730"/>
+            <a:off x="6860224" y="4407755"/>
             <a:ext cx="122598" cy="95222"/>
           </a:xfrm>
           <a:prstGeom prst="hexagon">
@@ -8530,7 +14954,7 @@
         </p:nvSpPr>
         <p:spPr>
           <a:xfrm rot="17417403">
-            <a:off x="7095856" y="3798750"/>
+            <a:off x="6949537" y="4440775"/>
             <a:ext cx="122598" cy="95222"/>
           </a:xfrm>
           <a:prstGeom prst="hexagon">
@@ -8579,7 +15003,7 @@
         </p:nvSpPr>
         <p:spPr>
           <a:xfrm rot="17417403">
-            <a:off x="7045366" y="4072615"/>
+            <a:off x="6899047" y="4714640"/>
             <a:ext cx="122598" cy="95222"/>
           </a:xfrm>
           <a:prstGeom prst="hexagon">
@@ -8628,7 +15052,7 @@
         </p:nvGrpSpPr>
         <p:grpSpPr>
           <a:xfrm rot="17417403">
-            <a:off x="7004382" y="3566548"/>
+            <a:off x="6858063" y="4208573"/>
             <a:ext cx="305313" cy="285666"/>
             <a:chOff x="8625373" y="1304731"/>
             <a:chExt cx="2509545" cy="2729200"/>
@@ -8885,7 +15309,7 @@
         </p:nvSpPr>
         <p:spPr>
           <a:xfrm rot="1217403">
-            <a:off x="7043783" y="3624414"/>
+            <a:off x="6897464" y="4266439"/>
             <a:ext cx="263448" cy="55242"/>
           </a:xfrm>
           <a:prstGeom prst="trapezoid">
@@ -8933,7 +15357,7 @@
         </p:nvSpPr>
         <p:spPr>
           <a:xfrm rot="17417403">
-            <a:off x="7286655" y="4690682"/>
+            <a:off x="7140336" y="5332707"/>
             <a:ext cx="122598" cy="95222"/>
           </a:xfrm>
           <a:prstGeom prst="hexagon">
@@ -8982,7 +15406,7 @@
         </p:nvSpPr>
         <p:spPr>
           <a:xfrm rot="17417403">
-            <a:off x="7450875" y="4653465"/>
+            <a:off x="7304556" y="5295490"/>
             <a:ext cx="122598" cy="95222"/>
           </a:xfrm>
           <a:prstGeom prst="hexagon">
@@ -9031,7 +15455,7 @@
         </p:nvSpPr>
         <p:spPr>
           <a:xfrm rot="17417403">
-            <a:off x="7375968" y="4723702"/>
+            <a:off x="7229649" y="5365727"/>
             <a:ext cx="122598" cy="95222"/>
           </a:xfrm>
           <a:prstGeom prst="hexagon">
@@ -9080,7 +15504,7 @@
         </p:nvSpPr>
         <p:spPr>
           <a:xfrm rot="17417403">
-            <a:off x="7361562" y="4620445"/>
+            <a:off x="7215243" y="5262470"/>
             <a:ext cx="122598" cy="95222"/>
           </a:xfrm>
           <a:prstGeom prst="hexagon">
@@ -9127,7 +15551,7 @@
         </p:nvSpPr>
         <p:spPr>
           <a:xfrm rot="17417403">
-            <a:off x="7438301" y="4550179"/>
+            <a:off x="7291982" y="5192204"/>
             <a:ext cx="122598" cy="95222"/>
           </a:xfrm>
           <a:prstGeom prst="hexagon">
@@ -9176,7 +15600,7 @@
         </p:nvSpPr>
         <p:spPr>
           <a:xfrm rot="17417403">
-            <a:off x="7272249" y="4587425"/>
+            <a:off x="7125930" y="5229450"/>
             <a:ext cx="122598" cy="95222"/>
           </a:xfrm>
           <a:prstGeom prst="hexagon">
@@ -9225,7 +15649,7 @@
         </p:nvSpPr>
         <p:spPr>
           <a:xfrm rot="17417403">
-            <a:off x="7348987" y="4517159"/>
+            <a:off x="7202668" y="5159184"/>
             <a:ext cx="122598" cy="95222"/>
           </a:xfrm>
           <a:prstGeom prst="hexagon">
@@ -9274,7 +15698,7 @@
         </p:nvSpPr>
         <p:spPr>
           <a:xfrm rot="17417403">
-            <a:off x="7337102" y="4412010"/>
+            <a:off x="7190783" y="5054035"/>
             <a:ext cx="122598" cy="95222"/>
           </a:xfrm>
           <a:prstGeom prst="hexagon">
@@ -9323,7 +15747,7 @@
         </p:nvSpPr>
         <p:spPr>
           <a:xfrm rot="17417403">
-            <a:off x="7502235" y="4377249"/>
+            <a:off x="7355916" y="5019274"/>
             <a:ext cx="122598" cy="95222"/>
           </a:xfrm>
           <a:prstGeom prst="hexagon">
@@ -9372,7 +15796,7 @@
         </p:nvSpPr>
         <p:spPr>
           <a:xfrm rot="17417403">
-            <a:off x="7426415" y="4445030"/>
+            <a:off x="7280096" y="5087055"/>
             <a:ext cx="122598" cy="95222"/>
           </a:xfrm>
           <a:prstGeom prst="hexagon">
@@ -9421,7 +15845,7 @@
         </p:nvSpPr>
         <p:spPr>
           <a:xfrm rot="17417403">
-            <a:off x="7416997" y="4341391"/>
+            <a:off x="7270678" y="4983416"/>
             <a:ext cx="118247" cy="97664"/>
           </a:xfrm>
           <a:prstGeom prst="hexagon">
@@ -9468,7 +15892,7 @@
         </p:nvSpPr>
         <p:spPr>
           <a:xfrm rot="17417403">
-            <a:off x="7490350" y="4272100"/>
+            <a:off x="7344031" y="4914125"/>
             <a:ext cx="122598" cy="95222"/>
           </a:xfrm>
           <a:prstGeom prst="hexagon">
@@ -9517,7 +15941,7 @@
         </p:nvSpPr>
         <p:spPr>
           <a:xfrm rot="17417403">
-            <a:off x="7515728" y="4478051"/>
+            <a:off x="7369409" y="5120076"/>
             <a:ext cx="122598" cy="95222"/>
           </a:xfrm>
           <a:prstGeom prst="hexagon">
@@ -9566,7 +15990,7 @@
         </p:nvSpPr>
         <p:spPr>
           <a:xfrm rot="17417403">
-            <a:off x="7401036" y="4239080"/>
+            <a:off x="7254717" y="4881105"/>
             <a:ext cx="122598" cy="95222"/>
           </a:xfrm>
           <a:prstGeom prst="hexagon">
@@ -9615,7 +16039,7 @@
         </p:nvSpPr>
         <p:spPr>
           <a:xfrm rot="17417403">
-            <a:off x="7478464" y="4166951"/>
+            <a:off x="7332145" y="4808976"/>
             <a:ext cx="122598" cy="95222"/>
           </a:xfrm>
           <a:prstGeom prst="hexagon">
@@ -9664,7 +16088,7 @@
         </p:nvSpPr>
         <p:spPr>
           <a:xfrm rot="17417403">
-            <a:off x="7643597" y="4132190"/>
+            <a:off x="7497278" y="4774215"/>
             <a:ext cx="122598" cy="95222"/>
           </a:xfrm>
           <a:prstGeom prst="hexagon">
@@ -9713,7 +16137,7 @@
         </p:nvSpPr>
         <p:spPr>
           <a:xfrm rot="17417403">
-            <a:off x="7567777" y="4199972"/>
+            <a:off x="7421458" y="4841997"/>
             <a:ext cx="122598" cy="95222"/>
           </a:xfrm>
           <a:prstGeom prst="hexagon">
@@ -9762,7 +16186,7 @@
         </p:nvSpPr>
         <p:spPr>
           <a:xfrm rot="17417403">
-            <a:off x="7558359" y="4096332"/>
+            <a:off x="7412040" y="4738357"/>
             <a:ext cx="118247" cy="97664"/>
           </a:xfrm>
           <a:prstGeom prst="hexagon">
@@ -9809,7 +16233,7 @@
         </p:nvSpPr>
         <p:spPr>
           <a:xfrm rot="17417403">
-            <a:off x="7464971" y="4066150"/>
+            <a:off x="7318652" y="4708175"/>
             <a:ext cx="122598" cy="95222"/>
           </a:xfrm>
           <a:prstGeom prst="hexagon">
@@ -9858,7 +16282,7 @@
         </p:nvSpPr>
         <p:spPr>
           <a:xfrm rot="17417403">
-            <a:off x="7540791" y="3998369"/>
+            <a:off x="7394472" y="4640394"/>
             <a:ext cx="122598" cy="95222"/>
           </a:xfrm>
           <a:prstGeom prst="hexagon">
@@ -9907,7 +16331,7 @@
         </p:nvSpPr>
         <p:spPr>
           <a:xfrm rot="17417403">
-            <a:off x="7630104" y="4031389"/>
+            <a:off x="7483785" y="4673414"/>
             <a:ext cx="122598" cy="95222"/>
           </a:xfrm>
           <a:prstGeom prst="hexagon">
@@ -9956,7 +16380,7 @@
         </p:nvSpPr>
         <p:spPr>
           <a:xfrm rot="17417403">
-            <a:off x="7579614" y="4305254"/>
+            <a:off x="7433295" y="4947279"/>
             <a:ext cx="122598" cy="95222"/>
           </a:xfrm>
           <a:prstGeom prst="hexagon">
@@ -10005,7 +16429,7 @@
         </p:nvGrpSpPr>
         <p:grpSpPr>
           <a:xfrm rot="17417403">
-            <a:off x="7538630" y="3799187"/>
+            <a:off x="7392311" y="4441212"/>
             <a:ext cx="305313" cy="285666"/>
             <a:chOff x="8625373" y="1304731"/>
             <a:chExt cx="2509545" cy="2729200"/>
@@ -10262,7 +16686,7 @@
         </p:nvSpPr>
         <p:spPr>
           <a:xfrm rot="1217403">
-            <a:off x="7578031" y="3857053"/>
+            <a:off x="7431712" y="4499078"/>
             <a:ext cx="263448" cy="55242"/>
           </a:xfrm>
           <a:prstGeom prst="trapezoid">
@@ -10296,6 +16720,41 @@
           </a:p>
         </p:txBody>
       </p:sp>
+      <p:sp>
+        <p:nvSpPr>
+          <p:cNvPr id="2" name="TextBox 1">
+            <a:extLst>
+              <a:ext uri="{FF2B5EF4-FFF2-40B4-BE49-F238E27FC236}">
+                <a16:creationId xmlns:a16="http://schemas.microsoft.com/office/drawing/2014/main" id="{2840C3AD-36EC-4B2A-99DE-F9162545BFA8}"/>
+              </a:ext>
+            </a:extLst>
+          </p:cNvPr>
+          <p:cNvSpPr txBox="1"/>
+          <p:nvPr/>
+        </p:nvSpPr>
+        <p:spPr>
+          <a:xfrm>
+            <a:off x="4067045" y="262563"/>
+            <a:ext cx="3629520" cy="369332"/>
+          </a:xfrm>
+          <a:prstGeom prst="rect">
+            <a:avLst/>
+          </a:prstGeom>
+          <a:noFill/>
+        </p:spPr>
+        <p:txBody>
+          <a:bodyPr wrap="none" rtlCol="0">
+            <a:spAutoFit/>
+          </a:bodyPr>
+          <a:lstStyle/>
+          <a:p>
+            <a:r>
+              <a:rPr lang="en-US" dirty="0"/>
+              <a:t>From your Home to your Destination</a:t>
+            </a:r>
+          </a:p>
+        </p:txBody>
+      </p:sp>
     </p:spTree>
     <p:extLst>
       <p:ext uri="{BB962C8B-B14F-4D97-AF65-F5344CB8AC3E}">
@@ -10309,7 +16768,7 @@
 </p:sld>
 </file>
 
-<file path=ppt/slides/slide2.xml><?xml version="1.0" encoding="utf-8"?>
+<file path=ppt/slides/slide6.xml><?xml version="1.0" encoding="utf-8"?>
 <p:sld xmlns:a="http://schemas.openxmlformats.org/drawingml/2006/main" xmlns:r="http://schemas.openxmlformats.org/officeDocument/2006/relationships" xmlns:p="http://schemas.openxmlformats.org/presentationml/2006/main">
   <p:cSld>
     <p:spTree>
@@ -10328,1385 +16787,44 @@
       </p:grpSpPr>
       <p:sp>
         <p:nvSpPr>
-          <p:cNvPr id="4" name="Hexagon 3">
-            <a:extLst>
-              <a:ext uri="{FF2B5EF4-FFF2-40B4-BE49-F238E27FC236}">
-                <a16:creationId xmlns:a16="http://schemas.microsoft.com/office/drawing/2014/main" id="{53D5F592-4544-4C16-9950-862CD5E2A5C0}"/>
-              </a:ext>
-            </a:extLst>
-          </p:cNvPr>
-          <p:cNvSpPr/>
+          <p:cNvPr id="2" name="TextBox 1">
+            <a:extLst>
+              <a:ext uri="{FF2B5EF4-FFF2-40B4-BE49-F238E27FC236}">
+                <a16:creationId xmlns:a16="http://schemas.microsoft.com/office/drawing/2014/main" id="{47064059-34FF-43E0-B5A2-C250C5169D9F}"/>
+              </a:ext>
+            </a:extLst>
+          </p:cNvPr>
+          <p:cNvSpPr txBox="1"/>
           <p:nvPr/>
         </p:nvSpPr>
         <p:spPr>
           <a:xfrm>
-            <a:off x="1280627" y="1539545"/>
-            <a:ext cx="1007706" cy="909734"/>
-          </a:xfrm>
-          <a:prstGeom prst="hexagon">
-            <a:avLst>
-              <a:gd name="adj" fmla="val 26489"/>
-              <a:gd name="vf" fmla="val 115470"/>
-            </a:avLst>
+            <a:off x="4231533" y="603115"/>
+            <a:ext cx="2334638" cy="461665"/>
+          </a:xfrm>
+          <a:prstGeom prst="rect">
+            <a:avLst/>
           </a:prstGeom>
-        </p:spPr>
-        <p:style>
-          <a:lnRef idx="2">
-            <a:schemeClr val="accent4">
-              <a:shade val="50000"/>
-            </a:schemeClr>
-          </a:lnRef>
-          <a:fillRef idx="1">
-            <a:schemeClr val="accent4"/>
-          </a:fillRef>
-          <a:effectRef idx="0">
-            <a:schemeClr val="accent4"/>
-          </a:effectRef>
-          <a:fontRef idx="minor">
-            <a:schemeClr val="lt1"/>
-          </a:fontRef>
-        </p:style>
-        <p:txBody>
-          <a:bodyPr rtlCol="0" anchor="ctr"/>
+          <a:noFill/>
+        </p:spPr>
+        <p:txBody>
+          <a:bodyPr wrap="square" rtlCol="0">
+            <a:spAutoFit/>
+          </a:bodyPr>
           <a:lstStyle/>
           <a:p>
             <a:pPr algn="ctr"/>
-            <a:endParaRPr lang="en-US"/>
-          </a:p>
-        </p:txBody>
-      </p:sp>
-      <p:sp>
-        <p:nvSpPr>
-          <p:cNvPr id="5" name="Hexagon 4">
-            <a:extLst>
-              <a:ext uri="{FF2B5EF4-FFF2-40B4-BE49-F238E27FC236}">
-                <a16:creationId xmlns:a16="http://schemas.microsoft.com/office/drawing/2014/main" id="{19CBAA73-F4ED-48C3-A07A-5216E65904FA}"/>
-              </a:ext>
-            </a:extLst>
-          </p:cNvPr>
-          <p:cNvSpPr/>
-          <p:nvPr/>
-        </p:nvSpPr>
-        <p:spPr>
-          <a:xfrm>
-            <a:off x="2035629" y="2887824"/>
-            <a:ext cx="1007706" cy="909734"/>
-          </a:xfrm>
-          <a:prstGeom prst="hexagon">
-            <a:avLst>
-              <a:gd name="adj" fmla="val 26489"/>
-              <a:gd name="vf" fmla="val 115470"/>
-            </a:avLst>
-          </a:prstGeom>
-        </p:spPr>
-        <p:style>
-          <a:lnRef idx="2">
-            <a:schemeClr val="accent6">
-              <a:shade val="50000"/>
-            </a:schemeClr>
-          </a:lnRef>
-          <a:fillRef idx="1">
-            <a:schemeClr val="accent6"/>
-          </a:fillRef>
-          <a:effectRef idx="0">
-            <a:schemeClr val="accent6"/>
-          </a:effectRef>
-          <a:fontRef idx="minor">
-            <a:schemeClr val="lt1"/>
-          </a:fontRef>
-        </p:style>
-        <p:txBody>
-          <a:bodyPr rtlCol="0" anchor="ctr"/>
-          <a:lstStyle/>
-          <a:p>
-            <a:pPr algn="ctr"/>
-            <a:endParaRPr lang="en-US"/>
-          </a:p>
-        </p:txBody>
-      </p:sp>
-      <p:sp>
-        <p:nvSpPr>
-          <p:cNvPr id="6" name="Hexagon 5">
-            <a:extLst>
-              <a:ext uri="{FF2B5EF4-FFF2-40B4-BE49-F238E27FC236}">
-                <a16:creationId xmlns:a16="http://schemas.microsoft.com/office/drawing/2014/main" id="{ED619FE3-D763-421D-A62E-5F963D1A8DDF}"/>
-              </a:ext>
-            </a:extLst>
-          </p:cNvPr>
-          <p:cNvSpPr/>
-          <p:nvPr/>
-        </p:nvSpPr>
-        <p:spPr>
-          <a:xfrm>
-            <a:off x="1280627" y="2449279"/>
-            <a:ext cx="1007706" cy="909734"/>
-          </a:xfrm>
-          <a:prstGeom prst="hexagon">
-            <a:avLst>
-              <a:gd name="adj" fmla="val 26489"/>
-              <a:gd name="vf" fmla="val 115470"/>
-            </a:avLst>
-          </a:prstGeom>
-        </p:spPr>
-        <p:style>
-          <a:lnRef idx="2">
-            <a:schemeClr val="accent1">
-              <a:shade val="50000"/>
-            </a:schemeClr>
-          </a:lnRef>
-          <a:fillRef idx="1">
-            <a:schemeClr val="accent1"/>
-          </a:fillRef>
-          <a:effectRef idx="0">
-            <a:schemeClr val="accent1"/>
-          </a:effectRef>
-          <a:fontRef idx="minor">
-            <a:schemeClr val="lt1"/>
-          </a:fontRef>
-        </p:style>
-        <p:txBody>
-          <a:bodyPr rtlCol="0" anchor="ctr"/>
-          <a:lstStyle/>
-          <a:p>
-            <a:pPr algn="ctr"/>
-            <a:endParaRPr lang="en-US"/>
-          </a:p>
-        </p:txBody>
-      </p:sp>
-      <p:sp>
-        <p:nvSpPr>
-          <p:cNvPr id="7" name="Hexagon 6">
-            <a:extLst>
-              <a:ext uri="{FF2B5EF4-FFF2-40B4-BE49-F238E27FC236}">
-                <a16:creationId xmlns:a16="http://schemas.microsoft.com/office/drawing/2014/main" id="{11E0F4D6-AA17-46F9-AE1B-3C355E52C9F1}"/>
-              </a:ext>
-            </a:extLst>
-          </p:cNvPr>
-          <p:cNvSpPr/>
-          <p:nvPr/>
-        </p:nvSpPr>
-        <p:spPr>
-          <a:xfrm>
-            <a:off x="2035629" y="1978087"/>
-            <a:ext cx="1007706" cy="909735"/>
-          </a:xfrm>
-          <a:prstGeom prst="hexagon">
-            <a:avLst>
-              <a:gd name="adj" fmla="val 26489"/>
-              <a:gd name="vf" fmla="val 115470"/>
-            </a:avLst>
-          </a:prstGeom>
-        </p:spPr>
-        <p:style>
-          <a:lnRef idx="1">
-            <a:schemeClr val="accent6"/>
-          </a:lnRef>
-          <a:fillRef idx="2">
-            <a:schemeClr val="accent6"/>
-          </a:fillRef>
-          <a:effectRef idx="1">
-            <a:schemeClr val="accent6"/>
-          </a:effectRef>
-          <a:fontRef idx="minor">
-            <a:schemeClr val="dk1"/>
-          </a:fontRef>
-        </p:style>
-        <p:txBody>
-          <a:bodyPr rtlCol="0" anchor="ctr"/>
-          <a:lstStyle/>
-          <a:p>
-            <a:pPr algn="ctr"/>
-            <a:endParaRPr lang="en-US"/>
-          </a:p>
-        </p:txBody>
-      </p:sp>
-      <p:sp>
-        <p:nvSpPr>
-          <p:cNvPr id="8" name="Hexagon 7">
-            <a:extLst>
-              <a:ext uri="{FF2B5EF4-FFF2-40B4-BE49-F238E27FC236}">
-                <a16:creationId xmlns:a16="http://schemas.microsoft.com/office/drawing/2014/main" id="{98C51DA1-DA50-4915-A20E-9858608499DE}"/>
-              </a:ext>
-            </a:extLst>
-          </p:cNvPr>
-          <p:cNvSpPr/>
-          <p:nvPr/>
-        </p:nvSpPr>
-        <p:spPr>
-          <a:xfrm>
-            <a:off x="2796075" y="2432957"/>
-            <a:ext cx="1007706" cy="909734"/>
-          </a:xfrm>
-          <a:prstGeom prst="hexagon">
-            <a:avLst>
-              <a:gd name="adj" fmla="val 26489"/>
-              <a:gd name="vf" fmla="val 115470"/>
-            </a:avLst>
-          </a:prstGeom>
-        </p:spPr>
-        <p:style>
-          <a:lnRef idx="2">
-            <a:schemeClr val="accent3">
-              <a:shade val="50000"/>
-            </a:schemeClr>
-          </a:lnRef>
-          <a:fillRef idx="1">
-            <a:schemeClr val="accent3"/>
-          </a:fillRef>
-          <a:effectRef idx="0">
-            <a:schemeClr val="accent3"/>
-          </a:effectRef>
-          <a:fontRef idx="minor">
-            <a:schemeClr val="lt1"/>
-          </a:fontRef>
-        </p:style>
-        <p:txBody>
-          <a:bodyPr rtlCol="0" anchor="ctr"/>
-          <a:lstStyle/>
-          <a:p>
-            <a:pPr algn="ctr"/>
-            <a:endParaRPr lang="en-US"/>
-          </a:p>
-        </p:txBody>
-      </p:sp>
-      <p:sp>
-        <p:nvSpPr>
-          <p:cNvPr id="9" name="Hexagon 8">
-            <a:extLst>
-              <a:ext uri="{FF2B5EF4-FFF2-40B4-BE49-F238E27FC236}">
-                <a16:creationId xmlns:a16="http://schemas.microsoft.com/office/drawing/2014/main" id="{66E891FB-4727-49C9-9268-A027B961BFCE}"/>
-              </a:ext>
-            </a:extLst>
-          </p:cNvPr>
-          <p:cNvSpPr/>
-          <p:nvPr/>
-        </p:nvSpPr>
-        <p:spPr>
-          <a:xfrm>
-            <a:off x="2035629" y="1068356"/>
-            <a:ext cx="1007706" cy="909734"/>
-          </a:xfrm>
-          <a:prstGeom prst="hexagon">
-            <a:avLst>
-              <a:gd name="adj" fmla="val 26489"/>
-              <a:gd name="vf" fmla="val 115470"/>
-            </a:avLst>
-          </a:prstGeom>
-        </p:spPr>
-        <p:style>
-          <a:lnRef idx="2">
-            <a:schemeClr val="accent2">
-              <a:shade val="50000"/>
-            </a:schemeClr>
-          </a:lnRef>
-          <a:fillRef idx="1">
-            <a:schemeClr val="accent2"/>
-          </a:fillRef>
-          <a:effectRef idx="0">
-            <a:schemeClr val="accent2"/>
-          </a:effectRef>
-          <a:fontRef idx="minor">
-            <a:schemeClr val="lt1"/>
-          </a:fontRef>
-        </p:style>
-        <p:txBody>
-          <a:bodyPr rtlCol="0" anchor="ctr"/>
-          <a:lstStyle/>
-          <a:p>
-            <a:pPr algn="ctr"/>
-            <a:endParaRPr lang="en-US"/>
-          </a:p>
-        </p:txBody>
-      </p:sp>
-      <p:sp>
-        <p:nvSpPr>
-          <p:cNvPr id="10" name="Hexagon 9">
-            <a:extLst>
-              <a:ext uri="{FF2B5EF4-FFF2-40B4-BE49-F238E27FC236}">
-                <a16:creationId xmlns:a16="http://schemas.microsoft.com/office/drawing/2014/main" id="{EA906CEE-7727-4FCC-98F6-7D055BA9D02B}"/>
-              </a:ext>
-            </a:extLst>
-          </p:cNvPr>
-          <p:cNvSpPr/>
-          <p:nvPr/>
-        </p:nvSpPr>
-        <p:spPr>
-          <a:xfrm>
-            <a:off x="2796075" y="1523223"/>
-            <a:ext cx="1007706" cy="909734"/>
-          </a:xfrm>
-          <a:prstGeom prst="hexagon">
-            <a:avLst>
-              <a:gd name="adj" fmla="val 26489"/>
-              <a:gd name="vf" fmla="val 115470"/>
-            </a:avLst>
-          </a:prstGeom>
-        </p:spPr>
-        <p:style>
-          <a:lnRef idx="2">
-            <a:schemeClr val="accent1">
-              <a:shade val="50000"/>
-            </a:schemeClr>
-          </a:lnRef>
-          <a:fillRef idx="1">
-            <a:schemeClr val="accent1"/>
-          </a:fillRef>
-          <a:effectRef idx="0">
-            <a:schemeClr val="accent1"/>
-          </a:effectRef>
-          <a:fontRef idx="minor">
-            <a:schemeClr val="lt1"/>
-          </a:fontRef>
-        </p:style>
-        <p:txBody>
-          <a:bodyPr rtlCol="0" anchor="ctr"/>
-          <a:lstStyle/>
-          <a:p>
-            <a:pPr algn="ctr"/>
-            <a:endParaRPr lang="en-US"/>
-          </a:p>
-        </p:txBody>
-      </p:sp>
-      <p:sp>
-        <p:nvSpPr>
-          <p:cNvPr id="12" name="Hexagon 11">
-            <a:extLst>
-              <a:ext uri="{FF2B5EF4-FFF2-40B4-BE49-F238E27FC236}">
-                <a16:creationId xmlns:a16="http://schemas.microsoft.com/office/drawing/2014/main" id="{FFCC14F3-992B-4E69-BC84-2049F4D73C39}"/>
-              </a:ext>
-            </a:extLst>
-          </p:cNvPr>
-          <p:cNvSpPr/>
-          <p:nvPr/>
-        </p:nvSpPr>
-        <p:spPr>
-          <a:xfrm>
-            <a:off x="3572848" y="1068355"/>
-            <a:ext cx="1007706" cy="909734"/>
-          </a:xfrm>
-          <a:prstGeom prst="hexagon">
-            <a:avLst>
-              <a:gd name="adj" fmla="val 26489"/>
-              <a:gd name="vf" fmla="val 115470"/>
-            </a:avLst>
-          </a:prstGeom>
-        </p:spPr>
-        <p:style>
-          <a:lnRef idx="2">
-            <a:schemeClr val="accent4">
-              <a:shade val="50000"/>
-            </a:schemeClr>
-          </a:lnRef>
-          <a:fillRef idx="1">
-            <a:schemeClr val="accent4"/>
-          </a:fillRef>
-          <a:effectRef idx="0">
-            <a:schemeClr val="accent4"/>
-          </a:effectRef>
-          <a:fontRef idx="minor">
-            <a:schemeClr val="lt1"/>
-          </a:fontRef>
-        </p:style>
-        <p:txBody>
-          <a:bodyPr rtlCol="0" anchor="ctr"/>
-          <a:lstStyle/>
-          <a:p>
-            <a:pPr algn="ctr"/>
-            <a:endParaRPr lang="en-US"/>
-          </a:p>
-        </p:txBody>
-      </p:sp>
-      <p:sp>
-        <p:nvSpPr>
-          <p:cNvPr id="13" name="Hexagon 12">
-            <a:extLst>
-              <a:ext uri="{FF2B5EF4-FFF2-40B4-BE49-F238E27FC236}">
-                <a16:creationId xmlns:a16="http://schemas.microsoft.com/office/drawing/2014/main" id="{CC4374CE-A328-4E2D-A423-4A3B0C6098EC}"/>
-              </a:ext>
-            </a:extLst>
-          </p:cNvPr>
-          <p:cNvSpPr/>
-          <p:nvPr/>
-        </p:nvSpPr>
-        <p:spPr>
-          <a:xfrm>
-            <a:off x="4311522" y="2432956"/>
-            <a:ext cx="1007706" cy="909734"/>
-          </a:xfrm>
-          <a:prstGeom prst="hexagon">
-            <a:avLst>
-              <a:gd name="adj" fmla="val 26489"/>
-              <a:gd name="vf" fmla="val 115470"/>
-            </a:avLst>
-          </a:prstGeom>
-        </p:spPr>
-        <p:style>
-          <a:lnRef idx="2">
-            <a:schemeClr val="accent6">
-              <a:shade val="50000"/>
-            </a:schemeClr>
-          </a:lnRef>
-          <a:fillRef idx="1">
-            <a:schemeClr val="accent6"/>
-          </a:fillRef>
-          <a:effectRef idx="0">
-            <a:schemeClr val="accent6"/>
-          </a:effectRef>
-          <a:fontRef idx="minor">
-            <a:schemeClr val="lt1"/>
-          </a:fontRef>
-        </p:style>
-        <p:txBody>
-          <a:bodyPr rtlCol="0" anchor="ctr"/>
-          <a:lstStyle/>
-          <a:p>
-            <a:pPr algn="ctr"/>
-            <a:endParaRPr lang="en-US"/>
-          </a:p>
-        </p:txBody>
-      </p:sp>
-      <p:sp>
-        <p:nvSpPr>
-          <p:cNvPr id="14" name="Hexagon 13">
-            <a:extLst>
-              <a:ext uri="{FF2B5EF4-FFF2-40B4-BE49-F238E27FC236}">
-                <a16:creationId xmlns:a16="http://schemas.microsoft.com/office/drawing/2014/main" id="{75503182-15AC-4E0F-A0CB-F2107D35AC36}"/>
-              </a:ext>
-            </a:extLst>
-          </p:cNvPr>
-          <p:cNvSpPr/>
-          <p:nvPr/>
-        </p:nvSpPr>
-        <p:spPr>
-          <a:xfrm>
-            <a:off x="3572848" y="1978089"/>
-            <a:ext cx="1007706" cy="909734"/>
-          </a:xfrm>
-          <a:prstGeom prst="hexagon">
-            <a:avLst>
-              <a:gd name="adj" fmla="val 26489"/>
-              <a:gd name="vf" fmla="val 115470"/>
-            </a:avLst>
-          </a:prstGeom>
-        </p:spPr>
-        <p:style>
-          <a:lnRef idx="2">
-            <a:schemeClr val="accent1">
-              <a:shade val="50000"/>
-            </a:schemeClr>
-          </a:lnRef>
-          <a:fillRef idx="1">
-            <a:schemeClr val="accent1"/>
-          </a:fillRef>
-          <a:effectRef idx="0">
-            <a:schemeClr val="accent1"/>
-          </a:effectRef>
-          <a:fontRef idx="minor">
-            <a:schemeClr val="lt1"/>
-          </a:fontRef>
-        </p:style>
-        <p:txBody>
-          <a:bodyPr rtlCol="0" anchor="ctr"/>
-          <a:lstStyle/>
-          <a:p>
-            <a:pPr algn="ctr"/>
-            <a:endParaRPr lang="en-US"/>
-          </a:p>
-        </p:txBody>
-      </p:sp>
-      <p:sp>
-        <p:nvSpPr>
-          <p:cNvPr id="15" name="Hexagon 14">
-            <a:extLst>
-              <a:ext uri="{FF2B5EF4-FFF2-40B4-BE49-F238E27FC236}">
-                <a16:creationId xmlns:a16="http://schemas.microsoft.com/office/drawing/2014/main" id="{C0B9A111-740C-4421-B4F3-80820BD8F9D7}"/>
-              </a:ext>
-            </a:extLst>
-          </p:cNvPr>
-          <p:cNvSpPr/>
-          <p:nvPr/>
-        </p:nvSpPr>
-        <p:spPr>
-          <a:xfrm>
-            <a:off x="4347288" y="1523221"/>
-            <a:ext cx="971939" cy="933061"/>
-          </a:xfrm>
-          <a:prstGeom prst="hexagon">
-            <a:avLst>
-              <a:gd name="adj" fmla="val 26489"/>
-              <a:gd name="vf" fmla="val 115470"/>
-            </a:avLst>
-          </a:prstGeom>
-        </p:spPr>
-        <p:style>
-          <a:lnRef idx="1">
-            <a:schemeClr val="accent6"/>
-          </a:lnRef>
-          <a:fillRef idx="2">
-            <a:schemeClr val="accent6"/>
-          </a:fillRef>
-          <a:effectRef idx="1">
-            <a:schemeClr val="accent6"/>
-          </a:effectRef>
-          <a:fontRef idx="minor">
-            <a:schemeClr val="dk1"/>
-          </a:fontRef>
-        </p:style>
-        <p:txBody>
-          <a:bodyPr rtlCol="0" anchor="ctr"/>
-          <a:lstStyle/>
-          <a:p>
-            <a:pPr algn="ctr"/>
-            <a:endParaRPr lang="en-US"/>
-          </a:p>
-        </p:txBody>
-      </p:sp>
-      <p:sp>
-        <p:nvSpPr>
-          <p:cNvPr id="16" name="Hexagon 15">
-            <a:extLst>
-              <a:ext uri="{FF2B5EF4-FFF2-40B4-BE49-F238E27FC236}">
-                <a16:creationId xmlns:a16="http://schemas.microsoft.com/office/drawing/2014/main" id="{D605EAED-A8E2-46E5-8859-4E866154B6CA}"/>
-              </a:ext>
-            </a:extLst>
-          </p:cNvPr>
-          <p:cNvSpPr/>
-          <p:nvPr/>
-        </p:nvSpPr>
-        <p:spPr>
-          <a:xfrm>
-            <a:off x="5088294" y="1978089"/>
-            <a:ext cx="1007706" cy="909734"/>
-          </a:xfrm>
-          <a:prstGeom prst="hexagon">
-            <a:avLst>
-              <a:gd name="adj" fmla="val 26489"/>
-              <a:gd name="vf" fmla="val 115470"/>
-            </a:avLst>
-          </a:prstGeom>
-        </p:spPr>
-        <p:style>
-          <a:lnRef idx="2">
-            <a:schemeClr val="accent3">
-              <a:shade val="50000"/>
-            </a:schemeClr>
-          </a:lnRef>
-          <a:fillRef idx="1">
-            <a:schemeClr val="accent3"/>
-          </a:fillRef>
-          <a:effectRef idx="0">
-            <a:schemeClr val="accent3"/>
-          </a:effectRef>
-          <a:fontRef idx="minor">
-            <a:schemeClr val="lt1"/>
-          </a:fontRef>
-        </p:style>
-        <p:txBody>
-          <a:bodyPr rtlCol="0" anchor="ctr"/>
-          <a:lstStyle/>
-          <a:p>
-            <a:pPr algn="ctr"/>
-            <a:endParaRPr lang="en-US"/>
-          </a:p>
-        </p:txBody>
-      </p:sp>
-      <p:sp>
-        <p:nvSpPr>
-          <p:cNvPr id="17" name="Hexagon 16">
-            <a:extLst>
-              <a:ext uri="{FF2B5EF4-FFF2-40B4-BE49-F238E27FC236}">
-                <a16:creationId xmlns:a16="http://schemas.microsoft.com/office/drawing/2014/main" id="{C9B172E4-0EDE-453E-976C-685B0CB79681}"/>
-              </a:ext>
-            </a:extLst>
-          </p:cNvPr>
-          <p:cNvSpPr/>
-          <p:nvPr/>
-        </p:nvSpPr>
-        <p:spPr>
-          <a:xfrm>
-            <a:off x="3572848" y="2887822"/>
-            <a:ext cx="1007706" cy="909734"/>
-          </a:xfrm>
-          <a:prstGeom prst="hexagon">
-            <a:avLst>
-              <a:gd name="adj" fmla="val 26489"/>
-              <a:gd name="vf" fmla="val 115470"/>
-            </a:avLst>
-          </a:prstGeom>
-        </p:spPr>
-        <p:style>
-          <a:lnRef idx="2">
-            <a:schemeClr val="accent2">
-              <a:shade val="50000"/>
-            </a:schemeClr>
-          </a:lnRef>
-          <a:fillRef idx="1">
-            <a:schemeClr val="accent2"/>
-          </a:fillRef>
-          <a:effectRef idx="0">
-            <a:schemeClr val="accent2"/>
-          </a:effectRef>
-          <a:fontRef idx="minor">
-            <a:schemeClr val="lt1"/>
-          </a:fontRef>
-        </p:style>
-        <p:txBody>
-          <a:bodyPr rtlCol="0" anchor="ctr"/>
-          <a:lstStyle/>
-          <a:p>
-            <a:pPr algn="ctr"/>
-            <a:endParaRPr lang="en-US"/>
-          </a:p>
-        </p:txBody>
-      </p:sp>
-      <p:sp>
-        <p:nvSpPr>
-          <p:cNvPr id="18" name="Hexagon 17">
-            <a:extLst>
-              <a:ext uri="{FF2B5EF4-FFF2-40B4-BE49-F238E27FC236}">
-                <a16:creationId xmlns:a16="http://schemas.microsoft.com/office/drawing/2014/main" id="{1474C545-0052-4F66-AC26-F94870332CA7}"/>
-              </a:ext>
-            </a:extLst>
-          </p:cNvPr>
-          <p:cNvSpPr/>
-          <p:nvPr/>
-        </p:nvSpPr>
-        <p:spPr>
-          <a:xfrm>
-            <a:off x="5088294" y="1068355"/>
-            <a:ext cx="1007706" cy="909734"/>
-          </a:xfrm>
-          <a:prstGeom prst="hexagon">
-            <a:avLst>
-              <a:gd name="adj" fmla="val 26489"/>
-              <a:gd name="vf" fmla="val 115470"/>
-            </a:avLst>
-          </a:prstGeom>
-        </p:spPr>
-        <p:style>
-          <a:lnRef idx="2">
-            <a:schemeClr val="accent1">
-              <a:shade val="50000"/>
-            </a:schemeClr>
-          </a:lnRef>
-          <a:fillRef idx="1">
-            <a:schemeClr val="accent1"/>
-          </a:fillRef>
-          <a:effectRef idx="0">
-            <a:schemeClr val="accent1"/>
-          </a:effectRef>
-          <a:fontRef idx="minor">
-            <a:schemeClr val="lt1"/>
-          </a:fontRef>
-        </p:style>
-        <p:txBody>
-          <a:bodyPr rtlCol="0" anchor="ctr"/>
-          <a:lstStyle/>
-          <a:p>
-            <a:pPr algn="ctr"/>
-            <a:endParaRPr lang="en-US"/>
-          </a:p>
-        </p:txBody>
-      </p:sp>
-      <p:sp>
-        <p:nvSpPr>
-          <p:cNvPr id="19" name="Hexagon 18">
-            <a:extLst>
-              <a:ext uri="{FF2B5EF4-FFF2-40B4-BE49-F238E27FC236}">
-                <a16:creationId xmlns:a16="http://schemas.microsoft.com/office/drawing/2014/main" id="{99614F5F-45A5-4B23-A69E-4B58496632E5}"/>
-              </a:ext>
-            </a:extLst>
-          </p:cNvPr>
-          <p:cNvSpPr/>
-          <p:nvPr/>
-        </p:nvSpPr>
-        <p:spPr>
-          <a:xfrm>
-            <a:off x="5865068" y="1523221"/>
-            <a:ext cx="1007706" cy="909734"/>
-          </a:xfrm>
-          <a:prstGeom prst="hexagon">
-            <a:avLst>
-              <a:gd name="adj" fmla="val 26489"/>
-              <a:gd name="vf" fmla="val 115470"/>
-            </a:avLst>
-          </a:prstGeom>
-        </p:spPr>
-        <p:style>
-          <a:lnRef idx="2">
-            <a:schemeClr val="accent4">
-              <a:shade val="50000"/>
-            </a:schemeClr>
-          </a:lnRef>
-          <a:fillRef idx="1">
-            <a:schemeClr val="accent4"/>
-          </a:fillRef>
-          <a:effectRef idx="0">
-            <a:schemeClr val="accent4"/>
-          </a:effectRef>
-          <a:fontRef idx="minor">
-            <a:schemeClr val="lt1"/>
-          </a:fontRef>
-        </p:style>
-        <p:txBody>
-          <a:bodyPr rtlCol="0" anchor="ctr"/>
-          <a:lstStyle/>
-          <a:p>
-            <a:pPr algn="ctr"/>
-            <a:endParaRPr lang="en-US"/>
-          </a:p>
-        </p:txBody>
-      </p:sp>
-      <p:sp>
-        <p:nvSpPr>
-          <p:cNvPr id="20" name="Hexagon 19">
-            <a:extLst>
-              <a:ext uri="{FF2B5EF4-FFF2-40B4-BE49-F238E27FC236}">
-                <a16:creationId xmlns:a16="http://schemas.microsoft.com/office/drawing/2014/main" id="{72E98260-AA22-40E3-AECD-724B8B9EFC28}"/>
-              </a:ext>
-            </a:extLst>
-          </p:cNvPr>
-          <p:cNvSpPr/>
-          <p:nvPr/>
-        </p:nvSpPr>
-        <p:spPr>
-          <a:xfrm>
-            <a:off x="6603742" y="2887822"/>
-            <a:ext cx="1007706" cy="909734"/>
-          </a:xfrm>
-          <a:prstGeom prst="hexagon">
-            <a:avLst>
-              <a:gd name="adj" fmla="val 26489"/>
-              <a:gd name="vf" fmla="val 115470"/>
-            </a:avLst>
-          </a:prstGeom>
-        </p:spPr>
-        <p:style>
-          <a:lnRef idx="2">
-            <a:schemeClr val="accent6">
-              <a:shade val="50000"/>
-            </a:schemeClr>
-          </a:lnRef>
-          <a:fillRef idx="1">
-            <a:schemeClr val="accent6"/>
-          </a:fillRef>
-          <a:effectRef idx="0">
-            <a:schemeClr val="accent6"/>
-          </a:effectRef>
-          <a:fontRef idx="minor">
-            <a:schemeClr val="lt1"/>
-          </a:fontRef>
-        </p:style>
-        <p:txBody>
-          <a:bodyPr rtlCol="0" anchor="ctr"/>
-          <a:lstStyle/>
-          <a:p>
-            <a:pPr algn="ctr"/>
-            <a:endParaRPr lang="en-US"/>
-          </a:p>
-        </p:txBody>
-      </p:sp>
-      <p:sp>
-        <p:nvSpPr>
-          <p:cNvPr id="21" name="Hexagon 20">
-            <a:extLst>
-              <a:ext uri="{FF2B5EF4-FFF2-40B4-BE49-F238E27FC236}">
-                <a16:creationId xmlns:a16="http://schemas.microsoft.com/office/drawing/2014/main" id="{FC27A604-2925-466B-99B8-8B29B48BAA76}"/>
-              </a:ext>
-            </a:extLst>
-          </p:cNvPr>
-          <p:cNvSpPr/>
-          <p:nvPr/>
-        </p:nvSpPr>
-        <p:spPr>
-          <a:xfrm>
-            <a:off x="5865068" y="2432955"/>
-            <a:ext cx="1007706" cy="909734"/>
-          </a:xfrm>
-          <a:prstGeom prst="hexagon">
-            <a:avLst>
-              <a:gd name="adj" fmla="val 26489"/>
-              <a:gd name="vf" fmla="val 115470"/>
-            </a:avLst>
-          </a:prstGeom>
-        </p:spPr>
-        <p:style>
-          <a:lnRef idx="2">
-            <a:schemeClr val="accent1">
-              <a:shade val="50000"/>
-            </a:schemeClr>
-          </a:lnRef>
-          <a:fillRef idx="1">
-            <a:schemeClr val="accent1"/>
-          </a:fillRef>
-          <a:effectRef idx="0">
-            <a:schemeClr val="accent1"/>
-          </a:effectRef>
-          <a:fontRef idx="minor">
-            <a:schemeClr val="lt1"/>
-          </a:fontRef>
-        </p:style>
-        <p:txBody>
-          <a:bodyPr rtlCol="0" anchor="ctr"/>
-          <a:lstStyle/>
-          <a:p>
-            <a:pPr algn="ctr"/>
-            <a:endParaRPr lang="en-US"/>
-          </a:p>
-        </p:txBody>
-      </p:sp>
-      <p:sp>
-        <p:nvSpPr>
-          <p:cNvPr id="22" name="Hexagon 21">
-            <a:extLst>
-              <a:ext uri="{FF2B5EF4-FFF2-40B4-BE49-F238E27FC236}">
-                <a16:creationId xmlns:a16="http://schemas.microsoft.com/office/drawing/2014/main" id="{A5F00178-F3C1-4E2D-8512-3D08F1328144}"/>
-              </a:ext>
-            </a:extLst>
-          </p:cNvPr>
-          <p:cNvSpPr/>
-          <p:nvPr/>
-        </p:nvSpPr>
-        <p:spPr>
-          <a:xfrm>
-            <a:off x="6639508" y="1978087"/>
-            <a:ext cx="971939" cy="933061"/>
-          </a:xfrm>
-          <a:prstGeom prst="hexagon">
-            <a:avLst>
-              <a:gd name="adj" fmla="val 26489"/>
-              <a:gd name="vf" fmla="val 115470"/>
-            </a:avLst>
-          </a:prstGeom>
-        </p:spPr>
-        <p:style>
-          <a:lnRef idx="1">
-            <a:schemeClr val="accent6"/>
-          </a:lnRef>
-          <a:fillRef idx="2">
-            <a:schemeClr val="accent6"/>
-          </a:fillRef>
-          <a:effectRef idx="1">
-            <a:schemeClr val="accent6"/>
-          </a:effectRef>
-          <a:fontRef idx="minor">
-            <a:schemeClr val="dk1"/>
-          </a:fontRef>
-        </p:style>
-        <p:txBody>
-          <a:bodyPr rtlCol="0" anchor="ctr"/>
-          <a:lstStyle/>
-          <a:p>
-            <a:pPr algn="ctr"/>
-            <a:endParaRPr lang="en-US"/>
-          </a:p>
-        </p:txBody>
-      </p:sp>
-      <p:sp>
-        <p:nvSpPr>
-          <p:cNvPr id="23" name="Hexagon 22">
-            <a:extLst>
-              <a:ext uri="{FF2B5EF4-FFF2-40B4-BE49-F238E27FC236}">
-                <a16:creationId xmlns:a16="http://schemas.microsoft.com/office/drawing/2014/main" id="{A68ADA77-F41B-4D35-B8FA-F10E1CC3DB85}"/>
-              </a:ext>
-            </a:extLst>
-          </p:cNvPr>
-          <p:cNvSpPr/>
-          <p:nvPr/>
-        </p:nvSpPr>
-        <p:spPr>
-          <a:xfrm>
-            <a:off x="6603742" y="1068354"/>
-            <a:ext cx="1007706" cy="909734"/>
-          </a:xfrm>
-          <a:prstGeom prst="hexagon">
-            <a:avLst>
-              <a:gd name="adj" fmla="val 26489"/>
-              <a:gd name="vf" fmla="val 115470"/>
-            </a:avLst>
-          </a:prstGeom>
-        </p:spPr>
-        <p:style>
-          <a:lnRef idx="2">
-            <a:schemeClr val="accent2">
-              <a:shade val="50000"/>
-            </a:schemeClr>
-          </a:lnRef>
-          <a:fillRef idx="1">
-            <a:schemeClr val="accent2"/>
-          </a:fillRef>
-          <a:effectRef idx="0">
-            <a:schemeClr val="accent2"/>
-          </a:effectRef>
-          <a:fontRef idx="minor">
-            <a:schemeClr val="lt1"/>
-          </a:fontRef>
-        </p:style>
-        <p:txBody>
-          <a:bodyPr rtlCol="0" anchor="ctr"/>
-          <a:lstStyle/>
-          <a:p>
-            <a:pPr algn="ctr"/>
-            <a:endParaRPr lang="en-US"/>
-          </a:p>
-        </p:txBody>
-      </p:sp>
-      <p:sp>
-        <p:nvSpPr>
-          <p:cNvPr id="24" name="Hexagon 23">
-            <a:extLst>
-              <a:ext uri="{FF2B5EF4-FFF2-40B4-BE49-F238E27FC236}">
-                <a16:creationId xmlns:a16="http://schemas.microsoft.com/office/drawing/2014/main" id="{35C560AE-F6BF-471D-9756-E84E92E4FDD2}"/>
-              </a:ext>
-            </a:extLst>
-          </p:cNvPr>
-          <p:cNvSpPr/>
-          <p:nvPr/>
-        </p:nvSpPr>
-        <p:spPr>
-          <a:xfrm>
-            <a:off x="7342415" y="1523220"/>
-            <a:ext cx="1007706" cy="909734"/>
-          </a:xfrm>
-          <a:prstGeom prst="hexagon">
-            <a:avLst>
-              <a:gd name="adj" fmla="val 26489"/>
-              <a:gd name="vf" fmla="val 115470"/>
-            </a:avLst>
-          </a:prstGeom>
-        </p:spPr>
-        <p:style>
-          <a:lnRef idx="2">
-            <a:schemeClr val="accent4">
-              <a:shade val="50000"/>
-            </a:schemeClr>
-          </a:lnRef>
-          <a:fillRef idx="1">
-            <a:schemeClr val="accent4"/>
-          </a:fillRef>
-          <a:effectRef idx="0">
-            <a:schemeClr val="accent4"/>
-          </a:effectRef>
-          <a:fontRef idx="minor">
-            <a:schemeClr val="lt1"/>
-          </a:fontRef>
-        </p:style>
-        <p:txBody>
-          <a:bodyPr rtlCol="0" anchor="ctr"/>
-          <a:lstStyle/>
-          <a:p>
-            <a:pPr algn="ctr"/>
-            <a:endParaRPr lang="en-US"/>
-          </a:p>
-        </p:txBody>
-      </p:sp>
-      <p:sp>
-        <p:nvSpPr>
-          <p:cNvPr id="25" name="Hexagon 24">
-            <a:extLst>
-              <a:ext uri="{FF2B5EF4-FFF2-40B4-BE49-F238E27FC236}">
-                <a16:creationId xmlns:a16="http://schemas.microsoft.com/office/drawing/2014/main" id="{378A38B6-42BB-4BC4-AD9E-B404A59433B1}"/>
-              </a:ext>
-            </a:extLst>
-          </p:cNvPr>
-          <p:cNvSpPr/>
-          <p:nvPr/>
-        </p:nvSpPr>
-        <p:spPr>
-          <a:xfrm>
-            <a:off x="7342415" y="2432954"/>
-            <a:ext cx="1007706" cy="909734"/>
-          </a:xfrm>
-          <a:prstGeom prst="hexagon">
-            <a:avLst>
-              <a:gd name="adj" fmla="val 26489"/>
-              <a:gd name="vf" fmla="val 115470"/>
-            </a:avLst>
-          </a:prstGeom>
-        </p:spPr>
-        <p:style>
-          <a:lnRef idx="2">
-            <a:schemeClr val="accent1">
-              <a:shade val="50000"/>
-            </a:schemeClr>
-          </a:lnRef>
-          <a:fillRef idx="1">
-            <a:schemeClr val="accent1"/>
-          </a:fillRef>
-          <a:effectRef idx="0">
-            <a:schemeClr val="accent1"/>
-          </a:effectRef>
-          <a:fontRef idx="minor">
-            <a:schemeClr val="lt1"/>
-          </a:fontRef>
-        </p:style>
-        <p:txBody>
-          <a:bodyPr rtlCol="0" anchor="ctr"/>
-          <a:lstStyle/>
-          <a:p>
-            <a:pPr algn="ctr"/>
-            <a:endParaRPr lang="en-US"/>
-          </a:p>
-        </p:txBody>
-      </p:sp>
-      <p:sp>
-        <p:nvSpPr>
-          <p:cNvPr id="26" name="Hexagon 25">
-            <a:extLst>
-              <a:ext uri="{FF2B5EF4-FFF2-40B4-BE49-F238E27FC236}">
-                <a16:creationId xmlns:a16="http://schemas.microsoft.com/office/drawing/2014/main" id="{3633220F-8836-4183-9833-7E05607CE909}"/>
-              </a:ext>
-            </a:extLst>
-          </p:cNvPr>
-          <p:cNvSpPr/>
-          <p:nvPr/>
-        </p:nvSpPr>
-        <p:spPr>
-          <a:xfrm>
-            <a:off x="5087129" y="2887821"/>
-            <a:ext cx="1007706" cy="909734"/>
-          </a:xfrm>
-          <a:prstGeom prst="hexagon">
-            <a:avLst>
-              <a:gd name="adj" fmla="val 26489"/>
-              <a:gd name="vf" fmla="val 115470"/>
-            </a:avLst>
-          </a:prstGeom>
-        </p:spPr>
-        <p:style>
-          <a:lnRef idx="2">
-            <a:schemeClr val="accent4">
-              <a:shade val="50000"/>
-            </a:schemeClr>
-          </a:lnRef>
-          <a:fillRef idx="1">
-            <a:schemeClr val="accent4"/>
-          </a:fillRef>
-          <a:effectRef idx="0">
-            <a:schemeClr val="accent4"/>
-          </a:effectRef>
-          <a:fontRef idx="minor">
-            <a:schemeClr val="lt1"/>
-          </a:fontRef>
-        </p:style>
-        <p:txBody>
-          <a:bodyPr rtlCol="0" anchor="ctr"/>
-          <a:lstStyle/>
-          <a:p>
-            <a:pPr algn="ctr"/>
-            <a:endParaRPr lang="en-US"/>
-          </a:p>
-        </p:txBody>
-      </p:sp>
-      <p:grpSp>
-        <p:nvGrpSpPr>
-          <p:cNvPr id="33" name="Group 32">
-            <a:extLst>
-              <a:ext uri="{FF2B5EF4-FFF2-40B4-BE49-F238E27FC236}">
-                <a16:creationId xmlns:a16="http://schemas.microsoft.com/office/drawing/2014/main" id="{E9BD46A8-A47F-4809-BEA5-6F5B297B402F}"/>
-              </a:ext>
-            </a:extLst>
-          </p:cNvPr>
-          <p:cNvGrpSpPr/>
-          <p:nvPr/>
-        </p:nvGrpSpPr>
-        <p:grpSpPr>
-          <a:xfrm>
-            <a:off x="7647213" y="1068354"/>
-            <a:ext cx="2509545" cy="2729200"/>
-            <a:chOff x="8625373" y="1304731"/>
-            <a:chExt cx="2509545" cy="2729200"/>
-          </a:xfrm>
-        </p:grpSpPr>
-        <p:grpSp>
-          <p:nvGrpSpPr>
-            <p:cNvPr id="32" name="Group 31">
-              <a:extLst>
-                <a:ext uri="{FF2B5EF4-FFF2-40B4-BE49-F238E27FC236}">
-                  <a16:creationId xmlns:a16="http://schemas.microsoft.com/office/drawing/2014/main" id="{555584AC-0DBA-4541-BF5B-7095C78F9146}"/>
-                </a:ext>
-              </a:extLst>
-            </p:cNvPr>
-            <p:cNvGrpSpPr/>
-            <p:nvPr/>
-          </p:nvGrpSpPr>
-          <p:grpSpPr>
-            <a:xfrm>
-              <a:off x="9086855" y="1304731"/>
-              <a:ext cx="1008480" cy="2729200"/>
-              <a:chOff x="9086855" y="1304731"/>
-              <a:chExt cx="1008480" cy="2729200"/>
-            </a:xfrm>
-          </p:grpSpPr>
-          <p:sp>
-            <p:nvSpPr>
-              <p:cNvPr id="27" name="Hexagon 26">
-                <a:extLst>
-                  <a:ext uri="{FF2B5EF4-FFF2-40B4-BE49-F238E27FC236}">
-                    <a16:creationId xmlns:a16="http://schemas.microsoft.com/office/drawing/2014/main" id="{37BBFA87-E75C-44C6-8828-3704E70A1085}"/>
-                  </a:ext>
-                </a:extLst>
-              </p:cNvPr>
-              <p:cNvSpPr/>
-              <p:nvPr/>
-            </p:nvSpPr>
-            <p:spPr>
-              <a:xfrm>
-                <a:off x="9087242" y="2214465"/>
-                <a:ext cx="1007706" cy="909734"/>
-              </a:xfrm>
-              <a:prstGeom prst="hexagon">
-                <a:avLst>
-                  <a:gd name="adj" fmla="val 26489"/>
-                  <a:gd name="vf" fmla="val 115470"/>
-                </a:avLst>
-              </a:prstGeom>
-              <a:solidFill>
-                <a:srgbClr val="FF0000"/>
-              </a:solidFill>
-              <a:ln>
-                <a:noFill/>
-              </a:ln>
-            </p:spPr>
-            <p:style>
-              <a:lnRef idx="2">
-                <a:schemeClr val="accent3">
-                  <a:shade val="50000"/>
-                </a:schemeClr>
-              </a:lnRef>
-              <a:fillRef idx="1">
-                <a:schemeClr val="accent3"/>
-              </a:fillRef>
-              <a:effectRef idx="0">
-                <a:schemeClr val="accent3"/>
-              </a:effectRef>
-              <a:fontRef idx="minor">
-                <a:schemeClr val="lt1"/>
-              </a:fontRef>
-            </p:style>
-            <p:txBody>
-              <a:bodyPr rtlCol="0" anchor="ctr"/>
-              <a:lstStyle/>
-              <a:p>
-                <a:pPr algn="ctr"/>
-                <a:endParaRPr lang="en-US"/>
-              </a:p>
-            </p:txBody>
-          </p:sp>
-          <p:sp>
-            <p:nvSpPr>
-              <p:cNvPr id="28" name="Hexagon 27">
-                <a:extLst>
-                  <a:ext uri="{FF2B5EF4-FFF2-40B4-BE49-F238E27FC236}">
-                    <a16:creationId xmlns:a16="http://schemas.microsoft.com/office/drawing/2014/main" id="{0367406C-7600-40BE-9E95-02A4599CBF81}"/>
-                  </a:ext>
-                </a:extLst>
-              </p:cNvPr>
-              <p:cNvSpPr/>
-              <p:nvPr/>
-            </p:nvSpPr>
-            <p:spPr>
-              <a:xfrm>
-                <a:off x="9086855" y="1304731"/>
-                <a:ext cx="1007706" cy="909734"/>
-              </a:xfrm>
-              <a:prstGeom prst="hexagon">
-                <a:avLst>
-                  <a:gd name="adj" fmla="val 26489"/>
-                  <a:gd name="vf" fmla="val 115470"/>
-                </a:avLst>
-              </a:prstGeom>
-              <a:solidFill>
-                <a:srgbClr val="FF0000"/>
-              </a:solidFill>
-              <a:ln>
-                <a:noFill/>
-              </a:ln>
-            </p:spPr>
-            <p:style>
-              <a:lnRef idx="2">
-                <a:schemeClr val="accent1">
-                  <a:shade val="50000"/>
-                </a:schemeClr>
-              </a:lnRef>
-              <a:fillRef idx="1">
-                <a:schemeClr val="accent1"/>
-              </a:fillRef>
-              <a:effectRef idx="0">
-                <a:schemeClr val="accent1"/>
-              </a:effectRef>
-              <a:fontRef idx="minor">
-                <a:schemeClr val="lt1"/>
-              </a:fontRef>
-            </p:style>
-            <p:txBody>
-              <a:bodyPr rtlCol="0" anchor="ctr"/>
-              <a:lstStyle/>
-              <a:p>
-                <a:pPr algn="ctr"/>
-                <a:endParaRPr lang="en-US"/>
-              </a:p>
-            </p:txBody>
-          </p:sp>
-          <p:sp>
-            <p:nvSpPr>
-              <p:cNvPr id="29" name="Hexagon 28">
-                <a:extLst>
-                  <a:ext uri="{FF2B5EF4-FFF2-40B4-BE49-F238E27FC236}">
-                    <a16:creationId xmlns:a16="http://schemas.microsoft.com/office/drawing/2014/main" id="{BF67F357-CEFB-422F-B45A-B67ABA0B6B23}"/>
-                  </a:ext>
-                </a:extLst>
-              </p:cNvPr>
-              <p:cNvSpPr/>
-              <p:nvPr/>
-            </p:nvSpPr>
-            <p:spPr>
-              <a:xfrm>
-                <a:off x="9087629" y="3124197"/>
-                <a:ext cx="1007706" cy="909734"/>
-              </a:xfrm>
-              <a:prstGeom prst="hexagon">
-                <a:avLst>
-                  <a:gd name="adj" fmla="val 26489"/>
-                  <a:gd name="vf" fmla="val 115470"/>
-                </a:avLst>
-              </a:prstGeom>
-              <a:solidFill>
-                <a:srgbClr val="FF0000"/>
-              </a:solidFill>
-              <a:ln>
-                <a:noFill/>
-              </a:ln>
-            </p:spPr>
-            <p:style>
-              <a:lnRef idx="2">
-                <a:schemeClr val="accent4">
-                  <a:shade val="50000"/>
-                </a:schemeClr>
-              </a:lnRef>
-              <a:fillRef idx="1">
-                <a:schemeClr val="accent4"/>
-              </a:fillRef>
-              <a:effectRef idx="0">
-                <a:schemeClr val="accent4"/>
-              </a:effectRef>
-              <a:fontRef idx="minor">
-                <a:schemeClr val="lt1"/>
-              </a:fontRef>
-            </p:style>
-            <p:txBody>
-              <a:bodyPr rtlCol="0" anchor="ctr"/>
-              <a:lstStyle/>
-              <a:p>
-                <a:pPr algn="ctr"/>
-                <a:endParaRPr lang="en-US"/>
-              </a:p>
-            </p:txBody>
-          </p:sp>
-        </p:grpSp>
-        <p:sp>
-          <p:nvSpPr>
-            <p:cNvPr id="31" name="Arc 30">
-              <a:extLst>
-                <a:ext uri="{FF2B5EF4-FFF2-40B4-BE49-F238E27FC236}">
-                  <a16:creationId xmlns:a16="http://schemas.microsoft.com/office/drawing/2014/main" id="{12CBF36D-4743-43AE-8EDC-4DAB387D8FF5}"/>
-                </a:ext>
-              </a:extLst>
-            </p:cNvPr>
-            <p:cNvSpPr/>
-            <p:nvPr/>
-          </p:nvSpPr>
-          <p:spPr>
-            <a:xfrm>
-              <a:off x="8625373" y="1304731"/>
-              <a:ext cx="2509545" cy="2729200"/>
-            </a:xfrm>
-            <a:prstGeom prst="arc">
-              <a:avLst>
-                <a:gd name="adj1" fmla="val 16056241"/>
-                <a:gd name="adj2" fmla="val 5457289"/>
-              </a:avLst>
-            </a:prstGeom>
-            <a:solidFill>
-              <a:srgbClr val="FF0000"/>
-            </a:solidFill>
-          </p:spPr>
-          <p:style>
-            <a:lnRef idx="1">
-              <a:schemeClr val="accent1"/>
-            </a:lnRef>
-            <a:fillRef idx="0">
-              <a:schemeClr val="accent1"/>
-            </a:fillRef>
-            <a:effectRef idx="0">
-              <a:schemeClr val="accent1"/>
-            </a:effectRef>
-            <a:fontRef idx="minor">
-              <a:schemeClr val="tx1"/>
-            </a:fontRef>
-          </p:style>
-          <p:txBody>
-            <a:bodyPr rtlCol="0" anchor="ctr"/>
-            <a:lstStyle/>
-            <a:p>
-              <a:pPr algn="ctr"/>
-              <a:endParaRPr lang="en-US"/>
-            </a:p>
-          </p:txBody>
-        </p:sp>
-      </p:grpSp>
-      <p:sp>
-        <p:nvSpPr>
-          <p:cNvPr id="34" name="Trapezoid 33">
-            <a:extLst>
-              <a:ext uri="{FF2B5EF4-FFF2-40B4-BE49-F238E27FC236}">
-                <a16:creationId xmlns:a16="http://schemas.microsoft.com/office/drawing/2014/main" id="{ADAF5ED5-E23C-4BCE-9225-3213FFC2E9F7}"/>
-              </a:ext>
-            </a:extLst>
-          </p:cNvPr>
-          <p:cNvSpPr/>
-          <p:nvPr/>
-        </p:nvSpPr>
-        <p:spPr>
-          <a:xfrm rot="5400000">
-            <a:off x="8138274" y="2181430"/>
-            <a:ext cx="2516936" cy="454065"/>
-          </a:xfrm>
-          <a:prstGeom prst="trapezoid">
-            <a:avLst>
-              <a:gd name="adj" fmla="val 43245"/>
-            </a:avLst>
-          </a:prstGeom>
-        </p:spPr>
-        <p:style>
-          <a:lnRef idx="2">
-            <a:schemeClr val="accent1">
-              <a:shade val="50000"/>
-            </a:schemeClr>
-          </a:lnRef>
-          <a:fillRef idx="1">
-            <a:schemeClr val="accent1"/>
-          </a:fillRef>
-          <a:effectRef idx="0">
-            <a:schemeClr val="accent1"/>
-          </a:effectRef>
-          <a:fontRef idx="minor">
-            <a:schemeClr val="lt1"/>
-          </a:fontRef>
-        </p:style>
-        <p:txBody>
-          <a:bodyPr rtlCol="0" anchor="ctr"/>
-          <a:lstStyle/>
-          <a:p>
-            <a:pPr algn="ctr"/>
-            <a:endParaRPr lang="en-US"/>
+            <a:r>
+              <a:rPr lang="en-US" sz="2400" dirty="0"/>
+              <a:t>Parking Efficient</a:t>
+            </a:r>
           </a:p>
         </p:txBody>
       </p:sp>
     </p:spTree>
     <p:extLst>
       <p:ext uri="{BB962C8B-B14F-4D97-AF65-F5344CB8AC3E}">
-        <p14:creationId xmlns:p14="http://schemas.microsoft.com/office/powerpoint/2010/main" val="1981076948"/>
+        <p14:creationId xmlns:p14="http://schemas.microsoft.com/office/powerpoint/2010/main" val="1579227089"/>
       </p:ext>
     </p:extLst>
   </p:cSld>
@@ -11716,7 +16834,108 @@
 </p:sld>
 </file>
 
-<file path=ppt/slides/slide3.xml><?xml version="1.0" encoding="utf-8"?>
+<file path=ppt/slides/slide7.xml><?xml version="1.0" encoding="utf-8"?>
+<p:sld xmlns:a="http://schemas.openxmlformats.org/drawingml/2006/main" xmlns:r="http://schemas.openxmlformats.org/officeDocument/2006/relationships" xmlns:p="http://schemas.openxmlformats.org/presentationml/2006/main">
+  <p:cSld>
+    <p:spTree>
+      <p:nvGrpSpPr>
+        <p:cNvPr id="1" name=""/>
+        <p:cNvGrpSpPr/>
+        <p:nvPr/>
+      </p:nvGrpSpPr>
+      <p:grpSpPr>
+        <a:xfrm>
+          <a:off x="0" y="0"/>
+          <a:ext cx="0" cy="0"/>
+          <a:chOff x="0" y="0"/>
+          <a:chExt cx="0" cy="0"/>
+        </a:xfrm>
+      </p:grpSpPr>
+      <p:sp>
+        <p:nvSpPr>
+          <p:cNvPr id="2" name="TextBox 1">
+            <a:extLst>
+              <a:ext uri="{FF2B5EF4-FFF2-40B4-BE49-F238E27FC236}">
+                <a16:creationId xmlns:a16="http://schemas.microsoft.com/office/drawing/2014/main" id="{47064059-34FF-43E0-B5A2-C250C5169D9F}"/>
+              </a:ext>
+            </a:extLst>
+          </p:cNvPr>
+          <p:cNvSpPr txBox="1"/>
+          <p:nvPr/>
+        </p:nvSpPr>
+        <p:spPr>
+          <a:xfrm>
+            <a:off x="4270443" y="603115"/>
+            <a:ext cx="2334638" cy="461665"/>
+          </a:xfrm>
+          <a:prstGeom prst="rect">
+            <a:avLst/>
+          </a:prstGeom>
+          <a:noFill/>
+        </p:spPr>
+        <p:txBody>
+          <a:bodyPr wrap="square" rtlCol="0">
+            <a:spAutoFit/>
+          </a:bodyPr>
+          <a:lstStyle/>
+          <a:p>
+            <a:pPr algn="ctr"/>
+            <a:r>
+              <a:rPr lang="en-US" sz="2400" dirty="0"/>
+              <a:t>Summary</a:t>
+            </a:r>
+          </a:p>
+        </p:txBody>
+      </p:sp>
+      <p:sp>
+        <p:nvSpPr>
+          <p:cNvPr id="8" name="TextBox 7">
+            <a:extLst>
+              <a:ext uri="{FF2B5EF4-FFF2-40B4-BE49-F238E27FC236}">
+                <a16:creationId xmlns:a16="http://schemas.microsoft.com/office/drawing/2014/main" id="{BEE4D105-490C-4529-BFB9-32330ED5A831}"/>
+              </a:ext>
+            </a:extLst>
+          </p:cNvPr>
+          <p:cNvSpPr txBox="1"/>
+          <p:nvPr/>
+        </p:nvSpPr>
+        <p:spPr>
+          <a:xfrm>
+            <a:off x="3229584" y="2110902"/>
+            <a:ext cx="4669277" cy="369332"/>
+          </a:xfrm>
+          <a:prstGeom prst="rect">
+            <a:avLst/>
+          </a:prstGeom>
+          <a:noFill/>
+        </p:spPr>
+        <p:txBody>
+          <a:bodyPr wrap="square" rtlCol="0">
+            <a:spAutoFit/>
+          </a:bodyPr>
+          <a:lstStyle/>
+          <a:p>
+            <a:r>
+              <a:rPr lang="en-US" dirty="0"/>
+              <a:t>I</a:t>
+            </a:r>
+          </a:p>
+        </p:txBody>
+      </p:sp>
+    </p:spTree>
+    <p:extLst>
+      <p:ext uri="{BB962C8B-B14F-4D97-AF65-F5344CB8AC3E}">
+        <p14:creationId xmlns:p14="http://schemas.microsoft.com/office/powerpoint/2010/main" val="358818962"/>
+      </p:ext>
+    </p:extLst>
+  </p:cSld>
+  <p:clrMapOvr>
+    <a:masterClrMapping/>
+  </p:clrMapOvr>
+</p:sld>
+</file>
+
+<file path=ppt/slides/slide8.xml><?xml version="1.0" encoding="utf-8"?>
 <p:sld xmlns:a="http://schemas.openxmlformats.org/drawingml/2006/main" xmlns:r="http://schemas.openxmlformats.org/officeDocument/2006/relationships" xmlns:p="http://schemas.openxmlformats.org/presentationml/2006/main">
   <p:cSld>
     <p:spTree>

--- a/the hive bus.pptx
+++ b/the hive bus.pptx
@@ -5,13 +5,14 @@
     <p:sldMasterId id="2147483648" r:id="rId1"/>
   </p:sldMasterIdLst>
   <p:sldIdLst>
-    <p:sldId id="259" r:id="rId2"/>
-    <p:sldId id="266" r:id="rId3"/>
-    <p:sldId id="261" r:id="rId4"/>
-    <p:sldId id="262" r:id="rId5"/>
-    <p:sldId id="267" r:id="rId6"/>
-    <p:sldId id="258" r:id="rId7"/>
-    <p:sldId id="265" r:id="rId8"/>
+    <p:sldId id="268" r:id="rId2"/>
+    <p:sldId id="259" r:id="rId3"/>
+    <p:sldId id="266" r:id="rId4"/>
+    <p:sldId id="261" r:id="rId5"/>
+    <p:sldId id="262" r:id="rId6"/>
+    <p:sldId id="267" r:id="rId7"/>
+    <p:sldId id="258" r:id="rId8"/>
+    <p:sldId id="265" r:id="rId9"/>
   </p:sldIdLst>
   <p:sldSz cx="12192000" cy="6858000"/>
   <p:notesSz cx="6858000" cy="9144000"/>
@@ -276,7 +277,7 @@
           <a:p>
             <a:fld id="{7A35CFBD-BAEC-481C-B25C-B454F6258635}" type="datetimeFigureOut">
               <a:rPr lang="en-US" smtClean="0"/>
-              <a:t>2/1/2022</a:t>
+              <a:t>2/3/2022</a:t>
             </a:fld>
             <a:endParaRPr lang="en-US" dirty="0"/>
           </a:p>
@@ -474,7 +475,7 @@
           <a:p>
             <a:fld id="{7A35CFBD-BAEC-481C-B25C-B454F6258635}" type="datetimeFigureOut">
               <a:rPr lang="en-US" smtClean="0"/>
-              <a:t>2/1/2022</a:t>
+              <a:t>2/3/2022</a:t>
             </a:fld>
             <a:endParaRPr lang="en-US" dirty="0"/>
           </a:p>
@@ -682,7 +683,7 @@
           <a:p>
             <a:fld id="{7A35CFBD-BAEC-481C-B25C-B454F6258635}" type="datetimeFigureOut">
               <a:rPr lang="en-US" smtClean="0"/>
-              <a:t>2/1/2022</a:t>
+              <a:t>2/3/2022</a:t>
             </a:fld>
             <a:endParaRPr lang="en-US" dirty="0"/>
           </a:p>
@@ -880,7 +881,7 @@
           <a:p>
             <a:fld id="{7A35CFBD-BAEC-481C-B25C-B454F6258635}" type="datetimeFigureOut">
               <a:rPr lang="en-US" smtClean="0"/>
-              <a:t>2/1/2022</a:t>
+              <a:t>2/3/2022</a:t>
             </a:fld>
             <a:endParaRPr lang="en-US" dirty="0"/>
           </a:p>
@@ -1155,7 +1156,7 @@
           <a:p>
             <a:fld id="{7A35CFBD-BAEC-481C-B25C-B454F6258635}" type="datetimeFigureOut">
               <a:rPr lang="en-US" smtClean="0"/>
-              <a:t>2/1/2022</a:t>
+              <a:t>2/3/2022</a:t>
             </a:fld>
             <a:endParaRPr lang="en-US" dirty="0"/>
           </a:p>
@@ -1420,7 +1421,7 @@
           <a:p>
             <a:fld id="{7A35CFBD-BAEC-481C-B25C-B454F6258635}" type="datetimeFigureOut">
               <a:rPr lang="en-US" smtClean="0"/>
-              <a:t>2/1/2022</a:t>
+              <a:t>2/3/2022</a:t>
             </a:fld>
             <a:endParaRPr lang="en-US" dirty="0"/>
           </a:p>
@@ -1832,7 +1833,7 @@
           <a:p>
             <a:fld id="{7A35CFBD-BAEC-481C-B25C-B454F6258635}" type="datetimeFigureOut">
               <a:rPr lang="en-US" smtClean="0"/>
-              <a:t>2/1/2022</a:t>
+              <a:t>2/3/2022</a:t>
             </a:fld>
             <a:endParaRPr lang="en-US" dirty="0"/>
           </a:p>
@@ -1973,7 +1974,7 @@
           <a:p>
             <a:fld id="{7A35CFBD-BAEC-481C-B25C-B454F6258635}" type="datetimeFigureOut">
               <a:rPr lang="en-US" smtClean="0"/>
-              <a:t>2/1/2022</a:t>
+              <a:t>2/3/2022</a:t>
             </a:fld>
             <a:endParaRPr lang="en-US" dirty="0"/>
           </a:p>
@@ -2086,7 +2087,7 @@
           <a:p>
             <a:fld id="{7A35CFBD-BAEC-481C-B25C-B454F6258635}" type="datetimeFigureOut">
               <a:rPr lang="en-US" smtClean="0"/>
-              <a:t>2/1/2022</a:t>
+              <a:t>2/3/2022</a:t>
             </a:fld>
             <a:endParaRPr lang="en-US" dirty="0"/>
           </a:p>
@@ -2397,7 +2398,7 @@
           <a:p>
             <a:fld id="{7A35CFBD-BAEC-481C-B25C-B454F6258635}" type="datetimeFigureOut">
               <a:rPr lang="en-US" smtClean="0"/>
-              <a:t>2/1/2022</a:t>
+              <a:t>2/3/2022</a:t>
             </a:fld>
             <a:endParaRPr lang="en-US" dirty="0"/>
           </a:p>
@@ -2685,7 +2686,7 @@
           <a:p>
             <a:fld id="{7A35CFBD-BAEC-481C-B25C-B454F6258635}" type="datetimeFigureOut">
               <a:rPr lang="en-US" smtClean="0"/>
-              <a:t>2/1/2022</a:t>
+              <a:t>2/3/2022</a:t>
             </a:fld>
             <a:endParaRPr lang="en-US" dirty="0"/>
           </a:p>
@@ -2926,7 +2927,7 @@
           <a:p>
             <a:fld id="{7A35CFBD-BAEC-481C-B25C-B454F6258635}" type="datetimeFigureOut">
               <a:rPr lang="en-US" smtClean="0"/>
-              <a:t>2/1/2022</a:t>
+              <a:t>2/3/2022</a:t>
             </a:fld>
             <a:endParaRPr lang="en-US" dirty="0"/>
           </a:p>
@@ -3327,6 +3328,1624 @@
 </file>
 
 <file path=ppt/slides/slide1.xml><?xml version="1.0" encoding="utf-8"?>
+<p:sld xmlns:a="http://schemas.openxmlformats.org/drawingml/2006/main" xmlns:r="http://schemas.openxmlformats.org/officeDocument/2006/relationships" xmlns:p="http://schemas.openxmlformats.org/presentationml/2006/main">
+  <p:cSld>
+    <p:spTree>
+      <p:nvGrpSpPr>
+        <p:cNvPr id="1" name=""/>
+        <p:cNvGrpSpPr/>
+        <p:nvPr/>
+      </p:nvGrpSpPr>
+      <p:grpSpPr>
+        <a:xfrm>
+          <a:off x="0" y="0"/>
+          <a:ext cx="0" cy="0"/>
+          <a:chOff x="0" y="0"/>
+          <a:chExt cx="0" cy="0"/>
+        </a:xfrm>
+      </p:grpSpPr>
+      <p:sp>
+        <p:nvSpPr>
+          <p:cNvPr id="47" name="TextBox 46">
+            <a:extLst>
+              <a:ext uri="{FF2B5EF4-FFF2-40B4-BE49-F238E27FC236}">
+                <a16:creationId xmlns:a16="http://schemas.microsoft.com/office/drawing/2014/main" id="{2AB2E027-84F7-4149-A60E-C4B60567C5BC}"/>
+              </a:ext>
+            </a:extLst>
+          </p:cNvPr>
+          <p:cNvSpPr txBox="1"/>
+          <p:nvPr/>
+        </p:nvSpPr>
+        <p:spPr>
+          <a:xfrm>
+            <a:off x="342389" y="254893"/>
+            <a:ext cx="10985771" cy="646331"/>
+          </a:xfrm>
+          <a:prstGeom prst="rect">
+            <a:avLst/>
+          </a:prstGeom>
+          <a:solidFill>
+            <a:schemeClr val="accent5">
+              <a:lumMod val="50000"/>
+            </a:schemeClr>
+          </a:solidFill>
+        </p:spPr>
+        <p:txBody>
+          <a:bodyPr wrap="square" rtlCol="0">
+            <a:spAutoFit/>
+          </a:bodyPr>
+          <a:lstStyle/>
+          <a:p>
+            <a:pPr algn="ctr"/>
+            <a:r>
+              <a:rPr lang="en-US" sz="3600" dirty="0">
+                <a:solidFill>
+                  <a:schemeClr val="bg1"/>
+                </a:solidFill>
+                <a:latin typeface="Arial" panose="020B0604020202020204" pitchFamily="34" charset="0"/>
+                <a:cs typeface="Arial" panose="020B0604020202020204" pitchFamily="34" charset="0"/>
+              </a:rPr>
+              <a:t>TEAM 53221 – INNOVATION PROJECT</a:t>
+            </a:r>
+          </a:p>
+        </p:txBody>
+      </p:sp>
+      <p:sp>
+        <p:nvSpPr>
+          <p:cNvPr id="2" name="TextBox 1">
+            <a:extLst>
+              <a:ext uri="{FF2B5EF4-FFF2-40B4-BE49-F238E27FC236}">
+                <a16:creationId xmlns:a16="http://schemas.microsoft.com/office/drawing/2014/main" id="{0CEACBF9-ED03-48A6-BCA2-359F396466B6}"/>
+              </a:ext>
+            </a:extLst>
+          </p:cNvPr>
+          <p:cNvSpPr txBox="1"/>
+          <p:nvPr/>
+        </p:nvSpPr>
+        <p:spPr>
+          <a:xfrm>
+            <a:off x="1808095" y="1083915"/>
+            <a:ext cx="8575809" cy="1569660"/>
+          </a:xfrm>
+          <a:prstGeom prst="rect">
+            <a:avLst/>
+          </a:prstGeom>
+          <a:noFill/>
+        </p:spPr>
+        <p:txBody>
+          <a:bodyPr wrap="none" rtlCol="0">
+            <a:spAutoFit/>
+          </a:bodyPr>
+          <a:lstStyle/>
+          <a:p>
+            <a:r>
+              <a:rPr lang="en-US" sz="9600" dirty="0">
+                <a:solidFill>
+                  <a:schemeClr val="accent2"/>
+                </a:solidFill>
+                <a:latin typeface="Cooper Black" panose="0208090404030B020404" pitchFamily="18" charset="0"/>
+              </a:rPr>
+              <a:t>The Hive Bus </a:t>
+            </a:r>
+          </a:p>
+        </p:txBody>
+      </p:sp>
+      <p:grpSp>
+        <p:nvGrpSpPr>
+          <p:cNvPr id="11" name="Group 10">
+            <a:extLst>
+              <a:ext uri="{FF2B5EF4-FFF2-40B4-BE49-F238E27FC236}">
+                <a16:creationId xmlns:a16="http://schemas.microsoft.com/office/drawing/2014/main" id="{FD569776-FA06-4505-A1F8-6E718691FA5E}"/>
+              </a:ext>
+            </a:extLst>
+          </p:cNvPr>
+          <p:cNvGrpSpPr/>
+          <p:nvPr/>
+        </p:nvGrpSpPr>
+        <p:grpSpPr>
+          <a:xfrm>
+            <a:off x="3822969" y="2520558"/>
+            <a:ext cx="3817709" cy="1155402"/>
+            <a:chOff x="1329265" y="3899103"/>
+            <a:chExt cx="8876131" cy="2729204"/>
+          </a:xfrm>
+        </p:grpSpPr>
+        <p:sp>
+          <p:nvSpPr>
+            <p:cNvPr id="14" name="Hexagon 13">
+              <a:extLst>
+                <a:ext uri="{FF2B5EF4-FFF2-40B4-BE49-F238E27FC236}">
+                  <a16:creationId xmlns:a16="http://schemas.microsoft.com/office/drawing/2014/main" id="{56AA0D9E-06C0-4069-9845-7AFA47BA6468}"/>
+                </a:ext>
+              </a:extLst>
+            </p:cNvPr>
+            <p:cNvSpPr/>
+            <p:nvPr/>
+          </p:nvSpPr>
+          <p:spPr>
+            <a:xfrm>
+              <a:off x="1329265" y="4370294"/>
+              <a:ext cx="1007706" cy="909734"/>
+            </a:xfrm>
+            <a:prstGeom prst="hexagon">
+              <a:avLst>
+                <a:gd name="adj" fmla="val 26489"/>
+                <a:gd name="vf" fmla="val 115470"/>
+              </a:avLst>
+            </a:prstGeom>
+          </p:spPr>
+          <p:style>
+            <a:lnRef idx="2">
+              <a:schemeClr val="accent4">
+                <a:shade val="50000"/>
+              </a:schemeClr>
+            </a:lnRef>
+            <a:fillRef idx="1">
+              <a:schemeClr val="accent4"/>
+            </a:fillRef>
+            <a:effectRef idx="0">
+              <a:schemeClr val="accent4"/>
+            </a:effectRef>
+            <a:fontRef idx="minor">
+              <a:schemeClr val="lt1"/>
+            </a:fontRef>
+          </p:style>
+          <p:txBody>
+            <a:bodyPr rtlCol="0" anchor="ctr"/>
+            <a:lstStyle/>
+            <a:p>
+              <a:pPr algn="ctr"/>
+              <a:endParaRPr lang="en-US" dirty="0"/>
+            </a:p>
+          </p:txBody>
+        </p:sp>
+        <p:sp>
+          <p:nvSpPr>
+            <p:cNvPr id="15" name="Hexagon 14">
+              <a:extLst>
+                <a:ext uri="{FF2B5EF4-FFF2-40B4-BE49-F238E27FC236}">
+                  <a16:creationId xmlns:a16="http://schemas.microsoft.com/office/drawing/2014/main" id="{CE3F9D63-71EE-436F-BB91-36F1F49B8D1E}"/>
+                </a:ext>
+              </a:extLst>
+            </p:cNvPr>
+            <p:cNvSpPr/>
+            <p:nvPr/>
+          </p:nvSpPr>
+          <p:spPr>
+            <a:xfrm>
+              <a:off x="2084267" y="5718573"/>
+              <a:ext cx="1007706" cy="909734"/>
+            </a:xfrm>
+            <a:prstGeom prst="hexagon">
+              <a:avLst>
+                <a:gd name="adj" fmla="val 26489"/>
+                <a:gd name="vf" fmla="val 115470"/>
+              </a:avLst>
+            </a:prstGeom>
+          </p:spPr>
+          <p:style>
+            <a:lnRef idx="2">
+              <a:schemeClr val="accent6">
+                <a:shade val="50000"/>
+              </a:schemeClr>
+            </a:lnRef>
+            <a:fillRef idx="1">
+              <a:schemeClr val="accent6"/>
+            </a:fillRef>
+            <a:effectRef idx="0">
+              <a:schemeClr val="accent6"/>
+            </a:effectRef>
+            <a:fontRef idx="minor">
+              <a:schemeClr val="lt1"/>
+            </a:fontRef>
+          </p:style>
+          <p:txBody>
+            <a:bodyPr rtlCol="0" anchor="ctr"/>
+            <a:lstStyle/>
+            <a:p>
+              <a:pPr algn="ctr"/>
+              <a:endParaRPr lang="en-US" dirty="0"/>
+            </a:p>
+          </p:txBody>
+        </p:sp>
+        <p:sp>
+          <p:nvSpPr>
+            <p:cNvPr id="16" name="Hexagon 15">
+              <a:extLst>
+                <a:ext uri="{FF2B5EF4-FFF2-40B4-BE49-F238E27FC236}">
+                  <a16:creationId xmlns:a16="http://schemas.microsoft.com/office/drawing/2014/main" id="{D0B396B8-DC89-4DB0-B5AE-180A2D8243F1}"/>
+                </a:ext>
+              </a:extLst>
+            </p:cNvPr>
+            <p:cNvSpPr/>
+            <p:nvPr/>
+          </p:nvSpPr>
+          <p:spPr>
+            <a:xfrm>
+              <a:off x="1329265" y="5280028"/>
+              <a:ext cx="1007706" cy="909734"/>
+            </a:xfrm>
+            <a:prstGeom prst="hexagon">
+              <a:avLst>
+                <a:gd name="adj" fmla="val 26489"/>
+                <a:gd name="vf" fmla="val 115470"/>
+              </a:avLst>
+            </a:prstGeom>
+          </p:spPr>
+          <p:style>
+            <a:lnRef idx="2">
+              <a:schemeClr val="accent1">
+                <a:shade val="50000"/>
+              </a:schemeClr>
+            </a:lnRef>
+            <a:fillRef idx="1">
+              <a:schemeClr val="accent1"/>
+            </a:fillRef>
+            <a:effectRef idx="0">
+              <a:schemeClr val="accent1"/>
+            </a:effectRef>
+            <a:fontRef idx="minor">
+              <a:schemeClr val="lt1"/>
+            </a:fontRef>
+          </p:style>
+          <p:txBody>
+            <a:bodyPr rtlCol="0" anchor="ctr"/>
+            <a:lstStyle/>
+            <a:p>
+              <a:pPr algn="ctr"/>
+              <a:endParaRPr lang="en-US" dirty="0"/>
+            </a:p>
+          </p:txBody>
+        </p:sp>
+        <p:sp>
+          <p:nvSpPr>
+            <p:cNvPr id="17" name="Hexagon 16">
+              <a:extLst>
+                <a:ext uri="{FF2B5EF4-FFF2-40B4-BE49-F238E27FC236}">
+                  <a16:creationId xmlns:a16="http://schemas.microsoft.com/office/drawing/2014/main" id="{59DCB207-10AC-4EA8-B5AC-BBCD8E3FF1CA}"/>
+                </a:ext>
+              </a:extLst>
+            </p:cNvPr>
+            <p:cNvSpPr/>
+            <p:nvPr/>
+          </p:nvSpPr>
+          <p:spPr>
+            <a:xfrm>
+              <a:off x="2084461" y="4808836"/>
+              <a:ext cx="1007706" cy="909735"/>
+            </a:xfrm>
+            <a:prstGeom prst="hexagon">
+              <a:avLst>
+                <a:gd name="adj" fmla="val 26489"/>
+                <a:gd name="vf" fmla="val 115470"/>
+              </a:avLst>
+            </a:prstGeom>
+          </p:spPr>
+          <p:style>
+            <a:lnRef idx="1">
+              <a:schemeClr val="accent6"/>
+            </a:lnRef>
+            <a:fillRef idx="2">
+              <a:schemeClr val="accent6"/>
+            </a:fillRef>
+            <a:effectRef idx="1">
+              <a:schemeClr val="accent6"/>
+            </a:effectRef>
+            <a:fontRef idx="minor">
+              <a:schemeClr val="dk1"/>
+            </a:fontRef>
+          </p:style>
+          <p:txBody>
+            <a:bodyPr rtlCol="0" anchor="ctr"/>
+            <a:lstStyle/>
+            <a:p>
+              <a:pPr algn="ctr"/>
+              <a:endParaRPr lang="en-US" dirty="0"/>
+            </a:p>
+          </p:txBody>
+        </p:sp>
+        <p:sp>
+          <p:nvSpPr>
+            <p:cNvPr id="18" name="Hexagon 17">
+              <a:extLst>
+                <a:ext uri="{FF2B5EF4-FFF2-40B4-BE49-F238E27FC236}">
+                  <a16:creationId xmlns:a16="http://schemas.microsoft.com/office/drawing/2014/main" id="{C3B8FEF3-2445-47F6-9C6E-5AA2AFE7D61B}"/>
+                </a:ext>
+              </a:extLst>
+            </p:cNvPr>
+            <p:cNvSpPr/>
+            <p:nvPr/>
+          </p:nvSpPr>
+          <p:spPr>
+            <a:xfrm>
+              <a:off x="2844713" y="5263706"/>
+              <a:ext cx="1007706" cy="909734"/>
+            </a:xfrm>
+            <a:prstGeom prst="hexagon">
+              <a:avLst>
+                <a:gd name="adj" fmla="val 26489"/>
+                <a:gd name="vf" fmla="val 115470"/>
+              </a:avLst>
+            </a:prstGeom>
+          </p:spPr>
+          <p:style>
+            <a:lnRef idx="2">
+              <a:schemeClr val="accent3">
+                <a:shade val="50000"/>
+              </a:schemeClr>
+            </a:lnRef>
+            <a:fillRef idx="1">
+              <a:schemeClr val="accent3"/>
+            </a:fillRef>
+            <a:effectRef idx="0">
+              <a:schemeClr val="accent3"/>
+            </a:effectRef>
+            <a:fontRef idx="minor">
+              <a:schemeClr val="lt1"/>
+            </a:fontRef>
+          </p:style>
+          <p:txBody>
+            <a:bodyPr rtlCol="0" anchor="ctr"/>
+            <a:lstStyle/>
+            <a:p>
+              <a:pPr algn="ctr"/>
+              <a:endParaRPr lang="en-US" dirty="0"/>
+            </a:p>
+          </p:txBody>
+        </p:sp>
+        <p:sp>
+          <p:nvSpPr>
+            <p:cNvPr id="19" name="Hexagon 18">
+              <a:extLst>
+                <a:ext uri="{FF2B5EF4-FFF2-40B4-BE49-F238E27FC236}">
+                  <a16:creationId xmlns:a16="http://schemas.microsoft.com/office/drawing/2014/main" id="{5DE9909E-5AF3-4E8F-BAAB-B260F16E9D58}"/>
+                </a:ext>
+              </a:extLst>
+            </p:cNvPr>
+            <p:cNvSpPr/>
+            <p:nvPr/>
+          </p:nvSpPr>
+          <p:spPr>
+            <a:xfrm>
+              <a:off x="2084267" y="3899105"/>
+              <a:ext cx="1007706" cy="909734"/>
+            </a:xfrm>
+            <a:prstGeom prst="hexagon">
+              <a:avLst>
+                <a:gd name="adj" fmla="val 26489"/>
+                <a:gd name="vf" fmla="val 115470"/>
+              </a:avLst>
+            </a:prstGeom>
+          </p:spPr>
+          <p:style>
+            <a:lnRef idx="2">
+              <a:schemeClr val="accent2">
+                <a:shade val="50000"/>
+              </a:schemeClr>
+            </a:lnRef>
+            <a:fillRef idx="1">
+              <a:schemeClr val="accent2"/>
+            </a:fillRef>
+            <a:effectRef idx="0">
+              <a:schemeClr val="accent2"/>
+            </a:effectRef>
+            <a:fontRef idx="minor">
+              <a:schemeClr val="lt1"/>
+            </a:fontRef>
+          </p:style>
+          <p:txBody>
+            <a:bodyPr rtlCol="0" anchor="ctr"/>
+            <a:lstStyle/>
+            <a:p>
+              <a:pPr algn="ctr"/>
+              <a:endParaRPr lang="en-US" dirty="0"/>
+            </a:p>
+          </p:txBody>
+        </p:sp>
+        <p:sp>
+          <p:nvSpPr>
+            <p:cNvPr id="20" name="Hexagon 19">
+              <a:extLst>
+                <a:ext uri="{FF2B5EF4-FFF2-40B4-BE49-F238E27FC236}">
+                  <a16:creationId xmlns:a16="http://schemas.microsoft.com/office/drawing/2014/main" id="{67A39BD4-A35E-4AC8-8436-08444C706E94}"/>
+                </a:ext>
+              </a:extLst>
+            </p:cNvPr>
+            <p:cNvSpPr/>
+            <p:nvPr/>
+          </p:nvSpPr>
+          <p:spPr>
+            <a:xfrm>
+              <a:off x="2844713" y="4353972"/>
+              <a:ext cx="1007706" cy="909734"/>
+            </a:xfrm>
+            <a:prstGeom prst="hexagon">
+              <a:avLst>
+                <a:gd name="adj" fmla="val 26489"/>
+                <a:gd name="vf" fmla="val 115470"/>
+              </a:avLst>
+            </a:prstGeom>
+          </p:spPr>
+          <p:style>
+            <a:lnRef idx="2">
+              <a:schemeClr val="accent1">
+                <a:shade val="50000"/>
+              </a:schemeClr>
+            </a:lnRef>
+            <a:fillRef idx="1">
+              <a:schemeClr val="accent1"/>
+            </a:fillRef>
+            <a:effectRef idx="0">
+              <a:schemeClr val="accent1"/>
+            </a:effectRef>
+            <a:fontRef idx="minor">
+              <a:schemeClr val="lt1"/>
+            </a:fontRef>
+          </p:style>
+          <p:txBody>
+            <a:bodyPr rtlCol="0" anchor="ctr"/>
+            <a:lstStyle/>
+            <a:p>
+              <a:pPr algn="ctr"/>
+              <a:endParaRPr lang="en-US" dirty="0"/>
+            </a:p>
+          </p:txBody>
+        </p:sp>
+        <p:sp>
+          <p:nvSpPr>
+            <p:cNvPr id="21" name="Hexagon 20">
+              <a:extLst>
+                <a:ext uri="{FF2B5EF4-FFF2-40B4-BE49-F238E27FC236}">
+                  <a16:creationId xmlns:a16="http://schemas.microsoft.com/office/drawing/2014/main" id="{EDA1B2A0-DF73-4A28-B895-11BE1BCF881C}"/>
+                </a:ext>
+              </a:extLst>
+            </p:cNvPr>
+            <p:cNvSpPr/>
+            <p:nvPr/>
+          </p:nvSpPr>
+          <p:spPr>
+            <a:xfrm>
+              <a:off x="3621486" y="3899104"/>
+              <a:ext cx="1007706" cy="909734"/>
+            </a:xfrm>
+            <a:prstGeom prst="hexagon">
+              <a:avLst>
+                <a:gd name="adj" fmla="val 26489"/>
+                <a:gd name="vf" fmla="val 115470"/>
+              </a:avLst>
+            </a:prstGeom>
+          </p:spPr>
+          <p:style>
+            <a:lnRef idx="2">
+              <a:schemeClr val="accent4">
+                <a:shade val="50000"/>
+              </a:schemeClr>
+            </a:lnRef>
+            <a:fillRef idx="1">
+              <a:schemeClr val="accent4"/>
+            </a:fillRef>
+            <a:effectRef idx="0">
+              <a:schemeClr val="accent4"/>
+            </a:effectRef>
+            <a:fontRef idx="minor">
+              <a:schemeClr val="lt1"/>
+            </a:fontRef>
+          </p:style>
+          <p:txBody>
+            <a:bodyPr rtlCol="0" anchor="ctr"/>
+            <a:lstStyle/>
+            <a:p>
+              <a:pPr algn="ctr"/>
+              <a:endParaRPr lang="en-US" dirty="0"/>
+            </a:p>
+          </p:txBody>
+        </p:sp>
+        <p:sp>
+          <p:nvSpPr>
+            <p:cNvPr id="22" name="Hexagon 21">
+              <a:extLst>
+                <a:ext uri="{FF2B5EF4-FFF2-40B4-BE49-F238E27FC236}">
+                  <a16:creationId xmlns:a16="http://schemas.microsoft.com/office/drawing/2014/main" id="{AAD237B9-F56E-4507-AA22-EC0CD61ABF3C}"/>
+                </a:ext>
+              </a:extLst>
+            </p:cNvPr>
+            <p:cNvSpPr/>
+            <p:nvPr/>
+          </p:nvSpPr>
+          <p:spPr>
+            <a:xfrm>
+              <a:off x="4368713" y="5287031"/>
+              <a:ext cx="1007706" cy="909734"/>
+            </a:xfrm>
+            <a:prstGeom prst="hexagon">
+              <a:avLst>
+                <a:gd name="adj" fmla="val 26489"/>
+                <a:gd name="vf" fmla="val 115470"/>
+              </a:avLst>
+            </a:prstGeom>
+          </p:spPr>
+          <p:style>
+            <a:lnRef idx="2">
+              <a:schemeClr val="accent6">
+                <a:shade val="50000"/>
+              </a:schemeClr>
+            </a:lnRef>
+            <a:fillRef idx="1">
+              <a:schemeClr val="accent6"/>
+            </a:fillRef>
+            <a:effectRef idx="0">
+              <a:schemeClr val="accent6"/>
+            </a:effectRef>
+            <a:fontRef idx="minor">
+              <a:schemeClr val="lt1"/>
+            </a:fontRef>
+          </p:style>
+          <p:txBody>
+            <a:bodyPr rtlCol="0" anchor="ctr"/>
+            <a:lstStyle/>
+            <a:p>
+              <a:pPr algn="ctr"/>
+              <a:endParaRPr lang="en-US" dirty="0"/>
+            </a:p>
+          </p:txBody>
+        </p:sp>
+        <p:sp>
+          <p:nvSpPr>
+            <p:cNvPr id="23" name="Hexagon 22">
+              <a:extLst>
+                <a:ext uri="{FF2B5EF4-FFF2-40B4-BE49-F238E27FC236}">
+                  <a16:creationId xmlns:a16="http://schemas.microsoft.com/office/drawing/2014/main" id="{37821796-6C80-4568-8188-BD15B695969D}"/>
+                </a:ext>
+              </a:extLst>
+            </p:cNvPr>
+            <p:cNvSpPr/>
+            <p:nvPr/>
+          </p:nvSpPr>
+          <p:spPr>
+            <a:xfrm>
+              <a:off x="3621486" y="4808838"/>
+              <a:ext cx="1007706" cy="909734"/>
+            </a:xfrm>
+            <a:prstGeom prst="hexagon">
+              <a:avLst>
+                <a:gd name="adj" fmla="val 26489"/>
+                <a:gd name="vf" fmla="val 115470"/>
+              </a:avLst>
+            </a:prstGeom>
+          </p:spPr>
+          <p:style>
+            <a:lnRef idx="2">
+              <a:schemeClr val="accent1">
+                <a:shade val="50000"/>
+              </a:schemeClr>
+            </a:lnRef>
+            <a:fillRef idx="1">
+              <a:schemeClr val="accent1"/>
+            </a:fillRef>
+            <a:effectRef idx="0">
+              <a:schemeClr val="accent1"/>
+            </a:effectRef>
+            <a:fontRef idx="minor">
+              <a:schemeClr val="lt1"/>
+            </a:fontRef>
+          </p:style>
+          <p:txBody>
+            <a:bodyPr rtlCol="0" anchor="ctr"/>
+            <a:lstStyle/>
+            <a:p>
+              <a:pPr algn="ctr"/>
+              <a:endParaRPr lang="en-US" dirty="0"/>
+            </a:p>
+          </p:txBody>
+        </p:sp>
+        <p:sp>
+          <p:nvSpPr>
+            <p:cNvPr id="24" name="Hexagon 23">
+              <a:extLst>
+                <a:ext uri="{FF2B5EF4-FFF2-40B4-BE49-F238E27FC236}">
+                  <a16:creationId xmlns:a16="http://schemas.microsoft.com/office/drawing/2014/main" id="{A1D6DF61-56EC-48A7-95B9-6D731F8E9C67}"/>
+                </a:ext>
+              </a:extLst>
+            </p:cNvPr>
+            <p:cNvSpPr/>
+            <p:nvPr/>
+          </p:nvSpPr>
+          <p:spPr>
+            <a:xfrm>
+              <a:off x="4395926" y="4353970"/>
+              <a:ext cx="971939" cy="933061"/>
+            </a:xfrm>
+            <a:prstGeom prst="hexagon">
+              <a:avLst>
+                <a:gd name="adj" fmla="val 26489"/>
+                <a:gd name="vf" fmla="val 115470"/>
+              </a:avLst>
+            </a:prstGeom>
+          </p:spPr>
+          <p:style>
+            <a:lnRef idx="1">
+              <a:schemeClr val="accent6"/>
+            </a:lnRef>
+            <a:fillRef idx="2">
+              <a:schemeClr val="accent6"/>
+            </a:fillRef>
+            <a:effectRef idx="1">
+              <a:schemeClr val="accent6"/>
+            </a:effectRef>
+            <a:fontRef idx="minor">
+              <a:schemeClr val="dk1"/>
+            </a:fontRef>
+          </p:style>
+          <p:txBody>
+            <a:bodyPr rtlCol="0" anchor="ctr"/>
+            <a:lstStyle/>
+            <a:p>
+              <a:pPr algn="ctr"/>
+              <a:endParaRPr lang="en-US" dirty="0"/>
+            </a:p>
+          </p:txBody>
+        </p:sp>
+        <p:sp>
+          <p:nvSpPr>
+            <p:cNvPr id="25" name="Hexagon 24">
+              <a:extLst>
+                <a:ext uri="{FF2B5EF4-FFF2-40B4-BE49-F238E27FC236}">
+                  <a16:creationId xmlns:a16="http://schemas.microsoft.com/office/drawing/2014/main" id="{004E0149-F4EE-4311-BC79-6782DB6D7F69}"/>
+                </a:ext>
+              </a:extLst>
+            </p:cNvPr>
+            <p:cNvSpPr/>
+            <p:nvPr/>
+          </p:nvSpPr>
+          <p:spPr>
+            <a:xfrm>
+              <a:off x="5136932" y="4808838"/>
+              <a:ext cx="1007706" cy="909734"/>
+            </a:xfrm>
+            <a:prstGeom prst="hexagon">
+              <a:avLst>
+                <a:gd name="adj" fmla="val 26489"/>
+                <a:gd name="vf" fmla="val 115470"/>
+              </a:avLst>
+            </a:prstGeom>
+          </p:spPr>
+          <p:style>
+            <a:lnRef idx="2">
+              <a:schemeClr val="accent3">
+                <a:shade val="50000"/>
+              </a:schemeClr>
+            </a:lnRef>
+            <a:fillRef idx="1">
+              <a:schemeClr val="accent3"/>
+            </a:fillRef>
+            <a:effectRef idx="0">
+              <a:schemeClr val="accent3"/>
+            </a:effectRef>
+            <a:fontRef idx="minor">
+              <a:schemeClr val="lt1"/>
+            </a:fontRef>
+          </p:style>
+          <p:txBody>
+            <a:bodyPr rtlCol="0" anchor="ctr"/>
+            <a:lstStyle/>
+            <a:p>
+              <a:pPr algn="ctr"/>
+              <a:endParaRPr lang="en-US" dirty="0"/>
+            </a:p>
+          </p:txBody>
+        </p:sp>
+        <p:sp>
+          <p:nvSpPr>
+            <p:cNvPr id="26" name="Hexagon 25">
+              <a:extLst>
+                <a:ext uri="{FF2B5EF4-FFF2-40B4-BE49-F238E27FC236}">
+                  <a16:creationId xmlns:a16="http://schemas.microsoft.com/office/drawing/2014/main" id="{80EAA40D-6BC9-4741-8076-8B9B49DEF394}"/>
+                </a:ext>
+              </a:extLst>
+            </p:cNvPr>
+            <p:cNvSpPr/>
+            <p:nvPr/>
+          </p:nvSpPr>
+          <p:spPr>
+            <a:xfrm>
+              <a:off x="3621486" y="5718571"/>
+              <a:ext cx="1007706" cy="909734"/>
+            </a:xfrm>
+            <a:prstGeom prst="hexagon">
+              <a:avLst>
+                <a:gd name="adj" fmla="val 26489"/>
+                <a:gd name="vf" fmla="val 115470"/>
+              </a:avLst>
+            </a:prstGeom>
+          </p:spPr>
+          <p:style>
+            <a:lnRef idx="2">
+              <a:schemeClr val="accent2">
+                <a:shade val="50000"/>
+              </a:schemeClr>
+            </a:lnRef>
+            <a:fillRef idx="1">
+              <a:schemeClr val="accent2"/>
+            </a:fillRef>
+            <a:effectRef idx="0">
+              <a:schemeClr val="accent2"/>
+            </a:effectRef>
+            <a:fontRef idx="minor">
+              <a:schemeClr val="lt1"/>
+            </a:fontRef>
+          </p:style>
+          <p:txBody>
+            <a:bodyPr rtlCol="0" anchor="ctr"/>
+            <a:lstStyle/>
+            <a:p>
+              <a:pPr algn="ctr"/>
+              <a:endParaRPr lang="en-US" dirty="0"/>
+            </a:p>
+          </p:txBody>
+        </p:sp>
+        <p:sp>
+          <p:nvSpPr>
+            <p:cNvPr id="27" name="Hexagon 26">
+              <a:extLst>
+                <a:ext uri="{FF2B5EF4-FFF2-40B4-BE49-F238E27FC236}">
+                  <a16:creationId xmlns:a16="http://schemas.microsoft.com/office/drawing/2014/main" id="{53FDB1FC-CC2F-47B1-8235-E951F8C3F2BD}"/>
+                </a:ext>
+              </a:extLst>
+            </p:cNvPr>
+            <p:cNvSpPr/>
+            <p:nvPr/>
+          </p:nvSpPr>
+          <p:spPr>
+            <a:xfrm>
+              <a:off x="5136932" y="3899104"/>
+              <a:ext cx="1007706" cy="909734"/>
+            </a:xfrm>
+            <a:prstGeom prst="hexagon">
+              <a:avLst>
+                <a:gd name="adj" fmla="val 26489"/>
+                <a:gd name="vf" fmla="val 115470"/>
+              </a:avLst>
+            </a:prstGeom>
+          </p:spPr>
+          <p:style>
+            <a:lnRef idx="2">
+              <a:schemeClr val="accent1">
+                <a:shade val="50000"/>
+              </a:schemeClr>
+            </a:lnRef>
+            <a:fillRef idx="1">
+              <a:schemeClr val="accent1"/>
+            </a:fillRef>
+            <a:effectRef idx="0">
+              <a:schemeClr val="accent1"/>
+            </a:effectRef>
+            <a:fontRef idx="minor">
+              <a:schemeClr val="lt1"/>
+            </a:fontRef>
+          </p:style>
+          <p:txBody>
+            <a:bodyPr rtlCol="0" anchor="ctr"/>
+            <a:lstStyle/>
+            <a:p>
+              <a:pPr algn="ctr"/>
+              <a:endParaRPr lang="en-US" dirty="0"/>
+            </a:p>
+          </p:txBody>
+        </p:sp>
+        <p:sp>
+          <p:nvSpPr>
+            <p:cNvPr id="28" name="Hexagon 27">
+              <a:extLst>
+                <a:ext uri="{FF2B5EF4-FFF2-40B4-BE49-F238E27FC236}">
+                  <a16:creationId xmlns:a16="http://schemas.microsoft.com/office/drawing/2014/main" id="{C1AD2C40-AFD5-4EFB-9D17-B1FE097FEF59}"/>
+                </a:ext>
+              </a:extLst>
+            </p:cNvPr>
+            <p:cNvSpPr/>
+            <p:nvPr/>
+          </p:nvSpPr>
+          <p:spPr>
+            <a:xfrm>
+              <a:off x="5913706" y="4353970"/>
+              <a:ext cx="1007706" cy="909734"/>
+            </a:xfrm>
+            <a:prstGeom prst="hexagon">
+              <a:avLst>
+                <a:gd name="adj" fmla="val 26489"/>
+                <a:gd name="vf" fmla="val 115470"/>
+              </a:avLst>
+            </a:prstGeom>
+          </p:spPr>
+          <p:style>
+            <a:lnRef idx="2">
+              <a:schemeClr val="accent4">
+                <a:shade val="50000"/>
+              </a:schemeClr>
+            </a:lnRef>
+            <a:fillRef idx="1">
+              <a:schemeClr val="accent4"/>
+            </a:fillRef>
+            <a:effectRef idx="0">
+              <a:schemeClr val="accent4"/>
+            </a:effectRef>
+            <a:fontRef idx="minor">
+              <a:schemeClr val="lt1"/>
+            </a:fontRef>
+          </p:style>
+          <p:txBody>
+            <a:bodyPr rtlCol="0" anchor="ctr"/>
+            <a:lstStyle/>
+            <a:p>
+              <a:pPr algn="ctr"/>
+              <a:endParaRPr lang="en-US" dirty="0"/>
+            </a:p>
+          </p:txBody>
+        </p:sp>
+        <p:sp>
+          <p:nvSpPr>
+            <p:cNvPr id="29" name="Hexagon 28">
+              <a:extLst>
+                <a:ext uri="{FF2B5EF4-FFF2-40B4-BE49-F238E27FC236}">
+                  <a16:creationId xmlns:a16="http://schemas.microsoft.com/office/drawing/2014/main" id="{F9AA2FAD-2C3E-46A4-B86F-FB31B0FDC052}"/>
+                </a:ext>
+              </a:extLst>
+            </p:cNvPr>
+            <p:cNvSpPr/>
+            <p:nvPr/>
+          </p:nvSpPr>
+          <p:spPr>
+            <a:xfrm>
+              <a:off x="6652380" y="5718571"/>
+              <a:ext cx="1007706" cy="909734"/>
+            </a:xfrm>
+            <a:prstGeom prst="hexagon">
+              <a:avLst>
+                <a:gd name="adj" fmla="val 26489"/>
+                <a:gd name="vf" fmla="val 115470"/>
+              </a:avLst>
+            </a:prstGeom>
+          </p:spPr>
+          <p:style>
+            <a:lnRef idx="2">
+              <a:schemeClr val="accent6">
+                <a:shade val="50000"/>
+              </a:schemeClr>
+            </a:lnRef>
+            <a:fillRef idx="1">
+              <a:schemeClr val="accent6"/>
+            </a:fillRef>
+            <a:effectRef idx="0">
+              <a:schemeClr val="accent6"/>
+            </a:effectRef>
+            <a:fontRef idx="minor">
+              <a:schemeClr val="lt1"/>
+            </a:fontRef>
+          </p:style>
+          <p:txBody>
+            <a:bodyPr rtlCol="0" anchor="ctr"/>
+            <a:lstStyle/>
+            <a:p>
+              <a:pPr algn="ctr"/>
+              <a:endParaRPr lang="en-US" dirty="0"/>
+            </a:p>
+          </p:txBody>
+        </p:sp>
+        <p:sp>
+          <p:nvSpPr>
+            <p:cNvPr id="30" name="Hexagon 29">
+              <a:extLst>
+                <a:ext uri="{FF2B5EF4-FFF2-40B4-BE49-F238E27FC236}">
+                  <a16:creationId xmlns:a16="http://schemas.microsoft.com/office/drawing/2014/main" id="{945CE781-C89C-4D29-B66D-CB07DD7B897C}"/>
+                </a:ext>
+              </a:extLst>
+            </p:cNvPr>
+            <p:cNvSpPr/>
+            <p:nvPr/>
+          </p:nvSpPr>
+          <p:spPr>
+            <a:xfrm>
+              <a:off x="5913706" y="5263704"/>
+              <a:ext cx="1007706" cy="909734"/>
+            </a:xfrm>
+            <a:prstGeom prst="hexagon">
+              <a:avLst>
+                <a:gd name="adj" fmla="val 26489"/>
+                <a:gd name="vf" fmla="val 115470"/>
+              </a:avLst>
+            </a:prstGeom>
+          </p:spPr>
+          <p:style>
+            <a:lnRef idx="2">
+              <a:schemeClr val="accent1">
+                <a:shade val="50000"/>
+              </a:schemeClr>
+            </a:lnRef>
+            <a:fillRef idx="1">
+              <a:schemeClr val="accent1"/>
+            </a:fillRef>
+            <a:effectRef idx="0">
+              <a:schemeClr val="accent1"/>
+            </a:effectRef>
+            <a:fontRef idx="minor">
+              <a:schemeClr val="lt1"/>
+            </a:fontRef>
+          </p:style>
+          <p:txBody>
+            <a:bodyPr rtlCol="0" anchor="ctr"/>
+            <a:lstStyle/>
+            <a:p>
+              <a:pPr algn="ctr"/>
+              <a:endParaRPr lang="en-US" dirty="0"/>
+            </a:p>
+          </p:txBody>
+        </p:sp>
+        <p:sp>
+          <p:nvSpPr>
+            <p:cNvPr id="31" name="Hexagon 30">
+              <a:extLst>
+                <a:ext uri="{FF2B5EF4-FFF2-40B4-BE49-F238E27FC236}">
+                  <a16:creationId xmlns:a16="http://schemas.microsoft.com/office/drawing/2014/main" id="{E7192187-8321-41A7-8504-08C01A781921}"/>
+                </a:ext>
+              </a:extLst>
+            </p:cNvPr>
+            <p:cNvSpPr/>
+            <p:nvPr/>
+          </p:nvSpPr>
+          <p:spPr>
+            <a:xfrm>
+              <a:off x="6688146" y="4808836"/>
+              <a:ext cx="971939" cy="933061"/>
+            </a:xfrm>
+            <a:prstGeom prst="hexagon">
+              <a:avLst>
+                <a:gd name="adj" fmla="val 26489"/>
+                <a:gd name="vf" fmla="val 115470"/>
+              </a:avLst>
+            </a:prstGeom>
+          </p:spPr>
+          <p:style>
+            <a:lnRef idx="1">
+              <a:schemeClr val="accent6"/>
+            </a:lnRef>
+            <a:fillRef idx="2">
+              <a:schemeClr val="accent6"/>
+            </a:fillRef>
+            <a:effectRef idx="1">
+              <a:schemeClr val="accent6"/>
+            </a:effectRef>
+            <a:fontRef idx="minor">
+              <a:schemeClr val="dk1"/>
+            </a:fontRef>
+          </p:style>
+          <p:txBody>
+            <a:bodyPr rtlCol="0" anchor="ctr"/>
+            <a:lstStyle/>
+            <a:p>
+              <a:pPr algn="ctr"/>
+              <a:endParaRPr lang="en-US" dirty="0"/>
+            </a:p>
+          </p:txBody>
+        </p:sp>
+        <p:sp>
+          <p:nvSpPr>
+            <p:cNvPr id="32" name="Hexagon 31">
+              <a:extLst>
+                <a:ext uri="{FF2B5EF4-FFF2-40B4-BE49-F238E27FC236}">
+                  <a16:creationId xmlns:a16="http://schemas.microsoft.com/office/drawing/2014/main" id="{685B4BB6-966D-41F4-B4AD-8A2552B05423}"/>
+                </a:ext>
+              </a:extLst>
+            </p:cNvPr>
+            <p:cNvSpPr/>
+            <p:nvPr/>
+          </p:nvSpPr>
+          <p:spPr>
+            <a:xfrm>
+              <a:off x="6652380" y="3899103"/>
+              <a:ext cx="1007706" cy="909734"/>
+            </a:xfrm>
+            <a:prstGeom prst="hexagon">
+              <a:avLst>
+                <a:gd name="adj" fmla="val 26489"/>
+                <a:gd name="vf" fmla="val 115470"/>
+              </a:avLst>
+            </a:prstGeom>
+          </p:spPr>
+          <p:style>
+            <a:lnRef idx="2">
+              <a:schemeClr val="accent2">
+                <a:shade val="50000"/>
+              </a:schemeClr>
+            </a:lnRef>
+            <a:fillRef idx="1">
+              <a:schemeClr val="accent2"/>
+            </a:fillRef>
+            <a:effectRef idx="0">
+              <a:schemeClr val="accent2"/>
+            </a:effectRef>
+            <a:fontRef idx="minor">
+              <a:schemeClr val="lt1"/>
+            </a:fontRef>
+          </p:style>
+          <p:txBody>
+            <a:bodyPr rtlCol="0" anchor="ctr"/>
+            <a:lstStyle/>
+            <a:p>
+              <a:pPr algn="ctr"/>
+              <a:endParaRPr lang="en-US" dirty="0"/>
+            </a:p>
+          </p:txBody>
+        </p:sp>
+        <p:sp>
+          <p:nvSpPr>
+            <p:cNvPr id="33" name="Hexagon 32">
+              <a:extLst>
+                <a:ext uri="{FF2B5EF4-FFF2-40B4-BE49-F238E27FC236}">
+                  <a16:creationId xmlns:a16="http://schemas.microsoft.com/office/drawing/2014/main" id="{66397F50-1525-4D46-8E30-5FAF2FACB2DE}"/>
+                </a:ext>
+              </a:extLst>
+            </p:cNvPr>
+            <p:cNvSpPr/>
+            <p:nvPr/>
+          </p:nvSpPr>
+          <p:spPr>
+            <a:xfrm>
+              <a:off x="7391053" y="4353969"/>
+              <a:ext cx="1007706" cy="909734"/>
+            </a:xfrm>
+            <a:prstGeom prst="hexagon">
+              <a:avLst>
+                <a:gd name="adj" fmla="val 26489"/>
+                <a:gd name="vf" fmla="val 115470"/>
+              </a:avLst>
+            </a:prstGeom>
+          </p:spPr>
+          <p:style>
+            <a:lnRef idx="2">
+              <a:schemeClr val="accent4">
+                <a:shade val="50000"/>
+              </a:schemeClr>
+            </a:lnRef>
+            <a:fillRef idx="1">
+              <a:schemeClr val="accent4"/>
+            </a:fillRef>
+            <a:effectRef idx="0">
+              <a:schemeClr val="accent4"/>
+            </a:effectRef>
+            <a:fontRef idx="minor">
+              <a:schemeClr val="lt1"/>
+            </a:fontRef>
+          </p:style>
+          <p:txBody>
+            <a:bodyPr rtlCol="0" anchor="ctr"/>
+            <a:lstStyle/>
+            <a:p>
+              <a:pPr algn="ctr"/>
+              <a:endParaRPr lang="en-US" dirty="0"/>
+            </a:p>
+          </p:txBody>
+        </p:sp>
+        <p:sp>
+          <p:nvSpPr>
+            <p:cNvPr id="34" name="Hexagon 33">
+              <a:extLst>
+                <a:ext uri="{FF2B5EF4-FFF2-40B4-BE49-F238E27FC236}">
+                  <a16:creationId xmlns:a16="http://schemas.microsoft.com/office/drawing/2014/main" id="{D06A6FA8-A54A-4FA3-A053-F3AB12855C6F}"/>
+                </a:ext>
+              </a:extLst>
+            </p:cNvPr>
+            <p:cNvSpPr/>
+            <p:nvPr/>
+          </p:nvSpPr>
+          <p:spPr>
+            <a:xfrm>
+              <a:off x="7391053" y="5263703"/>
+              <a:ext cx="1007706" cy="909734"/>
+            </a:xfrm>
+            <a:prstGeom prst="hexagon">
+              <a:avLst>
+                <a:gd name="adj" fmla="val 26489"/>
+                <a:gd name="vf" fmla="val 115470"/>
+              </a:avLst>
+            </a:prstGeom>
+          </p:spPr>
+          <p:style>
+            <a:lnRef idx="2">
+              <a:schemeClr val="accent1">
+                <a:shade val="50000"/>
+              </a:schemeClr>
+            </a:lnRef>
+            <a:fillRef idx="1">
+              <a:schemeClr val="accent1"/>
+            </a:fillRef>
+            <a:effectRef idx="0">
+              <a:schemeClr val="accent1"/>
+            </a:effectRef>
+            <a:fontRef idx="minor">
+              <a:schemeClr val="lt1"/>
+            </a:fontRef>
+          </p:style>
+          <p:txBody>
+            <a:bodyPr rtlCol="0" anchor="ctr"/>
+            <a:lstStyle/>
+            <a:p>
+              <a:pPr algn="ctr"/>
+              <a:endParaRPr lang="en-US" dirty="0"/>
+            </a:p>
+          </p:txBody>
+        </p:sp>
+        <p:sp>
+          <p:nvSpPr>
+            <p:cNvPr id="35" name="Hexagon 34">
+              <a:extLst>
+                <a:ext uri="{FF2B5EF4-FFF2-40B4-BE49-F238E27FC236}">
+                  <a16:creationId xmlns:a16="http://schemas.microsoft.com/office/drawing/2014/main" id="{D4D8BC00-91FD-4349-8398-5DEC78C932BC}"/>
+                </a:ext>
+              </a:extLst>
+            </p:cNvPr>
+            <p:cNvSpPr/>
+            <p:nvPr/>
+          </p:nvSpPr>
+          <p:spPr>
+            <a:xfrm>
+              <a:off x="5135767" y="5718570"/>
+              <a:ext cx="1007706" cy="909734"/>
+            </a:xfrm>
+            <a:prstGeom prst="hexagon">
+              <a:avLst>
+                <a:gd name="adj" fmla="val 26489"/>
+                <a:gd name="vf" fmla="val 115470"/>
+              </a:avLst>
+            </a:prstGeom>
+          </p:spPr>
+          <p:style>
+            <a:lnRef idx="2">
+              <a:schemeClr val="accent4">
+                <a:shade val="50000"/>
+              </a:schemeClr>
+            </a:lnRef>
+            <a:fillRef idx="1">
+              <a:schemeClr val="accent4"/>
+            </a:fillRef>
+            <a:effectRef idx="0">
+              <a:schemeClr val="accent4"/>
+            </a:effectRef>
+            <a:fontRef idx="minor">
+              <a:schemeClr val="lt1"/>
+            </a:fontRef>
+          </p:style>
+          <p:txBody>
+            <a:bodyPr rtlCol="0" anchor="ctr"/>
+            <a:lstStyle/>
+            <a:p>
+              <a:pPr algn="ctr"/>
+              <a:endParaRPr lang="en-US" dirty="0"/>
+            </a:p>
+          </p:txBody>
+        </p:sp>
+        <p:grpSp>
+          <p:nvGrpSpPr>
+            <p:cNvPr id="36" name="Group 35">
+              <a:extLst>
+                <a:ext uri="{FF2B5EF4-FFF2-40B4-BE49-F238E27FC236}">
+                  <a16:creationId xmlns:a16="http://schemas.microsoft.com/office/drawing/2014/main" id="{C2F7DD99-E9A2-4DB2-B670-039A737AC22D}"/>
+                </a:ext>
+              </a:extLst>
+            </p:cNvPr>
+            <p:cNvGrpSpPr/>
+            <p:nvPr/>
+          </p:nvGrpSpPr>
+          <p:grpSpPr>
+            <a:xfrm>
+              <a:off x="7695851" y="3899103"/>
+              <a:ext cx="2509545" cy="2729200"/>
+              <a:chOff x="8625373" y="1304731"/>
+              <a:chExt cx="2509545" cy="2729200"/>
+            </a:xfrm>
+          </p:grpSpPr>
+          <p:grpSp>
+            <p:nvGrpSpPr>
+              <p:cNvPr id="38" name="Group 37">
+                <a:extLst>
+                  <a:ext uri="{FF2B5EF4-FFF2-40B4-BE49-F238E27FC236}">
+                    <a16:creationId xmlns:a16="http://schemas.microsoft.com/office/drawing/2014/main" id="{D7818D21-5781-4E63-A2D0-AE5B6B016FE5}"/>
+                  </a:ext>
+                </a:extLst>
+              </p:cNvPr>
+              <p:cNvGrpSpPr/>
+              <p:nvPr/>
+            </p:nvGrpSpPr>
+            <p:grpSpPr>
+              <a:xfrm>
+                <a:off x="9086855" y="1304731"/>
+                <a:ext cx="1008480" cy="2729200"/>
+                <a:chOff x="9086855" y="1304731"/>
+                <a:chExt cx="1008480" cy="2729200"/>
+              </a:xfrm>
+            </p:grpSpPr>
+            <p:sp>
+              <p:nvSpPr>
+                <p:cNvPr id="40" name="Hexagon 39">
+                  <a:extLst>
+                    <a:ext uri="{FF2B5EF4-FFF2-40B4-BE49-F238E27FC236}">
+                      <a16:creationId xmlns:a16="http://schemas.microsoft.com/office/drawing/2014/main" id="{BDFED4AF-1D95-45E8-B542-640BBD4AD27C}"/>
+                    </a:ext>
+                  </a:extLst>
+                </p:cNvPr>
+                <p:cNvSpPr/>
+                <p:nvPr/>
+              </p:nvSpPr>
+              <p:spPr>
+                <a:xfrm>
+                  <a:off x="9087242" y="2214465"/>
+                  <a:ext cx="1007706" cy="909734"/>
+                </a:xfrm>
+                <a:prstGeom prst="hexagon">
+                  <a:avLst>
+                    <a:gd name="adj" fmla="val 26489"/>
+                    <a:gd name="vf" fmla="val 115470"/>
+                  </a:avLst>
+                </a:prstGeom>
+                <a:solidFill>
+                  <a:srgbClr val="FF0000"/>
+                </a:solidFill>
+                <a:ln>
+                  <a:noFill/>
+                </a:ln>
+              </p:spPr>
+              <p:style>
+                <a:lnRef idx="2">
+                  <a:schemeClr val="accent3">
+                    <a:shade val="50000"/>
+                  </a:schemeClr>
+                </a:lnRef>
+                <a:fillRef idx="1">
+                  <a:schemeClr val="accent3"/>
+                </a:fillRef>
+                <a:effectRef idx="0">
+                  <a:schemeClr val="accent3"/>
+                </a:effectRef>
+                <a:fontRef idx="minor">
+                  <a:schemeClr val="lt1"/>
+                </a:fontRef>
+              </p:style>
+              <p:txBody>
+                <a:bodyPr rtlCol="0" anchor="ctr"/>
+                <a:lstStyle/>
+                <a:p>
+                  <a:pPr algn="ctr"/>
+                  <a:endParaRPr lang="en-US" dirty="0"/>
+                </a:p>
+              </p:txBody>
+            </p:sp>
+            <p:sp>
+              <p:nvSpPr>
+                <p:cNvPr id="41" name="Hexagon 40">
+                  <a:extLst>
+                    <a:ext uri="{FF2B5EF4-FFF2-40B4-BE49-F238E27FC236}">
+                      <a16:creationId xmlns:a16="http://schemas.microsoft.com/office/drawing/2014/main" id="{E45B04C9-136C-46D2-860C-76563EDD183B}"/>
+                    </a:ext>
+                  </a:extLst>
+                </p:cNvPr>
+                <p:cNvSpPr/>
+                <p:nvPr/>
+              </p:nvSpPr>
+              <p:spPr>
+                <a:xfrm>
+                  <a:off x="9086855" y="1304731"/>
+                  <a:ext cx="1007706" cy="909734"/>
+                </a:xfrm>
+                <a:prstGeom prst="hexagon">
+                  <a:avLst>
+                    <a:gd name="adj" fmla="val 26489"/>
+                    <a:gd name="vf" fmla="val 115470"/>
+                  </a:avLst>
+                </a:prstGeom>
+                <a:solidFill>
+                  <a:srgbClr val="FF0000"/>
+                </a:solidFill>
+                <a:ln>
+                  <a:noFill/>
+                </a:ln>
+              </p:spPr>
+              <p:style>
+                <a:lnRef idx="2">
+                  <a:schemeClr val="accent1">
+                    <a:shade val="50000"/>
+                  </a:schemeClr>
+                </a:lnRef>
+                <a:fillRef idx="1">
+                  <a:schemeClr val="accent1"/>
+                </a:fillRef>
+                <a:effectRef idx="0">
+                  <a:schemeClr val="accent1"/>
+                </a:effectRef>
+                <a:fontRef idx="minor">
+                  <a:schemeClr val="lt1"/>
+                </a:fontRef>
+              </p:style>
+              <p:txBody>
+                <a:bodyPr rtlCol="0" anchor="ctr"/>
+                <a:lstStyle/>
+                <a:p>
+                  <a:pPr algn="ctr"/>
+                  <a:endParaRPr lang="en-US" dirty="0"/>
+                </a:p>
+              </p:txBody>
+            </p:sp>
+            <p:sp>
+              <p:nvSpPr>
+                <p:cNvPr id="42" name="Hexagon 41">
+                  <a:extLst>
+                    <a:ext uri="{FF2B5EF4-FFF2-40B4-BE49-F238E27FC236}">
+                      <a16:creationId xmlns:a16="http://schemas.microsoft.com/office/drawing/2014/main" id="{D71B237C-3DD5-4E46-9519-3A8C6D3C0974}"/>
+                    </a:ext>
+                  </a:extLst>
+                </p:cNvPr>
+                <p:cNvSpPr/>
+                <p:nvPr/>
+              </p:nvSpPr>
+              <p:spPr>
+                <a:xfrm>
+                  <a:off x="9087629" y="3124197"/>
+                  <a:ext cx="1007706" cy="909734"/>
+                </a:xfrm>
+                <a:prstGeom prst="hexagon">
+                  <a:avLst>
+                    <a:gd name="adj" fmla="val 26489"/>
+                    <a:gd name="vf" fmla="val 115470"/>
+                  </a:avLst>
+                </a:prstGeom>
+                <a:solidFill>
+                  <a:srgbClr val="FF0000"/>
+                </a:solidFill>
+                <a:ln>
+                  <a:noFill/>
+                </a:ln>
+              </p:spPr>
+              <p:style>
+                <a:lnRef idx="2">
+                  <a:schemeClr val="accent4">
+                    <a:shade val="50000"/>
+                  </a:schemeClr>
+                </a:lnRef>
+                <a:fillRef idx="1">
+                  <a:schemeClr val="accent4"/>
+                </a:fillRef>
+                <a:effectRef idx="0">
+                  <a:schemeClr val="accent4"/>
+                </a:effectRef>
+                <a:fontRef idx="minor">
+                  <a:schemeClr val="lt1"/>
+                </a:fontRef>
+              </p:style>
+              <p:txBody>
+                <a:bodyPr rtlCol="0" anchor="ctr"/>
+                <a:lstStyle/>
+                <a:p>
+                  <a:pPr algn="ctr"/>
+                  <a:endParaRPr lang="en-US" dirty="0"/>
+                </a:p>
+              </p:txBody>
+            </p:sp>
+          </p:grpSp>
+          <p:sp>
+            <p:nvSpPr>
+              <p:cNvPr id="39" name="Arc 38">
+                <a:extLst>
+                  <a:ext uri="{FF2B5EF4-FFF2-40B4-BE49-F238E27FC236}">
+                    <a16:creationId xmlns:a16="http://schemas.microsoft.com/office/drawing/2014/main" id="{AC563135-705A-4D02-8EE3-C2D268DBDFFC}"/>
+                  </a:ext>
+                </a:extLst>
+              </p:cNvPr>
+              <p:cNvSpPr/>
+              <p:nvPr/>
+            </p:nvSpPr>
+            <p:spPr>
+              <a:xfrm>
+                <a:off x="8625373" y="1304731"/>
+                <a:ext cx="2509545" cy="2729200"/>
+              </a:xfrm>
+              <a:prstGeom prst="arc">
+                <a:avLst>
+                  <a:gd name="adj1" fmla="val 16056241"/>
+                  <a:gd name="adj2" fmla="val 5457289"/>
+                </a:avLst>
+              </a:prstGeom>
+              <a:solidFill>
+                <a:srgbClr val="FF0000"/>
+              </a:solidFill>
+            </p:spPr>
+            <p:style>
+              <a:lnRef idx="1">
+                <a:schemeClr val="accent1"/>
+              </a:lnRef>
+              <a:fillRef idx="0">
+                <a:schemeClr val="accent1"/>
+              </a:fillRef>
+              <a:effectRef idx="0">
+                <a:schemeClr val="accent1"/>
+              </a:effectRef>
+              <a:fontRef idx="minor">
+                <a:schemeClr val="tx1"/>
+              </a:fontRef>
+            </p:style>
+            <p:txBody>
+              <a:bodyPr rtlCol="0" anchor="ctr"/>
+              <a:lstStyle/>
+              <a:p>
+                <a:pPr algn="ctr"/>
+                <a:endParaRPr lang="en-US" dirty="0"/>
+              </a:p>
+            </p:txBody>
+          </p:sp>
+        </p:grpSp>
+        <p:sp>
+          <p:nvSpPr>
+            <p:cNvPr id="37" name="Trapezoid 36">
+              <a:extLst>
+                <a:ext uri="{FF2B5EF4-FFF2-40B4-BE49-F238E27FC236}">
+                  <a16:creationId xmlns:a16="http://schemas.microsoft.com/office/drawing/2014/main" id="{717B43D6-ECB3-472B-89C0-1303A1F43482}"/>
+                </a:ext>
+              </a:extLst>
+            </p:cNvPr>
+            <p:cNvSpPr/>
+            <p:nvPr/>
+          </p:nvSpPr>
+          <p:spPr>
+            <a:xfrm rot="5400000">
+              <a:off x="8186912" y="5012179"/>
+              <a:ext cx="2516936" cy="454065"/>
+            </a:xfrm>
+            <a:prstGeom prst="trapezoid">
+              <a:avLst>
+                <a:gd name="adj" fmla="val 43245"/>
+              </a:avLst>
+            </a:prstGeom>
+          </p:spPr>
+          <p:style>
+            <a:lnRef idx="2">
+              <a:schemeClr val="accent1">
+                <a:shade val="50000"/>
+              </a:schemeClr>
+            </a:lnRef>
+            <a:fillRef idx="1">
+              <a:schemeClr val="accent1"/>
+            </a:fillRef>
+            <a:effectRef idx="0">
+              <a:schemeClr val="accent1"/>
+            </a:effectRef>
+            <a:fontRef idx="minor">
+              <a:schemeClr val="lt1"/>
+            </a:fontRef>
+          </p:style>
+          <p:txBody>
+            <a:bodyPr rtlCol="0" anchor="ctr"/>
+            <a:lstStyle/>
+            <a:p>
+              <a:pPr algn="ctr"/>
+              <a:endParaRPr lang="en-US" dirty="0"/>
+            </a:p>
+          </p:txBody>
+        </p:sp>
+      </p:grpSp>
+      <p:grpSp>
+        <p:nvGrpSpPr>
+          <p:cNvPr id="5" name="Group 4">
+            <a:extLst>
+              <a:ext uri="{FF2B5EF4-FFF2-40B4-BE49-F238E27FC236}">
+                <a16:creationId xmlns:a16="http://schemas.microsoft.com/office/drawing/2014/main" id="{E0A3FF4B-3B5A-4AE5-BE88-BE6F20071268}"/>
+              </a:ext>
+            </a:extLst>
+          </p:cNvPr>
+          <p:cNvGrpSpPr/>
+          <p:nvPr/>
+        </p:nvGrpSpPr>
+        <p:grpSpPr>
+          <a:xfrm>
+            <a:off x="4605549" y="4529948"/>
+            <a:ext cx="2459453" cy="2049545"/>
+            <a:chOff x="4605549" y="4529948"/>
+            <a:chExt cx="2459453" cy="2049545"/>
+          </a:xfrm>
+        </p:grpSpPr>
+        <p:pic>
+          <p:nvPicPr>
+            <p:cNvPr id="1026" name="Picture 2" descr="16 Robot Arm Robotic Arm Engineering Sphere Stock Photos, Pictures &amp;amp;  Royalty-Free Images - iStock">
+              <a:extLst>
+                <a:ext uri="{FF2B5EF4-FFF2-40B4-BE49-F238E27FC236}">
+                  <a16:creationId xmlns:a16="http://schemas.microsoft.com/office/drawing/2014/main" id="{C82D3C22-E614-4D90-ADAD-C1FCBD4C270A}"/>
+                </a:ext>
+              </a:extLst>
+            </p:cNvPr>
+            <p:cNvPicPr>
+              <a:picLocks noChangeAspect="1" noChangeArrowheads="1"/>
+            </p:cNvPicPr>
+            <p:nvPr/>
+          </p:nvPicPr>
+          <p:blipFill>
+            <a:blip r:embed="rId2">
+              <a:extLst>
+                <a:ext uri="{28A0092B-C50C-407E-A947-70E740481C1C}">
+                  <a14:useLocalDpi xmlns:a14="http://schemas.microsoft.com/office/drawing/2010/main" val="0"/>
+                </a:ext>
+              </a:extLst>
+            </a:blip>
+            <a:srcRect/>
+            <a:stretch>
+              <a:fillRect/>
+            </a:stretch>
+          </p:blipFill>
+          <p:spPr bwMode="auto">
+            <a:xfrm>
+              <a:off x="4605549" y="4529948"/>
+              <a:ext cx="2459453" cy="2049545"/>
+            </a:xfrm>
+            <a:prstGeom prst="rect">
+              <a:avLst/>
+            </a:prstGeom>
+            <a:noFill/>
+            <a:extLst>
+              <a:ext uri="{909E8E84-426E-40DD-AFC4-6F175D3DCCD1}">
+                <a14:hiddenFill xmlns:a14="http://schemas.microsoft.com/office/drawing/2010/main">
+                  <a:solidFill>
+                    <a:srgbClr val="FFFFFF"/>
+                  </a:solidFill>
+                </a14:hiddenFill>
+              </a:ext>
+            </a:extLst>
+          </p:spPr>
+        </p:pic>
+        <p:pic>
+          <p:nvPicPr>
+            <p:cNvPr id="4" name="Picture 3" descr="Logo&#10;&#10;Description automatically generated">
+              <a:extLst>
+                <a:ext uri="{FF2B5EF4-FFF2-40B4-BE49-F238E27FC236}">
+                  <a16:creationId xmlns:a16="http://schemas.microsoft.com/office/drawing/2014/main" id="{40F08507-C707-487F-8DE9-528561FDEA93}"/>
+                </a:ext>
+              </a:extLst>
+            </p:cNvPr>
+            <p:cNvPicPr>
+              <a:picLocks noChangeAspect="1"/>
+            </p:cNvPicPr>
+            <p:nvPr/>
+          </p:nvPicPr>
+          <p:blipFill>
+            <a:blip r:embed="rId3">
+              <a:extLst>
+                <a:ext uri="{28A0092B-C50C-407E-A947-70E740481C1C}">
+                  <a14:useLocalDpi xmlns:a14="http://schemas.microsoft.com/office/drawing/2010/main" val="0"/>
+                </a:ext>
+              </a:extLst>
+            </a:blip>
+            <a:stretch>
+              <a:fillRect/>
+            </a:stretch>
+          </p:blipFill>
+          <p:spPr>
+            <a:xfrm>
+              <a:off x="5168955" y="4617644"/>
+              <a:ext cx="1383985" cy="1383985"/>
+            </a:xfrm>
+            <a:prstGeom prst="rect">
+              <a:avLst/>
+            </a:prstGeom>
+          </p:spPr>
+        </p:pic>
+      </p:grpSp>
+    </p:spTree>
+    <p:extLst>
+      <p:ext uri="{BB962C8B-B14F-4D97-AF65-F5344CB8AC3E}">
+        <p14:creationId xmlns:p14="http://schemas.microsoft.com/office/powerpoint/2010/main" val="179463278"/>
+      </p:ext>
+    </p:extLst>
+  </p:cSld>
+  <p:clrMapOvr>
+    <a:masterClrMapping/>
+  </p:clrMapOvr>
+</p:sld>
+</file>
+
+<file path=ppt/slides/slide2.xml><?xml version="1.0" encoding="utf-8"?>
 <p:sld xmlns:a="http://schemas.openxmlformats.org/drawingml/2006/main" xmlns:r="http://schemas.openxmlformats.org/officeDocument/2006/relationships" xmlns:p="http://schemas.openxmlformats.org/presentationml/2006/main">
   <p:cSld>
     <p:bg>
@@ -3736,7 +5355,7 @@
 </p:sld>
 </file>
 
-<file path=ppt/slides/slide2.xml><?xml version="1.0" encoding="utf-8"?>
+<file path=ppt/slides/slide3.xml><?xml version="1.0" encoding="utf-8"?>
 <p:sld xmlns:a="http://schemas.openxmlformats.org/drawingml/2006/main" xmlns:r="http://schemas.openxmlformats.org/officeDocument/2006/relationships" xmlns:p="http://schemas.openxmlformats.org/presentationml/2006/main">
   <p:cSld>
     <p:bg>
@@ -6123,7 +7742,7 @@
 </p:sld>
 </file>
 
-<file path=ppt/slides/slide3.xml><?xml version="1.0" encoding="utf-8"?>
+<file path=ppt/slides/slide4.xml><?xml version="1.0" encoding="utf-8"?>
 <p:sld xmlns:a="http://schemas.openxmlformats.org/drawingml/2006/main" xmlns:r="http://schemas.openxmlformats.org/officeDocument/2006/relationships" xmlns:p="http://schemas.openxmlformats.org/presentationml/2006/main">
   <p:cSld>
     <p:spTree>
@@ -8485,7 +10104,7 @@
 </p:sld>
 </file>
 
-<file path=ppt/slides/slide4.xml><?xml version="1.0" encoding="utf-8"?>
+<file path=ppt/slides/slide5.xml><?xml version="1.0" encoding="utf-8"?>
 <p:sld xmlns:a="http://schemas.openxmlformats.org/drawingml/2006/main" xmlns:r="http://schemas.openxmlformats.org/officeDocument/2006/relationships" xmlns:p="http://schemas.openxmlformats.org/presentationml/2006/main">
   <p:cSld>
     <p:spTree>
@@ -20828,7 +22447,7 @@
 </p:sld>
 </file>
 
-<file path=ppt/slides/slide5.xml><?xml version="1.0" encoding="utf-8"?>
+<file path=ppt/slides/slide6.xml><?xml version="1.0" encoding="utf-8"?>
 <p:sld xmlns:a="http://schemas.openxmlformats.org/drawingml/2006/main" xmlns:r="http://schemas.openxmlformats.org/officeDocument/2006/relationships" xmlns:p="http://schemas.openxmlformats.org/presentationml/2006/main">
   <p:cSld>
     <p:spTree>
@@ -21334,7 +22953,7 @@
 </p:sld>
 </file>
 
-<file path=ppt/slides/slide6.xml><?xml version="1.0" encoding="utf-8"?>
+<file path=ppt/slides/slide7.xml><?xml version="1.0" encoding="utf-8"?>
 <p:sld xmlns:a="http://schemas.openxmlformats.org/drawingml/2006/main" xmlns:r="http://schemas.openxmlformats.org/officeDocument/2006/relationships" xmlns:p="http://schemas.openxmlformats.org/presentationml/2006/main">
   <p:cSld>
     <p:spTree>
@@ -21861,7 +23480,7 @@
 </p:sld>
 </file>
 
-<file path=ppt/slides/slide7.xml><?xml version="1.0" encoding="utf-8"?>
+<file path=ppt/slides/slide8.xml><?xml version="1.0" encoding="utf-8"?>
 <p:sld xmlns:a="http://schemas.openxmlformats.org/drawingml/2006/main" xmlns:r="http://schemas.openxmlformats.org/officeDocument/2006/relationships" xmlns:p="http://schemas.openxmlformats.org/presentationml/2006/main">
   <p:cSld>
     <p:spTree>
